--- a/en/asset/mai-arch.pptx
+++ b/en/asset/mai-arch.pptx
@@ -6,6 +6,7 @@
   </p:sldMasterIdLst>
   <p:sldIdLst>
     <p:sldId id="256" r:id="rId2"/>
+    <p:sldId id="257" r:id="rId3"/>
   </p:sldIdLst>
   <p:sldSz cx="12192000" cy="6858000"/>
   <p:notesSz cx="6858000" cy="9144000"/>
@@ -259,7 +260,7 @@
           <a:p>
             <a:fld id="{F5070D61-C366-4358-8D3B-3705082AF76F}" type="datetimeFigureOut">
               <a:rPr lang="zh-CN" altLang="en-US" smtClean="0"/>
-              <a:t>2019/9/16</a:t>
+              <a:t>2019/11/21</a:t>
             </a:fld>
             <a:endParaRPr lang="zh-CN" altLang="en-US"/>
           </a:p>
@@ -457,7 +458,7 @@
           <a:p>
             <a:fld id="{F5070D61-C366-4358-8D3B-3705082AF76F}" type="datetimeFigureOut">
               <a:rPr lang="zh-CN" altLang="en-US" smtClean="0"/>
-              <a:t>2019/9/16</a:t>
+              <a:t>2019/11/21</a:t>
             </a:fld>
             <a:endParaRPr lang="zh-CN" altLang="en-US"/>
           </a:p>
@@ -665,7 +666,7 @@
           <a:p>
             <a:fld id="{F5070D61-C366-4358-8D3B-3705082AF76F}" type="datetimeFigureOut">
               <a:rPr lang="zh-CN" altLang="en-US" smtClean="0"/>
-              <a:t>2019/9/16</a:t>
+              <a:t>2019/11/21</a:t>
             </a:fld>
             <a:endParaRPr lang="zh-CN" altLang="en-US"/>
           </a:p>
@@ -863,7 +864,7 @@
           <a:p>
             <a:fld id="{F5070D61-C366-4358-8D3B-3705082AF76F}" type="datetimeFigureOut">
               <a:rPr lang="zh-CN" altLang="en-US" smtClean="0"/>
-              <a:t>2019/9/16</a:t>
+              <a:t>2019/11/21</a:t>
             </a:fld>
             <a:endParaRPr lang="zh-CN" altLang="en-US"/>
           </a:p>
@@ -1138,7 +1139,7 @@
           <a:p>
             <a:fld id="{F5070D61-C366-4358-8D3B-3705082AF76F}" type="datetimeFigureOut">
               <a:rPr lang="zh-CN" altLang="en-US" smtClean="0"/>
-              <a:t>2019/9/16</a:t>
+              <a:t>2019/11/21</a:t>
             </a:fld>
             <a:endParaRPr lang="zh-CN" altLang="en-US"/>
           </a:p>
@@ -1403,7 +1404,7 @@
           <a:p>
             <a:fld id="{F5070D61-C366-4358-8D3B-3705082AF76F}" type="datetimeFigureOut">
               <a:rPr lang="zh-CN" altLang="en-US" smtClean="0"/>
-              <a:t>2019/9/16</a:t>
+              <a:t>2019/11/21</a:t>
             </a:fld>
             <a:endParaRPr lang="zh-CN" altLang="en-US"/>
           </a:p>
@@ -1815,7 +1816,7 @@
           <a:p>
             <a:fld id="{F5070D61-C366-4358-8D3B-3705082AF76F}" type="datetimeFigureOut">
               <a:rPr lang="zh-CN" altLang="en-US" smtClean="0"/>
-              <a:t>2019/9/16</a:t>
+              <a:t>2019/11/21</a:t>
             </a:fld>
             <a:endParaRPr lang="zh-CN" altLang="en-US"/>
           </a:p>
@@ -1956,7 +1957,7 @@
           <a:p>
             <a:fld id="{F5070D61-C366-4358-8D3B-3705082AF76F}" type="datetimeFigureOut">
               <a:rPr lang="zh-CN" altLang="en-US" smtClean="0"/>
-              <a:t>2019/9/16</a:t>
+              <a:t>2019/11/21</a:t>
             </a:fld>
             <a:endParaRPr lang="zh-CN" altLang="en-US"/>
           </a:p>
@@ -2069,7 +2070,7 @@
           <a:p>
             <a:fld id="{F5070D61-C366-4358-8D3B-3705082AF76F}" type="datetimeFigureOut">
               <a:rPr lang="zh-CN" altLang="en-US" smtClean="0"/>
-              <a:t>2019/9/16</a:t>
+              <a:t>2019/11/21</a:t>
             </a:fld>
             <a:endParaRPr lang="zh-CN" altLang="en-US"/>
           </a:p>
@@ -2380,7 +2381,7 @@
           <a:p>
             <a:fld id="{F5070D61-C366-4358-8D3B-3705082AF76F}" type="datetimeFigureOut">
               <a:rPr lang="zh-CN" altLang="en-US" smtClean="0"/>
-              <a:t>2019/9/16</a:t>
+              <a:t>2019/11/21</a:t>
             </a:fld>
             <a:endParaRPr lang="zh-CN" altLang="en-US"/>
           </a:p>
@@ -2668,7 +2669,7 @@
           <a:p>
             <a:fld id="{F5070D61-C366-4358-8D3B-3705082AF76F}" type="datetimeFigureOut">
               <a:rPr lang="zh-CN" altLang="en-US" smtClean="0"/>
-              <a:t>2019/9/16</a:t>
+              <a:t>2019/11/21</a:t>
             </a:fld>
             <a:endParaRPr lang="zh-CN" altLang="en-US"/>
           </a:p>
@@ -2909,7 +2910,7 @@
           <a:p>
             <a:fld id="{F5070D61-C366-4358-8D3B-3705082AF76F}" type="datetimeFigureOut">
               <a:rPr lang="zh-CN" altLang="en-US" smtClean="0"/>
-              <a:t>2019/9/16</a:t>
+              <a:t>2019/11/21</a:t>
             </a:fld>
             <a:endParaRPr lang="zh-CN" altLang="en-US"/>
           </a:p>
@@ -3326,1249 +3327,2913 @@
           <a:chExt cx="0" cy="0"/>
         </a:xfrm>
       </p:grpSpPr>
-      <p:sp>
-        <p:nvSpPr>
-          <p:cNvPr id="22" name="矩形: 圆角 21">
+      <p:grpSp>
+        <p:nvGrpSpPr>
+          <p:cNvPr id="2" name="组合 1">
             <a:extLst>
               <a:ext uri="{FF2B5EF4-FFF2-40B4-BE49-F238E27FC236}">
-                <a16:creationId xmlns:a16="http://schemas.microsoft.com/office/drawing/2014/main" id="{E653A227-7A55-41AE-B26A-C3ABB8F6705F}"/>
+                <a16:creationId xmlns:a16="http://schemas.microsoft.com/office/drawing/2014/main" id="{A50B6FF4-74B8-4A9B-B0A5-2B9C077D8139}"/>
               </a:ext>
             </a:extLst>
           </p:cNvPr>
-          <p:cNvSpPr/>
+          <p:cNvGrpSpPr/>
           <p:nvPr/>
-        </p:nvSpPr>
-        <p:spPr>
+        </p:nvGrpSpPr>
+        <p:grpSpPr>
           <a:xfrm>
-            <a:off x="3709353" y="1028239"/>
-            <a:ext cx="5561247" cy="4206240"/>
+            <a:off x="492369" y="351692"/>
+            <a:ext cx="11310424" cy="5739619"/>
+            <a:chOff x="492369" y="351692"/>
+            <a:chExt cx="11310424" cy="5739619"/>
           </a:xfrm>
-          <a:prstGeom prst="roundRect">
-            <a:avLst>
-              <a:gd name="adj" fmla="val 12988"/>
-            </a:avLst>
-          </a:prstGeom>
-          <a:noFill/>
-          <a:ln>
-            <a:solidFill>
-              <a:schemeClr val="tx1"/>
-            </a:solidFill>
-          </a:ln>
-        </p:spPr>
-        <p:style>
-          <a:lnRef idx="2">
-            <a:schemeClr val="accent1">
-              <a:shade val="50000"/>
-            </a:schemeClr>
-          </a:lnRef>
-          <a:fillRef idx="1">
-            <a:schemeClr val="accent1"/>
-          </a:fillRef>
-          <a:effectRef idx="0">
-            <a:schemeClr val="accent1"/>
-          </a:effectRef>
-          <a:fontRef idx="minor">
-            <a:schemeClr val="lt1"/>
-          </a:fontRef>
-        </p:style>
-        <p:txBody>
-          <a:bodyPr rtlCol="0" anchor="ctr"/>
-          <a:lstStyle/>
-          <a:p>
-            <a:pPr algn="ctr"/>
-            <a:endParaRPr lang="zh-CN" altLang="en-US" dirty="0"/>
-          </a:p>
-        </p:txBody>
-      </p:sp>
-      <p:sp>
-        <p:nvSpPr>
-          <p:cNvPr id="4" name="椭圆 3">
-            <a:extLst>
-              <a:ext uri="{FF2B5EF4-FFF2-40B4-BE49-F238E27FC236}">
-                <a16:creationId xmlns:a16="http://schemas.microsoft.com/office/drawing/2014/main" id="{5078006F-1272-4C97-A568-5488F526E11F}"/>
-              </a:ext>
-            </a:extLst>
-          </p:cNvPr>
-          <p:cNvSpPr/>
-          <p:nvPr/>
-        </p:nvSpPr>
-        <p:spPr>
-          <a:xfrm>
-            <a:off x="492369" y="1746339"/>
-            <a:ext cx="1523866" cy="865163"/>
-          </a:xfrm>
-          <a:prstGeom prst="ellipse">
-            <a:avLst/>
-          </a:prstGeom>
-        </p:spPr>
-        <p:style>
-          <a:lnRef idx="2">
-            <a:schemeClr val="dk1"/>
-          </a:lnRef>
-          <a:fillRef idx="1">
-            <a:schemeClr val="lt1"/>
-          </a:fillRef>
-          <a:effectRef idx="0">
-            <a:schemeClr val="dk1"/>
-          </a:effectRef>
-          <a:fontRef idx="minor">
-            <a:schemeClr val="dk1"/>
-          </a:fontRef>
-        </p:style>
-        <p:txBody>
-          <a:bodyPr rtlCol="0" anchor="ctr"/>
-          <a:lstStyle/>
-          <a:p>
-            <a:pPr algn="ctr"/>
-            <a:r>
-              <a:rPr lang="en-US" altLang="zh-CN" dirty="0">
-                <a:latin typeface="微软雅黑" panose="020B0503020204020204" pitchFamily="34" charset="-122"/>
+        </p:grpSpPr>
+        <p:sp>
+          <p:nvSpPr>
+            <p:cNvPr id="22" name="矩形: 圆角 21">
+              <a:extLst>
+                <a:ext uri="{FF2B5EF4-FFF2-40B4-BE49-F238E27FC236}">
+                  <a16:creationId xmlns:a16="http://schemas.microsoft.com/office/drawing/2014/main" id="{E653A227-7A55-41AE-B26A-C3ABB8F6705F}"/>
+                </a:ext>
+              </a:extLst>
+            </p:cNvPr>
+            <p:cNvSpPr/>
+            <p:nvPr/>
+          </p:nvSpPr>
+          <p:spPr>
+            <a:xfrm>
+              <a:off x="3709353" y="1028239"/>
+              <a:ext cx="5561247" cy="4206240"/>
+            </a:xfrm>
+            <a:prstGeom prst="roundRect">
+              <a:avLst>
+                <a:gd name="adj" fmla="val 12988"/>
+              </a:avLst>
+            </a:prstGeom>
+            <a:noFill/>
+            <a:ln>
+              <a:solidFill>
+                <a:schemeClr val="tx1"/>
+              </a:solidFill>
+            </a:ln>
+          </p:spPr>
+          <p:style>
+            <a:lnRef idx="2">
+              <a:schemeClr val="accent1">
+                <a:shade val="50000"/>
+              </a:schemeClr>
+            </a:lnRef>
+            <a:fillRef idx="1">
+              <a:schemeClr val="accent1"/>
+            </a:fillRef>
+            <a:effectRef idx="0">
+              <a:schemeClr val="accent1"/>
+            </a:effectRef>
+            <a:fontRef idx="minor">
+              <a:schemeClr val="lt1"/>
+            </a:fontRef>
+          </p:style>
+          <p:txBody>
+            <a:bodyPr rtlCol="0" anchor="ctr"/>
+            <a:lstStyle/>
+            <a:p>
+              <a:pPr algn="ctr"/>
+              <a:endParaRPr lang="zh-CN" altLang="en-US" dirty="0">
+                <a:latin typeface="Arial" panose="020B0604020202020204" pitchFamily="34" charset="0"/>
+                <a:cs typeface="Arial" panose="020B0604020202020204" pitchFamily="34" charset="0"/>
+              </a:endParaRPr>
+            </a:p>
+          </p:txBody>
+        </p:sp>
+        <p:sp>
+          <p:nvSpPr>
+            <p:cNvPr id="4" name="椭圆 3">
+              <a:extLst>
+                <a:ext uri="{FF2B5EF4-FFF2-40B4-BE49-F238E27FC236}">
+                  <a16:creationId xmlns:a16="http://schemas.microsoft.com/office/drawing/2014/main" id="{5078006F-1272-4C97-A568-5488F526E11F}"/>
+                </a:ext>
+              </a:extLst>
+            </p:cNvPr>
+            <p:cNvSpPr/>
+            <p:nvPr/>
+          </p:nvSpPr>
+          <p:spPr>
+            <a:xfrm>
+              <a:off x="492369" y="1746339"/>
+              <a:ext cx="1523866" cy="865163"/>
+            </a:xfrm>
+            <a:prstGeom prst="ellipse">
+              <a:avLst/>
+            </a:prstGeom>
+          </p:spPr>
+          <p:style>
+            <a:lnRef idx="2">
+              <a:schemeClr val="dk1"/>
+            </a:lnRef>
+            <a:fillRef idx="1">
+              <a:schemeClr val="lt1"/>
+            </a:fillRef>
+            <a:effectRef idx="0">
+              <a:schemeClr val="dk1"/>
+            </a:effectRef>
+            <a:fontRef idx="minor">
+              <a:schemeClr val="dk1"/>
+            </a:fontRef>
+          </p:style>
+          <p:txBody>
+            <a:bodyPr rtlCol="0" anchor="ctr"/>
+            <a:lstStyle/>
+            <a:p>
+              <a:pPr algn="ctr"/>
+              <a:r>
+                <a:rPr lang="en-US" altLang="zh-CN" dirty="0">
+                  <a:latin typeface="Arial" panose="020B0604020202020204" pitchFamily="34" charset="0"/>
+                  <a:ea typeface="微软雅黑" panose="020B0503020204020204" pitchFamily="34" charset="-122"/>
+                  <a:cs typeface="Arial" panose="020B0604020202020204" pitchFamily="34" charset="0"/>
+                </a:rPr>
+                <a:t>Traders</a:t>
+              </a:r>
+              <a:endParaRPr lang="zh-CN" altLang="en-US" dirty="0">
+                <a:latin typeface="Arial" panose="020B0604020202020204" pitchFamily="34" charset="0"/>
                 <a:ea typeface="微软雅黑" panose="020B0503020204020204" pitchFamily="34" charset="-122"/>
-              </a:rPr>
-              <a:t>Traders</a:t>
-            </a:r>
-            <a:endParaRPr lang="zh-CN" altLang="en-US" dirty="0">
-              <a:latin typeface="微软雅黑" panose="020B0503020204020204" pitchFamily="34" charset="-122"/>
-              <a:ea typeface="微软雅黑" panose="020B0503020204020204" pitchFamily="34" charset="-122"/>
-            </a:endParaRPr>
-          </a:p>
-        </p:txBody>
-      </p:sp>
-      <p:sp>
-        <p:nvSpPr>
-          <p:cNvPr id="6" name="椭圆 5">
-            <a:extLst>
-              <a:ext uri="{FF2B5EF4-FFF2-40B4-BE49-F238E27FC236}">
-                <a16:creationId xmlns:a16="http://schemas.microsoft.com/office/drawing/2014/main" id="{DFE8BB6D-944B-47D8-A989-9A77B2AF67DE}"/>
-              </a:ext>
-            </a:extLst>
-          </p:cNvPr>
-          <p:cNvSpPr/>
-          <p:nvPr/>
-        </p:nvSpPr>
-        <p:spPr>
-          <a:xfrm>
-            <a:off x="492369" y="3707219"/>
-            <a:ext cx="1523866" cy="865163"/>
-          </a:xfrm>
-          <a:prstGeom prst="ellipse">
-            <a:avLst/>
-          </a:prstGeom>
-        </p:spPr>
-        <p:style>
-          <a:lnRef idx="2">
-            <a:schemeClr val="dk1"/>
-          </a:lnRef>
-          <a:fillRef idx="1">
-            <a:schemeClr val="lt1"/>
-          </a:fillRef>
-          <a:effectRef idx="0">
-            <a:schemeClr val="dk1"/>
-          </a:effectRef>
-          <a:fontRef idx="minor">
-            <a:schemeClr val="dk1"/>
-          </a:fontRef>
-        </p:style>
-        <p:txBody>
-          <a:bodyPr rtlCol="0" anchor="ctr"/>
-          <a:lstStyle/>
-          <a:p>
-            <a:pPr algn="ctr"/>
-            <a:r>
-              <a:rPr lang="en-US" altLang="zh-CN" dirty="0" err="1">
-                <a:latin typeface="微软雅黑" panose="020B0503020204020204" pitchFamily="34" charset="-122"/>
+                <a:cs typeface="Arial" panose="020B0604020202020204" pitchFamily="34" charset="0"/>
+              </a:endParaRPr>
+            </a:p>
+          </p:txBody>
+        </p:sp>
+        <p:sp>
+          <p:nvSpPr>
+            <p:cNvPr id="6" name="椭圆 5">
+              <a:extLst>
+                <a:ext uri="{FF2B5EF4-FFF2-40B4-BE49-F238E27FC236}">
+                  <a16:creationId xmlns:a16="http://schemas.microsoft.com/office/drawing/2014/main" id="{DFE8BB6D-944B-47D8-A989-9A77B2AF67DE}"/>
+                </a:ext>
+              </a:extLst>
+            </p:cNvPr>
+            <p:cNvSpPr/>
+            <p:nvPr/>
+          </p:nvSpPr>
+          <p:spPr>
+            <a:xfrm>
+              <a:off x="492369" y="3707219"/>
+              <a:ext cx="1523866" cy="865163"/>
+            </a:xfrm>
+            <a:prstGeom prst="ellipse">
+              <a:avLst/>
+            </a:prstGeom>
+          </p:spPr>
+          <p:style>
+            <a:lnRef idx="2">
+              <a:schemeClr val="dk1"/>
+            </a:lnRef>
+            <a:fillRef idx="1">
+              <a:schemeClr val="lt1"/>
+            </a:fillRef>
+            <a:effectRef idx="0">
+              <a:schemeClr val="dk1"/>
+            </a:effectRef>
+            <a:fontRef idx="minor">
+              <a:schemeClr val="dk1"/>
+            </a:fontRef>
+          </p:style>
+          <p:txBody>
+            <a:bodyPr rtlCol="0" anchor="ctr"/>
+            <a:lstStyle/>
+            <a:p>
+              <a:pPr algn="ctr"/>
+              <a:r>
+                <a:rPr lang="en-US" altLang="zh-CN" dirty="0" err="1">
+                  <a:latin typeface="Arial" panose="020B0604020202020204" pitchFamily="34" charset="0"/>
+                  <a:ea typeface="微软雅黑" panose="020B0503020204020204" pitchFamily="34" charset="-122"/>
+                  <a:cs typeface="Arial" panose="020B0604020202020204" pitchFamily="34" charset="0"/>
+                </a:rPr>
+                <a:t>Relayer</a:t>
+              </a:r>
+              <a:endParaRPr lang="zh-CN" altLang="en-US" dirty="0">
+                <a:latin typeface="Arial" panose="020B0604020202020204" pitchFamily="34" charset="0"/>
                 <a:ea typeface="微软雅黑" panose="020B0503020204020204" pitchFamily="34" charset="-122"/>
-              </a:rPr>
-              <a:t>Relayer</a:t>
-            </a:r>
-            <a:endParaRPr lang="zh-CN" altLang="en-US" dirty="0">
-              <a:latin typeface="微软雅黑" panose="020B0503020204020204" pitchFamily="34" charset="-122"/>
-              <a:ea typeface="微软雅黑" panose="020B0503020204020204" pitchFamily="34" charset="-122"/>
-            </a:endParaRPr>
-          </a:p>
-        </p:txBody>
-      </p:sp>
-      <p:sp>
-        <p:nvSpPr>
-          <p:cNvPr id="7" name="矩形 6">
-            <a:extLst>
-              <a:ext uri="{FF2B5EF4-FFF2-40B4-BE49-F238E27FC236}">
-                <a16:creationId xmlns:a16="http://schemas.microsoft.com/office/drawing/2014/main" id="{ADF06655-6AA4-4BA8-8E09-21A46B91140F}"/>
-              </a:ext>
-            </a:extLst>
-          </p:cNvPr>
-          <p:cNvSpPr/>
-          <p:nvPr/>
-        </p:nvSpPr>
-        <p:spPr>
-          <a:xfrm>
-            <a:off x="3936774" y="1758459"/>
-            <a:ext cx="1955411" cy="865163"/>
-          </a:xfrm>
-          <a:prstGeom prst="rect">
-            <a:avLst/>
-          </a:prstGeom>
-        </p:spPr>
-        <p:style>
-          <a:lnRef idx="2">
-            <a:schemeClr val="dk1"/>
-          </a:lnRef>
-          <a:fillRef idx="1">
-            <a:schemeClr val="lt1"/>
-          </a:fillRef>
-          <a:effectRef idx="0">
-            <a:schemeClr val="dk1"/>
-          </a:effectRef>
-          <a:fontRef idx="minor">
-            <a:schemeClr val="dk1"/>
-          </a:fontRef>
-        </p:style>
-        <p:txBody>
-          <a:bodyPr rot="0" spcFirstLastPara="0" vertOverflow="overflow" horzOverflow="overflow" vert="horz" wrap="square" lIns="91440" tIns="45720" rIns="91440" bIns="45720" numCol="1" spcCol="0" rtlCol="0" fromWordArt="0" anchor="ctr" anchorCtr="0" forceAA="0" compatLnSpc="1">
-            <a:prstTxWarp prst="textNoShape">
+                <a:cs typeface="Arial" panose="020B0604020202020204" pitchFamily="34" charset="0"/>
+              </a:endParaRPr>
+            </a:p>
+          </p:txBody>
+        </p:sp>
+        <p:sp>
+          <p:nvSpPr>
+            <p:cNvPr id="7" name="矩形 6">
+              <a:extLst>
+                <a:ext uri="{FF2B5EF4-FFF2-40B4-BE49-F238E27FC236}">
+                  <a16:creationId xmlns:a16="http://schemas.microsoft.com/office/drawing/2014/main" id="{ADF06655-6AA4-4BA8-8E09-21A46B91140F}"/>
+                </a:ext>
+              </a:extLst>
+            </p:cNvPr>
+            <p:cNvSpPr/>
+            <p:nvPr/>
+          </p:nvSpPr>
+          <p:spPr>
+            <a:xfrm>
+              <a:off x="3936774" y="1758459"/>
+              <a:ext cx="1955411" cy="865163"/>
+            </a:xfrm>
+            <a:prstGeom prst="rect">
               <a:avLst/>
-            </a:prstTxWarp>
-            <a:noAutofit/>
-          </a:bodyPr>
-          <a:lstStyle/>
-          <a:p>
-            <a:pPr algn="ctr"/>
-            <a:r>
-              <a:rPr lang="en-US" altLang="zh-CN" dirty="0">
+            </a:prstGeom>
+          </p:spPr>
+          <p:style>
+            <a:lnRef idx="2">
+              <a:schemeClr val="dk1"/>
+            </a:lnRef>
+            <a:fillRef idx="1">
+              <a:schemeClr val="lt1"/>
+            </a:fillRef>
+            <a:effectRef idx="0">
+              <a:schemeClr val="dk1"/>
+            </a:effectRef>
+            <a:fontRef idx="minor">
+              <a:schemeClr val="dk1"/>
+            </a:fontRef>
+          </p:style>
+          <p:txBody>
+            <a:bodyPr rot="0" spcFirstLastPara="0" vertOverflow="overflow" horzOverflow="overflow" vert="horz" wrap="square" lIns="91440" tIns="45720" rIns="91440" bIns="45720" numCol="1" spcCol="0" rtlCol="0" fromWordArt="0" anchor="ctr" anchorCtr="0" forceAA="0" compatLnSpc="1">
+              <a:prstTxWarp prst="textNoShape">
+                <a:avLst/>
+              </a:prstTxWarp>
+              <a:noAutofit/>
+            </a:bodyPr>
+            <a:lstStyle/>
+            <a:p>
+              <a:pPr algn="ctr"/>
+              <a:r>
+                <a:rPr lang="en-US" altLang="zh-CN" dirty="0">
+                  <a:solidFill>
+                    <a:schemeClr val="dk1"/>
+                  </a:solidFill>
+                  <a:latin typeface="Arial" panose="020B0604020202020204" pitchFamily="34" charset="0"/>
+                  <a:ea typeface="微软雅黑" panose="020B0503020204020204" pitchFamily="34" charset="-122"/>
+                  <a:cs typeface="Arial" panose="020B0604020202020204" pitchFamily="34" charset="0"/>
+                </a:rPr>
+                <a:t>Approval Proxy</a:t>
+              </a:r>
+              <a:endParaRPr lang="zh-CN" altLang="en-US" dirty="0">
                 <a:solidFill>
                   <a:schemeClr val="dk1"/>
                 </a:solidFill>
-                <a:latin typeface="微软雅黑" panose="020B0503020204020204" pitchFamily="34" charset="-122"/>
+                <a:latin typeface="Arial" panose="020B0604020202020204" pitchFamily="34" charset="0"/>
                 <a:ea typeface="微软雅黑" panose="020B0503020204020204" pitchFamily="34" charset="-122"/>
-              </a:rPr>
-              <a:t>Approval Proxy</a:t>
-            </a:r>
-            <a:endParaRPr lang="zh-CN" altLang="en-US" dirty="0">
-              <a:solidFill>
-                <a:schemeClr val="dk1"/>
-              </a:solidFill>
-              <a:latin typeface="微软雅黑" panose="020B0503020204020204" pitchFamily="34" charset="-122"/>
-              <a:ea typeface="微软雅黑" panose="020B0503020204020204" pitchFamily="34" charset="-122"/>
-            </a:endParaRPr>
-          </a:p>
-        </p:txBody>
-      </p:sp>
-      <p:sp>
-        <p:nvSpPr>
-          <p:cNvPr id="8" name="矩形 7">
-            <a:extLst>
-              <a:ext uri="{FF2B5EF4-FFF2-40B4-BE49-F238E27FC236}">
-                <a16:creationId xmlns:a16="http://schemas.microsoft.com/office/drawing/2014/main" id="{A9E9D41C-A2BD-4393-81B9-C711573B3A84}"/>
-              </a:ext>
-            </a:extLst>
-          </p:cNvPr>
-          <p:cNvSpPr/>
-          <p:nvPr/>
-        </p:nvSpPr>
-        <p:spPr>
-          <a:xfrm>
-            <a:off x="3936773" y="3700581"/>
-            <a:ext cx="1955411" cy="865163"/>
-          </a:xfrm>
-          <a:prstGeom prst="rect">
-            <a:avLst/>
-          </a:prstGeom>
-        </p:spPr>
-        <p:style>
-          <a:lnRef idx="2">
-            <a:schemeClr val="dk1"/>
-          </a:lnRef>
-          <a:fillRef idx="1">
-            <a:schemeClr val="lt1"/>
-          </a:fillRef>
-          <a:effectRef idx="0">
-            <a:schemeClr val="dk1"/>
-          </a:effectRef>
-          <a:fontRef idx="minor">
-            <a:schemeClr val="dk1"/>
-          </a:fontRef>
-        </p:style>
-        <p:txBody>
-          <a:bodyPr rot="0" spcFirstLastPara="0" vertOverflow="overflow" horzOverflow="overflow" vert="horz" wrap="square" lIns="91440" tIns="45720" rIns="91440" bIns="45720" numCol="1" spcCol="0" rtlCol="0" fromWordArt="0" anchor="ctr" anchorCtr="0" forceAA="0" compatLnSpc="1">
-            <a:prstTxWarp prst="textNoShape">
+                <a:cs typeface="Arial" panose="020B0604020202020204" pitchFamily="34" charset="0"/>
+              </a:endParaRPr>
+            </a:p>
+          </p:txBody>
+        </p:sp>
+        <p:sp>
+          <p:nvSpPr>
+            <p:cNvPr id="8" name="矩形 7">
+              <a:extLst>
+                <a:ext uri="{FF2B5EF4-FFF2-40B4-BE49-F238E27FC236}">
+                  <a16:creationId xmlns:a16="http://schemas.microsoft.com/office/drawing/2014/main" id="{A9E9D41C-A2BD-4393-81B9-C711573B3A84}"/>
+                </a:ext>
+              </a:extLst>
+            </p:cNvPr>
+            <p:cNvSpPr/>
+            <p:nvPr/>
+          </p:nvSpPr>
+          <p:spPr>
+            <a:xfrm>
+              <a:off x="3936773" y="3700581"/>
+              <a:ext cx="1955411" cy="865163"/>
+            </a:xfrm>
+            <a:prstGeom prst="rect">
               <a:avLst/>
-            </a:prstTxWarp>
-            <a:noAutofit/>
-          </a:bodyPr>
-          <a:lstStyle/>
-          <a:p>
-            <a:pPr algn="ctr"/>
-            <a:r>
-              <a:rPr lang="en-US" altLang="zh-CN" dirty="0">
+            </a:prstGeom>
+          </p:spPr>
+          <p:style>
+            <a:lnRef idx="2">
+              <a:schemeClr val="dk1"/>
+            </a:lnRef>
+            <a:fillRef idx="1">
+              <a:schemeClr val="lt1"/>
+            </a:fillRef>
+            <a:effectRef idx="0">
+              <a:schemeClr val="dk1"/>
+            </a:effectRef>
+            <a:fontRef idx="minor">
+              <a:schemeClr val="dk1"/>
+            </a:fontRef>
+          </p:style>
+          <p:txBody>
+            <a:bodyPr rot="0" spcFirstLastPara="0" vertOverflow="overflow" horzOverflow="overflow" vert="horz" wrap="square" lIns="91440" tIns="45720" rIns="91440" bIns="45720" numCol="1" spcCol="0" rtlCol="0" fromWordArt="0" anchor="ctr" anchorCtr="0" forceAA="0" compatLnSpc="1">
+              <a:prstTxWarp prst="textNoShape">
+                <a:avLst/>
+              </a:prstTxWarp>
+              <a:noAutofit/>
+            </a:bodyPr>
+            <a:lstStyle/>
+            <a:p>
+              <a:pPr algn="ctr"/>
+              <a:r>
+                <a:rPr lang="en-US" altLang="zh-CN" dirty="0">
+                  <a:solidFill>
+                    <a:schemeClr val="dk1"/>
+                  </a:solidFill>
+                  <a:latin typeface="Arial" panose="020B0604020202020204" pitchFamily="34" charset="0"/>
+                  <a:ea typeface="微软雅黑" panose="020B0503020204020204" pitchFamily="34" charset="-122"/>
+                  <a:cs typeface="Arial" panose="020B0604020202020204" pitchFamily="34" charset="0"/>
+                </a:rPr>
+                <a:t>Mai Exchange</a:t>
+              </a:r>
+              <a:endParaRPr lang="zh-CN" altLang="en-US" dirty="0">
                 <a:solidFill>
                   <a:schemeClr val="dk1"/>
                 </a:solidFill>
-                <a:latin typeface="微软雅黑" panose="020B0503020204020204" pitchFamily="34" charset="-122"/>
+                <a:latin typeface="Arial" panose="020B0604020202020204" pitchFamily="34" charset="0"/>
                 <a:ea typeface="微软雅黑" panose="020B0503020204020204" pitchFamily="34" charset="-122"/>
-              </a:rPr>
-              <a:t>Mai Exchange</a:t>
-            </a:r>
-            <a:endParaRPr lang="zh-CN" altLang="en-US" dirty="0">
-              <a:solidFill>
-                <a:schemeClr val="dk1"/>
-              </a:solidFill>
-              <a:latin typeface="微软雅黑" panose="020B0503020204020204" pitchFamily="34" charset="-122"/>
-              <a:ea typeface="微软雅黑" panose="020B0503020204020204" pitchFamily="34" charset="-122"/>
-            </a:endParaRPr>
-          </a:p>
-        </p:txBody>
-      </p:sp>
-      <p:sp>
-        <p:nvSpPr>
-          <p:cNvPr id="9" name="矩形 8">
-            <a:extLst>
-              <a:ext uri="{FF2B5EF4-FFF2-40B4-BE49-F238E27FC236}">
-                <a16:creationId xmlns:a16="http://schemas.microsoft.com/office/drawing/2014/main" id="{94AEDBFB-F59B-46D1-A626-129D6E572754}"/>
-              </a:ext>
-            </a:extLst>
-          </p:cNvPr>
-          <p:cNvSpPr/>
-          <p:nvPr/>
-        </p:nvSpPr>
-        <p:spPr>
-          <a:xfrm>
-            <a:off x="6987045" y="1758459"/>
-            <a:ext cx="1955411" cy="865163"/>
-          </a:xfrm>
-          <a:prstGeom prst="rect">
-            <a:avLst/>
-          </a:prstGeom>
-        </p:spPr>
-        <p:style>
-          <a:lnRef idx="2">
-            <a:schemeClr val="dk1"/>
-          </a:lnRef>
-          <a:fillRef idx="1">
-            <a:schemeClr val="lt1"/>
-          </a:fillRef>
-          <a:effectRef idx="0">
-            <a:schemeClr val="dk1"/>
-          </a:effectRef>
-          <a:fontRef idx="minor">
-            <a:schemeClr val="dk1"/>
-          </a:fontRef>
-        </p:style>
-        <p:txBody>
-          <a:bodyPr rot="0" spcFirstLastPara="0" vertOverflow="overflow" horzOverflow="overflow" vert="horz" wrap="square" lIns="91440" tIns="45720" rIns="91440" bIns="45720" numCol="1" spcCol="0" rtlCol="0" fromWordArt="0" anchor="ctr" anchorCtr="0" forceAA="0" compatLnSpc="1">
-            <a:prstTxWarp prst="textNoShape">
+                <a:cs typeface="Arial" panose="020B0604020202020204" pitchFamily="34" charset="0"/>
+              </a:endParaRPr>
+            </a:p>
+          </p:txBody>
+        </p:sp>
+        <p:sp>
+          <p:nvSpPr>
+            <p:cNvPr id="9" name="矩形 8">
+              <a:extLst>
+                <a:ext uri="{FF2B5EF4-FFF2-40B4-BE49-F238E27FC236}">
+                  <a16:creationId xmlns:a16="http://schemas.microsoft.com/office/drawing/2014/main" id="{94AEDBFB-F59B-46D1-A626-129D6E572754}"/>
+                </a:ext>
+              </a:extLst>
+            </p:cNvPr>
+            <p:cNvSpPr/>
+            <p:nvPr/>
+          </p:nvSpPr>
+          <p:spPr>
+            <a:xfrm>
+              <a:off x="6987045" y="1758459"/>
+              <a:ext cx="1955411" cy="865163"/>
+            </a:xfrm>
+            <a:prstGeom prst="rect">
               <a:avLst/>
-            </a:prstTxWarp>
-            <a:noAutofit/>
-          </a:bodyPr>
-          <a:lstStyle/>
-          <a:p>
-            <a:pPr algn="ctr"/>
-            <a:r>
-              <a:rPr lang="en-US" altLang="zh-CN" dirty="0">
+            </a:prstGeom>
+          </p:spPr>
+          <p:style>
+            <a:lnRef idx="2">
+              <a:schemeClr val="dk1"/>
+            </a:lnRef>
+            <a:fillRef idx="1">
+              <a:schemeClr val="lt1"/>
+            </a:fillRef>
+            <a:effectRef idx="0">
+              <a:schemeClr val="dk1"/>
+            </a:effectRef>
+            <a:fontRef idx="minor">
+              <a:schemeClr val="dk1"/>
+            </a:fontRef>
+          </p:style>
+          <p:txBody>
+            <a:bodyPr rot="0" spcFirstLastPara="0" vertOverflow="overflow" horzOverflow="overflow" vert="horz" wrap="square" lIns="91440" tIns="45720" rIns="91440" bIns="45720" numCol="1" spcCol="0" rtlCol="0" fromWordArt="0" anchor="ctr" anchorCtr="0" forceAA="0" compatLnSpc="1">
+              <a:prstTxWarp prst="textNoShape">
+                <a:avLst/>
+              </a:prstTxWarp>
+              <a:noAutofit/>
+            </a:bodyPr>
+            <a:lstStyle/>
+            <a:p>
+              <a:pPr algn="ctr"/>
+              <a:r>
+                <a:rPr lang="en-US" altLang="zh-CN" dirty="0">
+                  <a:solidFill>
+                    <a:schemeClr val="dk1"/>
+                  </a:solidFill>
+                  <a:latin typeface="Arial" panose="020B0604020202020204" pitchFamily="34" charset="0"/>
+                  <a:ea typeface="微软雅黑" panose="020B0503020204020204" pitchFamily="34" charset="-122"/>
+                  <a:cs typeface="Arial" panose="020B0604020202020204" pitchFamily="34" charset="0"/>
+                </a:rPr>
+                <a:t>Minting Pool</a:t>
+              </a:r>
+              <a:endParaRPr lang="zh-CN" altLang="en-US" dirty="0">
                 <a:solidFill>
                   <a:schemeClr val="dk1"/>
                 </a:solidFill>
-                <a:latin typeface="微软雅黑" panose="020B0503020204020204" pitchFamily="34" charset="-122"/>
+                <a:latin typeface="Arial" panose="020B0604020202020204" pitchFamily="34" charset="0"/>
                 <a:ea typeface="微软雅黑" panose="020B0503020204020204" pitchFamily="34" charset="-122"/>
-              </a:rPr>
-              <a:t>Minting Pool</a:t>
-            </a:r>
-            <a:endParaRPr lang="zh-CN" altLang="en-US" dirty="0">
+                <a:cs typeface="Arial" panose="020B0604020202020204" pitchFamily="34" charset="0"/>
+              </a:endParaRPr>
+            </a:p>
+          </p:txBody>
+        </p:sp>
+        <p:sp>
+          <p:nvSpPr>
+            <p:cNvPr id="12" name="文本框 11">
+              <a:extLst>
+                <a:ext uri="{FF2B5EF4-FFF2-40B4-BE49-F238E27FC236}">
+                  <a16:creationId xmlns:a16="http://schemas.microsoft.com/office/drawing/2014/main" id="{867A7F36-3EDA-4E1A-A334-9B90564A1878}"/>
+                </a:ext>
+              </a:extLst>
+            </p:cNvPr>
+            <p:cNvSpPr txBox="1"/>
+            <p:nvPr/>
+          </p:nvSpPr>
+          <p:spPr>
+            <a:xfrm>
+              <a:off x="3259414" y="387276"/>
+              <a:ext cx="1159292" cy="369332"/>
+            </a:xfrm>
+            <a:prstGeom prst="rect">
+              <a:avLst/>
+            </a:prstGeom>
+            <a:noFill/>
+          </p:spPr>
+          <p:txBody>
+            <a:bodyPr wrap="none" rtlCol="0">
+              <a:spAutoFit/>
+            </a:bodyPr>
+            <a:lstStyle/>
+            <a:p>
+              <a:r>
+                <a:rPr lang="en-US" altLang="zh-CN" dirty="0">
+                  <a:latin typeface="Arial" panose="020B0604020202020204" pitchFamily="34" charset="0"/>
+                  <a:ea typeface="Source Sans Pro" panose="020B0503030403020204" pitchFamily="34" charset="0"/>
+                  <a:cs typeface="Arial" panose="020B0604020202020204" pitchFamily="34" charset="0"/>
+                </a:rPr>
+                <a:t>On </a:t>
+              </a:r>
+              <a:r>
+                <a:rPr lang="en-US" altLang="zh-CN" dirty="0">
+                  <a:latin typeface="Arial" panose="020B0604020202020204" pitchFamily="34" charset="0"/>
+                  <a:ea typeface="微软雅黑" panose="020B0503020204020204" pitchFamily="34" charset="-122"/>
+                  <a:cs typeface="Arial" panose="020B0604020202020204" pitchFamily="34" charset="0"/>
+                </a:rPr>
+                <a:t>Chain</a:t>
+              </a:r>
+              <a:endParaRPr lang="zh-CN" altLang="en-US" dirty="0">
+                <a:latin typeface="Arial" panose="020B0604020202020204" pitchFamily="34" charset="0"/>
+                <a:ea typeface="微软雅黑" panose="020B0503020204020204" pitchFamily="34" charset="-122"/>
+                <a:cs typeface="Arial" panose="020B0604020202020204" pitchFamily="34" charset="0"/>
+              </a:endParaRPr>
+            </a:p>
+          </p:txBody>
+        </p:sp>
+        <p:cxnSp>
+          <p:nvCxnSpPr>
+            <p:cNvPr id="14" name="直接连接符 13">
+              <a:extLst>
+                <a:ext uri="{FF2B5EF4-FFF2-40B4-BE49-F238E27FC236}">
+                  <a16:creationId xmlns:a16="http://schemas.microsoft.com/office/drawing/2014/main" id="{05B6961D-F156-4980-BCA7-314684E85BD2}"/>
+                </a:ext>
+              </a:extLst>
+            </p:cNvPr>
+            <p:cNvCxnSpPr/>
+            <p:nvPr/>
+          </p:nvCxnSpPr>
+          <p:spPr>
+            <a:xfrm>
+              <a:off x="3024554" y="351692"/>
+              <a:ext cx="0" cy="5739619"/>
+            </a:xfrm>
+            <a:prstGeom prst="line">
+              <a:avLst/>
+            </a:prstGeom>
+            <a:ln w="19050">
               <a:solidFill>
-                <a:schemeClr val="dk1"/>
+                <a:schemeClr val="bg1">
+                  <a:lumMod val="75000"/>
+                </a:schemeClr>
               </a:solidFill>
-              <a:latin typeface="微软雅黑" panose="020B0503020204020204" pitchFamily="34" charset="-122"/>
-              <a:ea typeface="微软雅黑" panose="020B0503020204020204" pitchFamily="34" charset="-122"/>
-            </a:endParaRPr>
-          </a:p>
-        </p:txBody>
-      </p:sp>
-      <p:sp>
-        <p:nvSpPr>
-          <p:cNvPr id="12" name="文本框 11">
-            <a:extLst>
-              <a:ext uri="{FF2B5EF4-FFF2-40B4-BE49-F238E27FC236}">
-                <a16:creationId xmlns:a16="http://schemas.microsoft.com/office/drawing/2014/main" id="{867A7F36-3EDA-4E1A-A334-9B90564A1878}"/>
-              </a:ext>
-            </a:extLst>
-          </p:cNvPr>
-          <p:cNvSpPr txBox="1"/>
-          <p:nvPr/>
-        </p:nvSpPr>
-        <p:spPr>
-          <a:xfrm>
-            <a:off x="3259414" y="387276"/>
-            <a:ext cx="1144865" cy="369332"/>
-          </a:xfrm>
-          <a:prstGeom prst="rect">
-            <a:avLst/>
-          </a:prstGeom>
-          <a:noFill/>
-        </p:spPr>
-        <p:txBody>
-          <a:bodyPr wrap="none" rtlCol="0">
-            <a:spAutoFit/>
-          </a:bodyPr>
-          <a:lstStyle/>
-          <a:p>
-            <a:r>
-              <a:rPr lang="en-US" altLang="zh-CN" dirty="0">
-                <a:latin typeface="Source Sans Pro" panose="020B0503030403020204" pitchFamily="34" charset="0"/>
-                <a:ea typeface="Source Sans Pro" panose="020B0503030403020204" pitchFamily="34" charset="0"/>
-              </a:rPr>
-              <a:t>On </a:t>
-            </a:r>
-            <a:r>
-              <a:rPr lang="en-US" altLang="zh-CN" dirty="0">
-                <a:latin typeface="微软雅黑" panose="020B0503020204020204" pitchFamily="34" charset="-122"/>
+              <a:prstDash val="lgDash"/>
+            </a:ln>
+          </p:spPr>
+          <p:style>
+            <a:lnRef idx="1">
+              <a:schemeClr val="accent1"/>
+            </a:lnRef>
+            <a:fillRef idx="0">
+              <a:schemeClr val="accent1"/>
+            </a:fillRef>
+            <a:effectRef idx="0">
+              <a:schemeClr val="accent1"/>
+            </a:effectRef>
+            <a:fontRef idx="minor">
+              <a:schemeClr val="tx1"/>
+            </a:fontRef>
+          </p:style>
+        </p:cxnSp>
+        <p:cxnSp>
+          <p:nvCxnSpPr>
+            <p:cNvPr id="16" name="直接箭头连接符 15">
+              <a:extLst>
+                <a:ext uri="{FF2B5EF4-FFF2-40B4-BE49-F238E27FC236}">
+                  <a16:creationId xmlns:a16="http://schemas.microsoft.com/office/drawing/2014/main" id="{BC8294B5-AB07-4EF9-A934-E06FEDEB15A7}"/>
+                </a:ext>
+              </a:extLst>
+            </p:cNvPr>
+            <p:cNvCxnSpPr>
+              <a:cxnSpLocks/>
+              <a:stCxn id="4" idx="6"/>
+              <a:endCxn id="7" idx="1"/>
+            </p:cNvCxnSpPr>
+            <p:nvPr/>
+          </p:nvCxnSpPr>
+          <p:spPr>
+            <a:xfrm>
+              <a:off x="2016235" y="2178921"/>
+              <a:ext cx="1920539" cy="12120"/>
+            </a:xfrm>
+            <a:prstGeom prst="straightConnector1">
+              <a:avLst/>
+            </a:prstGeom>
+            <a:ln>
+              <a:tailEnd type="triangle"/>
+            </a:ln>
+          </p:spPr>
+          <p:style>
+            <a:lnRef idx="1">
+              <a:schemeClr val="dk1"/>
+            </a:lnRef>
+            <a:fillRef idx="0">
+              <a:schemeClr val="dk1"/>
+            </a:fillRef>
+            <a:effectRef idx="0">
+              <a:schemeClr val="dk1"/>
+            </a:effectRef>
+            <a:fontRef idx="minor">
+              <a:schemeClr val="tx1"/>
+            </a:fontRef>
+          </p:style>
+        </p:cxnSp>
+        <p:sp>
+          <p:nvSpPr>
+            <p:cNvPr id="19" name="文本框 18">
+              <a:extLst>
+                <a:ext uri="{FF2B5EF4-FFF2-40B4-BE49-F238E27FC236}">
+                  <a16:creationId xmlns:a16="http://schemas.microsoft.com/office/drawing/2014/main" id="{585BDEE7-9244-4881-9C40-B2E6B8A05941}"/>
+                </a:ext>
+              </a:extLst>
+            </p:cNvPr>
+            <p:cNvSpPr txBox="1"/>
+            <p:nvPr/>
+          </p:nvSpPr>
+          <p:spPr>
+            <a:xfrm>
+              <a:off x="2339755" y="1836090"/>
+              <a:ext cx="1351652" cy="646331"/>
+            </a:xfrm>
+            <a:prstGeom prst="rect">
+              <a:avLst/>
+            </a:prstGeom>
+            <a:noFill/>
+          </p:spPr>
+          <p:txBody>
+            <a:bodyPr wrap="none" rtlCol="0">
+              <a:spAutoFit/>
+            </a:bodyPr>
+            <a:lstStyle/>
+            <a:p>
+              <a:r>
+                <a:rPr lang="en-US" altLang="zh-CN" dirty="0">
+                  <a:latin typeface="Arial" panose="020B0604020202020204" pitchFamily="34" charset="0"/>
+                  <a:cs typeface="Arial" panose="020B0604020202020204" pitchFamily="34" charset="0"/>
+                </a:rPr>
+                <a:t>Approve</a:t>
+              </a:r>
+            </a:p>
+            <a:p>
+              <a:r>
+                <a:rPr lang="en-US" altLang="zh-CN" dirty="0">
+                  <a:latin typeface="Arial" panose="020B0604020202020204" pitchFamily="34" charset="0"/>
+                  <a:cs typeface="Arial" panose="020B0604020202020204" pitchFamily="34" charset="0"/>
+                </a:rPr>
+                <a:t>Disapprove</a:t>
+              </a:r>
+              <a:endParaRPr lang="zh-CN" altLang="en-US" dirty="0">
+                <a:latin typeface="Arial" panose="020B0604020202020204" pitchFamily="34" charset="0"/>
+                <a:cs typeface="Arial" panose="020B0604020202020204" pitchFamily="34" charset="0"/>
+              </a:endParaRPr>
+            </a:p>
+          </p:txBody>
+        </p:sp>
+        <p:cxnSp>
+          <p:nvCxnSpPr>
+            <p:cNvPr id="21" name="直接箭头连接符 20">
+              <a:extLst>
+                <a:ext uri="{FF2B5EF4-FFF2-40B4-BE49-F238E27FC236}">
+                  <a16:creationId xmlns:a16="http://schemas.microsoft.com/office/drawing/2014/main" id="{CF211737-CA3E-4515-8610-85695A51972D}"/>
+                </a:ext>
+              </a:extLst>
+            </p:cNvPr>
+            <p:cNvCxnSpPr>
+              <a:stCxn id="4" idx="4"/>
+              <a:endCxn id="6" idx="0"/>
+            </p:cNvCxnSpPr>
+            <p:nvPr/>
+          </p:nvCxnSpPr>
+          <p:spPr>
+            <a:xfrm>
+              <a:off x="1254302" y="2611502"/>
+              <a:ext cx="0" cy="1095717"/>
+            </a:xfrm>
+            <a:prstGeom prst="straightConnector1">
+              <a:avLst/>
+            </a:prstGeom>
+            <a:ln>
+              <a:tailEnd type="triangle"/>
+            </a:ln>
+          </p:spPr>
+          <p:style>
+            <a:lnRef idx="1">
+              <a:schemeClr val="dk1"/>
+            </a:lnRef>
+            <a:fillRef idx="0">
+              <a:schemeClr val="dk1"/>
+            </a:fillRef>
+            <a:effectRef idx="0">
+              <a:schemeClr val="dk1"/>
+            </a:effectRef>
+            <a:fontRef idx="minor">
+              <a:schemeClr val="tx1"/>
+            </a:fontRef>
+          </p:style>
+        </p:cxnSp>
+        <p:sp>
+          <p:nvSpPr>
+            <p:cNvPr id="23" name="文本框 22">
+              <a:extLst>
+                <a:ext uri="{FF2B5EF4-FFF2-40B4-BE49-F238E27FC236}">
+                  <a16:creationId xmlns:a16="http://schemas.microsoft.com/office/drawing/2014/main" id="{8F9474AC-B070-4C29-8166-80EE686906D2}"/>
+                </a:ext>
+              </a:extLst>
+            </p:cNvPr>
+            <p:cNvSpPr txBox="1"/>
+            <p:nvPr/>
+          </p:nvSpPr>
+          <p:spPr>
+            <a:xfrm>
+              <a:off x="5640550" y="1152974"/>
+              <a:ext cx="1467068" cy="369332"/>
+            </a:xfrm>
+            <a:prstGeom prst="rect">
+              <a:avLst/>
+            </a:prstGeom>
+            <a:noFill/>
+          </p:spPr>
+          <p:txBody>
+            <a:bodyPr wrap="none" rtlCol="0">
+              <a:spAutoFit/>
+            </a:bodyPr>
+            <a:lstStyle/>
+            <a:p>
+              <a:r>
+                <a:rPr lang="en-US" altLang="zh-CN" dirty="0">
+                  <a:latin typeface="Arial" panose="020B0604020202020204" pitchFamily="34" charset="0"/>
+                  <a:ea typeface="微软雅黑" panose="020B0503020204020204" pitchFamily="34" charset="-122"/>
+                  <a:cs typeface="Arial" panose="020B0604020202020204" pitchFamily="34" charset="0"/>
+                </a:rPr>
+                <a:t>Mai Protocol</a:t>
+              </a:r>
+              <a:endParaRPr lang="zh-CN" altLang="en-US" dirty="0">
+                <a:latin typeface="Arial" panose="020B0604020202020204" pitchFamily="34" charset="0"/>
                 <a:ea typeface="微软雅黑" panose="020B0503020204020204" pitchFamily="34" charset="-122"/>
-              </a:rPr>
-              <a:t>Chain</a:t>
-            </a:r>
-            <a:endParaRPr lang="zh-CN" altLang="en-US" dirty="0">
-              <a:latin typeface="微软雅黑" panose="020B0503020204020204" pitchFamily="34" charset="-122"/>
-              <a:ea typeface="微软雅黑" panose="020B0503020204020204" pitchFamily="34" charset="-122"/>
-            </a:endParaRPr>
-          </a:p>
-        </p:txBody>
-      </p:sp>
-      <p:cxnSp>
-        <p:nvCxnSpPr>
-          <p:cNvPr id="14" name="直接连接符 13">
-            <a:extLst>
-              <a:ext uri="{FF2B5EF4-FFF2-40B4-BE49-F238E27FC236}">
-                <a16:creationId xmlns:a16="http://schemas.microsoft.com/office/drawing/2014/main" id="{05B6961D-F156-4980-BCA7-314684E85BD2}"/>
-              </a:ext>
-            </a:extLst>
-          </p:cNvPr>
-          <p:cNvCxnSpPr/>
-          <p:nvPr/>
-        </p:nvCxnSpPr>
-        <p:spPr>
-          <a:xfrm>
-            <a:off x="3024554" y="351692"/>
-            <a:ext cx="0" cy="5739619"/>
-          </a:xfrm>
-          <a:prstGeom prst="line">
-            <a:avLst/>
-          </a:prstGeom>
-          <a:ln w="19050">
-            <a:solidFill>
-              <a:schemeClr val="bg1">
-                <a:lumMod val="75000"/>
+                <a:cs typeface="Arial" panose="020B0604020202020204" pitchFamily="34" charset="0"/>
+              </a:endParaRPr>
+            </a:p>
+          </p:txBody>
+        </p:sp>
+        <p:cxnSp>
+          <p:nvCxnSpPr>
+            <p:cNvPr id="25" name="直接箭头连接符 24">
+              <a:extLst>
+                <a:ext uri="{FF2B5EF4-FFF2-40B4-BE49-F238E27FC236}">
+                  <a16:creationId xmlns:a16="http://schemas.microsoft.com/office/drawing/2014/main" id="{A26465CB-370C-41AE-B983-E86B54C98FB3}"/>
+                </a:ext>
+              </a:extLst>
+            </p:cNvPr>
+            <p:cNvCxnSpPr>
+              <a:cxnSpLocks/>
+              <a:stCxn id="6" idx="6"/>
+              <a:endCxn id="8" idx="1"/>
+            </p:cNvCxnSpPr>
+            <p:nvPr/>
+          </p:nvCxnSpPr>
+          <p:spPr>
+            <a:xfrm flipV="1">
+              <a:off x="2016235" y="4133163"/>
+              <a:ext cx="1920538" cy="6638"/>
+            </a:xfrm>
+            <a:prstGeom prst="straightConnector1">
+              <a:avLst/>
+            </a:prstGeom>
+            <a:ln>
+              <a:tailEnd type="triangle"/>
+            </a:ln>
+          </p:spPr>
+          <p:style>
+            <a:lnRef idx="1">
+              <a:schemeClr val="dk1"/>
+            </a:lnRef>
+            <a:fillRef idx="0">
+              <a:schemeClr val="dk1"/>
+            </a:fillRef>
+            <a:effectRef idx="0">
+              <a:schemeClr val="dk1"/>
+            </a:effectRef>
+            <a:fontRef idx="minor">
+              <a:schemeClr val="tx1"/>
+            </a:fontRef>
+          </p:style>
+        </p:cxnSp>
+        <p:sp>
+          <p:nvSpPr>
+            <p:cNvPr id="29" name="文本框 28">
+              <a:extLst>
+                <a:ext uri="{FF2B5EF4-FFF2-40B4-BE49-F238E27FC236}">
+                  <a16:creationId xmlns:a16="http://schemas.microsoft.com/office/drawing/2014/main" id="{BD66B20F-20FB-479E-A62D-A49E69DF648E}"/>
+                </a:ext>
+              </a:extLst>
+            </p:cNvPr>
+            <p:cNvSpPr txBox="1"/>
+            <p:nvPr/>
+          </p:nvSpPr>
+          <p:spPr>
+            <a:xfrm>
+              <a:off x="1254301" y="2836195"/>
+              <a:ext cx="1556836" cy="646331"/>
+            </a:xfrm>
+            <a:prstGeom prst="rect">
+              <a:avLst/>
+            </a:prstGeom>
+            <a:noFill/>
+          </p:spPr>
+          <p:txBody>
+            <a:bodyPr wrap="none" rtlCol="0">
+              <a:spAutoFit/>
+            </a:bodyPr>
+            <a:lstStyle/>
+            <a:p>
+              <a:r>
+                <a:rPr lang="en-US" altLang="zh-CN" dirty="0">
+                  <a:latin typeface="Arial" panose="020B0604020202020204" pitchFamily="34" charset="0"/>
+                  <a:cs typeface="Arial" panose="020B0604020202020204" pitchFamily="34" charset="0"/>
+                </a:rPr>
+                <a:t>Place Order</a:t>
+              </a:r>
+            </a:p>
+            <a:p>
+              <a:r>
+                <a:rPr lang="en-US" altLang="zh-CN" dirty="0">
+                  <a:latin typeface="Arial" panose="020B0604020202020204" pitchFamily="34" charset="0"/>
+                  <a:cs typeface="Arial" panose="020B0604020202020204" pitchFamily="34" charset="0"/>
+                </a:rPr>
+                <a:t>Cancel Order</a:t>
+              </a:r>
+              <a:endParaRPr lang="zh-CN" altLang="en-US" dirty="0">
+                <a:latin typeface="Arial" panose="020B0604020202020204" pitchFamily="34" charset="0"/>
+                <a:cs typeface="Arial" panose="020B0604020202020204" pitchFamily="34" charset="0"/>
+              </a:endParaRPr>
+            </a:p>
+          </p:txBody>
+        </p:sp>
+        <p:sp>
+          <p:nvSpPr>
+            <p:cNvPr id="30" name="文本框 29">
+              <a:extLst>
+                <a:ext uri="{FF2B5EF4-FFF2-40B4-BE49-F238E27FC236}">
+                  <a16:creationId xmlns:a16="http://schemas.microsoft.com/office/drawing/2014/main" id="{7C9E0E53-8064-4E2A-AD26-CD4E6C3DBD9A}"/>
+                </a:ext>
+              </a:extLst>
+            </p:cNvPr>
+            <p:cNvSpPr txBox="1"/>
+            <p:nvPr/>
+          </p:nvSpPr>
+          <p:spPr>
+            <a:xfrm>
+              <a:off x="2217262" y="3764411"/>
+              <a:ext cx="1582484" cy="369332"/>
+            </a:xfrm>
+            <a:prstGeom prst="rect">
+              <a:avLst/>
+            </a:prstGeom>
+            <a:noFill/>
+          </p:spPr>
+          <p:txBody>
+            <a:bodyPr wrap="none" rtlCol="0">
+              <a:spAutoFit/>
+            </a:bodyPr>
+            <a:lstStyle/>
+            <a:p>
+              <a:r>
+                <a:rPr lang="en-US" altLang="zh-CN" dirty="0">
+                  <a:latin typeface="Arial" panose="020B0604020202020204" pitchFamily="34" charset="0"/>
+                  <a:cs typeface="Arial" panose="020B0604020202020204" pitchFamily="34" charset="0"/>
+                </a:rPr>
+                <a:t>Match Orders</a:t>
+              </a:r>
+            </a:p>
+          </p:txBody>
+        </p:sp>
+        <p:sp>
+          <p:nvSpPr>
+            <p:cNvPr id="38" name="文本框 37">
+              <a:extLst>
+                <a:ext uri="{FF2B5EF4-FFF2-40B4-BE49-F238E27FC236}">
+                  <a16:creationId xmlns:a16="http://schemas.microsoft.com/office/drawing/2014/main" id="{431921B8-FBEB-499E-B342-FDB6752B4842}"/>
+                </a:ext>
+              </a:extLst>
+            </p:cNvPr>
+            <p:cNvSpPr txBox="1"/>
+            <p:nvPr/>
+          </p:nvSpPr>
+          <p:spPr>
+            <a:xfrm>
+              <a:off x="494645" y="387276"/>
+              <a:ext cx="1148071" cy="369332"/>
+            </a:xfrm>
+            <a:prstGeom prst="rect">
+              <a:avLst/>
+            </a:prstGeom>
+            <a:noFill/>
+          </p:spPr>
+          <p:txBody>
+            <a:bodyPr wrap="none" rtlCol="0">
+              <a:spAutoFit/>
+            </a:bodyPr>
+            <a:lstStyle/>
+            <a:p>
+              <a:r>
+                <a:rPr lang="en-US" altLang="zh-CN" dirty="0">
+                  <a:latin typeface="Arial" panose="020B0604020202020204" pitchFamily="34" charset="0"/>
+                  <a:ea typeface="Source Sans Pro" panose="020B0503030403020204" pitchFamily="34" charset="0"/>
+                  <a:cs typeface="Arial" panose="020B0604020202020204" pitchFamily="34" charset="0"/>
+                </a:rPr>
+                <a:t>Off </a:t>
+              </a:r>
+              <a:r>
+                <a:rPr lang="en-US" altLang="zh-CN" dirty="0">
+                  <a:latin typeface="Arial" panose="020B0604020202020204" pitchFamily="34" charset="0"/>
+                  <a:ea typeface="微软雅黑" panose="020B0503020204020204" pitchFamily="34" charset="-122"/>
+                  <a:cs typeface="Arial" panose="020B0604020202020204" pitchFamily="34" charset="0"/>
+                </a:rPr>
+                <a:t>Chain</a:t>
+              </a:r>
+              <a:endParaRPr lang="zh-CN" altLang="en-US" dirty="0">
+                <a:latin typeface="Arial" panose="020B0604020202020204" pitchFamily="34" charset="0"/>
+                <a:ea typeface="微软雅黑" panose="020B0503020204020204" pitchFamily="34" charset="-122"/>
+                <a:cs typeface="Arial" panose="020B0604020202020204" pitchFamily="34" charset="0"/>
+              </a:endParaRPr>
+            </a:p>
+          </p:txBody>
+        </p:sp>
+        <p:cxnSp>
+          <p:nvCxnSpPr>
+            <p:cNvPr id="40" name="直接箭头连接符 39">
+              <a:extLst>
+                <a:ext uri="{FF2B5EF4-FFF2-40B4-BE49-F238E27FC236}">
+                  <a16:creationId xmlns:a16="http://schemas.microsoft.com/office/drawing/2014/main" id="{C0695004-D1E8-4C26-A076-F88E1DC0B230}"/>
+                </a:ext>
+              </a:extLst>
+            </p:cNvPr>
+            <p:cNvCxnSpPr>
+              <a:stCxn id="8" idx="0"/>
+              <a:endCxn id="7" idx="2"/>
+            </p:cNvCxnSpPr>
+            <p:nvPr/>
+          </p:nvCxnSpPr>
+          <p:spPr>
+            <a:xfrm flipV="1">
+              <a:off x="4914479" y="2623622"/>
+              <a:ext cx="1" cy="1076959"/>
+            </a:xfrm>
+            <a:prstGeom prst="straightConnector1">
+              <a:avLst/>
+            </a:prstGeom>
+            <a:ln>
+              <a:tailEnd type="triangle"/>
+            </a:ln>
+          </p:spPr>
+          <p:style>
+            <a:lnRef idx="1">
+              <a:schemeClr val="dk1"/>
+            </a:lnRef>
+            <a:fillRef idx="0">
+              <a:schemeClr val="dk1"/>
+            </a:fillRef>
+            <a:effectRef idx="0">
+              <a:schemeClr val="dk1"/>
+            </a:effectRef>
+            <a:fontRef idx="minor">
+              <a:schemeClr val="tx1"/>
+            </a:fontRef>
+          </p:style>
+        </p:cxnSp>
+        <p:sp>
+          <p:nvSpPr>
+            <p:cNvPr id="43" name="文本框 42">
+              <a:extLst>
+                <a:ext uri="{FF2B5EF4-FFF2-40B4-BE49-F238E27FC236}">
+                  <a16:creationId xmlns:a16="http://schemas.microsoft.com/office/drawing/2014/main" id="{2D9F72D4-0E79-42DB-8A09-0BADA88EE3D1}"/>
+                </a:ext>
+              </a:extLst>
+            </p:cNvPr>
+            <p:cNvSpPr txBox="1"/>
+            <p:nvPr/>
+          </p:nvSpPr>
+          <p:spPr>
+            <a:xfrm>
+              <a:off x="4914478" y="2655753"/>
+              <a:ext cx="1056700" cy="923330"/>
+            </a:xfrm>
+            <a:prstGeom prst="rect">
+              <a:avLst/>
+            </a:prstGeom>
+            <a:noFill/>
+          </p:spPr>
+          <p:txBody>
+            <a:bodyPr wrap="none" rtlCol="0">
+              <a:spAutoFit/>
+            </a:bodyPr>
+            <a:lstStyle/>
+            <a:p>
+              <a:r>
+                <a:rPr lang="en-US" altLang="zh-CN" dirty="0">
+                  <a:latin typeface="Arial" panose="020B0604020202020204" pitchFamily="34" charset="0"/>
+                  <a:cs typeface="Arial" panose="020B0604020202020204" pitchFamily="34" charset="0"/>
+                </a:rPr>
+                <a:t>Transfer</a:t>
+              </a:r>
+            </a:p>
+            <a:p>
+              <a:r>
+                <a:rPr lang="en-US" altLang="zh-CN" dirty="0">
+                  <a:latin typeface="Arial" panose="020B0604020202020204" pitchFamily="34" charset="0"/>
+                  <a:cs typeface="Arial" panose="020B0604020202020204" pitchFamily="34" charset="0"/>
+                </a:rPr>
+                <a:t>Mint</a:t>
+              </a:r>
+            </a:p>
+            <a:p>
+              <a:r>
+                <a:rPr lang="en-US" altLang="zh-CN" dirty="0">
+                  <a:latin typeface="Arial" panose="020B0604020202020204" pitchFamily="34" charset="0"/>
+                  <a:cs typeface="Arial" panose="020B0604020202020204" pitchFamily="34" charset="0"/>
+                </a:rPr>
+                <a:t>Redeem</a:t>
+              </a:r>
+            </a:p>
+          </p:txBody>
+        </p:sp>
+        <p:cxnSp>
+          <p:nvCxnSpPr>
+            <p:cNvPr id="45" name="直接箭头连接符 44">
+              <a:extLst>
+                <a:ext uri="{FF2B5EF4-FFF2-40B4-BE49-F238E27FC236}">
+                  <a16:creationId xmlns:a16="http://schemas.microsoft.com/office/drawing/2014/main" id="{FC216CE8-9EC0-44C8-988A-E67AF101160B}"/>
+                </a:ext>
+              </a:extLst>
+            </p:cNvPr>
+            <p:cNvCxnSpPr>
+              <a:stCxn id="7" idx="3"/>
+              <a:endCxn id="9" idx="1"/>
+            </p:cNvCxnSpPr>
+            <p:nvPr/>
+          </p:nvCxnSpPr>
+          <p:spPr>
+            <a:xfrm>
+              <a:off x="5892185" y="2191041"/>
+              <a:ext cx="1094860" cy="0"/>
+            </a:xfrm>
+            <a:prstGeom prst="straightConnector1">
+              <a:avLst/>
+            </a:prstGeom>
+            <a:ln>
+              <a:tailEnd type="triangle"/>
+            </a:ln>
+          </p:spPr>
+          <p:style>
+            <a:lnRef idx="1">
+              <a:schemeClr val="dk1"/>
+            </a:lnRef>
+            <a:fillRef idx="0">
+              <a:schemeClr val="dk1"/>
+            </a:fillRef>
+            <a:effectRef idx="0">
+              <a:schemeClr val="dk1"/>
+            </a:effectRef>
+            <a:fontRef idx="minor">
+              <a:schemeClr val="tx1"/>
+            </a:fontRef>
+          </p:style>
+        </p:cxnSp>
+        <p:sp>
+          <p:nvSpPr>
+            <p:cNvPr id="48" name="文本框 47">
+              <a:extLst>
+                <a:ext uri="{FF2B5EF4-FFF2-40B4-BE49-F238E27FC236}">
+                  <a16:creationId xmlns:a16="http://schemas.microsoft.com/office/drawing/2014/main" id="{3806FC64-D5E2-41E7-A82A-DD132EB2E9E8}"/>
+                </a:ext>
+              </a:extLst>
+            </p:cNvPr>
+            <p:cNvSpPr txBox="1"/>
+            <p:nvPr/>
+          </p:nvSpPr>
+          <p:spPr>
+            <a:xfrm>
+              <a:off x="5956067" y="1593218"/>
+              <a:ext cx="1056700" cy="923330"/>
+            </a:xfrm>
+            <a:prstGeom prst="rect">
+              <a:avLst/>
+            </a:prstGeom>
+            <a:noFill/>
+          </p:spPr>
+          <p:txBody>
+            <a:bodyPr wrap="none" rtlCol="0">
+              <a:spAutoFit/>
+            </a:bodyPr>
+            <a:lstStyle/>
+            <a:p>
+              <a:r>
+                <a:rPr lang="en-US" altLang="zh-CN" dirty="0">
+                  <a:latin typeface="Arial" panose="020B0604020202020204" pitchFamily="34" charset="0"/>
+                  <a:cs typeface="Arial" panose="020B0604020202020204" pitchFamily="34" charset="0"/>
+                </a:rPr>
+                <a:t>Mint</a:t>
+              </a:r>
+            </a:p>
+            <a:p>
+              <a:r>
+                <a:rPr lang="en-US" altLang="zh-CN" dirty="0">
+                  <a:latin typeface="Arial" panose="020B0604020202020204" pitchFamily="34" charset="0"/>
+                  <a:cs typeface="Arial" panose="020B0604020202020204" pitchFamily="34" charset="0"/>
+                </a:rPr>
+                <a:t>Redeem</a:t>
+              </a:r>
+            </a:p>
+            <a:p>
+              <a:r>
+                <a:rPr lang="en-US" altLang="zh-CN" dirty="0">
+                  <a:latin typeface="Arial" panose="020B0604020202020204" pitchFamily="34" charset="0"/>
+                  <a:cs typeface="Arial" panose="020B0604020202020204" pitchFamily="34" charset="0"/>
+                </a:rPr>
+                <a:t>Approve</a:t>
+              </a:r>
+            </a:p>
+          </p:txBody>
+        </p:sp>
+        <p:sp>
+          <p:nvSpPr>
+            <p:cNvPr id="49" name="文本框 48">
+              <a:extLst>
+                <a:ext uri="{FF2B5EF4-FFF2-40B4-BE49-F238E27FC236}">
+                  <a16:creationId xmlns:a16="http://schemas.microsoft.com/office/drawing/2014/main" id="{2B7441E1-87E6-4066-A1D4-CDD1C29A9F90}"/>
+                </a:ext>
+              </a:extLst>
+            </p:cNvPr>
+            <p:cNvSpPr txBox="1"/>
+            <p:nvPr/>
+          </p:nvSpPr>
+          <p:spPr>
+            <a:xfrm>
+              <a:off x="9402230" y="1593218"/>
+              <a:ext cx="1056700" cy="923330"/>
+            </a:xfrm>
+            <a:prstGeom prst="rect">
+              <a:avLst/>
+            </a:prstGeom>
+            <a:noFill/>
+          </p:spPr>
+          <p:txBody>
+            <a:bodyPr wrap="none" rtlCol="0">
+              <a:spAutoFit/>
+            </a:bodyPr>
+            <a:lstStyle/>
+            <a:p>
+              <a:r>
+                <a:rPr lang="en-US" altLang="zh-CN" dirty="0">
+                  <a:latin typeface="Arial" panose="020B0604020202020204" pitchFamily="34" charset="0"/>
+                  <a:cs typeface="Arial" panose="020B0604020202020204" pitchFamily="34" charset="0"/>
+                </a:rPr>
+                <a:t>Mint</a:t>
+              </a:r>
+            </a:p>
+            <a:p>
+              <a:r>
+                <a:rPr lang="en-US" altLang="zh-CN" dirty="0">
+                  <a:latin typeface="Arial" panose="020B0604020202020204" pitchFamily="34" charset="0"/>
+                  <a:cs typeface="Arial" panose="020B0604020202020204" pitchFamily="34" charset="0"/>
+                </a:rPr>
+                <a:t>Redeem</a:t>
+              </a:r>
+            </a:p>
+            <a:p>
+              <a:r>
+                <a:rPr lang="en-US" altLang="zh-CN" dirty="0">
+                  <a:latin typeface="Arial" panose="020B0604020202020204" pitchFamily="34" charset="0"/>
+                  <a:cs typeface="Arial" panose="020B0604020202020204" pitchFamily="34" charset="0"/>
+                </a:rPr>
+                <a:t>Approve</a:t>
+              </a:r>
+            </a:p>
+          </p:txBody>
+        </p:sp>
+        <p:cxnSp>
+          <p:nvCxnSpPr>
+            <p:cNvPr id="56" name="连接符: 肘形 55">
+              <a:extLst>
+                <a:ext uri="{FF2B5EF4-FFF2-40B4-BE49-F238E27FC236}">
+                  <a16:creationId xmlns:a16="http://schemas.microsoft.com/office/drawing/2014/main" id="{41CE204E-F615-43F9-B8D3-F4D0769AA729}"/>
+                </a:ext>
+              </a:extLst>
+            </p:cNvPr>
+            <p:cNvCxnSpPr>
+              <a:cxnSpLocks/>
+              <a:stCxn id="9" idx="3"/>
+            </p:cNvCxnSpPr>
+            <p:nvPr/>
+          </p:nvCxnSpPr>
+          <p:spPr>
+            <a:xfrm>
+              <a:off x="8942456" y="2191041"/>
+              <a:ext cx="1690510" cy="651015"/>
+            </a:xfrm>
+            <a:prstGeom prst="bentConnector2">
+              <a:avLst/>
+            </a:prstGeom>
+            <a:ln>
+              <a:tailEnd type="triangle"/>
+            </a:ln>
+          </p:spPr>
+          <p:style>
+            <a:lnRef idx="1">
+              <a:schemeClr val="dk1"/>
+            </a:lnRef>
+            <a:fillRef idx="0">
+              <a:schemeClr val="dk1"/>
+            </a:fillRef>
+            <a:effectRef idx="0">
+              <a:schemeClr val="dk1"/>
+            </a:effectRef>
+            <a:fontRef idx="minor">
+              <a:schemeClr val="tx1"/>
+            </a:fontRef>
+          </p:style>
+        </p:cxnSp>
+        <p:sp>
+          <p:nvSpPr>
+            <p:cNvPr id="59" name="圆柱体 58">
+              <a:extLst>
+                <a:ext uri="{FF2B5EF4-FFF2-40B4-BE49-F238E27FC236}">
+                  <a16:creationId xmlns:a16="http://schemas.microsoft.com/office/drawing/2014/main" id="{25632116-1E00-4712-B8B0-81515F3E9106}"/>
+                </a:ext>
+              </a:extLst>
+            </p:cNvPr>
+            <p:cNvSpPr/>
+            <p:nvPr/>
+          </p:nvSpPr>
+          <p:spPr>
+            <a:xfrm>
+              <a:off x="6987045" y="3368292"/>
+              <a:ext cx="1955410" cy="1297745"/>
+            </a:xfrm>
+            <a:prstGeom prst="can">
+              <a:avLst/>
+            </a:prstGeom>
+          </p:spPr>
+          <p:style>
+            <a:lnRef idx="2">
+              <a:schemeClr val="dk1"/>
+            </a:lnRef>
+            <a:fillRef idx="1">
+              <a:schemeClr val="lt1"/>
+            </a:fillRef>
+            <a:effectRef idx="0">
+              <a:schemeClr val="dk1"/>
+            </a:effectRef>
+            <a:fontRef idx="minor">
+              <a:schemeClr val="dk1"/>
+            </a:fontRef>
+          </p:style>
+          <p:txBody>
+            <a:bodyPr rtlCol="0" anchor="ctr"/>
+            <a:lstStyle/>
+            <a:p>
+              <a:pPr algn="ctr"/>
+              <a:r>
+                <a:rPr lang="en-US" altLang="zh-CN" dirty="0">
+                  <a:latin typeface="Arial" panose="020B0604020202020204" pitchFamily="34" charset="0"/>
+                  <a:cs typeface="Arial" panose="020B0604020202020204" pitchFamily="34" charset="0"/>
+                </a:rPr>
+                <a:t>Position Tokens</a:t>
+              </a:r>
+            </a:p>
+            <a:p>
+              <a:pPr algn="ctr"/>
+              <a:r>
+                <a:rPr lang="en-US" altLang="zh-CN" dirty="0">
+                  <a:latin typeface="Arial" panose="020B0604020202020204" pitchFamily="34" charset="0"/>
+                  <a:cs typeface="Arial" panose="020B0604020202020204" pitchFamily="34" charset="0"/>
+                </a:rPr>
+                <a:t>Collateral Tokens</a:t>
+              </a:r>
+            </a:p>
+            <a:p>
+              <a:pPr algn="ctr"/>
+              <a:r>
+                <a:rPr lang="en-US" altLang="zh-CN" dirty="0">
+                  <a:latin typeface="Arial" panose="020B0604020202020204" pitchFamily="34" charset="0"/>
+                  <a:cs typeface="Arial" panose="020B0604020202020204" pitchFamily="34" charset="0"/>
+                </a:rPr>
+                <a:t>MKT</a:t>
+              </a:r>
+              <a:endParaRPr lang="zh-CN" altLang="en-US" dirty="0">
+                <a:latin typeface="Arial" panose="020B0604020202020204" pitchFamily="34" charset="0"/>
+                <a:cs typeface="Arial" panose="020B0604020202020204" pitchFamily="34" charset="0"/>
+              </a:endParaRPr>
+            </a:p>
+          </p:txBody>
+        </p:sp>
+        <p:sp>
+          <p:nvSpPr>
+            <p:cNvPr id="62" name="左大括号 61">
+              <a:extLst>
+                <a:ext uri="{FF2B5EF4-FFF2-40B4-BE49-F238E27FC236}">
+                  <a16:creationId xmlns:a16="http://schemas.microsoft.com/office/drawing/2014/main" id="{B37ADC2E-AA1F-4233-A03B-306C7CF4C764}"/>
+                </a:ext>
+              </a:extLst>
+            </p:cNvPr>
+            <p:cNvSpPr/>
+            <p:nvPr/>
+          </p:nvSpPr>
+          <p:spPr>
+            <a:xfrm rot="5400000">
+              <a:off x="7616354" y="1869524"/>
+              <a:ext cx="651016" cy="2417371"/>
+            </a:xfrm>
+            <a:prstGeom prst="leftBrace">
+              <a:avLst>
+                <a:gd name="adj1" fmla="val 70999"/>
+                <a:gd name="adj2" fmla="val 50000"/>
+              </a:avLst>
+            </a:prstGeom>
+          </p:spPr>
+          <p:style>
+            <a:lnRef idx="1">
+              <a:schemeClr val="dk1"/>
+            </a:lnRef>
+            <a:fillRef idx="0">
+              <a:schemeClr val="dk1"/>
+            </a:fillRef>
+            <a:effectRef idx="0">
+              <a:schemeClr val="dk1"/>
+            </a:effectRef>
+            <a:fontRef idx="minor">
+              <a:schemeClr val="tx1"/>
+            </a:fontRef>
+          </p:style>
+          <p:txBody>
+            <a:bodyPr rtlCol="0" anchor="ctr"/>
+            <a:lstStyle/>
+            <a:p>
+              <a:pPr algn="ctr"/>
+              <a:endParaRPr lang="zh-CN" altLang="en-US">
+                <a:latin typeface="Arial" panose="020B0604020202020204" pitchFamily="34" charset="0"/>
+                <a:cs typeface="Arial" panose="020B0604020202020204" pitchFamily="34" charset="0"/>
+              </a:endParaRPr>
+            </a:p>
+          </p:txBody>
+        </p:sp>
+        <p:sp>
+          <p:nvSpPr>
+            <p:cNvPr id="63" name="矩形: 圆角 62">
+              <a:extLst>
+                <a:ext uri="{FF2B5EF4-FFF2-40B4-BE49-F238E27FC236}">
+                  <a16:creationId xmlns:a16="http://schemas.microsoft.com/office/drawing/2014/main" id="{C69C2873-0B56-4824-B189-2682AA773FF2}"/>
+                </a:ext>
+              </a:extLst>
+            </p:cNvPr>
+            <p:cNvSpPr/>
+            <p:nvPr/>
+          </p:nvSpPr>
+          <p:spPr>
+            <a:xfrm>
+              <a:off x="9631502" y="2817438"/>
+              <a:ext cx="2171291" cy="914400"/>
+            </a:xfrm>
+            <a:prstGeom prst="roundRect">
+              <a:avLst>
+                <a:gd name="adj" fmla="val 33590"/>
+              </a:avLst>
+            </a:prstGeom>
+            <a:noFill/>
+            <a:ln>
+              <a:solidFill>
+                <a:schemeClr val="tx1"/>
+              </a:solidFill>
+            </a:ln>
+          </p:spPr>
+          <p:style>
+            <a:lnRef idx="2">
+              <a:schemeClr val="accent1">
+                <a:shade val="50000"/>
               </a:schemeClr>
-            </a:solidFill>
-            <a:prstDash val="lgDash"/>
-          </a:ln>
-        </p:spPr>
-        <p:style>
-          <a:lnRef idx="1">
-            <a:schemeClr val="accent1"/>
-          </a:lnRef>
-          <a:fillRef idx="0">
-            <a:schemeClr val="accent1"/>
-          </a:fillRef>
-          <a:effectRef idx="0">
-            <a:schemeClr val="accent1"/>
-          </a:effectRef>
-          <a:fontRef idx="minor">
-            <a:schemeClr val="tx1"/>
-          </a:fontRef>
-        </p:style>
-      </p:cxnSp>
-      <p:cxnSp>
-        <p:nvCxnSpPr>
-          <p:cNvPr id="16" name="直接箭头连接符 15">
-            <a:extLst>
-              <a:ext uri="{FF2B5EF4-FFF2-40B4-BE49-F238E27FC236}">
-                <a16:creationId xmlns:a16="http://schemas.microsoft.com/office/drawing/2014/main" id="{BC8294B5-AB07-4EF9-A934-E06FEDEB15A7}"/>
-              </a:ext>
-            </a:extLst>
-          </p:cNvPr>
-          <p:cNvCxnSpPr>
-            <a:cxnSpLocks/>
-            <a:stCxn id="4" idx="6"/>
-            <a:endCxn id="7" idx="1"/>
-          </p:cNvCxnSpPr>
-          <p:nvPr/>
-        </p:nvCxnSpPr>
-        <p:spPr>
-          <a:xfrm>
-            <a:off x="2016235" y="2178921"/>
-            <a:ext cx="1920539" cy="12120"/>
-          </a:xfrm>
-          <a:prstGeom prst="straightConnector1">
-            <a:avLst/>
-          </a:prstGeom>
-          <a:ln>
-            <a:tailEnd type="triangle"/>
-          </a:ln>
-        </p:spPr>
-        <p:style>
-          <a:lnRef idx="1">
-            <a:schemeClr val="dk1"/>
-          </a:lnRef>
-          <a:fillRef idx="0">
-            <a:schemeClr val="dk1"/>
-          </a:fillRef>
-          <a:effectRef idx="0">
-            <a:schemeClr val="dk1"/>
-          </a:effectRef>
-          <a:fontRef idx="minor">
-            <a:schemeClr val="tx1"/>
-          </a:fontRef>
-        </p:style>
-      </p:cxnSp>
-      <p:sp>
-        <p:nvSpPr>
-          <p:cNvPr id="19" name="文本框 18">
-            <a:extLst>
-              <a:ext uri="{FF2B5EF4-FFF2-40B4-BE49-F238E27FC236}">
-                <a16:creationId xmlns:a16="http://schemas.microsoft.com/office/drawing/2014/main" id="{585BDEE7-9244-4881-9C40-B2E6B8A05941}"/>
-              </a:ext>
-            </a:extLst>
-          </p:cNvPr>
-          <p:cNvSpPr txBox="1"/>
-          <p:nvPr/>
-        </p:nvSpPr>
-        <p:spPr>
-          <a:xfrm>
-            <a:off x="2339755" y="1836090"/>
-            <a:ext cx="1308371" cy="646331"/>
-          </a:xfrm>
-          <a:prstGeom prst="rect">
-            <a:avLst/>
-          </a:prstGeom>
-          <a:noFill/>
-        </p:spPr>
-        <p:txBody>
-          <a:bodyPr wrap="none" rtlCol="0">
-            <a:spAutoFit/>
-          </a:bodyPr>
-          <a:lstStyle/>
-          <a:p>
-            <a:r>
-              <a:rPr lang="en-US" altLang="zh-CN" dirty="0"/>
-              <a:t>Approve</a:t>
-            </a:r>
-          </a:p>
-          <a:p>
-            <a:r>
-              <a:rPr lang="en-US" altLang="zh-CN" dirty="0"/>
-              <a:t>Disapprove</a:t>
-            </a:r>
-            <a:endParaRPr lang="zh-CN" altLang="en-US" dirty="0"/>
-          </a:p>
-        </p:txBody>
-      </p:sp>
-      <p:cxnSp>
-        <p:nvCxnSpPr>
-          <p:cNvPr id="21" name="直接箭头连接符 20">
-            <a:extLst>
-              <a:ext uri="{FF2B5EF4-FFF2-40B4-BE49-F238E27FC236}">
-                <a16:creationId xmlns:a16="http://schemas.microsoft.com/office/drawing/2014/main" id="{CF211737-CA3E-4515-8610-85695A51972D}"/>
-              </a:ext>
-            </a:extLst>
-          </p:cNvPr>
-          <p:cNvCxnSpPr>
-            <a:stCxn id="4" idx="4"/>
-            <a:endCxn id="6" idx="0"/>
-          </p:cNvCxnSpPr>
-          <p:nvPr/>
-        </p:nvCxnSpPr>
-        <p:spPr>
-          <a:xfrm>
-            <a:off x="1254302" y="2611502"/>
-            <a:ext cx="0" cy="1095717"/>
-          </a:xfrm>
-          <a:prstGeom prst="straightConnector1">
-            <a:avLst/>
-          </a:prstGeom>
-          <a:ln>
-            <a:tailEnd type="triangle"/>
-          </a:ln>
-        </p:spPr>
-        <p:style>
-          <a:lnRef idx="1">
-            <a:schemeClr val="dk1"/>
-          </a:lnRef>
-          <a:fillRef idx="0">
-            <a:schemeClr val="dk1"/>
-          </a:fillRef>
-          <a:effectRef idx="0">
-            <a:schemeClr val="dk1"/>
-          </a:effectRef>
-          <a:fontRef idx="minor">
-            <a:schemeClr val="tx1"/>
-          </a:fontRef>
-        </p:style>
-      </p:cxnSp>
-      <p:sp>
-        <p:nvSpPr>
-          <p:cNvPr id="23" name="文本框 22">
-            <a:extLst>
-              <a:ext uri="{FF2B5EF4-FFF2-40B4-BE49-F238E27FC236}">
-                <a16:creationId xmlns:a16="http://schemas.microsoft.com/office/drawing/2014/main" id="{8F9474AC-B070-4C29-8166-80EE686906D2}"/>
-              </a:ext>
-            </a:extLst>
-          </p:cNvPr>
-          <p:cNvSpPr txBox="1"/>
-          <p:nvPr/>
-        </p:nvSpPr>
-        <p:spPr>
-          <a:xfrm>
-            <a:off x="5640550" y="1152974"/>
-            <a:ext cx="1598130" cy="369332"/>
-          </a:xfrm>
-          <a:prstGeom prst="rect">
-            <a:avLst/>
-          </a:prstGeom>
-          <a:noFill/>
-        </p:spPr>
-        <p:txBody>
-          <a:bodyPr wrap="none" rtlCol="0">
-            <a:spAutoFit/>
-          </a:bodyPr>
-          <a:lstStyle/>
-          <a:p>
-            <a:r>
-              <a:rPr lang="en-US" altLang="zh-CN" dirty="0">
-                <a:latin typeface="微软雅黑" panose="020B0503020204020204" pitchFamily="34" charset="-122"/>
-                <a:ea typeface="微软雅黑" panose="020B0503020204020204" pitchFamily="34" charset="-122"/>
-              </a:rPr>
-              <a:t>Mai Protocol</a:t>
-            </a:r>
-            <a:endParaRPr lang="zh-CN" altLang="en-US" dirty="0">
-              <a:latin typeface="微软雅黑" panose="020B0503020204020204" pitchFamily="34" charset="-122"/>
-              <a:ea typeface="微软雅黑" panose="020B0503020204020204" pitchFamily="34" charset="-122"/>
-            </a:endParaRPr>
-          </a:p>
-        </p:txBody>
-      </p:sp>
-      <p:cxnSp>
-        <p:nvCxnSpPr>
-          <p:cNvPr id="25" name="直接箭头连接符 24">
-            <a:extLst>
-              <a:ext uri="{FF2B5EF4-FFF2-40B4-BE49-F238E27FC236}">
-                <a16:creationId xmlns:a16="http://schemas.microsoft.com/office/drawing/2014/main" id="{A26465CB-370C-41AE-B983-E86B54C98FB3}"/>
-              </a:ext>
-            </a:extLst>
-          </p:cNvPr>
-          <p:cNvCxnSpPr>
-            <a:cxnSpLocks/>
-            <a:stCxn id="6" idx="6"/>
-            <a:endCxn id="8" idx="1"/>
-          </p:cNvCxnSpPr>
-          <p:nvPr/>
-        </p:nvCxnSpPr>
-        <p:spPr>
-          <a:xfrm flipV="1">
-            <a:off x="2016235" y="4133163"/>
-            <a:ext cx="1920538" cy="6638"/>
-          </a:xfrm>
-          <a:prstGeom prst="straightConnector1">
-            <a:avLst/>
-          </a:prstGeom>
-          <a:ln>
-            <a:tailEnd type="triangle"/>
-          </a:ln>
-        </p:spPr>
-        <p:style>
-          <a:lnRef idx="1">
-            <a:schemeClr val="dk1"/>
-          </a:lnRef>
-          <a:fillRef idx="0">
-            <a:schemeClr val="dk1"/>
-          </a:fillRef>
-          <a:effectRef idx="0">
-            <a:schemeClr val="dk1"/>
-          </a:effectRef>
-          <a:fontRef idx="minor">
-            <a:schemeClr val="tx1"/>
-          </a:fontRef>
-        </p:style>
-      </p:cxnSp>
-      <p:sp>
-        <p:nvSpPr>
-          <p:cNvPr id="29" name="文本框 28">
-            <a:extLst>
-              <a:ext uri="{FF2B5EF4-FFF2-40B4-BE49-F238E27FC236}">
-                <a16:creationId xmlns:a16="http://schemas.microsoft.com/office/drawing/2014/main" id="{BD66B20F-20FB-479E-A62D-A49E69DF648E}"/>
-              </a:ext>
-            </a:extLst>
-          </p:cNvPr>
-          <p:cNvSpPr txBox="1"/>
-          <p:nvPr/>
-        </p:nvSpPr>
-        <p:spPr>
-          <a:xfrm>
-            <a:off x="1254301" y="2836195"/>
-            <a:ext cx="1489510" cy="646331"/>
-          </a:xfrm>
-          <a:prstGeom prst="rect">
-            <a:avLst/>
-          </a:prstGeom>
-          <a:noFill/>
-        </p:spPr>
-        <p:txBody>
-          <a:bodyPr wrap="none" rtlCol="0">
-            <a:spAutoFit/>
-          </a:bodyPr>
-          <a:lstStyle/>
-          <a:p>
-            <a:r>
-              <a:rPr lang="en-US" altLang="zh-CN" dirty="0"/>
-              <a:t>Place Order</a:t>
-            </a:r>
-          </a:p>
-          <a:p>
-            <a:r>
-              <a:rPr lang="en-US" altLang="zh-CN" dirty="0"/>
-              <a:t>Cancel Order</a:t>
-            </a:r>
-            <a:endParaRPr lang="zh-CN" altLang="en-US" dirty="0"/>
-          </a:p>
-        </p:txBody>
-      </p:sp>
-      <p:sp>
-        <p:nvSpPr>
-          <p:cNvPr id="30" name="文本框 29">
-            <a:extLst>
-              <a:ext uri="{FF2B5EF4-FFF2-40B4-BE49-F238E27FC236}">
-                <a16:creationId xmlns:a16="http://schemas.microsoft.com/office/drawing/2014/main" id="{7C9E0E53-8064-4E2A-AD26-CD4E6C3DBD9A}"/>
-              </a:ext>
-            </a:extLst>
-          </p:cNvPr>
-          <p:cNvSpPr txBox="1"/>
-          <p:nvPr/>
-        </p:nvSpPr>
-        <p:spPr>
-          <a:xfrm>
-            <a:off x="2217262" y="3764411"/>
-            <a:ext cx="1539204" cy="369332"/>
-          </a:xfrm>
-          <a:prstGeom prst="rect">
-            <a:avLst/>
-          </a:prstGeom>
-          <a:noFill/>
-        </p:spPr>
-        <p:txBody>
-          <a:bodyPr wrap="none" rtlCol="0">
-            <a:spAutoFit/>
-          </a:bodyPr>
-          <a:lstStyle/>
-          <a:p>
-            <a:r>
-              <a:rPr lang="en-US" altLang="zh-CN" dirty="0"/>
-              <a:t>Match Orders</a:t>
-            </a:r>
-          </a:p>
-        </p:txBody>
-      </p:sp>
-      <p:sp>
-        <p:nvSpPr>
-          <p:cNvPr id="38" name="文本框 37">
-            <a:extLst>
-              <a:ext uri="{FF2B5EF4-FFF2-40B4-BE49-F238E27FC236}">
-                <a16:creationId xmlns:a16="http://schemas.microsoft.com/office/drawing/2014/main" id="{431921B8-FBEB-499E-B342-FDB6752B4842}"/>
-              </a:ext>
-            </a:extLst>
-          </p:cNvPr>
-          <p:cNvSpPr txBox="1"/>
-          <p:nvPr/>
-        </p:nvSpPr>
-        <p:spPr>
-          <a:xfrm>
-            <a:off x="494645" y="387276"/>
-            <a:ext cx="1148071" cy="369332"/>
-          </a:xfrm>
-          <a:prstGeom prst="rect">
-            <a:avLst/>
-          </a:prstGeom>
-          <a:noFill/>
-        </p:spPr>
-        <p:txBody>
-          <a:bodyPr wrap="none" rtlCol="0">
-            <a:spAutoFit/>
-          </a:bodyPr>
-          <a:lstStyle/>
-          <a:p>
-            <a:r>
-              <a:rPr lang="en-US" altLang="zh-CN" dirty="0">
-                <a:latin typeface="Source Sans Pro" panose="020B0503030403020204" pitchFamily="34" charset="0"/>
-                <a:ea typeface="Source Sans Pro" panose="020B0503030403020204" pitchFamily="34" charset="0"/>
-              </a:rPr>
-              <a:t>Off </a:t>
-            </a:r>
-            <a:r>
-              <a:rPr lang="en-US" altLang="zh-CN" dirty="0">
-                <a:latin typeface="微软雅黑" panose="020B0503020204020204" pitchFamily="34" charset="-122"/>
-                <a:ea typeface="微软雅黑" panose="020B0503020204020204" pitchFamily="34" charset="-122"/>
-              </a:rPr>
-              <a:t>Chain</a:t>
-            </a:r>
-            <a:endParaRPr lang="zh-CN" altLang="en-US" dirty="0">
-              <a:latin typeface="微软雅黑" panose="020B0503020204020204" pitchFamily="34" charset="-122"/>
-              <a:ea typeface="微软雅黑" panose="020B0503020204020204" pitchFamily="34" charset="-122"/>
-            </a:endParaRPr>
-          </a:p>
-        </p:txBody>
-      </p:sp>
-      <p:cxnSp>
-        <p:nvCxnSpPr>
-          <p:cNvPr id="40" name="直接箭头连接符 39">
-            <a:extLst>
-              <a:ext uri="{FF2B5EF4-FFF2-40B4-BE49-F238E27FC236}">
-                <a16:creationId xmlns:a16="http://schemas.microsoft.com/office/drawing/2014/main" id="{C0695004-D1E8-4C26-A076-F88E1DC0B230}"/>
-              </a:ext>
-            </a:extLst>
-          </p:cNvPr>
-          <p:cNvCxnSpPr>
-            <a:stCxn id="8" idx="0"/>
-            <a:endCxn id="7" idx="2"/>
-          </p:cNvCxnSpPr>
-          <p:nvPr/>
-        </p:nvCxnSpPr>
-        <p:spPr>
-          <a:xfrm flipV="1">
-            <a:off x="4914479" y="2623622"/>
-            <a:ext cx="1" cy="1076959"/>
-          </a:xfrm>
-          <a:prstGeom prst="straightConnector1">
-            <a:avLst/>
-          </a:prstGeom>
-          <a:ln>
-            <a:tailEnd type="triangle"/>
-          </a:ln>
-        </p:spPr>
-        <p:style>
-          <a:lnRef idx="1">
-            <a:schemeClr val="dk1"/>
-          </a:lnRef>
-          <a:fillRef idx="0">
-            <a:schemeClr val="dk1"/>
-          </a:fillRef>
-          <a:effectRef idx="0">
-            <a:schemeClr val="dk1"/>
-          </a:effectRef>
-          <a:fontRef idx="minor">
-            <a:schemeClr val="tx1"/>
-          </a:fontRef>
-        </p:style>
-      </p:cxnSp>
-      <p:sp>
-        <p:nvSpPr>
-          <p:cNvPr id="43" name="文本框 42">
-            <a:extLst>
-              <a:ext uri="{FF2B5EF4-FFF2-40B4-BE49-F238E27FC236}">
-                <a16:creationId xmlns:a16="http://schemas.microsoft.com/office/drawing/2014/main" id="{2D9F72D4-0E79-42DB-8A09-0BADA88EE3D1}"/>
-              </a:ext>
-            </a:extLst>
-          </p:cNvPr>
-          <p:cNvSpPr txBox="1"/>
-          <p:nvPr/>
-        </p:nvSpPr>
-        <p:spPr>
-          <a:xfrm>
-            <a:off x="4914478" y="2655753"/>
-            <a:ext cx="1000595" cy="923330"/>
-          </a:xfrm>
-          <a:prstGeom prst="rect">
-            <a:avLst/>
-          </a:prstGeom>
-          <a:noFill/>
-        </p:spPr>
-        <p:txBody>
-          <a:bodyPr wrap="none" rtlCol="0">
-            <a:spAutoFit/>
-          </a:bodyPr>
-          <a:lstStyle/>
-          <a:p>
-            <a:r>
-              <a:rPr lang="en-US" altLang="zh-CN" dirty="0"/>
-              <a:t>Transfer</a:t>
-            </a:r>
-          </a:p>
-          <a:p>
-            <a:r>
-              <a:rPr lang="en-US" altLang="zh-CN" dirty="0"/>
-              <a:t>Mint</a:t>
-            </a:r>
-          </a:p>
-          <a:p>
-            <a:r>
-              <a:rPr lang="en-US" altLang="zh-CN" dirty="0"/>
-              <a:t>Redeem</a:t>
-            </a:r>
-          </a:p>
-        </p:txBody>
-      </p:sp>
-      <p:cxnSp>
-        <p:nvCxnSpPr>
-          <p:cNvPr id="45" name="直接箭头连接符 44">
-            <a:extLst>
-              <a:ext uri="{FF2B5EF4-FFF2-40B4-BE49-F238E27FC236}">
-                <a16:creationId xmlns:a16="http://schemas.microsoft.com/office/drawing/2014/main" id="{FC216CE8-9EC0-44C8-988A-E67AF101160B}"/>
-              </a:ext>
-            </a:extLst>
-          </p:cNvPr>
-          <p:cNvCxnSpPr>
-            <a:stCxn id="7" idx="3"/>
-            <a:endCxn id="9" idx="1"/>
-          </p:cNvCxnSpPr>
-          <p:nvPr/>
-        </p:nvCxnSpPr>
-        <p:spPr>
-          <a:xfrm>
-            <a:off x="5892185" y="2191041"/>
-            <a:ext cx="1094860" cy="0"/>
-          </a:xfrm>
-          <a:prstGeom prst="straightConnector1">
-            <a:avLst/>
-          </a:prstGeom>
-          <a:ln>
-            <a:tailEnd type="triangle"/>
-          </a:ln>
-        </p:spPr>
-        <p:style>
-          <a:lnRef idx="1">
-            <a:schemeClr val="dk1"/>
-          </a:lnRef>
-          <a:fillRef idx="0">
-            <a:schemeClr val="dk1"/>
-          </a:fillRef>
-          <a:effectRef idx="0">
-            <a:schemeClr val="dk1"/>
-          </a:effectRef>
-          <a:fontRef idx="minor">
-            <a:schemeClr val="tx1"/>
-          </a:fontRef>
-        </p:style>
-      </p:cxnSp>
-      <p:sp>
-        <p:nvSpPr>
-          <p:cNvPr id="48" name="文本框 47">
-            <a:extLst>
-              <a:ext uri="{FF2B5EF4-FFF2-40B4-BE49-F238E27FC236}">
-                <a16:creationId xmlns:a16="http://schemas.microsoft.com/office/drawing/2014/main" id="{3806FC64-D5E2-41E7-A82A-DD132EB2E9E8}"/>
-              </a:ext>
-            </a:extLst>
-          </p:cNvPr>
-          <p:cNvSpPr txBox="1"/>
-          <p:nvPr/>
-        </p:nvSpPr>
-        <p:spPr>
-          <a:xfrm>
-            <a:off x="5956067" y="1593218"/>
-            <a:ext cx="1035861" cy="923330"/>
-          </a:xfrm>
-          <a:prstGeom prst="rect">
-            <a:avLst/>
-          </a:prstGeom>
-          <a:noFill/>
-        </p:spPr>
-        <p:txBody>
-          <a:bodyPr wrap="none" rtlCol="0">
-            <a:spAutoFit/>
-          </a:bodyPr>
-          <a:lstStyle/>
-          <a:p>
-            <a:r>
-              <a:rPr lang="en-US" altLang="zh-CN" dirty="0"/>
-              <a:t>Mint</a:t>
-            </a:r>
-          </a:p>
-          <a:p>
-            <a:r>
-              <a:rPr lang="en-US" altLang="zh-CN" dirty="0"/>
-              <a:t>Redeem</a:t>
-            </a:r>
-          </a:p>
-          <a:p>
-            <a:r>
-              <a:rPr lang="en-US" altLang="zh-CN" dirty="0"/>
-              <a:t>Approve</a:t>
-            </a:r>
-          </a:p>
-        </p:txBody>
-      </p:sp>
-      <p:sp>
-        <p:nvSpPr>
-          <p:cNvPr id="49" name="文本框 48">
-            <a:extLst>
-              <a:ext uri="{FF2B5EF4-FFF2-40B4-BE49-F238E27FC236}">
-                <a16:creationId xmlns:a16="http://schemas.microsoft.com/office/drawing/2014/main" id="{2B7441E1-87E6-4066-A1D4-CDD1C29A9F90}"/>
-              </a:ext>
-            </a:extLst>
-          </p:cNvPr>
-          <p:cNvSpPr txBox="1"/>
-          <p:nvPr/>
-        </p:nvSpPr>
-        <p:spPr>
-          <a:xfrm>
-            <a:off x="9402230" y="1593218"/>
-            <a:ext cx="1035861" cy="923330"/>
-          </a:xfrm>
-          <a:prstGeom prst="rect">
-            <a:avLst/>
-          </a:prstGeom>
-          <a:noFill/>
-        </p:spPr>
-        <p:txBody>
-          <a:bodyPr wrap="none" rtlCol="0">
-            <a:spAutoFit/>
-          </a:bodyPr>
-          <a:lstStyle/>
-          <a:p>
-            <a:r>
-              <a:rPr lang="en-US" altLang="zh-CN" dirty="0"/>
-              <a:t>Mint</a:t>
-            </a:r>
-          </a:p>
-          <a:p>
-            <a:r>
-              <a:rPr lang="en-US" altLang="zh-CN" dirty="0"/>
-              <a:t>Redeem</a:t>
-            </a:r>
-          </a:p>
-          <a:p>
-            <a:r>
-              <a:rPr lang="en-US" altLang="zh-CN" dirty="0"/>
-              <a:t>Approve</a:t>
-            </a:r>
-          </a:p>
-        </p:txBody>
-      </p:sp>
-      <p:cxnSp>
-        <p:nvCxnSpPr>
-          <p:cNvPr id="56" name="连接符: 肘形 55">
-            <a:extLst>
-              <a:ext uri="{FF2B5EF4-FFF2-40B4-BE49-F238E27FC236}">
-                <a16:creationId xmlns:a16="http://schemas.microsoft.com/office/drawing/2014/main" id="{41CE204E-F615-43F9-B8D3-F4D0769AA729}"/>
-              </a:ext>
-            </a:extLst>
-          </p:cNvPr>
-          <p:cNvCxnSpPr>
-            <a:cxnSpLocks/>
-            <a:stCxn id="9" idx="3"/>
-          </p:cNvCxnSpPr>
-          <p:nvPr/>
-        </p:nvCxnSpPr>
-        <p:spPr>
-          <a:xfrm>
-            <a:off x="8942456" y="2191041"/>
-            <a:ext cx="1690510" cy="651015"/>
-          </a:xfrm>
-          <a:prstGeom prst="bentConnector2">
-            <a:avLst/>
-          </a:prstGeom>
-          <a:ln>
-            <a:tailEnd type="triangle"/>
-          </a:ln>
-        </p:spPr>
-        <p:style>
-          <a:lnRef idx="1">
-            <a:schemeClr val="dk1"/>
-          </a:lnRef>
-          <a:fillRef idx="0">
-            <a:schemeClr val="dk1"/>
-          </a:fillRef>
-          <a:effectRef idx="0">
-            <a:schemeClr val="dk1"/>
-          </a:effectRef>
-          <a:fontRef idx="minor">
-            <a:schemeClr val="tx1"/>
-          </a:fontRef>
-        </p:style>
-      </p:cxnSp>
-      <p:sp>
-        <p:nvSpPr>
-          <p:cNvPr id="59" name="圆柱体 58">
-            <a:extLst>
-              <a:ext uri="{FF2B5EF4-FFF2-40B4-BE49-F238E27FC236}">
-                <a16:creationId xmlns:a16="http://schemas.microsoft.com/office/drawing/2014/main" id="{25632116-1E00-4712-B8B0-81515F3E9106}"/>
-              </a:ext>
-            </a:extLst>
-          </p:cNvPr>
-          <p:cNvSpPr/>
-          <p:nvPr/>
-        </p:nvSpPr>
-        <p:spPr>
-          <a:xfrm>
-            <a:off x="6987045" y="3368292"/>
-            <a:ext cx="1955410" cy="1297745"/>
-          </a:xfrm>
-          <a:prstGeom prst="can">
-            <a:avLst/>
-          </a:prstGeom>
-        </p:spPr>
-        <p:style>
-          <a:lnRef idx="2">
-            <a:schemeClr val="dk1"/>
-          </a:lnRef>
-          <a:fillRef idx="1">
-            <a:schemeClr val="lt1"/>
-          </a:fillRef>
-          <a:effectRef idx="0">
-            <a:schemeClr val="dk1"/>
-          </a:effectRef>
-          <a:fontRef idx="minor">
-            <a:schemeClr val="dk1"/>
-          </a:fontRef>
-        </p:style>
-        <p:txBody>
-          <a:bodyPr rtlCol="0" anchor="ctr"/>
-          <a:lstStyle/>
-          <a:p>
-            <a:pPr algn="ctr"/>
-            <a:r>
-              <a:rPr lang="en-US" altLang="zh-CN" dirty="0"/>
-              <a:t>Position Tokens</a:t>
-            </a:r>
-          </a:p>
-          <a:p>
-            <a:pPr algn="ctr"/>
-            <a:r>
-              <a:rPr lang="en-US" altLang="zh-CN" dirty="0"/>
-              <a:t>Collateral Tokens</a:t>
-            </a:r>
-          </a:p>
-          <a:p>
-            <a:pPr algn="ctr"/>
-            <a:r>
-              <a:rPr lang="en-US" altLang="zh-CN" dirty="0"/>
-              <a:t>MKT</a:t>
-            </a:r>
-            <a:endParaRPr lang="zh-CN" altLang="en-US" dirty="0"/>
-          </a:p>
-        </p:txBody>
-      </p:sp>
-      <p:sp>
-        <p:nvSpPr>
-          <p:cNvPr id="62" name="左大括号 61">
-            <a:extLst>
-              <a:ext uri="{FF2B5EF4-FFF2-40B4-BE49-F238E27FC236}">
-                <a16:creationId xmlns:a16="http://schemas.microsoft.com/office/drawing/2014/main" id="{B37ADC2E-AA1F-4233-A03B-306C7CF4C764}"/>
-              </a:ext>
-            </a:extLst>
-          </p:cNvPr>
-          <p:cNvSpPr/>
-          <p:nvPr/>
-        </p:nvSpPr>
-        <p:spPr>
-          <a:xfrm rot="5400000">
-            <a:off x="7616354" y="1869524"/>
-            <a:ext cx="651016" cy="2417371"/>
-          </a:xfrm>
-          <a:prstGeom prst="leftBrace">
-            <a:avLst>
-              <a:gd name="adj1" fmla="val 70999"/>
-              <a:gd name="adj2" fmla="val 50000"/>
-            </a:avLst>
-          </a:prstGeom>
-        </p:spPr>
-        <p:style>
-          <a:lnRef idx="1">
-            <a:schemeClr val="dk1"/>
-          </a:lnRef>
-          <a:fillRef idx="0">
-            <a:schemeClr val="dk1"/>
-          </a:fillRef>
-          <a:effectRef idx="0">
-            <a:schemeClr val="dk1"/>
-          </a:effectRef>
-          <a:fontRef idx="minor">
-            <a:schemeClr val="tx1"/>
-          </a:fontRef>
-        </p:style>
-        <p:txBody>
-          <a:bodyPr rtlCol="0" anchor="ctr"/>
-          <a:lstStyle/>
-          <a:p>
-            <a:pPr algn="ctr"/>
-            <a:endParaRPr lang="zh-CN" altLang="en-US"/>
-          </a:p>
-        </p:txBody>
-      </p:sp>
-      <p:sp>
-        <p:nvSpPr>
-          <p:cNvPr id="63" name="矩形: 圆角 62">
-            <a:extLst>
-              <a:ext uri="{FF2B5EF4-FFF2-40B4-BE49-F238E27FC236}">
-                <a16:creationId xmlns:a16="http://schemas.microsoft.com/office/drawing/2014/main" id="{C69C2873-0B56-4824-B189-2682AA773FF2}"/>
-              </a:ext>
-            </a:extLst>
-          </p:cNvPr>
-          <p:cNvSpPr/>
-          <p:nvPr/>
-        </p:nvSpPr>
-        <p:spPr>
-          <a:xfrm>
-            <a:off x="9631502" y="2817438"/>
-            <a:ext cx="2171291" cy="914400"/>
-          </a:xfrm>
-          <a:prstGeom prst="roundRect">
-            <a:avLst>
-              <a:gd name="adj" fmla="val 33590"/>
-            </a:avLst>
-          </a:prstGeom>
-          <a:noFill/>
-          <a:ln>
-            <a:solidFill>
-              <a:schemeClr val="tx1"/>
-            </a:solidFill>
-          </a:ln>
-        </p:spPr>
-        <p:style>
-          <a:lnRef idx="2">
-            <a:schemeClr val="accent1">
-              <a:shade val="50000"/>
-            </a:schemeClr>
-          </a:lnRef>
-          <a:fillRef idx="1">
-            <a:schemeClr val="accent1"/>
-          </a:fillRef>
-          <a:effectRef idx="0">
-            <a:schemeClr val="accent1"/>
-          </a:effectRef>
-          <a:fontRef idx="minor">
-            <a:schemeClr val="lt1"/>
-          </a:fontRef>
-        </p:style>
-        <p:txBody>
-          <a:bodyPr rot="0" spcFirstLastPara="0" vertOverflow="overflow" horzOverflow="overflow" vert="horz" wrap="square" lIns="91440" tIns="45720" rIns="91440" bIns="45720" numCol="1" spcCol="0" rtlCol="0" fromWordArt="0" anchor="ctr" anchorCtr="0" forceAA="0" compatLnSpc="1">
-            <a:prstTxWarp prst="textNoShape">
-              <a:avLst/>
-            </a:prstTxWarp>
-            <a:noAutofit/>
-          </a:bodyPr>
-          <a:lstStyle/>
-          <a:p>
-            <a:pPr algn="ctr"/>
-            <a:r>
-              <a:rPr lang="en-US" altLang="zh-CN" dirty="0">
+            </a:lnRef>
+            <a:fillRef idx="1">
+              <a:schemeClr val="accent1"/>
+            </a:fillRef>
+            <a:effectRef idx="0">
+              <a:schemeClr val="accent1"/>
+            </a:effectRef>
+            <a:fontRef idx="minor">
+              <a:schemeClr val="lt1"/>
+            </a:fontRef>
+          </p:style>
+          <p:txBody>
+            <a:bodyPr rot="0" spcFirstLastPara="0" vertOverflow="overflow" horzOverflow="overflow" vert="horz" wrap="square" lIns="91440" tIns="45720" rIns="91440" bIns="45720" numCol="1" spcCol="0" rtlCol="0" fromWordArt="0" anchor="ctr" anchorCtr="0" forceAA="0" compatLnSpc="1">
+              <a:prstTxWarp prst="textNoShape">
+                <a:avLst/>
+              </a:prstTxWarp>
+              <a:noAutofit/>
+            </a:bodyPr>
+            <a:lstStyle/>
+            <a:p>
+              <a:pPr algn="ctr"/>
+              <a:r>
+                <a:rPr lang="en-US" altLang="zh-CN" dirty="0">
+                  <a:solidFill>
+                    <a:schemeClr val="tx1"/>
+                  </a:solidFill>
+                  <a:latin typeface="Arial" panose="020B0604020202020204" pitchFamily="34" charset="0"/>
+                  <a:ea typeface="微软雅黑" panose="020B0503020204020204" pitchFamily="34" charset="-122"/>
+                  <a:cs typeface="Arial" panose="020B0604020202020204" pitchFamily="34" charset="0"/>
+                </a:rPr>
+                <a:t>Market Protocol</a:t>
+              </a:r>
+              <a:endParaRPr lang="zh-CN" altLang="en-US" dirty="0">
                 <a:solidFill>
                   <a:schemeClr val="tx1"/>
                 </a:solidFill>
-                <a:latin typeface="微软雅黑" panose="020B0503020204020204" pitchFamily="34" charset="-122"/>
+                <a:latin typeface="Arial" panose="020B0604020202020204" pitchFamily="34" charset="0"/>
                 <a:ea typeface="微软雅黑" panose="020B0503020204020204" pitchFamily="34" charset="-122"/>
-              </a:rPr>
-              <a:t>Market Protocol</a:t>
-            </a:r>
-            <a:endParaRPr lang="zh-CN" altLang="en-US" dirty="0">
-              <a:solidFill>
-                <a:schemeClr val="tx1"/>
-              </a:solidFill>
-              <a:latin typeface="微软雅黑" panose="020B0503020204020204" pitchFamily="34" charset="-122"/>
-              <a:ea typeface="微软雅黑" panose="020B0503020204020204" pitchFamily="34" charset="-122"/>
-            </a:endParaRPr>
-          </a:p>
-        </p:txBody>
-      </p:sp>
+                <a:cs typeface="Arial" panose="020B0604020202020204" pitchFamily="34" charset="0"/>
+              </a:endParaRPr>
+            </a:p>
+          </p:txBody>
+        </p:sp>
+      </p:grpSp>
     </p:spTree>
     <p:extLst>
       <p:ext uri="{BB962C8B-B14F-4D97-AF65-F5344CB8AC3E}">
         <p14:creationId xmlns:p14="http://schemas.microsoft.com/office/powerpoint/2010/main" val="422380571"/>
+      </p:ext>
+    </p:extLst>
+  </p:cSld>
+  <p:clrMapOvr>
+    <a:masterClrMapping/>
+  </p:clrMapOvr>
+</p:sld>
+</file>
+
+<file path=ppt/slides/slide2.xml><?xml version="1.0" encoding="utf-8"?>
+<p:sld xmlns:a="http://schemas.openxmlformats.org/drawingml/2006/main" xmlns:r="http://schemas.openxmlformats.org/officeDocument/2006/relationships" xmlns:p="http://schemas.openxmlformats.org/presentationml/2006/main">
+  <p:cSld>
+    <p:spTree>
+      <p:nvGrpSpPr>
+        <p:cNvPr id="1" name=""/>
+        <p:cNvGrpSpPr/>
+        <p:nvPr/>
+      </p:nvGrpSpPr>
+      <p:grpSpPr>
+        <a:xfrm>
+          <a:off x="0" y="0"/>
+          <a:ext cx="0" cy="0"/>
+          <a:chOff x="0" y="0"/>
+          <a:chExt cx="0" cy="0"/>
+        </a:xfrm>
+      </p:grpSpPr>
+      <p:grpSp>
+        <p:nvGrpSpPr>
+          <p:cNvPr id="2" name="组合 1">
+            <a:extLst>
+              <a:ext uri="{FF2B5EF4-FFF2-40B4-BE49-F238E27FC236}">
+                <a16:creationId xmlns:a16="http://schemas.microsoft.com/office/drawing/2014/main" id="{A50B6FF4-74B8-4A9B-B0A5-2B9C077D8139}"/>
+              </a:ext>
+            </a:extLst>
+          </p:cNvPr>
+          <p:cNvGrpSpPr/>
+          <p:nvPr/>
+        </p:nvGrpSpPr>
+        <p:grpSpPr>
+          <a:xfrm>
+            <a:off x="492369" y="351692"/>
+            <a:ext cx="11310424" cy="5064370"/>
+            <a:chOff x="492369" y="351692"/>
+            <a:chExt cx="11310424" cy="5064370"/>
+          </a:xfrm>
+        </p:grpSpPr>
+        <p:sp>
+          <p:nvSpPr>
+            <p:cNvPr id="22" name="矩形: 圆角 21">
+              <a:extLst>
+                <a:ext uri="{FF2B5EF4-FFF2-40B4-BE49-F238E27FC236}">
+                  <a16:creationId xmlns:a16="http://schemas.microsoft.com/office/drawing/2014/main" id="{E653A227-7A55-41AE-B26A-C3ABB8F6705F}"/>
+                </a:ext>
+              </a:extLst>
+            </p:cNvPr>
+            <p:cNvSpPr/>
+            <p:nvPr/>
+          </p:nvSpPr>
+          <p:spPr>
+            <a:xfrm>
+              <a:off x="3709353" y="1028239"/>
+              <a:ext cx="5561247" cy="4206240"/>
+            </a:xfrm>
+            <a:prstGeom prst="roundRect">
+              <a:avLst>
+                <a:gd name="adj" fmla="val 12988"/>
+              </a:avLst>
+            </a:prstGeom>
+            <a:noFill/>
+            <a:ln>
+              <a:solidFill>
+                <a:schemeClr val="bg1"/>
+              </a:solidFill>
+            </a:ln>
+          </p:spPr>
+          <p:style>
+            <a:lnRef idx="2">
+              <a:schemeClr val="accent1">
+                <a:shade val="50000"/>
+              </a:schemeClr>
+            </a:lnRef>
+            <a:fillRef idx="1">
+              <a:schemeClr val="accent1"/>
+            </a:fillRef>
+            <a:effectRef idx="0">
+              <a:schemeClr val="accent1"/>
+            </a:effectRef>
+            <a:fontRef idx="minor">
+              <a:schemeClr val="lt1"/>
+            </a:fontRef>
+          </p:style>
+          <p:txBody>
+            <a:bodyPr rtlCol="0" anchor="ctr"/>
+            <a:lstStyle/>
+            <a:p>
+              <a:pPr algn="ctr"/>
+              <a:endParaRPr lang="zh-CN" altLang="en-US" dirty="0">
+                <a:solidFill>
+                  <a:schemeClr val="bg1"/>
+                </a:solidFill>
+                <a:latin typeface="Arial" panose="020B0604020202020204" pitchFamily="34" charset="0"/>
+                <a:cs typeface="Arial" panose="020B0604020202020204" pitchFamily="34" charset="0"/>
+              </a:endParaRPr>
+            </a:p>
+          </p:txBody>
+        </p:sp>
+        <p:sp>
+          <p:nvSpPr>
+            <p:cNvPr id="4" name="椭圆 3">
+              <a:extLst>
+                <a:ext uri="{FF2B5EF4-FFF2-40B4-BE49-F238E27FC236}">
+                  <a16:creationId xmlns:a16="http://schemas.microsoft.com/office/drawing/2014/main" id="{5078006F-1272-4C97-A568-5488F526E11F}"/>
+                </a:ext>
+              </a:extLst>
+            </p:cNvPr>
+            <p:cNvSpPr/>
+            <p:nvPr/>
+          </p:nvSpPr>
+          <p:spPr>
+            <a:xfrm>
+              <a:off x="492369" y="1746339"/>
+              <a:ext cx="1523866" cy="865163"/>
+            </a:xfrm>
+            <a:prstGeom prst="ellipse">
+              <a:avLst/>
+            </a:prstGeom>
+            <a:noFill/>
+            <a:ln>
+              <a:solidFill>
+                <a:schemeClr val="bg1"/>
+              </a:solidFill>
+            </a:ln>
+          </p:spPr>
+          <p:style>
+            <a:lnRef idx="2">
+              <a:schemeClr val="dk1"/>
+            </a:lnRef>
+            <a:fillRef idx="1">
+              <a:schemeClr val="lt1"/>
+            </a:fillRef>
+            <a:effectRef idx="0">
+              <a:schemeClr val="dk1"/>
+            </a:effectRef>
+            <a:fontRef idx="minor">
+              <a:schemeClr val="dk1"/>
+            </a:fontRef>
+          </p:style>
+          <p:txBody>
+            <a:bodyPr rtlCol="0" anchor="ctr"/>
+            <a:lstStyle/>
+            <a:p>
+              <a:pPr algn="ctr"/>
+              <a:r>
+                <a:rPr lang="en-US" altLang="zh-CN" dirty="0">
+                  <a:solidFill>
+                    <a:schemeClr val="bg1"/>
+                  </a:solidFill>
+                  <a:latin typeface="Arial" panose="020B0604020202020204" pitchFamily="34" charset="0"/>
+                  <a:ea typeface="微软雅黑" panose="020B0503020204020204" pitchFamily="34" charset="-122"/>
+                  <a:cs typeface="Arial" panose="020B0604020202020204" pitchFamily="34" charset="0"/>
+                </a:rPr>
+                <a:t>Traders</a:t>
+              </a:r>
+              <a:endParaRPr lang="zh-CN" altLang="en-US" dirty="0">
+                <a:solidFill>
+                  <a:schemeClr val="bg1"/>
+                </a:solidFill>
+                <a:latin typeface="Arial" panose="020B0604020202020204" pitchFamily="34" charset="0"/>
+                <a:ea typeface="微软雅黑" panose="020B0503020204020204" pitchFamily="34" charset="-122"/>
+                <a:cs typeface="Arial" panose="020B0604020202020204" pitchFamily="34" charset="0"/>
+              </a:endParaRPr>
+            </a:p>
+          </p:txBody>
+        </p:sp>
+        <p:sp>
+          <p:nvSpPr>
+            <p:cNvPr id="6" name="椭圆 5">
+              <a:extLst>
+                <a:ext uri="{FF2B5EF4-FFF2-40B4-BE49-F238E27FC236}">
+                  <a16:creationId xmlns:a16="http://schemas.microsoft.com/office/drawing/2014/main" id="{DFE8BB6D-944B-47D8-A989-9A77B2AF67DE}"/>
+                </a:ext>
+              </a:extLst>
+            </p:cNvPr>
+            <p:cNvSpPr/>
+            <p:nvPr/>
+          </p:nvSpPr>
+          <p:spPr>
+            <a:xfrm>
+              <a:off x="492369" y="3707219"/>
+              <a:ext cx="1523866" cy="865163"/>
+            </a:xfrm>
+            <a:prstGeom prst="ellipse">
+              <a:avLst/>
+            </a:prstGeom>
+            <a:noFill/>
+            <a:ln>
+              <a:solidFill>
+                <a:schemeClr val="bg1"/>
+              </a:solidFill>
+            </a:ln>
+          </p:spPr>
+          <p:style>
+            <a:lnRef idx="2">
+              <a:schemeClr val="dk1"/>
+            </a:lnRef>
+            <a:fillRef idx="1">
+              <a:schemeClr val="lt1"/>
+            </a:fillRef>
+            <a:effectRef idx="0">
+              <a:schemeClr val="dk1"/>
+            </a:effectRef>
+            <a:fontRef idx="minor">
+              <a:schemeClr val="dk1"/>
+            </a:fontRef>
+          </p:style>
+          <p:txBody>
+            <a:bodyPr rtlCol="0" anchor="ctr"/>
+            <a:lstStyle/>
+            <a:p>
+              <a:pPr algn="ctr"/>
+              <a:r>
+                <a:rPr lang="en-US" altLang="zh-CN" dirty="0" err="1">
+                  <a:solidFill>
+                    <a:schemeClr val="bg1"/>
+                  </a:solidFill>
+                  <a:latin typeface="Arial" panose="020B0604020202020204" pitchFamily="34" charset="0"/>
+                  <a:ea typeface="微软雅黑" panose="020B0503020204020204" pitchFamily="34" charset="-122"/>
+                  <a:cs typeface="Arial" panose="020B0604020202020204" pitchFamily="34" charset="0"/>
+                </a:rPr>
+                <a:t>Relayer</a:t>
+              </a:r>
+              <a:endParaRPr lang="zh-CN" altLang="en-US" dirty="0">
+                <a:solidFill>
+                  <a:schemeClr val="bg1"/>
+                </a:solidFill>
+                <a:latin typeface="Arial" panose="020B0604020202020204" pitchFamily="34" charset="0"/>
+                <a:ea typeface="微软雅黑" panose="020B0503020204020204" pitchFamily="34" charset="-122"/>
+                <a:cs typeface="Arial" panose="020B0604020202020204" pitchFamily="34" charset="0"/>
+              </a:endParaRPr>
+            </a:p>
+          </p:txBody>
+        </p:sp>
+        <p:sp>
+          <p:nvSpPr>
+            <p:cNvPr id="7" name="矩形 6">
+              <a:extLst>
+                <a:ext uri="{FF2B5EF4-FFF2-40B4-BE49-F238E27FC236}">
+                  <a16:creationId xmlns:a16="http://schemas.microsoft.com/office/drawing/2014/main" id="{ADF06655-6AA4-4BA8-8E09-21A46B91140F}"/>
+                </a:ext>
+              </a:extLst>
+            </p:cNvPr>
+            <p:cNvSpPr/>
+            <p:nvPr/>
+          </p:nvSpPr>
+          <p:spPr>
+            <a:xfrm>
+              <a:off x="3936774" y="1758459"/>
+              <a:ext cx="1955411" cy="865163"/>
+            </a:xfrm>
+            <a:prstGeom prst="rect">
+              <a:avLst/>
+            </a:prstGeom>
+            <a:noFill/>
+            <a:ln>
+              <a:solidFill>
+                <a:schemeClr val="bg1"/>
+              </a:solidFill>
+            </a:ln>
+          </p:spPr>
+          <p:style>
+            <a:lnRef idx="2">
+              <a:schemeClr val="dk1"/>
+            </a:lnRef>
+            <a:fillRef idx="1">
+              <a:schemeClr val="lt1"/>
+            </a:fillRef>
+            <a:effectRef idx="0">
+              <a:schemeClr val="dk1"/>
+            </a:effectRef>
+            <a:fontRef idx="minor">
+              <a:schemeClr val="dk1"/>
+            </a:fontRef>
+          </p:style>
+          <p:txBody>
+            <a:bodyPr rot="0" spcFirstLastPara="0" vertOverflow="overflow" horzOverflow="overflow" vert="horz" wrap="square" lIns="91440" tIns="45720" rIns="91440" bIns="45720" numCol="1" spcCol="0" rtlCol="0" fromWordArt="0" anchor="ctr" anchorCtr="0" forceAA="0" compatLnSpc="1">
+              <a:prstTxWarp prst="textNoShape">
+                <a:avLst/>
+              </a:prstTxWarp>
+              <a:noAutofit/>
+            </a:bodyPr>
+            <a:lstStyle/>
+            <a:p>
+              <a:pPr algn="ctr"/>
+              <a:r>
+                <a:rPr lang="en-US" altLang="zh-CN" dirty="0">
+                  <a:solidFill>
+                    <a:schemeClr val="bg1"/>
+                  </a:solidFill>
+                  <a:latin typeface="Arial" panose="020B0604020202020204" pitchFamily="34" charset="0"/>
+                  <a:ea typeface="微软雅黑" panose="020B0503020204020204" pitchFamily="34" charset="-122"/>
+                  <a:cs typeface="Arial" panose="020B0604020202020204" pitchFamily="34" charset="0"/>
+                </a:rPr>
+                <a:t>Approval Proxy</a:t>
+              </a:r>
+              <a:endParaRPr lang="zh-CN" altLang="en-US" dirty="0">
+                <a:solidFill>
+                  <a:schemeClr val="bg1"/>
+                </a:solidFill>
+                <a:latin typeface="Arial" panose="020B0604020202020204" pitchFamily="34" charset="0"/>
+                <a:ea typeface="微软雅黑" panose="020B0503020204020204" pitchFamily="34" charset="-122"/>
+                <a:cs typeface="Arial" panose="020B0604020202020204" pitchFamily="34" charset="0"/>
+              </a:endParaRPr>
+            </a:p>
+          </p:txBody>
+        </p:sp>
+        <p:sp>
+          <p:nvSpPr>
+            <p:cNvPr id="8" name="矩形 7">
+              <a:extLst>
+                <a:ext uri="{FF2B5EF4-FFF2-40B4-BE49-F238E27FC236}">
+                  <a16:creationId xmlns:a16="http://schemas.microsoft.com/office/drawing/2014/main" id="{A9E9D41C-A2BD-4393-81B9-C711573B3A84}"/>
+                </a:ext>
+              </a:extLst>
+            </p:cNvPr>
+            <p:cNvSpPr/>
+            <p:nvPr/>
+          </p:nvSpPr>
+          <p:spPr>
+            <a:xfrm>
+              <a:off x="3936773" y="3700581"/>
+              <a:ext cx="1955411" cy="865163"/>
+            </a:xfrm>
+            <a:prstGeom prst="rect">
+              <a:avLst/>
+            </a:prstGeom>
+            <a:noFill/>
+            <a:ln>
+              <a:solidFill>
+                <a:schemeClr val="bg1"/>
+              </a:solidFill>
+            </a:ln>
+          </p:spPr>
+          <p:style>
+            <a:lnRef idx="2">
+              <a:schemeClr val="dk1"/>
+            </a:lnRef>
+            <a:fillRef idx="1">
+              <a:schemeClr val="lt1"/>
+            </a:fillRef>
+            <a:effectRef idx="0">
+              <a:schemeClr val="dk1"/>
+            </a:effectRef>
+            <a:fontRef idx="minor">
+              <a:schemeClr val="dk1"/>
+            </a:fontRef>
+          </p:style>
+          <p:txBody>
+            <a:bodyPr rot="0" spcFirstLastPara="0" vertOverflow="overflow" horzOverflow="overflow" vert="horz" wrap="square" lIns="91440" tIns="45720" rIns="91440" bIns="45720" numCol="1" spcCol="0" rtlCol="0" fromWordArt="0" anchor="ctr" anchorCtr="0" forceAA="0" compatLnSpc="1">
+              <a:prstTxWarp prst="textNoShape">
+                <a:avLst/>
+              </a:prstTxWarp>
+              <a:noAutofit/>
+            </a:bodyPr>
+            <a:lstStyle/>
+            <a:p>
+              <a:pPr algn="ctr"/>
+              <a:r>
+                <a:rPr lang="en-US" altLang="zh-CN" dirty="0">
+                  <a:solidFill>
+                    <a:schemeClr val="bg1"/>
+                  </a:solidFill>
+                  <a:latin typeface="Arial" panose="020B0604020202020204" pitchFamily="34" charset="0"/>
+                  <a:ea typeface="微软雅黑" panose="020B0503020204020204" pitchFamily="34" charset="-122"/>
+                  <a:cs typeface="Arial" panose="020B0604020202020204" pitchFamily="34" charset="0"/>
+                </a:rPr>
+                <a:t>Mai Exchange</a:t>
+              </a:r>
+              <a:endParaRPr lang="zh-CN" altLang="en-US" dirty="0">
+                <a:solidFill>
+                  <a:schemeClr val="bg1"/>
+                </a:solidFill>
+                <a:latin typeface="Arial" panose="020B0604020202020204" pitchFamily="34" charset="0"/>
+                <a:ea typeface="微软雅黑" panose="020B0503020204020204" pitchFamily="34" charset="-122"/>
+                <a:cs typeface="Arial" panose="020B0604020202020204" pitchFamily="34" charset="0"/>
+              </a:endParaRPr>
+            </a:p>
+          </p:txBody>
+        </p:sp>
+        <p:sp>
+          <p:nvSpPr>
+            <p:cNvPr id="9" name="矩形 8">
+              <a:extLst>
+                <a:ext uri="{FF2B5EF4-FFF2-40B4-BE49-F238E27FC236}">
+                  <a16:creationId xmlns:a16="http://schemas.microsoft.com/office/drawing/2014/main" id="{94AEDBFB-F59B-46D1-A626-129D6E572754}"/>
+                </a:ext>
+              </a:extLst>
+            </p:cNvPr>
+            <p:cNvSpPr/>
+            <p:nvPr/>
+          </p:nvSpPr>
+          <p:spPr>
+            <a:xfrm>
+              <a:off x="6987045" y="1758459"/>
+              <a:ext cx="1955411" cy="865163"/>
+            </a:xfrm>
+            <a:prstGeom prst="rect">
+              <a:avLst/>
+            </a:prstGeom>
+            <a:noFill/>
+            <a:ln>
+              <a:solidFill>
+                <a:schemeClr val="bg1"/>
+              </a:solidFill>
+            </a:ln>
+          </p:spPr>
+          <p:style>
+            <a:lnRef idx="2">
+              <a:schemeClr val="dk1"/>
+            </a:lnRef>
+            <a:fillRef idx="1">
+              <a:schemeClr val="lt1"/>
+            </a:fillRef>
+            <a:effectRef idx="0">
+              <a:schemeClr val="dk1"/>
+            </a:effectRef>
+            <a:fontRef idx="minor">
+              <a:schemeClr val="dk1"/>
+            </a:fontRef>
+          </p:style>
+          <p:txBody>
+            <a:bodyPr rot="0" spcFirstLastPara="0" vertOverflow="overflow" horzOverflow="overflow" vert="horz" wrap="square" lIns="91440" tIns="45720" rIns="91440" bIns="45720" numCol="1" spcCol="0" rtlCol="0" fromWordArt="0" anchor="ctr" anchorCtr="0" forceAA="0" compatLnSpc="1">
+              <a:prstTxWarp prst="textNoShape">
+                <a:avLst/>
+              </a:prstTxWarp>
+              <a:noAutofit/>
+            </a:bodyPr>
+            <a:lstStyle/>
+            <a:p>
+              <a:pPr algn="ctr"/>
+              <a:r>
+                <a:rPr lang="en-US" altLang="zh-CN" dirty="0">
+                  <a:solidFill>
+                    <a:schemeClr val="bg1"/>
+                  </a:solidFill>
+                  <a:latin typeface="Arial" panose="020B0604020202020204" pitchFamily="34" charset="0"/>
+                  <a:ea typeface="微软雅黑" panose="020B0503020204020204" pitchFamily="34" charset="-122"/>
+                  <a:cs typeface="Arial" panose="020B0604020202020204" pitchFamily="34" charset="0"/>
+                </a:rPr>
+                <a:t>Minting Pool</a:t>
+              </a:r>
+              <a:endParaRPr lang="zh-CN" altLang="en-US" dirty="0">
+                <a:solidFill>
+                  <a:schemeClr val="bg1"/>
+                </a:solidFill>
+                <a:latin typeface="Arial" panose="020B0604020202020204" pitchFamily="34" charset="0"/>
+                <a:ea typeface="微软雅黑" panose="020B0503020204020204" pitchFamily="34" charset="-122"/>
+                <a:cs typeface="Arial" panose="020B0604020202020204" pitchFamily="34" charset="0"/>
+              </a:endParaRPr>
+            </a:p>
+          </p:txBody>
+        </p:sp>
+        <p:sp>
+          <p:nvSpPr>
+            <p:cNvPr id="12" name="文本框 11">
+              <a:extLst>
+                <a:ext uri="{FF2B5EF4-FFF2-40B4-BE49-F238E27FC236}">
+                  <a16:creationId xmlns:a16="http://schemas.microsoft.com/office/drawing/2014/main" id="{867A7F36-3EDA-4E1A-A334-9B90564A1878}"/>
+                </a:ext>
+              </a:extLst>
+            </p:cNvPr>
+            <p:cNvSpPr txBox="1"/>
+            <p:nvPr/>
+          </p:nvSpPr>
+          <p:spPr>
+            <a:xfrm>
+              <a:off x="3259414" y="387276"/>
+              <a:ext cx="1159292" cy="369332"/>
+            </a:xfrm>
+            <a:prstGeom prst="rect">
+              <a:avLst/>
+            </a:prstGeom>
+            <a:noFill/>
+          </p:spPr>
+          <p:txBody>
+            <a:bodyPr wrap="none" rtlCol="0">
+              <a:spAutoFit/>
+            </a:bodyPr>
+            <a:lstStyle/>
+            <a:p>
+              <a:r>
+                <a:rPr lang="en-US" altLang="zh-CN" dirty="0">
+                  <a:solidFill>
+                    <a:schemeClr val="bg1"/>
+                  </a:solidFill>
+                  <a:latin typeface="Arial" panose="020B0604020202020204" pitchFamily="34" charset="0"/>
+                  <a:ea typeface="Source Sans Pro" panose="020B0503030403020204" pitchFamily="34" charset="0"/>
+                  <a:cs typeface="Arial" panose="020B0604020202020204" pitchFamily="34" charset="0"/>
+                </a:rPr>
+                <a:t>On </a:t>
+              </a:r>
+              <a:r>
+                <a:rPr lang="en-US" altLang="zh-CN" dirty="0">
+                  <a:solidFill>
+                    <a:schemeClr val="bg1"/>
+                  </a:solidFill>
+                  <a:latin typeface="Arial" panose="020B0604020202020204" pitchFamily="34" charset="0"/>
+                  <a:ea typeface="微软雅黑" panose="020B0503020204020204" pitchFamily="34" charset="-122"/>
+                  <a:cs typeface="Arial" panose="020B0604020202020204" pitchFamily="34" charset="0"/>
+                </a:rPr>
+                <a:t>Chain</a:t>
+              </a:r>
+              <a:endParaRPr lang="zh-CN" altLang="en-US" dirty="0">
+                <a:solidFill>
+                  <a:schemeClr val="bg1"/>
+                </a:solidFill>
+                <a:latin typeface="Arial" panose="020B0604020202020204" pitchFamily="34" charset="0"/>
+                <a:ea typeface="微软雅黑" panose="020B0503020204020204" pitchFamily="34" charset="-122"/>
+                <a:cs typeface="Arial" panose="020B0604020202020204" pitchFamily="34" charset="0"/>
+              </a:endParaRPr>
+            </a:p>
+          </p:txBody>
+        </p:sp>
+        <p:cxnSp>
+          <p:nvCxnSpPr>
+            <p:cNvPr id="14" name="直接连接符 13">
+              <a:extLst>
+                <a:ext uri="{FF2B5EF4-FFF2-40B4-BE49-F238E27FC236}">
+                  <a16:creationId xmlns:a16="http://schemas.microsoft.com/office/drawing/2014/main" id="{05B6961D-F156-4980-BCA7-314684E85BD2}"/>
+                </a:ext>
+              </a:extLst>
+            </p:cNvPr>
+            <p:cNvCxnSpPr>
+              <a:cxnSpLocks/>
+            </p:cNvCxnSpPr>
+            <p:nvPr/>
+          </p:nvCxnSpPr>
+          <p:spPr>
+            <a:xfrm>
+              <a:off x="3024554" y="351692"/>
+              <a:ext cx="0" cy="5064370"/>
+            </a:xfrm>
+            <a:prstGeom prst="line">
+              <a:avLst/>
+            </a:prstGeom>
+            <a:ln w="19050">
+              <a:solidFill>
+                <a:schemeClr val="bg1">
+                  <a:lumMod val="75000"/>
+                </a:schemeClr>
+              </a:solidFill>
+              <a:prstDash val="lgDash"/>
+            </a:ln>
+          </p:spPr>
+          <p:style>
+            <a:lnRef idx="1">
+              <a:schemeClr val="accent1"/>
+            </a:lnRef>
+            <a:fillRef idx="0">
+              <a:schemeClr val="accent1"/>
+            </a:fillRef>
+            <a:effectRef idx="0">
+              <a:schemeClr val="accent1"/>
+            </a:effectRef>
+            <a:fontRef idx="minor">
+              <a:schemeClr val="tx1"/>
+            </a:fontRef>
+          </p:style>
+        </p:cxnSp>
+        <p:cxnSp>
+          <p:nvCxnSpPr>
+            <p:cNvPr id="16" name="直接箭头连接符 15">
+              <a:extLst>
+                <a:ext uri="{FF2B5EF4-FFF2-40B4-BE49-F238E27FC236}">
+                  <a16:creationId xmlns:a16="http://schemas.microsoft.com/office/drawing/2014/main" id="{BC8294B5-AB07-4EF9-A934-E06FEDEB15A7}"/>
+                </a:ext>
+              </a:extLst>
+            </p:cNvPr>
+            <p:cNvCxnSpPr>
+              <a:cxnSpLocks/>
+              <a:stCxn id="4" idx="6"/>
+              <a:endCxn id="7" idx="1"/>
+            </p:cNvCxnSpPr>
+            <p:nvPr/>
+          </p:nvCxnSpPr>
+          <p:spPr>
+            <a:xfrm>
+              <a:off x="2016235" y="2178921"/>
+              <a:ext cx="1920539" cy="12120"/>
+            </a:xfrm>
+            <a:prstGeom prst="straightConnector1">
+              <a:avLst/>
+            </a:prstGeom>
+            <a:ln>
+              <a:solidFill>
+                <a:schemeClr val="bg1"/>
+              </a:solidFill>
+              <a:tailEnd type="triangle"/>
+            </a:ln>
+          </p:spPr>
+          <p:style>
+            <a:lnRef idx="1">
+              <a:schemeClr val="dk1"/>
+            </a:lnRef>
+            <a:fillRef idx="0">
+              <a:schemeClr val="dk1"/>
+            </a:fillRef>
+            <a:effectRef idx="0">
+              <a:schemeClr val="dk1"/>
+            </a:effectRef>
+            <a:fontRef idx="minor">
+              <a:schemeClr val="tx1"/>
+            </a:fontRef>
+          </p:style>
+        </p:cxnSp>
+        <p:sp>
+          <p:nvSpPr>
+            <p:cNvPr id="19" name="文本框 18">
+              <a:extLst>
+                <a:ext uri="{FF2B5EF4-FFF2-40B4-BE49-F238E27FC236}">
+                  <a16:creationId xmlns:a16="http://schemas.microsoft.com/office/drawing/2014/main" id="{585BDEE7-9244-4881-9C40-B2E6B8A05941}"/>
+                </a:ext>
+              </a:extLst>
+            </p:cNvPr>
+            <p:cNvSpPr txBox="1"/>
+            <p:nvPr/>
+          </p:nvSpPr>
+          <p:spPr>
+            <a:xfrm>
+              <a:off x="2339755" y="1836090"/>
+              <a:ext cx="1351652" cy="646331"/>
+            </a:xfrm>
+            <a:prstGeom prst="rect">
+              <a:avLst/>
+            </a:prstGeom>
+            <a:noFill/>
+            <a:ln>
+              <a:noFill/>
+            </a:ln>
+          </p:spPr>
+          <p:txBody>
+            <a:bodyPr wrap="none" rtlCol="0">
+              <a:spAutoFit/>
+            </a:bodyPr>
+            <a:lstStyle/>
+            <a:p>
+              <a:r>
+                <a:rPr lang="en-US" altLang="zh-CN" dirty="0">
+                  <a:solidFill>
+                    <a:schemeClr val="bg1"/>
+                  </a:solidFill>
+                  <a:latin typeface="Arial" panose="020B0604020202020204" pitchFamily="34" charset="0"/>
+                  <a:cs typeface="Arial" panose="020B0604020202020204" pitchFamily="34" charset="0"/>
+                </a:rPr>
+                <a:t>Approve</a:t>
+              </a:r>
+            </a:p>
+            <a:p>
+              <a:r>
+                <a:rPr lang="en-US" altLang="zh-CN" dirty="0">
+                  <a:solidFill>
+                    <a:schemeClr val="bg1"/>
+                  </a:solidFill>
+                  <a:latin typeface="Arial" panose="020B0604020202020204" pitchFamily="34" charset="0"/>
+                  <a:cs typeface="Arial" panose="020B0604020202020204" pitchFamily="34" charset="0"/>
+                </a:rPr>
+                <a:t>Disapprove</a:t>
+              </a:r>
+              <a:endParaRPr lang="zh-CN" altLang="en-US" dirty="0">
+                <a:solidFill>
+                  <a:schemeClr val="bg1"/>
+                </a:solidFill>
+                <a:latin typeface="Arial" panose="020B0604020202020204" pitchFamily="34" charset="0"/>
+                <a:cs typeface="Arial" panose="020B0604020202020204" pitchFamily="34" charset="0"/>
+              </a:endParaRPr>
+            </a:p>
+          </p:txBody>
+        </p:sp>
+        <p:cxnSp>
+          <p:nvCxnSpPr>
+            <p:cNvPr id="21" name="直接箭头连接符 20">
+              <a:extLst>
+                <a:ext uri="{FF2B5EF4-FFF2-40B4-BE49-F238E27FC236}">
+                  <a16:creationId xmlns:a16="http://schemas.microsoft.com/office/drawing/2014/main" id="{CF211737-CA3E-4515-8610-85695A51972D}"/>
+                </a:ext>
+              </a:extLst>
+            </p:cNvPr>
+            <p:cNvCxnSpPr>
+              <a:stCxn id="4" idx="4"/>
+              <a:endCxn id="6" idx="0"/>
+            </p:cNvCxnSpPr>
+            <p:nvPr/>
+          </p:nvCxnSpPr>
+          <p:spPr>
+            <a:xfrm>
+              <a:off x="1254302" y="2611502"/>
+              <a:ext cx="0" cy="1095717"/>
+            </a:xfrm>
+            <a:prstGeom prst="straightConnector1">
+              <a:avLst/>
+            </a:prstGeom>
+            <a:ln>
+              <a:solidFill>
+                <a:schemeClr val="bg1"/>
+              </a:solidFill>
+              <a:tailEnd type="triangle"/>
+            </a:ln>
+          </p:spPr>
+          <p:style>
+            <a:lnRef idx="1">
+              <a:schemeClr val="dk1"/>
+            </a:lnRef>
+            <a:fillRef idx="0">
+              <a:schemeClr val="dk1"/>
+            </a:fillRef>
+            <a:effectRef idx="0">
+              <a:schemeClr val="dk1"/>
+            </a:effectRef>
+            <a:fontRef idx="minor">
+              <a:schemeClr val="tx1"/>
+            </a:fontRef>
+          </p:style>
+        </p:cxnSp>
+        <p:sp>
+          <p:nvSpPr>
+            <p:cNvPr id="23" name="文本框 22">
+              <a:extLst>
+                <a:ext uri="{FF2B5EF4-FFF2-40B4-BE49-F238E27FC236}">
+                  <a16:creationId xmlns:a16="http://schemas.microsoft.com/office/drawing/2014/main" id="{8F9474AC-B070-4C29-8166-80EE686906D2}"/>
+                </a:ext>
+              </a:extLst>
+            </p:cNvPr>
+            <p:cNvSpPr txBox="1"/>
+            <p:nvPr/>
+          </p:nvSpPr>
+          <p:spPr>
+            <a:xfrm>
+              <a:off x="5640550" y="1152974"/>
+              <a:ext cx="1467068" cy="369332"/>
+            </a:xfrm>
+            <a:prstGeom prst="rect">
+              <a:avLst/>
+            </a:prstGeom>
+            <a:noFill/>
+          </p:spPr>
+          <p:txBody>
+            <a:bodyPr wrap="none" rtlCol="0">
+              <a:spAutoFit/>
+            </a:bodyPr>
+            <a:lstStyle/>
+            <a:p>
+              <a:r>
+                <a:rPr lang="en-US" altLang="zh-CN" dirty="0">
+                  <a:solidFill>
+                    <a:schemeClr val="bg1"/>
+                  </a:solidFill>
+                  <a:latin typeface="Arial" panose="020B0604020202020204" pitchFamily="34" charset="0"/>
+                  <a:ea typeface="微软雅黑" panose="020B0503020204020204" pitchFamily="34" charset="-122"/>
+                  <a:cs typeface="Arial" panose="020B0604020202020204" pitchFamily="34" charset="0"/>
+                </a:rPr>
+                <a:t>Mai Protocol</a:t>
+              </a:r>
+              <a:endParaRPr lang="zh-CN" altLang="en-US" dirty="0">
+                <a:solidFill>
+                  <a:schemeClr val="bg1"/>
+                </a:solidFill>
+                <a:latin typeface="Arial" panose="020B0604020202020204" pitchFamily="34" charset="0"/>
+                <a:ea typeface="微软雅黑" panose="020B0503020204020204" pitchFamily="34" charset="-122"/>
+                <a:cs typeface="Arial" panose="020B0604020202020204" pitchFamily="34" charset="0"/>
+              </a:endParaRPr>
+            </a:p>
+          </p:txBody>
+        </p:sp>
+        <p:cxnSp>
+          <p:nvCxnSpPr>
+            <p:cNvPr id="25" name="直接箭头连接符 24">
+              <a:extLst>
+                <a:ext uri="{FF2B5EF4-FFF2-40B4-BE49-F238E27FC236}">
+                  <a16:creationId xmlns:a16="http://schemas.microsoft.com/office/drawing/2014/main" id="{A26465CB-370C-41AE-B983-E86B54C98FB3}"/>
+                </a:ext>
+              </a:extLst>
+            </p:cNvPr>
+            <p:cNvCxnSpPr>
+              <a:cxnSpLocks/>
+              <a:stCxn id="6" idx="6"/>
+              <a:endCxn id="8" idx="1"/>
+            </p:cNvCxnSpPr>
+            <p:nvPr/>
+          </p:nvCxnSpPr>
+          <p:spPr>
+            <a:xfrm flipV="1">
+              <a:off x="2016235" y="4133163"/>
+              <a:ext cx="1920538" cy="6638"/>
+            </a:xfrm>
+            <a:prstGeom prst="straightConnector1">
+              <a:avLst/>
+            </a:prstGeom>
+            <a:ln>
+              <a:solidFill>
+                <a:schemeClr val="bg1"/>
+              </a:solidFill>
+              <a:tailEnd type="triangle"/>
+            </a:ln>
+          </p:spPr>
+          <p:style>
+            <a:lnRef idx="1">
+              <a:schemeClr val="dk1"/>
+            </a:lnRef>
+            <a:fillRef idx="0">
+              <a:schemeClr val="dk1"/>
+            </a:fillRef>
+            <a:effectRef idx="0">
+              <a:schemeClr val="dk1"/>
+            </a:effectRef>
+            <a:fontRef idx="minor">
+              <a:schemeClr val="tx1"/>
+            </a:fontRef>
+          </p:style>
+        </p:cxnSp>
+        <p:sp>
+          <p:nvSpPr>
+            <p:cNvPr id="29" name="文本框 28">
+              <a:extLst>
+                <a:ext uri="{FF2B5EF4-FFF2-40B4-BE49-F238E27FC236}">
+                  <a16:creationId xmlns:a16="http://schemas.microsoft.com/office/drawing/2014/main" id="{BD66B20F-20FB-479E-A62D-A49E69DF648E}"/>
+                </a:ext>
+              </a:extLst>
+            </p:cNvPr>
+            <p:cNvSpPr txBox="1"/>
+            <p:nvPr/>
+          </p:nvSpPr>
+          <p:spPr>
+            <a:xfrm>
+              <a:off x="1254301" y="2836195"/>
+              <a:ext cx="1556836" cy="646331"/>
+            </a:xfrm>
+            <a:prstGeom prst="rect">
+              <a:avLst/>
+            </a:prstGeom>
+            <a:noFill/>
+          </p:spPr>
+          <p:txBody>
+            <a:bodyPr wrap="none" rtlCol="0">
+              <a:spAutoFit/>
+            </a:bodyPr>
+            <a:lstStyle/>
+            <a:p>
+              <a:r>
+                <a:rPr lang="en-US" altLang="zh-CN" dirty="0">
+                  <a:solidFill>
+                    <a:schemeClr val="bg1"/>
+                  </a:solidFill>
+                  <a:latin typeface="Arial" panose="020B0604020202020204" pitchFamily="34" charset="0"/>
+                  <a:cs typeface="Arial" panose="020B0604020202020204" pitchFamily="34" charset="0"/>
+                </a:rPr>
+                <a:t>Place Order</a:t>
+              </a:r>
+            </a:p>
+            <a:p>
+              <a:r>
+                <a:rPr lang="en-US" altLang="zh-CN" dirty="0">
+                  <a:solidFill>
+                    <a:schemeClr val="bg1"/>
+                  </a:solidFill>
+                  <a:latin typeface="Arial" panose="020B0604020202020204" pitchFamily="34" charset="0"/>
+                  <a:cs typeface="Arial" panose="020B0604020202020204" pitchFamily="34" charset="0"/>
+                </a:rPr>
+                <a:t>Cancel Order</a:t>
+              </a:r>
+              <a:endParaRPr lang="zh-CN" altLang="en-US" dirty="0">
+                <a:solidFill>
+                  <a:schemeClr val="bg1"/>
+                </a:solidFill>
+                <a:latin typeface="Arial" panose="020B0604020202020204" pitchFamily="34" charset="0"/>
+                <a:cs typeface="Arial" panose="020B0604020202020204" pitchFamily="34" charset="0"/>
+              </a:endParaRPr>
+            </a:p>
+          </p:txBody>
+        </p:sp>
+        <p:sp>
+          <p:nvSpPr>
+            <p:cNvPr id="30" name="文本框 29">
+              <a:extLst>
+                <a:ext uri="{FF2B5EF4-FFF2-40B4-BE49-F238E27FC236}">
+                  <a16:creationId xmlns:a16="http://schemas.microsoft.com/office/drawing/2014/main" id="{7C9E0E53-8064-4E2A-AD26-CD4E6C3DBD9A}"/>
+                </a:ext>
+              </a:extLst>
+            </p:cNvPr>
+            <p:cNvSpPr txBox="1"/>
+            <p:nvPr/>
+          </p:nvSpPr>
+          <p:spPr>
+            <a:xfrm>
+              <a:off x="2217262" y="3764411"/>
+              <a:ext cx="1582484" cy="369332"/>
+            </a:xfrm>
+            <a:prstGeom prst="rect">
+              <a:avLst/>
+            </a:prstGeom>
+            <a:noFill/>
+            <a:ln>
+              <a:noFill/>
+            </a:ln>
+          </p:spPr>
+          <p:txBody>
+            <a:bodyPr wrap="none" rtlCol="0">
+              <a:spAutoFit/>
+            </a:bodyPr>
+            <a:lstStyle/>
+            <a:p>
+              <a:r>
+                <a:rPr lang="en-US" altLang="zh-CN" dirty="0">
+                  <a:solidFill>
+                    <a:schemeClr val="bg1"/>
+                  </a:solidFill>
+                  <a:latin typeface="Arial" panose="020B0604020202020204" pitchFamily="34" charset="0"/>
+                  <a:cs typeface="Arial" panose="020B0604020202020204" pitchFamily="34" charset="0"/>
+                </a:rPr>
+                <a:t>Match Orders</a:t>
+              </a:r>
+            </a:p>
+          </p:txBody>
+        </p:sp>
+        <p:sp>
+          <p:nvSpPr>
+            <p:cNvPr id="38" name="文本框 37">
+              <a:extLst>
+                <a:ext uri="{FF2B5EF4-FFF2-40B4-BE49-F238E27FC236}">
+                  <a16:creationId xmlns:a16="http://schemas.microsoft.com/office/drawing/2014/main" id="{431921B8-FBEB-499E-B342-FDB6752B4842}"/>
+                </a:ext>
+              </a:extLst>
+            </p:cNvPr>
+            <p:cNvSpPr txBox="1"/>
+            <p:nvPr/>
+          </p:nvSpPr>
+          <p:spPr>
+            <a:xfrm>
+              <a:off x="494645" y="387276"/>
+              <a:ext cx="1148071" cy="369332"/>
+            </a:xfrm>
+            <a:prstGeom prst="rect">
+              <a:avLst/>
+            </a:prstGeom>
+            <a:noFill/>
+          </p:spPr>
+          <p:txBody>
+            <a:bodyPr wrap="none" rtlCol="0">
+              <a:spAutoFit/>
+            </a:bodyPr>
+            <a:lstStyle/>
+            <a:p>
+              <a:r>
+                <a:rPr lang="en-US" altLang="zh-CN" dirty="0">
+                  <a:solidFill>
+                    <a:schemeClr val="bg1"/>
+                  </a:solidFill>
+                  <a:latin typeface="Arial" panose="020B0604020202020204" pitchFamily="34" charset="0"/>
+                  <a:ea typeface="Source Sans Pro" panose="020B0503030403020204" pitchFamily="34" charset="0"/>
+                  <a:cs typeface="Arial" panose="020B0604020202020204" pitchFamily="34" charset="0"/>
+                </a:rPr>
+                <a:t>Off </a:t>
+              </a:r>
+              <a:r>
+                <a:rPr lang="en-US" altLang="zh-CN" dirty="0">
+                  <a:solidFill>
+                    <a:schemeClr val="bg1"/>
+                  </a:solidFill>
+                  <a:latin typeface="Arial" panose="020B0604020202020204" pitchFamily="34" charset="0"/>
+                  <a:ea typeface="微软雅黑" panose="020B0503020204020204" pitchFamily="34" charset="-122"/>
+                  <a:cs typeface="Arial" panose="020B0604020202020204" pitchFamily="34" charset="0"/>
+                </a:rPr>
+                <a:t>Chain</a:t>
+              </a:r>
+              <a:endParaRPr lang="zh-CN" altLang="en-US" dirty="0">
+                <a:solidFill>
+                  <a:schemeClr val="bg1"/>
+                </a:solidFill>
+                <a:latin typeface="Arial" panose="020B0604020202020204" pitchFamily="34" charset="0"/>
+                <a:ea typeface="微软雅黑" panose="020B0503020204020204" pitchFamily="34" charset="-122"/>
+                <a:cs typeface="Arial" panose="020B0604020202020204" pitchFamily="34" charset="0"/>
+              </a:endParaRPr>
+            </a:p>
+          </p:txBody>
+        </p:sp>
+        <p:cxnSp>
+          <p:nvCxnSpPr>
+            <p:cNvPr id="40" name="直接箭头连接符 39">
+              <a:extLst>
+                <a:ext uri="{FF2B5EF4-FFF2-40B4-BE49-F238E27FC236}">
+                  <a16:creationId xmlns:a16="http://schemas.microsoft.com/office/drawing/2014/main" id="{C0695004-D1E8-4C26-A076-F88E1DC0B230}"/>
+                </a:ext>
+              </a:extLst>
+            </p:cNvPr>
+            <p:cNvCxnSpPr>
+              <a:stCxn id="8" idx="0"/>
+              <a:endCxn id="7" idx="2"/>
+            </p:cNvCxnSpPr>
+            <p:nvPr/>
+          </p:nvCxnSpPr>
+          <p:spPr>
+            <a:xfrm flipV="1">
+              <a:off x="4914479" y="2623622"/>
+              <a:ext cx="1" cy="1076959"/>
+            </a:xfrm>
+            <a:prstGeom prst="straightConnector1">
+              <a:avLst/>
+            </a:prstGeom>
+            <a:solidFill>
+              <a:schemeClr val="bg1"/>
+            </a:solidFill>
+            <a:ln>
+              <a:solidFill>
+                <a:schemeClr val="bg1"/>
+              </a:solidFill>
+              <a:tailEnd type="triangle"/>
+            </a:ln>
+          </p:spPr>
+          <p:style>
+            <a:lnRef idx="1">
+              <a:schemeClr val="dk1"/>
+            </a:lnRef>
+            <a:fillRef idx="0">
+              <a:schemeClr val="dk1"/>
+            </a:fillRef>
+            <a:effectRef idx="0">
+              <a:schemeClr val="dk1"/>
+            </a:effectRef>
+            <a:fontRef idx="minor">
+              <a:schemeClr val="tx1"/>
+            </a:fontRef>
+          </p:style>
+        </p:cxnSp>
+        <p:sp>
+          <p:nvSpPr>
+            <p:cNvPr id="43" name="文本框 42">
+              <a:extLst>
+                <a:ext uri="{FF2B5EF4-FFF2-40B4-BE49-F238E27FC236}">
+                  <a16:creationId xmlns:a16="http://schemas.microsoft.com/office/drawing/2014/main" id="{2D9F72D4-0E79-42DB-8A09-0BADA88EE3D1}"/>
+                </a:ext>
+              </a:extLst>
+            </p:cNvPr>
+            <p:cNvSpPr txBox="1"/>
+            <p:nvPr/>
+          </p:nvSpPr>
+          <p:spPr>
+            <a:xfrm>
+              <a:off x="4914478" y="2655753"/>
+              <a:ext cx="1056700" cy="923330"/>
+            </a:xfrm>
+            <a:prstGeom prst="rect">
+              <a:avLst/>
+            </a:prstGeom>
+            <a:noFill/>
+            <a:ln>
+              <a:noFill/>
+            </a:ln>
+          </p:spPr>
+          <p:txBody>
+            <a:bodyPr wrap="none" rtlCol="0">
+              <a:spAutoFit/>
+            </a:bodyPr>
+            <a:lstStyle/>
+            <a:p>
+              <a:r>
+                <a:rPr lang="en-US" altLang="zh-CN" dirty="0">
+                  <a:solidFill>
+                    <a:schemeClr val="bg1"/>
+                  </a:solidFill>
+                  <a:latin typeface="Arial" panose="020B0604020202020204" pitchFamily="34" charset="0"/>
+                  <a:cs typeface="Arial" panose="020B0604020202020204" pitchFamily="34" charset="0"/>
+                </a:rPr>
+                <a:t>Transfer</a:t>
+              </a:r>
+            </a:p>
+            <a:p>
+              <a:r>
+                <a:rPr lang="en-US" altLang="zh-CN" dirty="0">
+                  <a:solidFill>
+                    <a:schemeClr val="bg1"/>
+                  </a:solidFill>
+                  <a:latin typeface="Arial" panose="020B0604020202020204" pitchFamily="34" charset="0"/>
+                  <a:cs typeface="Arial" panose="020B0604020202020204" pitchFamily="34" charset="0"/>
+                </a:rPr>
+                <a:t>Mint</a:t>
+              </a:r>
+            </a:p>
+            <a:p>
+              <a:r>
+                <a:rPr lang="en-US" altLang="zh-CN" dirty="0">
+                  <a:solidFill>
+                    <a:schemeClr val="bg1"/>
+                  </a:solidFill>
+                  <a:latin typeface="Arial" panose="020B0604020202020204" pitchFamily="34" charset="0"/>
+                  <a:cs typeface="Arial" panose="020B0604020202020204" pitchFamily="34" charset="0"/>
+                </a:rPr>
+                <a:t>Redeem</a:t>
+              </a:r>
+            </a:p>
+          </p:txBody>
+        </p:sp>
+        <p:cxnSp>
+          <p:nvCxnSpPr>
+            <p:cNvPr id="45" name="直接箭头连接符 44">
+              <a:extLst>
+                <a:ext uri="{FF2B5EF4-FFF2-40B4-BE49-F238E27FC236}">
+                  <a16:creationId xmlns:a16="http://schemas.microsoft.com/office/drawing/2014/main" id="{FC216CE8-9EC0-44C8-988A-E67AF101160B}"/>
+                </a:ext>
+              </a:extLst>
+            </p:cNvPr>
+            <p:cNvCxnSpPr>
+              <a:stCxn id="7" idx="3"/>
+              <a:endCxn id="9" idx="1"/>
+            </p:cNvCxnSpPr>
+            <p:nvPr/>
+          </p:nvCxnSpPr>
+          <p:spPr>
+            <a:xfrm>
+              <a:off x="5892185" y="2191041"/>
+              <a:ext cx="1094860" cy="0"/>
+            </a:xfrm>
+            <a:prstGeom prst="straightConnector1">
+              <a:avLst/>
+            </a:prstGeom>
+            <a:solidFill>
+              <a:schemeClr val="bg1"/>
+            </a:solidFill>
+            <a:ln>
+              <a:solidFill>
+                <a:schemeClr val="bg1"/>
+              </a:solidFill>
+              <a:tailEnd type="triangle"/>
+            </a:ln>
+          </p:spPr>
+          <p:style>
+            <a:lnRef idx="1">
+              <a:schemeClr val="dk1"/>
+            </a:lnRef>
+            <a:fillRef idx="0">
+              <a:schemeClr val="dk1"/>
+            </a:fillRef>
+            <a:effectRef idx="0">
+              <a:schemeClr val="dk1"/>
+            </a:effectRef>
+            <a:fontRef idx="minor">
+              <a:schemeClr val="tx1"/>
+            </a:fontRef>
+          </p:style>
+        </p:cxnSp>
+        <p:sp>
+          <p:nvSpPr>
+            <p:cNvPr id="48" name="文本框 47">
+              <a:extLst>
+                <a:ext uri="{FF2B5EF4-FFF2-40B4-BE49-F238E27FC236}">
+                  <a16:creationId xmlns:a16="http://schemas.microsoft.com/office/drawing/2014/main" id="{3806FC64-D5E2-41E7-A82A-DD132EB2E9E8}"/>
+                </a:ext>
+              </a:extLst>
+            </p:cNvPr>
+            <p:cNvSpPr txBox="1"/>
+            <p:nvPr/>
+          </p:nvSpPr>
+          <p:spPr>
+            <a:xfrm>
+              <a:off x="5956067" y="1593218"/>
+              <a:ext cx="1056700" cy="923330"/>
+            </a:xfrm>
+            <a:prstGeom prst="rect">
+              <a:avLst/>
+            </a:prstGeom>
+            <a:noFill/>
+            <a:ln>
+              <a:noFill/>
+            </a:ln>
+          </p:spPr>
+          <p:txBody>
+            <a:bodyPr wrap="none" rtlCol="0">
+              <a:spAutoFit/>
+            </a:bodyPr>
+            <a:lstStyle/>
+            <a:p>
+              <a:r>
+                <a:rPr lang="en-US" altLang="zh-CN" dirty="0">
+                  <a:solidFill>
+                    <a:schemeClr val="bg1"/>
+                  </a:solidFill>
+                  <a:latin typeface="Arial" panose="020B0604020202020204" pitchFamily="34" charset="0"/>
+                  <a:cs typeface="Arial" panose="020B0604020202020204" pitchFamily="34" charset="0"/>
+                </a:rPr>
+                <a:t>Mint</a:t>
+              </a:r>
+            </a:p>
+            <a:p>
+              <a:r>
+                <a:rPr lang="en-US" altLang="zh-CN" dirty="0">
+                  <a:solidFill>
+                    <a:schemeClr val="bg1"/>
+                  </a:solidFill>
+                  <a:latin typeface="Arial" panose="020B0604020202020204" pitchFamily="34" charset="0"/>
+                  <a:cs typeface="Arial" panose="020B0604020202020204" pitchFamily="34" charset="0"/>
+                </a:rPr>
+                <a:t>Redeem</a:t>
+              </a:r>
+            </a:p>
+            <a:p>
+              <a:r>
+                <a:rPr lang="en-US" altLang="zh-CN" dirty="0">
+                  <a:solidFill>
+                    <a:schemeClr val="bg1"/>
+                  </a:solidFill>
+                  <a:latin typeface="Arial" panose="020B0604020202020204" pitchFamily="34" charset="0"/>
+                  <a:cs typeface="Arial" panose="020B0604020202020204" pitchFamily="34" charset="0"/>
+                </a:rPr>
+                <a:t>Approve</a:t>
+              </a:r>
+            </a:p>
+          </p:txBody>
+        </p:sp>
+        <p:sp>
+          <p:nvSpPr>
+            <p:cNvPr id="49" name="文本框 48">
+              <a:extLst>
+                <a:ext uri="{FF2B5EF4-FFF2-40B4-BE49-F238E27FC236}">
+                  <a16:creationId xmlns:a16="http://schemas.microsoft.com/office/drawing/2014/main" id="{2B7441E1-87E6-4066-A1D4-CDD1C29A9F90}"/>
+                </a:ext>
+              </a:extLst>
+            </p:cNvPr>
+            <p:cNvSpPr txBox="1"/>
+            <p:nvPr/>
+          </p:nvSpPr>
+          <p:spPr>
+            <a:xfrm>
+              <a:off x="9402230" y="1593218"/>
+              <a:ext cx="1056700" cy="923330"/>
+            </a:xfrm>
+            <a:prstGeom prst="rect">
+              <a:avLst/>
+            </a:prstGeom>
+            <a:noFill/>
+          </p:spPr>
+          <p:txBody>
+            <a:bodyPr wrap="none" rtlCol="0">
+              <a:spAutoFit/>
+            </a:bodyPr>
+            <a:lstStyle/>
+            <a:p>
+              <a:r>
+                <a:rPr lang="en-US" altLang="zh-CN" dirty="0">
+                  <a:solidFill>
+                    <a:schemeClr val="bg1"/>
+                  </a:solidFill>
+                  <a:latin typeface="Arial" panose="020B0604020202020204" pitchFamily="34" charset="0"/>
+                  <a:cs typeface="Arial" panose="020B0604020202020204" pitchFamily="34" charset="0"/>
+                </a:rPr>
+                <a:t>Mint</a:t>
+              </a:r>
+            </a:p>
+            <a:p>
+              <a:r>
+                <a:rPr lang="en-US" altLang="zh-CN" dirty="0">
+                  <a:solidFill>
+                    <a:schemeClr val="bg1"/>
+                  </a:solidFill>
+                  <a:latin typeface="Arial" panose="020B0604020202020204" pitchFamily="34" charset="0"/>
+                  <a:cs typeface="Arial" panose="020B0604020202020204" pitchFamily="34" charset="0"/>
+                </a:rPr>
+                <a:t>Redeem</a:t>
+              </a:r>
+            </a:p>
+            <a:p>
+              <a:r>
+                <a:rPr lang="en-US" altLang="zh-CN" dirty="0">
+                  <a:solidFill>
+                    <a:schemeClr val="bg1"/>
+                  </a:solidFill>
+                  <a:latin typeface="Arial" panose="020B0604020202020204" pitchFamily="34" charset="0"/>
+                  <a:cs typeface="Arial" panose="020B0604020202020204" pitchFamily="34" charset="0"/>
+                </a:rPr>
+                <a:t>Approve</a:t>
+              </a:r>
+            </a:p>
+          </p:txBody>
+        </p:sp>
+        <p:cxnSp>
+          <p:nvCxnSpPr>
+            <p:cNvPr id="56" name="连接符: 肘形 55">
+              <a:extLst>
+                <a:ext uri="{FF2B5EF4-FFF2-40B4-BE49-F238E27FC236}">
+                  <a16:creationId xmlns:a16="http://schemas.microsoft.com/office/drawing/2014/main" id="{41CE204E-F615-43F9-B8D3-F4D0769AA729}"/>
+                </a:ext>
+              </a:extLst>
+            </p:cNvPr>
+            <p:cNvCxnSpPr>
+              <a:cxnSpLocks/>
+              <a:stCxn id="9" idx="3"/>
+            </p:cNvCxnSpPr>
+            <p:nvPr/>
+          </p:nvCxnSpPr>
+          <p:spPr>
+            <a:xfrm>
+              <a:off x="8942456" y="2191041"/>
+              <a:ext cx="1690510" cy="651015"/>
+            </a:xfrm>
+            <a:prstGeom prst="bentConnector2">
+              <a:avLst/>
+            </a:prstGeom>
+            <a:ln>
+              <a:solidFill>
+                <a:schemeClr val="bg1"/>
+              </a:solidFill>
+              <a:tailEnd type="triangle"/>
+            </a:ln>
+          </p:spPr>
+          <p:style>
+            <a:lnRef idx="1">
+              <a:schemeClr val="dk1"/>
+            </a:lnRef>
+            <a:fillRef idx="0">
+              <a:schemeClr val="dk1"/>
+            </a:fillRef>
+            <a:effectRef idx="0">
+              <a:schemeClr val="dk1"/>
+            </a:effectRef>
+            <a:fontRef idx="minor">
+              <a:schemeClr val="tx1"/>
+            </a:fontRef>
+          </p:style>
+        </p:cxnSp>
+        <p:sp>
+          <p:nvSpPr>
+            <p:cNvPr id="59" name="圆柱体 58">
+              <a:extLst>
+                <a:ext uri="{FF2B5EF4-FFF2-40B4-BE49-F238E27FC236}">
+                  <a16:creationId xmlns:a16="http://schemas.microsoft.com/office/drawing/2014/main" id="{25632116-1E00-4712-B8B0-81515F3E9106}"/>
+                </a:ext>
+              </a:extLst>
+            </p:cNvPr>
+            <p:cNvSpPr/>
+            <p:nvPr/>
+          </p:nvSpPr>
+          <p:spPr>
+            <a:xfrm>
+              <a:off x="6987045" y="3368292"/>
+              <a:ext cx="1955410" cy="1297745"/>
+            </a:xfrm>
+            <a:prstGeom prst="can">
+              <a:avLst/>
+            </a:prstGeom>
+            <a:noFill/>
+            <a:ln>
+              <a:solidFill>
+                <a:schemeClr val="bg1"/>
+              </a:solidFill>
+            </a:ln>
+          </p:spPr>
+          <p:style>
+            <a:lnRef idx="2">
+              <a:schemeClr val="dk1"/>
+            </a:lnRef>
+            <a:fillRef idx="1">
+              <a:schemeClr val="lt1"/>
+            </a:fillRef>
+            <a:effectRef idx="0">
+              <a:schemeClr val="dk1"/>
+            </a:effectRef>
+            <a:fontRef idx="minor">
+              <a:schemeClr val="dk1"/>
+            </a:fontRef>
+          </p:style>
+          <p:txBody>
+            <a:bodyPr rtlCol="0" anchor="ctr"/>
+            <a:lstStyle/>
+            <a:p>
+              <a:pPr algn="ctr"/>
+              <a:r>
+                <a:rPr lang="en-US" altLang="zh-CN" dirty="0">
+                  <a:solidFill>
+                    <a:schemeClr val="bg1"/>
+                  </a:solidFill>
+                  <a:latin typeface="Arial" panose="020B0604020202020204" pitchFamily="34" charset="0"/>
+                  <a:cs typeface="Arial" panose="020B0604020202020204" pitchFamily="34" charset="0"/>
+                </a:rPr>
+                <a:t>Position Tokens</a:t>
+              </a:r>
+            </a:p>
+            <a:p>
+              <a:pPr algn="ctr"/>
+              <a:r>
+                <a:rPr lang="en-US" altLang="zh-CN" dirty="0">
+                  <a:solidFill>
+                    <a:schemeClr val="bg1"/>
+                  </a:solidFill>
+                  <a:latin typeface="Arial" panose="020B0604020202020204" pitchFamily="34" charset="0"/>
+                  <a:cs typeface="Arial" panose="020B0604020202020204" pitchFamily="34" charset="0"/>
+                </a:rPr>
+                <a:t>Collateral Tokens</a:t>
+              </a:r>
+            </a:p>
+            <a:p>
+              <a:pPr algn="ctr"/>
+              <a:r>
+                <a:rPr lang="en-US" altLang="zh-CN" dirty="0">
+                  <a:solidFill>
+                    <a:schemeClr val="bg1"/>
+                  </a:solidFill>
+                  <a:latin typeface="Arial" panose="020B0604020202020204" pitchFamily="34" charset="0"/>
+                  <a:cs typeface="Arial" panose="020B0604020202020204" pitchFamily="34" charset="0"/>
+                </a:rPr>
+                <a:t>MKT</a:t>
+              </a:r>
+              <a:endParaRPr lang="zh-CN" altLang="en-US" dirty="0">
+                <a:solidFill>
+                  <a:schemeClr val="bg1"/>
+                </a:solidFill>
+                <a:latin typeface="Arial" panose="020B0604020202020204" pitchFamily="34" charset="0"/>
+                <a:cs typeface="Arial" panose="020B0604020202020204" pitchFamily="34" charset="0"/>
+              </a:endParaRPr>
+            </a:p>
+          </p:txBody>
+        </p:sp>
+        <p:sp>
+          <p:nvSpPr>
+            <p:cNvPr id="62" name="左大括号 61">
+              <a:extLst>
+                <a:ext uri="{FF2B5EF4-FFF2-40B4-BE49-F238E27FC236}">
+                  <a16:creationId xmlns:a16="http://schemas.microsoft.com/office/drawing/2014/main" id="{B37ADC2E-AA1F-4233-A03B-306C7CF4C764}"/>
+                </a:ext>
+              </a:extLst>
+            </p:cNvPr>
+            <p:cNvSpPr/>
+            <p:nvPr/>
+          </p:nvSpPr>
+          <p:spPr>
+            <a:xfrm rot="5400000">
+              <a:off x="7616354" y="1869524"/>
+              <a:ext cx="651016" cy="2417371"/>
+            </a:xfrm>
+            <a:prstGeom prst="leftBrace">
+              <a:avLst>
+                <a:gd name="adj1" fmla="val 70999"/>
+                <a:gd name="adj2" fmla="val 50000"/>
+              </a:avLst>
+            </a:prstGeom>
+            <a:ln>
+              <a:solidFill>
+                <a:schemeClr val="bg1"/>
+              </a:solidFill>
+            </a:ln>
+          </p:spPr>
+          <p:style>
+            <a:lnRef idx="1">
+              <a:schemeClr val="dk1"/>
+            </a:lnRef>
+            <a:fillRef idx="0">
+              <a:schemeClr val="dk1"/>
+            </a:fillRef>
+            <a:effectRef idx="0">
+              <a:schemeClr val="dk1"/>
+            </a:effectRef>
+            <a:fontRef idx="minor">
+              <a:schemeClr val="tx1"/>
+            </a:fontRef>
+          </p:style>
+          <p:txBody>
+            <a:bodyPr rtlCol="0" anchor="ctr"/>
+            <a:lstStyle/>
+            <a:p>
+              <a:pPr algn="ctr"/>
+              <a:endParaRPr lang="zh-CN" altLang="en-US">
+                <a:solidFill>
+                  <a:schemeClr val="bg1"/>
+                </a:solidFill>
+                <a:latin typeface="Arial" panose="020B0604020202020204" pitchFamily="34" charset="0"/>
+                <a:cs typeface="Arial" panose="020B0604020202020204" pitchFamily="34" charset="0"/>
+              </a:endParaRPr>
+            </a:p>
+          </p:txBody>
+        </p:sp>
+        <p:sp>
+          <p:nvSpPr>
+            <p:cNvPr id="63" name="矩形: 圆角 62">
+              <a:extLst>
+                <a:ext uri="{FF2B5EF4-FFF2-40B4-BE49-F238E27FC236}">
+                  <a16:creationId xmlns:a16="http://schemas.microsoft.com/office/drawing/2014/main" id="{C69C2873-0B56-4824-B189-2682AA773FF2}"/>
+                </a:ext>
+              </a:extLst>
+            </p:cNvPr>
+            <p:cNvSpPr/>
+            <p:nvPr/>
+          </p:nvSpPr>
+          <p:spPr>
+            <a:xfrm>
+              <a:off x="9631502" y="2817438"/>
+              <a:ext cx="2171291" cy="914400"/>
+            </a:xfrm>
+            <a:prstGeom prst="roundRect">
+              <a:avLst>
+                <a:gd name="adj" fmla="val 33590"/>
+              </a:avLst>
+            </a:prstGeom>
+            <a:noFill/>
+            <a:ln>
+              <a:solidFill>
+                <a:schemeClr val="bg1"/>
+              </a:solidFill>
+            </a:ln>
+          </p:spPr>
+          <p:style>
+            <a:lnRef idx="2">
+              <a:schemeClr val="accent1">
+                <a:shade val="50000"/>
+              </a:schemeClr>
+            </a:lnRef>
+            <a:fillRef idx="1">
+              <a:schemeClr val="accent1"/>
+            </a:fillRef>
+            <a:effectRef idx="0">
+              <a:schemeClr val="accent1"/>
+            </a:effectRef>
+            <a:fontRef idx="minor">
+              <a:schemeClr val="lt1"/>
+            </a:fontRef>
+          </p:style>
+          <p:txBody>
+            <a:bodyPr rot="0" spcFirstLastPara="0" vertOverflow="overflow" horzOverflow="overflow" vert="horz" wrap="square" lIns="91440" tIns="45720" rIns="91440" bIns="45720" numCol="1" spcCol="0" rtlCol="0" fromWordArt="0" anchor="ctr" anchorCtr="0" forceAA="0" compatLnSpc="1">
+              <a:prstTxWarp prst="textNoShape">
+                <a:avLst/>
+              </a:prstTxWarp>
+              <a:noAutofit/>
+            </a:bodyPr>
+            <a:lstStyle/>
+            <a:p>
+              <a:pPr algn="ctr"/>
+              <a:r>
+                <a:rPr lang="en-US" altLang="zh-CN" dirty="0">
+                  <a:solidFill>
+                    <a:schemeClr val="bg1"/>
+                  </a:solidFill>
+                  <a:latin typeface="Arial" panose="020B0604020202020204" pitchFamily="34" charset="0"/>
+                  <a:ea typeface="微软雅黑" panose="020B0503020204020204" pitchFamily="34" charset="-122"/>
+                  <a:cs typeface="Arial" panose="020B0604020202020204" pitchFamily="34" charset="0"/>
+                </a:rPr>
+                <a:t>Market Protocol</a:t>
+              </a:r>
+              <a:endParaRPr lang="zh-CN" altLang="en-US" dirty="0">
+                <a:solidFill>
+                  <a:schemeClr val="bg1"/>
+                </a:solidFill>
+                <a:latin typeface="Arial" panose="020B0604020202020204" pitchFamily="34" charset="0"/>
+                <a:ea typeface="微软雅黑" panose="020B0503020204020204" pitchFamily="34" charset="-122"/>
+                <a:cs typeface="Arial" panose="020B0604020202020204" pitchFamily="34" charset="0"/>
+              </a:endParaRPr>
+            </a:p>
+          </p:txBody>
+        </p:sp>
+      </p:grpSp>
+    </p:spTree>
+    <p:extLst>
+      <p:ext uri="{BB962C8B-B14F-4D97-AF65-F5344CB8AC3E}">
+        <p14:creationId xmlns:p14="http://schemas.microsoft.com/office/powerpoint/2010/main" val="1836381767"/>
       </p:ext>
     </p:extLst>
   </p:cSld>

--- a/en/asset/mai-arch.pptx
+++ b/en/asset/mai-arch.pptx
@@ -4,9 +4,12 @@
   <p:sldMasterIdLst>
     <p:sldMasterId id="2147483648" r:id="rId1"/>
   </p:sldMasterIdLst>
+  <p:notesMasterIdLst>
+    <p:notesMasterId r:id="rId4"/>
+  </p:notesMasterIdLst>
   <p:sldIdLst>
     <p:sldId id="256" r:id="rId2"/>
-    <p:sldId id="257" r:id="rId3"/>
+    <p:sldId id="258" r:id="rId3"/>
   </p:sldIdLst>
   <p:sldSz cx="12192000" cy="6858000"/>
   <p:notesSz cx="6858000" cy="9144000"/>
@@ -113,6 +116,439 @@
 </p:presentation>
 </file>
 
+<file path=ppt/notesMasters/notesMaster1.xml><?xml version="1.0" encoding="utf-8"?>
+<p:notesMaster xmlns:a="http://schemas.openxmlformats.org/drawingml/2006/main" xmlns:r="http://schemas.openxmlformats.org/officeDocument/2006/relationships" xmlns:p="http://schemas.openxmlformats.org/presentationml/2006/main">
+  <p:cSld>
+    <p:bg>
+      <p:bgRef idx="1001">
+        <a:schemeClr val="bg1"/>
+      </p:bgRef>
+    </p:bg>
+    <p:spTree>
+      <p:nvGrpSpPr>
+        <p:cNvPr id="1" name=""/>
+        <p:cNvGrpSpPr/>
+        <p:nvPr/>
+      </p:nvGrpSpPr>
+      <p:grpSpPr>
+        <a:xfrm>
+          <a:off x="0" y="0"/>
+          <a:ext cx="0" cy="0"/>
+          <a:chOff x="0" y="0"/>
+          <a:chExt cx="0" cy="0"/>
+        </a:xfrm>
+      </p:grpSpPr>
+      <p:sp>
+        <p:nvSpPr>
+          <p:cNvPr id="2" name="页眉占位符 1"/>
+          <p:cNvSpPr>
+            <a:spLocks noGrp="1"/>
+          </p:cNvSpPr>
+          <p:nvPr>
+            <p:ph type="hdr" sz="quarter"/>
+          </p:nvPr>
+        </p:nvSpPr>
+        <p:spPr>
+          <a:xfrm>
+            <a:off x="0" y="0"/>
+            <a:ext cx="2971800" cy="458788"/>
+          </a:xfrm>
+          <a:prstGeom prst="rect">
+            <a:avLst/>
+          </a:prstGeom>
+        </p:spPr>
+        <p:txBody>
+          <a:bodyPr vert="horz" lIns="91440" tIns="45720" rIns="91440" bIns="45720" rtlCol="0"/>
+          <a:lstStyle>
+            <a:lvl1pPr algn="l">
+              <a:defRPr sz="1200"/>
+            </a:lvl1pPr>
+          </a:lstStyle>
+          <a:p>
+            <a:endParaRPr lang="zh-CN" altLang="en-US"/>
+          </a:p>
+        </p:txBody>
+      </p:sp>
+      <p:sp>
+        <p:nvSpPr>
+          <p:cNvPr id="3" name="日期占位符 2"/>
+          <p:cNvSpPr>
+            <a:spLocks noGrp="1"/>
+          </p:cNvSpPr>
+          <p:nvPr>
+            <p:ph type="dt" idx="1"/>
+          </p:nvPr>
+        </p:nvSpPr>
+        <p:spPr>
+          <a:xfrm>
+            <a:off x="3884613" y="0"/>
+            <a:ext cx="2971800" cy="458788"/>
+          </a:xfrm>
+          <a:prstGeom prst="rect">
+            <a:avLst/>
+          </a:prstGeom>
+        </p:spPr>
+        <p:txBody>
+          <a:bodyPr vert="horz" lIns="91440" tIns="45720" rIns="91440" bIns="45720" rtlCol="0"/>
+          <a:lstStyle>
+            <a:lvl1pPr algn="r">
+              <a:defRPr sz="1200"/>
+            </a:lvl1pPr>
+          </a:lstStyle>
+          <a:p>
+            <a:fld id="{B026110B-5B1F-4063-BCA6-030140F75AD4}" type="datetimeFigureOut">
+              <a:rPr lang="zh-CN" altLang="en-US" smtClean="0"/>
+              <a:t>2019/12/4</a:t>
+            </a:fld>
+            <a:endParaRPr lang="zh-CN" altLang="en-US"/>
+          </a:p>
+        </p:txBody>
+      </p:sp>
+      <p:sp>
+        <p:nvSpPr>
+          <p:cNvPr id="4" name="幻灯片图像占位符 3"/>
+          <p:cNvSpPr>
+            <a:spLocks noGrp="1" noRot="1" noChangeAspect="1"/>
+          </p:cNvSpPr>
+          <p:nvPr>
+            <p:ph type="sldImg" idx="2"/>
+          </p:nvPr>
+        </p:nvSpPr>
+        <p:spPr>
+          <a:xfrm>
+            <a:off x="685800" y="1143000"/>
+            <a:ext cx="5486400" cy="3086100"/>
+          </a:xfrm>
+          <a:prstGeom prst="rect">
+            <a:avLst/>
+          </a:prstGeom>
+          <a:noFill/>
+          <a:ln w="12700">
+            <a:solidFill>
+              <a:prstClr val="black"/>
+            </a:solidFill>
+          </a:ln>
+        </p:spPr>
+        <p:txBody>
+          <a:bodyPr vert="horz" lIns="91440" tIns="45720" rIns="91440" bIns="45720" rtlCol="0" anchor="ctr"/>
+          <a:lstStyle/>
+          <a:p>
+            <a:endParaRPr lang="zh-CN" altLang="en-US"/>
+          </a:p>
+        </p:txBody>
+      </p:sp>
+      <p:sp>
+        <p:nvSpPr>
+          <p:cNvPr id="5" name="备注占位符 4"/>
+          <p:cNvSpPr>
+            <a:spLocks noGrp="1"/>
+          </p:cNvSpPr>
+          <p:nvPr>
+            <p:ph type="body" sz="quarter" idx="3"/>
+          </p:nvPr>
+        </p:nvSpPr>
+        <p:spPr>
+          <a:xfrm>
+            <a:off x="685800" y="4400550"/>
+            <a:ext cx="5486400" cy="3600450"/>
+          </a:xfrm>
+          <a:prstGeom prst="rect">
+            <a:avLst/>
+          </a:prstGeom>
+        </p:spPr>
+        <p:txBody>
+          <a:bodyPr vert="horz" lIns="91440" tIns="45720" rIns="91440" bIns="45720" rtlCol="0"/>
+          <a:lstStyle/>
+          <a:p>
+            <a:pPr lvl="0"/>
+            <a:r>
+              <a:rPr lang="zh-CN" altLang="en-US"/>
+              <a:t>单击此处编辑母版文本样式</a:t>
+            </a:r>
+          </a:p>
+          <a:p>
+            <a:pPr lvl="1"/>
+            <a:r>
+              <a:rPr lang="zh-CN" altLang="en-US"/>
+              <a:t>二级</a:t>
+            </a:r>
+          </a:p>
+          <a:p>
+            <a:pPr lvl="2"/>
+            <a:r>
+              <a:rPr lang="zh-CN" altLang="en-US"/>
+              <a:t>三级</a:t>
+            </a:r>
+          </a:p>
+          <a:p>
+            <a:pPr lvl="3"/>
+            <a:r>
+              <a:rPr lang="zh-CN" altLang="en-US"/>
+              <a:t>四级</a:t>
+            </a:r>
+          </a:p>
+          <a:p>
+            <a:pPr lvl="4"/>
+            <a:r>
+              <a:rPr lang="zh-CN" altLang="en-US"/>
+              <a:t>五级</a:t>
+            </a:r>
+          </a:p>
+        </p:txBody>
+      </p:sp>
+      <p:sp>
+        <p:nvSpPr>
+          <p:cNvPr id="6" name="页脚占位符 5"/>
+          <p:cNvSpPr>
+            <a:spLocks noGrp="1"/>
+          </p:cNvSpPr>
+          <p:nvPr>
+            <p:ph type="ftr" sz="quarter" idx="4"/>
+          </p:nvPr>
+        </p:nvSpPr>
+        <p:spPr>
+          <a:xfrm>
+            <a:off x="0" y="8685213"/>
+            <a:ext cx="2971800" cy="458787"/>
+          </a:xfrm>
+          <a:prstGeom prst="rect">
+            <a:avLst/>
+          </a:prstGeom>
+        </p:spPr>
+        <p:txBody>
+          <a:bodyPr vert="horz" lIns="91440" tIns="45720" rIns="91440" bIns="45720" rtlCol="0" anchor="b"/>
+          <a:lstStyle>
+            <a:lvl1pPr algn="l">
+              <a:defRPr sz="1200"/>
+            </a:lvl1pPr>
+          </a:lstStyle>
+          <a:p>
+            <a:endParaRPr lang="zh-CN" altLang="en-US"/>
+          </a:p>
+        </p:txBody>
+      </p:sp>
+      <p:sp>
+        <p:nvSpPr>
+          <p:cNvPr id="7" name="灯片编号占位符 6"/>
+          <p:cNvSpPr>
+            <a:spLocks noGrp="1"/>
+          </p:cNvSpPr>
+          <p:nvPr>
+            <p:ph type="sldNum" sz="quarter" idx="5"/>
+          </p:nvPr>
+        </p:nvSpPr>
+        <p:spPr>
+          <a:xfrm>
+            <a:off x="3884613" y="8685213"/>
+            <a:ext cx="2971800" cy="458787"/>
+          </a:xfrm>
+          <a:prstGeom prst="rect">
+            <a:avLst/>
+          </a:prstGeom>
+        </p:spPr>
+        <p:txBody>
+          <a:bodyPr vert="horz" lIns="91440" tIns="45720" rIns="91440" bIns="45720" rtlCol="0" anchor="b"/>
+          <a:lstStyle>
+            <a:lvl1pPr algn="r">
+              <a:defRPr sz="1200"/>
+            </a:lvl1pPr>
+          </a:lstStyle>
+          <a:p>
+            <a:fld id="{1A184514-D85D-414F-9AB4-B75FA9C95DCC}" type="slidenum">
+              <a:rPr lang="zh-CN" altLang="en-US" smtClean="0"/>
+              <a:t>‹#›</a:t>
+            </a:fld>
+            <a:endParaRPr lang="zh-CN" altLang="en-US"/>
+          </a:p>
+        </p:txBody>
+      </p:sp>
+    </p:spTree>
+    <p:extLst>
+      <p:ext uri="{BB962C8B-B14F-4D97-AF65-F5344CB8AC3E}">
+        <p14:creationId xmlns:p14="http://schemas.microsoft.com/office/powerpoint/2010/main" val="2334600249"/>
+      </p:ext>
+    </p:extLst>
+  </p:cSld>
+  <p:clrMap bg1="lt1" tx1="dk1" bg2="lt2" tx2="dk2" accent1="accent1" accent2="accent2" accent3="accent3" accent4="accent4" accent5="accent5" accent6="accent6" hlink="hlink" folHlink="folHlink"/>
+  <p:notesStyle>
+    <a:lvl1pPr marL="0" algn="l" defTabSz="914400" rtl="0" eaLnBrk="1" latinLnBrk="0" hangingPunct="1">
+      <a:defRPr sz="1200" kern="1200">
+        <a:solidFill>
+          <a:schemeClr val="tx1"/>
+        </a:solidFill>
+        <a:latin typeface="+mn-lt"/>
+        <a:ea typeface="+mn-ea"/>
+        <a:cs typeface="+mn-cs"/>
+      </a:defRPr>
+    </a:lvl1pPr>
+    <a:lvl2pPr marL="457200" algn="l" defTabSz="914400" rtl="0" eaLnBrk="1" latinLnBrk="0" hangingPunct="1">
+      <a:defRPr sz="1200" kern="1200">
+        <a:solidFill>
+          <a:schemeClr val="tx1"/>
+        </a:solidFill>
+        <a:latin typeface="+mn-lt"/>
+        <a:ea typeface="+mn-ea"/>
+        <a:cs typeface="+mn-cs"/>
+      </a:defRPr>
+    </a:lvl2pPr>
+    <a:lvl3pPr marL="914400" algn="l" defTabSz="914400" rtl="0" eaLnBrk="1" latinLnBrk="0" hangingPunct="1">
+      <a:defRPr sz="1200" kern="1200">
+        <a:solidFill>
+          <a:schemeClr val="tx1"/>
+        </a:solidFill>
+        <a:latin typeface="+mn-lt"/>
+        <a:ea typeface="+mn-ea"/>
+        <a:cs typeface="+mn-cs"/>
+      </a:defRPr>
+    </a:lvl3pPr>
+    <a:lvl4pPr marL="1371600" algn="l" defTabSz="914400" rtl="0" eaLnBrk="1" latinLnBrk="0" hangingPunct="1">
+      <a:defRPr sz="1200" kern="1200">
+        <a:solidFill>
+          <a:schemeClr val="tx1"/>
+        </a:solidFill>
+        <a:latin typeface="+mn-lt"/>
+        <a:ea typeface="+mn-ea"/>
+        <a:cs typeface="+mn-cs"/>
+      </a:defRPr>
+    </a:lvl4pPr>
+    <a:lvl5pPr marL="1828800" algn="l" defTabSz="914400" rtl="0" eaLnBrk="1" latinLnBrk="0" hangingPunct="1">
+      <a:defRPr sz="1200" kern="1200">
+        <a:solidFill>
+          <a:schemeClr val="tx1"/>
+        </a:solidFill>
+        <a:latin typeface="+mn-lt"/>
+        <a:ea typeface="+mn-ea"/>
+        <a:cs typeface="+mn-cs"/>
+      </a:defRPr>
+    </a:lvl5pPr>
+    <a:lvl6pPr marL="2286000" algn="l" defTabSz="914400" rtl="0" eaLnBrk="1" latinLnBrk="0" hangingPunct="1">
+      <a:defRPr sz="1200" kern="1200">
+        <a:solidFill>
+          <a:schemeClr val="tx1"/>
+        </a:solidFill>
+        <a:latin typeface="+mn-lt"/>
+        <a:ea typeface="+mn-ea"/>
+        <a:cs typeface="+mn-cs"/>
+      </a:defRPr>
+    </a:lvl6pPr>
+    <a:lvl7pPr marL="2743200" algn="l" defTabSz="914400" rtl="0" eaLnBrk="1" latinLnBrk="0" hangingPunct="1">
+      <a:defRPr sz="1200" kern="1200">
+        <a:solidFill>
+          <a:schemeClr val="tx1"/>
+        </a:solidFill>
+        <a:latin typeface="+mn-lt"/>
+        <a:ea typeface="+mn-ea"/>
+        <a:cs typeface="+mn-cs"/>
+      </a:defRPr>
+    </a:lvl7pPr>
+    <a:lvl8pPr marL="3200400" algn="l" defTabSz="914400" rtl="0" eaLnBrk="1" latinLnBrk="0" hangingPunct="1">
+      <a:defRPr sz="1200" kern="1200">
+        <a:solidFill>
+          <a:schemeClr val="tx1"/>
+        </a:solidFill>
+        <a:latin typeface="+mn-lt"/>
+        <a:ea typeface="+mn-ea"/>
+        <a:cs typeface="+mn-cs"/>
+      </a:defRPr>
+    </a:lvl8pPr>
+    <a:lvl9pPr marL="3657600" algn="l" defTabSz="914400" rtl="0" eaLnBrk="1" latinLnBrk="0" hangingPunct="1">
+      <a:defRPr sz="1200" kern="1200">
+        <a:solidFill>
+          <a:schemeClr val="tx1"/>
+        </a:solidFill>
+        <a:latin typeface="+mn-lt"/>
+        <a:ea typeface="+mn-ea"/>
+        <a:cs typeface="+mn-cs"/>
+      </a:defRPr>
+    </a:lvl9pPr>
+  </p:notesStyle>
+</p:notesMaster>
+</file>
+
+<file path=ppt/notesSlides/notesSlide1.xml><?xml version="1.0" encoding="utf-8"?>
+<p:notes xmlns:a="http://schemas.openxmlformats.org/drawingml/2006/main" xmlns:r="http://schemas.openxmlformats.org/officeDocument/2006/relationships" xmlns:p="http://schemas.openxmlformats.org/presentationml/2006/main">
+  <p:cSld>
+    <p:spTree>
+      <p:nvGrpSpPr>
+        <p:cNvPr id="1" name=""/>
+        <p:cNvGrpSpPr/>
+        <p:nvPr/>
+      </p:nvGrpSpPr>
+      <p:grpSpPr>
+        <a:xfrm>
+          <a:off x="0" y="0"/>
+          <a:ext cx="0" cy="0"/>
+          <a:chOff x="0" y="0"/>
+          <a:chExt cx="0" cy="0"/>
+        </a:xfrm>
+      </p:grpSpPr>
+      <p:sp>
+        <p:nvSpPr>
+          <p:cNvPr id="2" name="幻灯片图像占位符 1"/>
+          <p:cNvSpPr>
+            <a:spLocks noGrp="1" noRot="1" noChangeAspect="1"/>
+          </p:cNvSpPr>
+          <p:nvPr>
+            <p:ph type="sldImg"/>
+          </p:nvPr>
+        </p:nvSpPr>
+        <p:spPr/>
+      </p:sp>
+      <p:sp>
+        <p:nvSpPr>
+          <p:cNvPr id="3" name="备注占位符 2"/>
+          <p:cNvSpPr>
+            <a:spLocks noGrp="1"/>
+          </p:cNvSpPr>
+          <p:nvPr>
+            <p:ph type="body" idx="1"/>
+          </p:nvPr>
+        </p:nvSpPr>
+        <p:spPr/>
+        <p:txBody>
+          <a:bodyPr/>
+          <a:lstStyle/>
+          <a:p>
+            <a:endParaRPr lang="zh-CN" altLang="en-US"/>
+          </a:p>
+        </p:txBody>
+      </p:sp>
+      <p:sp>
+        <p:nvSpPr>
+          <p:cNvPr id="4" name="灯片编号占位符 3"/>
+          <p:cNvSpPr>
+            <a:spLocks noGrp="1"/>
+          </p:cNvSpPr>
+          <p:nvPr>
+            <p:ph type="sldNum" sz="quarter" idx="5"/>
+          </p:nvPr>
+        </p:nvSpPr>
+        <p:spPr/>
+        <p:txBody>
+          <a:bodyPr/>
+          <a:lstStyle/>
+          <a:p>
+            <a:fld id="{1A184514-D85D-414F-9AB4-B75FA9C95DCC}" type="slidenum">
+              <a:rPr lang="zh-CN" altLang="en-US" smtClean="0"/>
+              <a:t>1</a:t>
+            </a:fld>
+            <a:endParaRPr lang="zh-CN" altLang="en-US"/>
+          </a:p>
+        </p:txBody>
+      </p:sp>
+    </p:spTree>
+    <p:extLst>
+      <p:ext uri="{BB962C8B-B14F-4D97-AF65-F5344CB8AC3E}">
+        <p14:creationId xmlns:p14="http://schemas.microsoft.com/office/powerpoint/2010/main" val="3180844325"/>
+      </p:ext>
+    </p:extLst>
+  </p:cSld>
+  <p:clrMapOvr>
+    <a:masterClrMapping/>
+  </p:clrMapOvr>
+</p:notes>
+</file>
+
 <file path=ppt/slideLayouts/slideLayout1.xml><?xml version="1.0" encoding="utf-8"?>
 <p:sldLayout xmlns:a="http://schemas.openxmlformats.org/drawingml/2006/main" xmlns:r="http://schemas.openxmlformats.org/officeDocument/2006/relationships" xmlns:p="http://schemas.openxmlformats.org/presentationml/2006/main" type="title" preserve="1">
   <p:cSld name="标题幻灯片">
@@ -260,7 +696,7 @@
           <a:p>
             <a:fld id="{F5070D61-C366-4358-8D3B-3705082AF76F}" type="datetimeFigureOut">
               <a:rPr lang="zh-CN" altLang="en-US" smtClean="0"/>
-              <a:t>2019/11/21</a:t>
+              <a:t>2019/12/4</a:t>
             </a:fld>
             <a:endParaRPr lang="zh-CN" altLang="en-US"/>
           </a:p>
@@ -458,7 +894,7 @@
           <a:p>
             <a:fld id="{F5070D61-C366-4358-8D3B-3705082AF76F}" type="datetimeFigureOut">
               <a:rPr lang="zh-CN" altLang="en-US" smtClean="0"/>
-              <a:t>2019/11/21</a:t>
+              <a:t>2019/12/4</a:t>
             </a:fld>
             <a:endParaRPr lang="zh-CN" altLang="en-US"/>
           </a:p>
@@ -666,7 +1102,7 @@
           <a:p>
             <a:fld id="{F5070D61-C366-4358-8D3B-3705082AF76F}" type="datetimeFigureOut">
               <a:rPr lang="zh-CN" altLang="en-US" smtClean="0"/>
-              <a:t>2019/11/21</a:t>
+              <a:t>2019/12/4</a:t>
             </a:fld>
             <a:endParaRPr lang="zh-CN" altLang="en-US"/>
           </a:p>
@@ -864,7 +1300,7 @@
           <a:p>
             <a:fld id="{F5070D61-C366-4358-8D3B-3705082AF76F}" type="datetimeFigureOut">
               <a:rPr lang="zh-CN" altLang="en-US" smtClean="0"/>
-              <a:t>2019/11/21</a:t>
+              <a:t>2019/12/4</a:t>
             </a:fld>
             <a:endParaRPr lang="zh-CN" altLang="en-US"/>
           </a:p>
@@ -1139,7 +1575,7 @@
           <a:p>
             <a:fld id="{F5070D61-C366-4358-8D3B-3705082AF76F}" type="datetimeFigureOut">
               <a:rPr lang="zh-CN" altLang="en-US" smtClean="0"/>
-              <a:t>2019/11/21</a:t>
+              <a:t>2019/12/4</a:t>
             </a:fld>
             <a:endParaRPr lang="zh-CN" altLang="en-US"/>
           </a:p>
@@ -1404,7 +1840,7 @@
           <a:p>
             <a:fld id="{F5070D61-C366-4358-8D3B-3705082AF76F}" type="datetimeFigureOut">
               <a:rPr lang="zh-CN" altLang="en-US" smtClean="0"/>
-              <a:t>2019/11/21</a:t>
+              <a:t>2019/12/4</a:t>
             </a:fld>
             <a:endParaRPr lang="zh-CN" altLang="en-US"/>
           </a:p>
@@ -1816,7 +2252,7 @@
           <a:p>
             <a:fld id="{F5070D61-C366-4358-8D3B-3705082AF76F}" type="datetimeFigureOut">
               <a:rPr lang="zh-CN" altLang="en-US" smtClean="0"/>
-              <a:t>2019/11/21</a:t>
+              <a:t>2019/12/4</a:t>
             </a:fld>
             <a:endParaRPr lang="zh-CN" altLang="en-US"/>
           </a:p>
@@ -1957,7 +2393,7 @@
           <a:p>
             <a:fld id="{F5070D61-C366-4358-8D3B-3705082AF76F}" type="datetimeFigureOut">
               <a:rPr lang="zh-CN" altLang="en-US" smtClean="0"/>
-              <a:t>2019/11/21</a:t>
+              <a:t>2019/12/4</a:t>
             </a:fld>
             <a:endParaRPr lang="zh-CN" altLang="en-US"/>
           </a:p>
@@ -2070,7 +2506,7 @@
           <a:p>
             <a:fld id="{F5070D61-C366-4358-8D3B-3705082AF76F}" type="datetimeFigureOut">
               <a:rPr lang="zh-CN" altLang="en-US" smtClean="0"/>
-              <a:t>2019/11/21</a:t>
+              <a:t>2019/12/4</a:t>
             </a:fld>
             <a:endParaRPr lang="zh-CN" altLang="en-US"/>
           </a:p>
@@ -2381,7 +2817,7 @@
           <a:p>
             <a:fld id="{F5070D61-C366-4358-8D3B-3705082AF76F}" type="datetimeFigureOut">
               <a:rPr lang="zh-CN" altLang="en-US" smtClean="0"/>
-              <a:t>2019/11/21</a:t>
+              <a:t>2019/12/4</a:t>
             </a:fld>
             <a:endParaRPr lang="zh-CN" altLang="en-US"/>
           </a:p>
@@ -2669,7 +3105,7 @@
           <a:p>
             <a:fld id="{F5070D61-C366-4358-8D3B-3705082AF76F}" type="datetimeFigureOut">
               <a:rPr lang="zh-CN" altLang="en-US" smtClean="0"/>
-              <a:t>2019/11/21</a:t>
+              <a:t>2019/12/4</a:t>
             </a:fld>
             <a:endParaRPr lang="zh-CN" altLang="en-US"/>
           </a:p>
@@ -2910,7 +3346,7 @@
           <a:p>
             <a:fld id="{F5070D61-C366-4358-8D3B-3705082AF76F}" type="datetimeFigureOut">
               <a:rPr lang="zh-CN" altLang="en-US" smtClean="0"/>
-              <a:t>2019/11/21</a:t>
+              <a:t>2019/12/4</a:t>
             </a:fld>
             <a:endParaRPr lang="zh-CN" altLang="en-US"/>
           </a:p>
@@ -3341,11 +3777,12 @@
         </p:nvGrpSpPr>
         <p:grpSpPr>
           <a:xfrm>
-            <a:off x="492369" y="351692"/>
+            <a:off x="440788" y="559190"/>
             <a:ext cx="11310424" cy="5739619"/>
             <a:chOff x="492369" y="351692"/>
             <a:chExt cx="11310424" cy="5739619"/>
           </a:xfrm>
+          <a:noFill/>
         </p:grpSpPr>
         <p:sp>
           <p:nvSpPr>
@@ -3369,7 +3806,7 @@
                 <a:gd name="adj" fmla="val 12988"/>
               </a:avLst>
             </a:prstGeom>
-            <a:noFill/>
+            <a:grpFill/>
             <a:ln>
               <a:solidFill>
                 <a:schemeClr val="tx1"/>
@@ -3424,6 +3861,7 @@
             <a:prstGeom prst="ellipse">
               <a:avLst/>
             </a:prstGeom>
+            <a:grpFill/>
           </p:spPr>
           <p:style>
             <a:lnRef idx="2">
@@ -3480,6 +3918,7 @@
             <a:prstGeom prst="ellipse">
               <a:avLst/>
             </a:prstGeom>
+            <a:grpFill/>
           </p:spPr>
           <p:style>
             <a:lnRef idx="2">
@@ -3518,73 +3957,6 @@
         </p:sp>
         <p:sp>
           <p:nvSpPr>
-            <p:cNvPr id="7" name="矩形 6">
-              <a:extLst>
-                <a:ext uri="{FF2B5EF4-FFF2-40B4-BE49-F238E27FC236}">
-                  <a16:creationId xmlns:a16="http://schemas.microsoft.com/office/drawing/2014/main" id="{ADF06655-6AA4-4BA8-8E09-21A46B91140F}"/>
-                </a:ext>
-              </a:extLst>
-            </p:cNvPr>
-            <p:cNvSpPr/>
-            <p:nvPr/>
-          </p:nvSpPr>
-          <p:spPr>
-            <a:xfrm>
-              <a:off x="3936774" y="1758459"/>
-              <a:ext cx="1955411" cy="865163"/>
-            </a:xfrm>
-            <a:prstGeom prst="rect">
-              <a:avLst/>
-            </a:prstGeom>
-          </p:spPr>
-          <p:style>
-            <a:lnRef idx="2">
-              <a:schemeClr val="dk1"/>
-            </a:lnRef>
-            <a:fillRef idx="1">
-              <a:schemeClr val="lt1"/>
-            </a:fillRef>
-            <a:effectRef idx="0">
-              <a:schemeClr val="dk1"/>
-            </a:effectRef>
-            <a:fontRef idx="minor">
-              <a:schemeClr val="dk1"/>
-            </a:fontRef>
-          </p:style>
-          <p:txBody>
-            <a:bodyPr rot="0" spcFirstLastPara="0" vertOverflow="overflow" horzOverflow="overflow" vert="horz" wrap="square" lIns="91440" tIns="45720" rIns="91440" bIns="45720" numCol="1" spcCol="0" rtlCol="0" fromWordArt="0" anchor="ctr" anchorCtr="0" forceAA="0" compatLnSpc="1">
-              <a:prstTxWarp prst="textNoShape">
-                <a:avLst/>
-              </a:prstTxWarp>
-              <a:noAutofit/>
-            </a:bodyPr>
-            <a:lstStyle/>
-            <a:p>
-              <a:pPr algn="ctr"/>
-              <a:r>
-                <a:rPr lang="en-US" altLang="zh-CN" dirty="0">
-                  <a:solidFill>
-                    <a:schemeClr val="dk1"/>
-                  </a:solidFill>
-                  <a:latin typeface="Arial" panose="020B0604020202020204" pitchFamily="34" charset="0"/>
-                  <a:ea typeface="微软雅黑" panose="020B0503020204020204" pitchFamily="34" charset="-122"/>
-                  <a:cs typeface="Arial" panose="020B0604020202020204" pitchFamily="34" charset="0"/>
-                </a:rPr>
-                <a:t>Approval Proxy</a:t>
-              </a:r>
-              <a:endParaRPr lang="zh-CN" altLang="en-US" dirty="0">
-                <a:solidFill>
-                  <a:schemeClr val="dk1"/>
-                </a:solidFill>
-                <a:latin typeface="Arial" panose="020B0604020202020204" pitchFamily="34" charset="0"/>
-                <a:ea typeface="微软雅黑" panose="020B0503020204020204" pitchFamily="34" charset="-122"/>
-                <a:cs typeface="Arial" panose="020B0604020202020204" pitchFamily="34" charset="0"/>
-              </a:endParaRPr>
-            </a:p>
-          </p:txBody>
-        </p:sp>
-        <p:sp>
-          <p:nvSpPr>
             <p:cNvPr id="8" name="矩形 7">
               <a:extLst>
                 <a:ext uri="{FF2B5EF4-FFF2-40B4-BE49-F238E27FC236}">
@@ -3597,12 +3969,13 @@
           </p:nvSpPr>
           <p:spPr>
             <a:xfrm>
-              <a:off x="3936773" y="3700581"/>
+              <a:off x="3969258" y="2866675"/>
               <a:ext cx="1955411" cy="865163"/>
             </a:xfrm>
             <a:prstGeom prst="rect">
               <a:avLst/>
             </a:prstGeom>
+            <a:grpFill/>
           </p:spPr>
           <p:style>
             <a:lnRef idx="2">
@@ -3670,6 +4043,7 @@
             <a:prstGeom prst="rect">
               <a:avLst/>
             </a:prstGeom>
+            <a:grpFill/>
           </p:spPr>
           <p:style>
             <a:lnRef idx="2">
@@ -3737,7 +4111,7 @@
             <a:prstGeom prst="rect">
               <a:avLst/>
             </a:prstGeom>
-            <a:noFill/>
+            <a:grpFill/>
           </p:spPr>
           <p:txBody>
             <a:bodyPr wrap="none" rtlCol="0">
@@ -3789,6 +4163,7 @@
             <a:prstGeom prst="line">
               <a:avLst/>
             </a:prstGeom>
+            <a:grpFill/>
             <a:ln w="19050">
               <a:solidFill>
                 <a:schemeClr val="bg1">
@@ -3813,49 +4188,6 @@
             </a:fontRef>
           </p:style>
         </p:cxnSp>
-        <p:cxnSp>
-          <p:nvCxnSpPr>
-            <p:cNvPr id="16" name="直接箭头连接符 15">
-              <a:extLst>
-                <a:ext uri="{FF2B5EF4-FFF2-40B4-BE49-F238E27FC236}">
-                  <a16:creationId xmlns:a16="http://schemas.microsoft.com/office/drawing/2014/main" id="{BC8294B5-AB07-4EF9-A934-E06FEDEB15A7}"/>
-                </a:ext>
-              </a:extLst>
-            </p:cNvPr>
-            <p:cNvCxnSpPr>
-              <a:cxnSpLocks/>
-              <a:stCxn id="4" idx="6"/>
-              <a:endCxn id="7" idx="1"/>
-            </p:cNvCxnSpPr>
-            <p:nvPr/>
-          </p:nvCxnSpPr>
-          <p:spPr>
-            <a:xfrm>
-              <a:off x="2016235" y="2178921"/>
-              <a:ext cx="1920539" cy="12120"/>
-            </a:xfrm>
-            <a:prstGeom prst="straightConnector1">
-              <a:avLst/>
-            </a:prstGeom>
-            <a:ln>
-              <a:tailEnd type="triangle"/>
-            </a:ln>
-          </p:spPr>
-          <p:style>
-            <a:lnRef idx="1">
-              <a:schemeClr val="dk1"/>
-            </a:lnRef>
-            <a:fillRef idx="0">
-              <a:schemeClr val="dk1"/>
-            </a:fillRef>
-            <a:effectRef idx="0">
-              <a:schemeClr val="dk1"/>
-            </a:effectRef>
-            <a:fontRef idx="minor">
-              <a:schemeClr val="tx1"/>
-            </a:fontRef>
-          </p:style>
-        </p:cxnSp>
         <p:sp>
           <p:nvSpPr>
             <p:cNvPr id="19" name="文本框 18">
@@ -3870,13 +4202,13 @@
           </p:nvSpPr>
           <p:spPr>
             <a:xfrm>
-              <a:off x="2339755" y="1836090"/>
+              <a:off x="2501875" y="1849697"/>
               <a:ext cx="1351652" cy="646331"/>
             </a:xfrm>
             <a:prstGeom prst="rect">
               <a:avLst/>
             </a:prstGeom>
-            <a:noFill/>
+            <a:grpFill/>
           </p:spPr>
           <p:txBody>
             <a:bodyPr wrap="none" rtlCol="0">
@@ -3930,6 +4262,7 @@
             <a:prstGeom prst="straightConnector1">
               <a:avLst/>
             </a:prstGeom>
+            <a:grpFill/>
             <a:ln>
               <a:tailEnd type="triangle"/>
             </a:ln>
@@ -3969,7 +4302,7 @@
             <a:prstGeom prst="rect">
               <a:avLst/>
             </a:prstGeom>
-            <a:noFill/>
+            <a:grpFill/>
           </p:spPr>
           <p:txBody>
             <a:bodyPr wrap="none" rtlCol="0">
@@ -3993,49 +4326,6 @@
             </a:p>
           </p:txBody>
         </p:sp>
-        <p:cxnSp>
-          <p:nvCxnSpPr>
-            <p:cNvPr id="25" name="直接箭头连接符 24">
-              <a:extLst>
-                <a:ext uri="{FF2B5EF4-FFF2-40B4-BE49-F238E27FC236}">
-                  <a16:creationId xmlns:a16="http://schemas.microsoft.com/office/drawing/2014/main" id="{A26465CB-370C-41AE-B983-E86B54C98FB3}"/>
-                </a:ext>
-              </a:extLst>
-            </p:cNvPr>
-            <p:cNvCxnSpPr>
-              <a:cxnSpLocks/>
-              <a:stCxn id="6" idx="6"/>
-              <a:endCxn id="8" idx="1"/>
-            </p:cNvCxnSpPr>
-            <p:nvPr/>
-          </p:nvCxnSpPr>
-          <p:spPr>
-            <a:xfrm flipV="1">
-              <a:off x="2016235" y="4133163"/>
-              <a:ext cx="1920538" cy="6638"/>
-            </a:xfrm>
-            <a:prstGeom prst="straightConnector1">
-              <a:avLst/>
-            </a:prstGeom>
-            <a:ln>
-              <a:tailEnd type="triangle"/>
-            </a:ln>
-          </p:spPr>
-          <p:style>
-            <a:lnRef idx="1">
-              <a:schemeClr val="dk1"/>
-            </a:lnRef>
-            <a:fillRef idx="0">
-              <a:schemeClr val="dk1"/>
-            </a:fillRef>
-            <a:effectRef idx="0">
-              <a:schemeClr val="dk1"/>
-            </a:effectRef>
-            <a:fontRef idx="minor">
-              <a:schemeClr val="tx1"/>
-            </a:fontRef>
-          </p:style>
-        </p:cxnSp>
         <p:sp>
           <p:nvSpPr>
             <p:cNvPr id="29" name="文本框 28">
@@ -4056,7 +4346,7 @@
             <a:prstGeom prst="rect">
               <a:avLst/>
             </a:prstGeom>
-            <a:noFill/>
+            <a:grpFill/>
           </p:spPr>
           <p:txBody>
             <a:bodyPr wrap="none" rtlCol="0">
@@ -4101,13 +4391,13 @@
           </p:nvSpPr>
           <p:spPr>
             <a:xfrm>
-              <a:off x="2217262" y="3764411"/>
+              <a:off x="2230993" y="3815148"/>
               <a:ext cx="1582484" cy="369332"/>
             </a:xfrm>
             <a:prstGeom prst="rect">
               <a:avLst/>
             </a:prstGeom>
-            <a:noFill/>
+            <a:grpFill/>
           </p:spPr>
           <p:txBody>
             <a:bodyPr wrap="none" rtlCol="0">
@@ -4145,7 +4435,7 @@
             <a:prstGeom prst="rect">
               <a:avLst/>
             </a:prstGeom>
-            <a:noFill/>
+            <a:grpFill/>
           </p:spPr>
           <p:txBody>
             <a:bodyPr wrap="none" rtlCol="0">
@@ -4177,146 +4467,6 @@
             </a:p>
           </p:txBody>
         </p:sp>
-        <p:cxnSp>
-          <p:nvCxnSpPr>
-            <p:cNvPr id="40" name="直接箭头连接符 39">
-              <a:extLst>
-                <a:ext uri="{FF2B5EF4-FFF2-40B4-BE49-F238E27FC236}">
-                  <a16:creationId xmlns:a16="http://schemas.microsoft.com/office/drawing/2014/main" id="{C0695004-D1E8-4C26-A076-F88E1DC0B230}"/>
-                </a:ext>
-              </a:extLst>
-            </p:cNvPr>
-            <p:cNvCxnSpPr>
-              <a:stCxn id="8" idx="0"/>
-              <a:endCxn id="7" idx="2"/>
-            </p:cNvCxnSpPr>
-            <p:nvPr/>
-          </p:nvCxnSpPr>
-          <p:spPr>
-            <a:xfrm flipV="1">
-              <a:off x="4914479" y="2623622"/>
-              <a:ext cx="1" cy="1076959"/>
-            </a:xfrm>
-            <a:prstGeom prst="straightConnector1">
-              <a:avLst/>
-            </a:prstGeom>
-            <a:ln>
-              <a:tailEnd type="triangle"/>
-            </a:ln>
-          </p:spPr>
-          <p:style>
-            <a:lnRef idx="1">
-              <a:schemeClr val="dk1"/>
-            </a:lnRef>
-            <a:fillRef idx="0">
-              <a:schemeClr val="dk1"/>
-            </a:fillRef>
-            <a:effectRef idx="0">
-              <a:schemeClr val="dk1"/>
-            </a:effectRef>
-            <a:fontRef idx="minor">
-              <a:schemeClr val="tx1"/>
-            </a:fontRef>
-          </p:style>
-        </p:cxnSp>
-        <p:sp>
-          <p:nvSpPr>
-            <p:cNvPr id="43" name="文本框 42">
-              <a:extLst>
-                <a:ext uri="{FF2B5EF4-FFF2-40B4-BE49-F238E27FC236}">
-                  <a16:creationId xmlns:a16="http://schemas.microsoft.com/office/drawing/2014/main" id="{2D9F72D4-0E79-42DB-8A09-0BADA88EE3D1}"/>
-                </a:ext>
-              </a:extLst>
-            </p:cNvPr>
-            <p:cNvSpPr txBox="1"/>
-            <p:nvPr/>
-          </p:nvSpPr>
-          <p:spPr>
-            <a:xfrm>
-              <a:off x="4914478" y="2655753"/>
-              <a:ext cx="1056700" cy="923330"/>
-            </a:xfrm>
-            <a:prstGeom prst="rect">
-              <a:avLst/>
-            </a:prstGeom>
-            <a:noFill/>
-          </p:spPr>
-          <p:txBody>
-            <a:bodyPr wrap="none" rtlCol="0">
-              <a:spAutoFit/>
-            </a:bodyPr>
-            <a:lstStyle/>
-            <a:p>
-              <a:r>
-                <a:rPr lang="en-US" altLang="zh-CN" dirty="0">
-                  <a:latin typeface="Arial" panose="020B0604020202020204" pitchFamily="34" charset="0"/>
-                  <a:cs typeface="Arial" panose="020B0604020202020204" pitchFamily="34" charset="0"/>
-                </a:rPr>
-                <a:t>Transfer</a:t>
-              </a:r>
-            </a:p>
-            <a:p>
-              <a:r>
-                <a:rPr lang="en-US" altLang="zh-CN" dirty="0">
-                  <a:latin typeface="Arial" panose="020B0604020202020204" pitchFamily="34" charset="0"/>
-                  <a:cs typeface="Arial" panose="020B0604020202020204" pitchFamily="34" charset="0"/>
-                </a:rPr>
-                <a:t>Mint</a:t>
-              </a:r>
-            </a:p>
-            <a:p>
-              <a:r>
-                <a:rPr lang="en-US" altLang="zh-CN" dirty="0">
-                  <a:latin typeface="Arial" panose="020B0604020202020204" pitchFamily="34" charset="0"/>
-                  <a:cs typeface="Arial" panose="020B0604020202020204" pitchFamily="34" charset="0"/>
-                </a:rPr>
-                <a:t>Redeem</a:t>
-              </a:r>
-            </a:p>
-          </p:txBody>
-        </p:sp>
-        <p:cxnSp>
-          <p:nvCxnSpPr>
-            <p:cNvPr id="45" name="直接箭头连接符 44">
-              <a:extLst>
-                <a:ext uri="{FF2B5EF4-FFF2-40B4-BE49-F238E27FC236}">
-                  <a16:creationId xmlns:a16="http://schemas.microsoft.com/office/drawing/2014/main" id="{FC216CE8-9EC0-44C8-988A-E67AF101160B}"/>
-                </a:ext>
-              </a:extLst>
-            </p:cNvPr>
-            <p:cNvCxnSpPr>
-              <a:stCxn id="7" idx="3"/>
-              <a:endCxn id="9" idx="1"/>
-            </p:cNvCxnSpPr>
-            <p:nvPr/>
-          </p:nvCxnSpPr>
-          <p:spPr>
-            <a:xfrm>
-              <a:off x="5892185" y="2191041"/>
-              <a:ext cx="1094860" cy="0"/>
-            </a:xfrm>
-            <a:prstGeom prst="straightConnector1">
-              <a:avLst/>
-            </a:prstGeom>
-            <a:ln>
-              <a:tailEnd type="triangle"/>
-            </a:ln>
-          </p:spPr>
-          <p:style>
-            <a:lnRef idx="1">
-              <a:schemeClr val="dk1"/>
-            </a:lnRef>
-            <a:fillRef idx="0">
-              <a:schemeClr val="dk1"/>
-            </a:fillRef>
-            <a:effectRef idx="0">
-              <a:schemeClr val="dk1"/>
-            </a:effectRef>
-            <a:fontRef idx="minor">
-              <a:schemeClr val="tx1"/>
-            </a:fontRef>
-          </p:style>
-        </p:cxnSp>
         <p:sp>
           <p:nvSpPr>
             <p:cNvPr id="48" name="文本框 47">
@@ -4331,13 +4481,13 @@
           </p:nvSpPr>
           <p:spPr>
             <a:xfrm>
-              <a:off x="5956067" y="1593218"/>
+              <a:off x="5930345" y="2198457"/>
               <a:ext cx="1056700" cy="923330"/>
             </a:xfrm>
             <a:prstGeom prst="rect">
               <a:avLst/>
             </a:prstGeom>
-            <a:noFill/>
+            <a:grpFill/>
           </p:spPr>
           <p:txBody>
             <a:bodyPr wrap="none" rtlCol="0">
@@ -4393,7 +4543,7 @@
             <a:prstGeom prst="rect">
               <a:avLst/>
             </a:prstGeom>
-            <a:noFill/>
+            <a:grpFill/>
           </p:spPr>
           <p:txBody>
             <a:bodyPr wrap="none" rtlCol="0">
@@ -4452,6 +4602,7 @@
             <a:prstGeom prst="bentConnector2">
               <a:avLst/>
             </a:prstGeom>
+            <a:grpFill/>
             <a:ln>
               <a:tailEnd type="triangle"/>
             </a:ln>
@@ -4491,6 +4642,7 @@
             <a:prstGeom prst="can">
               <a:avLst/>
             </a:prstGeom>
+            <a:grpFill/>
           </p:spPr>
           <p:style>
             <a:lnRef idx="2">
@@ -4568,6 +4720,7 @@
                 <a:gd name="adj2" fmla="val 50000"/>
               </a:avLst>
             </a:prstGeom>
+            <a:grpFill/>
           </p:spPr>
           <p:style>
             <a:lnRef idx="1">
@@ -4617,7 +4770,7 @@
                 <a:gd name="adj" fmla="val 33590"/>
               </a:avLst>
             </a:prstGeom>
-            <a:noFill/>
+            <a:grpFill/>
             <a:ln>
               <a:solidFill>
                 <a:schemeClr val="tx1"/>
@@ -4673,6 +4826,133 @@
           </p:txBody>
         </p:sp>
       </p:grpSp>
+      <p:cxnSp>
+        <p:nvCxnSpPr>
+          <p:cNvPr id="33" name="连接符: 肘形 32">
+            <a:extLst>
+              <a:ext uri="{FF2B5EF4-FFF2-40B4-BE49-F238E27FC236}">
+                <a16:creationId xmlns:a16="http://schemas.microsoft.com/office/drawing/2014/main" id="{098AD45F-AF8B-4B74-A9D4-99DE4E87CDB5}"/>
+              </a:ext>
+            </a:extLst>
+          </p:cNvPr>
+          <p:cNvCxnSpPr>
+            <a:cxnSpLocks/>
+            <a:stCxn id="4" idx="6"/>
+            <a:endCxn id="8" idx="0"/>
+          </p:cNvCxnSpPr>
+          <p:nvPr/>
+        </p:nvCxnSpPr>
+        <p:spPr>
+          <a:xfrm>
+            <a:off x="1964654" y="2386419"/>
+            <a:ext cx="2930729" cy="687754"/>
+          </a:xfrm>
+          <a:prstGeom prst="bentConnector2">
+            <a:avLst/>
+          </a:prstGeom>
+          <a:ln>
+            <a:tailEnd type="triangle"/>
+          </a:ln>
+        </p:spPr>
+        <p:style>
+          <a:lnRef idx="1">
+            <a:schemeClr val="dk1"/>
+          </a:lnRef>
+          <a:fillRef idx="0">
+            <a:schemeClr val="dk1"/>
+          </a:fillRef>
+          <a:effectRef idx="0">
+            <a:schemeClr val="dk1"/>
+          </a:effectRef>
+          <a:fontRef idx="minor">
+            <a:schemeClr val="tx1"/>
+          </a:fontRef>
+        </p:style>
+      </p:cxnSp>
+      <p:cxnSp>
+        <p:nvCxnSpPr>
+          <p:cNvPr id="36" name="连接符: 肘形 35">
+            <a:extLst>
+              <a:ext uri="{FF2B5EF4-FFF2-40B4-BE49-F238E27FC236}">
+                <a16:creationId xmlns:a16="http://schemas.microsoft.com/office/drawing/2014/main" id="{AD784253-2D17-429C-AF32-B5F69BE90057}"/>
+              </a:ext>
+            </a:extLst>
+          </p:cNvPr>
+          <p:cNvCxnSpPr>
+            <a:stCxn id="6" idx="6"/>
+            <a:endCxn id="8" idx="2"/>
+          </p:cNvCxnSpPr>
+          <p:nvPr/>
+        </p:nvCxnSpPr>
+        <p:spPr>
+          <a:xfrm flipV="1">
+            <a:off x="1964654" y="3939336"/>
+            <a:ext cx="2930729" cy="407963"/>
+          </a:xfrm>
+          <a:prstGeom prst="bentConnector2">
+            <a:avLst/>
+          </a:prstGeom>
+          <a:ln>
+            <a:tailEnd type="triangle"/>
+          </a:ln>
+        </p:spPr>
+        <p:style>
+          <a:lnRef idx="1">
+            <a:schemeClr val="dk1"/>
+          </a:lnRef>
+          <a:fillRef idx="0">
+            <a:schemeClr val="dk1"/>
+          </a:fillRef>
+          <a:effectRef idx="0">
+            <a:schemeClr val="dk1"/>
+          </a:effectRef>
+          <a:fontRef idx="minor">
+            <a:schemeClr val="tx1"/>
+          </a:fontRef>
+        </p:style>
+      </p:cxnSp>
+      <p:cxnSp>
+        <p:nvCxnSpPr>
+          <p:cNvPr id="39" name="连接符: 肘形 38">
+            <a:extLst>
+              <a:ext uri="{FF2B5EF4-FFF2-40B4-BE49-F238E27FC236}">
+                <a16:creationId xmlns:a16="http://schemas.microsoft.com/office/drawing/2014/main" id="{9B05B99D-7973-4ED9-9D32-DCABAE89326C}"/>
+              </a:ext>
+            </a:extLst>
+          </p:cNvPr>
+          <p:cNvCxnSpPr>
+            <a:stCxn id="8" idx="3"/>
+            <a:endCxn id="9" idx="1"/>
+          </p:cNvCxnSpPr>
+          <p:nvPr/>
+        </p:nvCxnSpPr>
+        <p:spPr>
+          <a:xfrm flipV="1">
+            <a:off x="5873088" y="2398539"/>
+            <a:ext cx="1062376" cy="1108216"/>
+          </a:xfrm>
+          <a:prstGeom prst="bentConnector3">
+            <a:avLst/>
+          </a:prstGeom>
+          <a:ln>
+            <a:tailEnd type="triangle"/>
+          </a:ln>
+        </p:spPr>
+        <p:style>
+          <a:lnRef idx="1">
+            <a:schemeClr val="dk1"/>
+          </a:lnRef>
+          <a:fillRef idx="0">
+            <a:schemeClr val="dk1"/>
+          </a:fillRef>
+          <a:effectRef idx="0">
+            <a:schemeClr val="dk1"/>
+          </a:effectRef>
+          <a:fontRef idx="minor">
+            <a:schemeClr val="tx1"/>
+          </a:fontRef>
+        </p:style>
+      </p:cxnSp>
     </p:spTree>
     <p:extLst>
       <p:ext uri="{BB962C8B-B14F-4D97-AF65-F5344CB8AC3E}">
@@ -4689,6 +4969,14 @@
 <file path=ppt/slides/slide2.xml><?xml version="1.0" encoding="utf-8"?>
 <p:sld xmlns:a="http://schemas.openxmlformats.org/drawingml/2006/main" xmlns:r="http://schemas.openxmlformats.org/officeDocument/2006/relationships" xmlns:p="http://schemas.openxmlformats.org/presentationml/2006/main">
   <p:cSld>
+    <p:bg>
+      <p:bgPr>
+        <a:solidFill>
+          <a:schemeClr val="bg1"/>
+        </a:solidFill>
+        <a:effectLst/>
+      </p:bgPr>
+    </p:bg>
     <p:spTree>
       <p:nvGrpSpPr>
         <p:cNvPr id="1" name=""/>
@@ -4717,10 +5005,10 @@
         </p:nvGrpSpPr>
         <p:grpSpPr>
           <a:xfrm>
-            <a:off x="492369" y="351692"/>
-            <a:ext cx="11310424" cy="5064370"/>
+            <a:off x="440788" y="559190"/>
+            <a:ext cx="11310424" cy="5739619"/>
             <a:chOff x="492369" y="351692"/>
-            <a:chExt cx="11310424" cy="5064370"/>
+            <a:chExt cx="11310424" cy="5739619"/>
           </a:xfrm>
         </p:grpSpPr>
         <p:sp>
@@ -4921,79 +5209,6 @@
         </p:sp>
         <p:sp>
           <p:nvSpPr>
-            <p:cNvPr id="7" name="矩形 6">
-              <a:extLst>
-                <a:ext uri="{FF2B5EF4-FFF2-40B4-BE49-F238E27FC236}">
-                  <a16:creationId xmlns:a16="http://schemas.microsoft.com/office/drawing/2014/main" id="{ADF06655-6AA4-4BA8-8E09-21A46B91140F}"/>
-                </a:ext>
-              </a:extLst>
-            </p:cNvPr>
-            <p:cNvSpPr/>
-            <p:nvPr/>
-          </p:nvSpPr>
-          <p:spPr>
-            <a:xfrm>
-              <a:off x="3936774" y="1758459"/>
-              <a:ext cx="1955411" cy="865163"/>
-            </a:xfrm>
-            <a:prstGeom prst="rect">
-              <a:avLst/>
-            </a:prstGeom>
-            <a:noFill/>
-            <a:ln>
-              <a:solidFill>
-                <a:schemeClr val="bg1"/>
-              </a:solidFill>
-            </a:ln>
-          </p:spPr>
-          <p:style>
-            <a:lnRef idx="2">
-              <a:schemeClr val="dk1"/>
-            </a:lnRef>
-            <a:fillRef idx="1">
-              <a:schemeClr val="lt1"/>
-            </a:fillRef>
-            <a:effectRef idx="0">
-              <a:schemeClr val="dk1"/>
-            </a:effectRef>
-            <a:fontRef idx="minor">
-              <a:schemeClr val="dk1"/>
-            </a:fontRef>
-          </p:style>
-          <p:txBody>
-            <a:bodyPr rot="0" spcFirstLastPara="0" vertOverflow="overflow" horzOverflow="overflow" vert="horz" wrap="square" lIns="91440" tIns="45720" rIns="91440" bIns="45720" numCol="1" spcCol="0" rtlCol="0" fromWordArt="0" anchor="ctr" anchorCtr="0" forceAA="0" compatLnSpc="1">
-              <a:prstTxWarp prst="textNoShape">
-                <a:avLst/>
-              </a:prstTxWarp>
-              <a:noAutofit/>
-            </a:bodyPr>
-            <a:lstStyle/>
-            <a:p>
-              <a:pPr algn="ctr"/>
-              <a:r>
-                <a:rPr lang="en-US" altLang="zh-CN" dirty="0">
-                  <a:solidFill>
-                    <a:schemeClr val="bg1"/>
-                  </a:solidFill>
-                  <a:latin typeface="Arial" panose="020B0604020202020204" pitchFamily="34" charset="0"/>
-                  <a:ea typeface="微软雅黑" panose="020B0503020204020204" pitchFamily="34" charset="-122"/>
-                  <a:cs typeface="Arial" panose="020B0604020202020204" pitchFamily="34" charset="0"/>
-                </a:rPr>
-                <a:t>Approval Proxy</a:t>
-              </a:r>
-              <a:endParaRPr lang="zh-CN" altLang="en-US" dirty="0">
-                <a:solidFill>
-                  <a:schemeClr val="bg1"/>
-                </a:solidFill>
-                <a:latin typeface="Arial" panose="020B0604020202020204" pitchFamily="34" charset="0"/>
-                <a:ea typeface="微软雅黑" panose="020B0503020204020204" pitchFamily="34" charset="-122"/>
-                <a:cs typeface="Arial" panose="020B0604020202020204" pitchFamily="34" charset="0"/>
-              </a:endParaRPr>
-            </a:p>
-          </p:txBody>
-        </p:sp>
-        <p:sp>
-          <p:nvSpPr>
             <p:cNvPr id="8" name="矩形 7">
               <a:extLst>
                 <a:ext uri="{FF2B5EF4-FFF2-40B4-BE49-F238E27FC236}">
@@ -5006,7 +5221,7 @@
           </p:nvSpPr>
           <p:spPr>
             <a:xfrm>
-              <a:off x="3936773" y="3700581"/>
+              <a:off x="3969258" y="2866675"/>
               <a:ext cx="1955411" cy="865163"/>
             </a:xfrm>
             <a:prstGeom prst="rect">
@@ -5159,6 +5374,11 @@
               <a:avLst/>
             </a:prstGeom>
             <a:noFill/>
+            <a:ln>
+              <a:solidFill>
+                <a:schemeClr val="bg1"/>
+              </a:solidFill>
+            </a:ln>
           </p:spPr>
           <p:txBody>
             <a:bodyPr wrap="none" rtlCol="0">
@@ -5208,24 +5428,20 @@
                 </a:ext>
               </a:extLst>
             </p:cNvPr>
-            <p:cNvCxnSpPr>
-              <a:cxnSpLocks/>
-            </p:cNvCxnSpPr>
+            <p:cNvCxnSpPr/>
             <p:nvPr/>
           </p:nvCxnSpPr>
           <p:spPr>
             <a:xfrm>
               <a:off x="3024554" y="351692"/>
-              <a:ext cx="0" cy="5064370"/>
+              <a:ext cx="0" cy="5739619"/>
             </a:xfrm>
             <a:prstGeom prst="line">
               <a:avLst/>
             </a:prstGeom>
             <a:ln w="19050">
               <a:solidFill>
-                <a:schemeClr val="bg1">
-                  <a:lumMod val="75000"/>
-                </a:schemeClr>
+                <a:schemeClr val="bg1"/>
               </a:solidFill>
               <a:prstDash val="lgDash"/>
             </a:ln>
@@ -5239,52 +5455,6 @@
             </a:fillRef>
             <a:effectRef idx="0">
               <a:schemeClr val="accent1"/>
-            </a:effectRef>
-            <a:fontRef idx="minor">
-              <a:schemeClr val="tx1"/>
-            </a:fontRef>
-          </p:style>
-        </p:cxnSp>
-        <p:cxnSp>
-          <p:nvCxnSpPr>
-            <p:cNvPr id="16" name="直接箭头连接符 15">
-              <a:extLst>
-                <a:ext uri="{FF2B5EF4-FFF2-40B4-BE49-F238E27FC236}">
-                  <a16:creationId xmlns:a16="http://schemas.microsoft.com/office/drawing/2014/main" id="{BC8294B5-AB07-4EF9-A934-E06FEDEB15A7}"/>
-                </a:ext>
-              </a:extLst>
-            </p:cNvPr>
-            <p:cNvCxnSpPr>
-              <a:cxnSpLocks/>
-              <a:stCxn id="4" idx="6"/>
-              <a:endCxn id="7" idx="1"/>
-            </p:cNvCxnSpPr>
-            <p:nvPr/>
-          </p:nvCxnSpPr>
-          <p:spPr>
-            <a:xfrm>
-              <a:off x="2016235" y="2178921"/>
-              <a:ext cx="1920539" cy="12120"/>
-            </a:xfrm>
-            <a:prstGeom prst="straightConnector1">
-              <a:avLst/>
-            </a:prstGeom>
-            <a:ln>
-              <a:solidFill>
-                <a:schemeClr val="bg1"/>
-              </a:solidFill>
-              <a:tailEnd type="triangle"/>
-            </a:ln>
-          </p:spPr>
-          <p:style>
-            <a:lnRef idx="1">
-              <a:schemeClr val="dk1"/>
-            </a:lnRef>
-            <a:fillRef idx="0">
-              <a:schemeClr val="dk1"/>
-            </a:fillRef>
-            <a:effectRef idx="0">
-              <a:schemeClr val="dk1"/>
             </a:effectRef>
             <a:fontRef idx="minor">
               <a:schemeClr val="tx1"/>
@@ -5305,7 +5475,7 @@
           </p:nvSpPr>
           <p:spPr>
             <a:xfrm>
-              <a:off x="2339755" y="1836090"/>
+              <a:off x="2501875" y="1849697"/>
               <a:ext cx="1351652" cy="646331"/>
             </a:xfrm>
             <a:prstGeom prst="rect">
@@ -5313,7 +5483,9 @@
             </a:prstGeom>
             <a:noFill/>
             <a:ln>
-              <a:noFill/>
+              <a:solidFill>
+                <a:schemeClr val="bg1"/>
+              </a:solidFill>
             </a:ln>
           </p:spPr>
           <p:txBody>
@@ -5420,6 +5592,11 @@
               <a:avLst/>
             </a:prstGeom>
             <a:noFill/>
+            <a:ln>
+              <a:solidFill>
+                <a:schemeClr val="bg1"/>
+              </a:solidFill>
+            </a:ln>
           </p:spPr>
           <p:txBody>
             <a:bodyPr wrap="none" rtlCol="0">
@@ -5449,52 +5626,6 @@
             </a:p>
           </p:txBody>
         </p:sp>
-        <p:cxnSp>
-          <p:nvCxnSpPr>
-            <p:cNvPr id="25" name="直接箭头连接符 24">
-              <a:extLst>
-                <a:ext uri="{FF2B5EF4-FFF2-40B4-BE49-F238E27FC236}">
-                  <a16:creationId xmlns:a16="http://schemas.microsoft.com/office/drawing/2014/main" id="{A26465CB-370C-41AE-B983-E86B54C98FB3}"/>
-                </a:ext>
-              </a:extLst>
-            </p:cNvPr>
-            <p:cNvCxnSpPr>
-              <a:cxnSpLocks/>
-              <a:stCxn id="6" idx="6"/>
-              <a:endCxn id="8" idx="1"/>
-            </p:cNvCxnSpPr>
-            <p:nvPr/>
-          </p:nvCxnSpPr>
-          <p:spPr>
-            <a:xfrm flipV="1">
-              <a:off x="2016235" y="4133163"/>
-              <a:ext cx="1920538" cy="6638"/>
-            </a:xfrm>
-            <a:prstGeom prst="straightConnector1">
-              <a:avLst/>
-            </a:prstGeom>
-            <a:ln>
-              <a:solidFill>
-                <a:schemeClr val="bg1"/>
-              </a:solidFill>
-              <a:tailEnd type="triangle"/>
-            </a:ln>
-          </p:spPr>
-          <p:style>
-            <a:lnRef idx="1">
-              <a:schemeClr val="dk1"/>
-            </a:lnRef>
-            <a:fillRef idx="0">
-              <a:schemeClr val="dk1"/>
-            </a:fillRef>
-            <a:effectRef idx="0">
-              <a:schemeClr val="dk1"/>
-            </a:effectRef>
-            <a:fontRef idx="minor">
-              <a:schemeClr val="tx1"/>
-            </a:fontRef>
-          </p:style>
-        </p:cxnSp>
         <p:sp>
           <p:nvSpPr>
             <p:cNvPr id="29" name="文本框 28">
@@ -5516,6 +5647,11 @@
               <a:avLst/>
             </a:prstGeom>
             <a:noFill/>
+            <a:ln>
+              <a:solidFill>
+                <a:schemeClr val="bg1"/>
+              </a:solidFill>
+            </a:ln>
           </p:spPr>
           <p:txBody>
             <a:bodyPr wrap="none" rtlCol="0">
@@ -5569,7 +5705,7 @@
           </p:nvSpPr>
           <p:spPr>
             <a:xfrm>
-              <a:off x="2217262" y="3764411"/>
+              <a:off x="2230993" y="3815148"/>
               <a:ext cx="1582484" cy="369332"/>
             </a:xfrm>
             <a:prstGeom prst="rect">
@@ -5577,7 +5713,9 @@
             </a:prstGeom>
             <a:noFill/>
             <a:ln>
-              <a:noFill/>
+              <a:solidFill>
+                <a:schemeClr val="bg1"/>
+              </a:solidFill>
             </a:ln>
           </p:spPr>
           <p:txBody>
@@ -5620,6 +5758,11 @@
               <a:avLst/>
             </a:prstGeom>
             <a:noFill/>
+            <a:ln>
+              <a:solidFill>
+                <a:schemeClr val="bg1"/>
+              </a:solidFill>
+            </a:ln>
           </p:spPr>
           <p:txBody>
             <a:bodyPr wrap="none" rtlCol="0">
@@ -5660,170 +5803,6 @@
             </a:p>
           </p:txBody>
         </p:sp>
-        <p:cxnSp>
-          <p:nvCxnSpPr>
-            <p:cNvPr id="40" name="直接箭头连接符 39">
-              <a:extLst>
-                <a:ext uri="{FF2B5EF4-FFF2-40B4-BE49-F238E27FC236}">
-                  <a16:creationId xmlns:a16="http://schemas.microsoft.com/office/drawing/2014/main" id="{C0695004-D1E8-4C26-A076-F88E1DC0B230}"/>
-                </a:ext>
-              </a:extLst>
-            </p:cNvPr>
-            <p:cNvCxnSpPr>
-              <a:stCxn id="8" idx="0"/>
-              <a:endCxn id="7" idx="2"/>
-            </p:cNvCxnSpPr>
-            <p:nvPr/>
-          </p:nvCxnSpPr>
-          <p:spPr>
-            <a:xfrm flipV="1">
-              <a:off x="4914479" y="2623622"/>
-              <a:ext cx="1" cy="1076959"/>
-            </a:xfrm>
-            <a:prstGeom prst="straightConnector1">
-              <a:avLst/>
-            </a:prstGeom>
-            <a:solidFill>
-              <a:schemeClr val="bg1"/>
-            </a:solidFill>
-            <a:ln>
-              <a:solidFill>
-                <a:schemeClr val="bg1"/>
-              </a:solidFill>
-              <a:tailEnd type="triangle"/>
-            </a:ln>
-          </p:spPr>
-          <p:style>
-            <a:lnRef idx="1">
-              <a:schemeClr val="dk1"/>
-            </a:lnRef>
-            <a:fillRef idx="0">
-              <a:schemeClr val="dk1"/>
-            </a:fillRef>
-            <a:effectRef idx="0">
-              <a:schemeClr val="dk1"/>
-            </a:effectRef>
-            <a:fontRef idx="minor">
-              <a:schemeClr val="tx1"/>
-            </a:fontRef>
-          </p:style>
-        </p:cxnSp>
-        <p:sp>
-          <p:nvSpPr>
-            <p:cNvPr id="43" name="文本框 42">
-              <a:extLst>
-                <a:ext uri="{FF2B5EF4-FFF2-40B4-BE49-F238E27FC236}">
-                  <a16:creationId xmlns:a16="http://schemas.microsoft.com/office/drawing/2014/main" id="{2D9F72D4-0E79-42DB-8A09-0BADA88EE3D1}"/>
-                </a:ext>
-              </a:extLst>
-            </p:cNvPr>
-            <p:cNvSpPr txBox="1"/>
-            <p:nvPr/>
-          </p:nvSpPr>
-          <p:spPr>
-            <a:xfrm>
-              <a:off x="4914478" y="2655753"/>
-              <a:ext cx="1056700" cy="923330"/>
-            </a:xfrm>
-            <a:prstGeom prst="rect">
-              <a:avLst/>
-            </a:prstGeom>
-            <a:noFill/>
-            <a:ln>
-              <a:noFill/>
-            </a:ln>
-          </p:spPr>
-          <p:txBody>
-            <a:bodyPr wrap="none" rtlCol="0">
-              <a:spAutoFit/>
-            </a:bodyPr>
-            <a:lstStyle/>
-            <a:p>
-              <a:r>
-                <a:rPr lang="en-US" altLang="zh-CN" dirty="0">
-                  <a:solidFill>
-                    <a:schemeClr val="bg1"/>
-                  </a:solidFill>
-                  <a:latin typeface="Arial" panose="020B0604020202020204" pitchFamily="34" charset="0"/>
-                  <a:cs typeface="Arial" panose="020B0604020202020204" pitchFamily="34" charset="0"/>
-                </a:rPr>
-                <a:t>Transfer</a:t>
-              </a:r>
-            </a:p>
-            <a:p>
-              <a:r>
-                <a:rPr lang="en-US" altLang="zh-CN" dirty="0">
-                  <a:solidFill>
-                    <a:schemeClr val="bg1"/>
-                  </a:solidFill>
-                  <a:latin typeface="Arial" panose="020B0604020202020204" pitchFamily="34" charset="0"/>
-                  <a:cs typeface="Arial" panose="020B0604020202020204" pitchFamily="34" charset="0"/>
-                </a:rPr>
-                <a:t>Mint</a:t>
-              </a:r>
-            </a:p>
-            <a:p>
-              <a:r>
-                <a:rPr lang="en-US" altLang="zh-CN" dirty="0">
-                  <a:solidFill>
-                    <a:schemeClr val="bg1"/>
-                  </a:solidFill>
-                  <a:latin typeface="Arial" panose="020B0604020202020204" pitchFamily="34" charset="0"/>
-                  <a:cs typeface="Arial" panose="020B0604020202020204" pitchFamily="34" charset="0"/>
-                </a:rPr>
-                <a:t>Redeem</a:t>
-              </a:r>
-            </a:p>
-          </p:txBody>
-        </p:sp>
-        <p:cxnSp>
-          <p:nvCxnSpPr>
-            <p:cNvPr id="45" name="直接箭头连接符 44">
-              <a:extLst>
-                <a:ext uri="{FF2B5EF4-FFF2-40B4-BE49-F238E27FC236}">
-                  <a16:creationId xmlns:a16="http://schemas.microsoft.com/office/drawing/2014/main" id="{FC216CE8-9EC0-44C8-988A-E67AF101160B}"/>
-                </a:ext>
-              </a:extLst>
-            </p:cNvPr>
-            <p:cNvCxnSpPr>
-              <a:stCxn id="7" idx="3"/>
-              <a:endCxn id="9" idx="1"/>
-            </p:cNvCxnSpPr>
-            <p:nvPr/>
-          </p:nvCxnSpPr>
-          <p:spPr>
-            <a:xfrm>
-              <a:off x="5892185" y="2191041"/>
-              <a:ext cx="1094860" cy="0"/>
-            </a:xfrm>
-            <a:prstGeom prst="straightConnector1">
-              <a:avLst/>
-            </a:prstGeom>
-            <a:solidFill>
-              <a:schemeClr val="bg1"/>
-            </a:solidFill>
-            <a:ln>
-              <a:solidFill>
-                <a:schemeClr val="bg1"/>
-              </a:solidFill>
-              <a:tailEnd type="triangle"/>
-            </a:ln>
-          </p:spPr>
-          <p:style>
-            <a:lnRef idx="1">
-              <a:schemeClr val="dk1"/>
-            </a:lnRef>
-            <a:fillRef idx="0">
-              <a:schemeClr val="dk1"/>
-            </a:fillRef>
-            <a:effectRef idx="0">
-              <a:schemeClr val="dk1"/>
-            </a:effectRef>
-            <a:fontRef idx="minor">
-              <a:schemeClr val="tx1"/>
-            </a:fontRef>
-          </p:style>
-        </p:cxnSp>
         <p:sp>
           <p:nvSpPr>
             <p:cNvPr id="48" name="文本框 47">
@@ -5838,7 +5817,7 @@
           </p:nvSpPr>
           <p:spPr>
             <a:xfrm>
-              <a:off x="5956067" y="1593218"/>
+              <a:off x="5930345" y="2198457"/>
               <a:ext cx="1056700" cy="923330"/>
             </a:xfrm>
             <a:prstGeom prst="rect">
@@ -5846,7 +5825,9 @@
             </a:prstGeom>
             <a:noFill/>
             <a:ln>
-              <a:noFill/>
+              <a:solidFill>
+                <a:schemeClr val="bg1"/>
+              </a:solidFill>
             </a:ln>
           </p:spPr>
           <p:txBody>
@@ -5913,6 +5894,11 @@
               <a:avLst/>
             </a:prstGeom>
             <a:noFill/>
+            <a:ln>
+              <a:solidFill>
+                <a:schemeClr val="bg1"/>
+              </a:solidFill>
+            </a:ln>
           </p:spPr>
           <p:txBody>
             <a:bodyPr wrap="none" rtlCol="0">
@@ -6230,10 +6216,146 @@
           </p:txBody>
         </p:sp>
       </p:grpSp>
+      <p:cxnSp>
+        <p:nvCxnSpPr>
+          <p:cNvPr id="33" name="连接符: 肘形 32">
+            <a:extLst>
+              <a:ext uri="{FF2B5EF4-FFF2-40B4-BE49-F238E27FC236}">
+                <a16:creationId xmlns:a16="http://schemas.microsoft.com/office/drawing/2014/main" id="{098AD45F-AF8B-4B74-A9D4-99DE4E87CDB5}"/>
+              </a:ext>
+            </a:extLst>
+          </p:cNvPr>
+          <p:cNvCxnSpPr>
+            <a:cxnSpLocks/>
+            <a:stCxn id="4" idx="6"/>
+            <a:endCxn id="8" idx="0"/>
+          </p:cNvCxnSpPr>
+          <p:nvPr/>
+        </p:nvCxnSpPr>
+        <p:spPr>
+          <a:xfrm>
+            <a:off x="1964654" y="2386419"/>
+            <a:ext cx="2930729" cy="687754"/>
+          </a:xfrm>
+          <a:prstGeom prst="bentConnector2">
+            <a:avLst/>
+          </a:prstGeom>
+          <a:ln>
+            <a:solidFill>
+              <a:schemeClr val="bg1"/>
+            </a:solidFill>
+            <a:tailEnd type="triangle"/>
+          </a:ln>
+        </p:spPr>
+        <p:style>
+          <a:lnRef idx="1">
+            <a:schemeClr val="dk1"/>
+          </a:lnRef>
+          <a:fillRef idx="0">
+            <a:schemeClr val="dk1"/>
+          </a:fillRef>
+          <a:effectRef idx="0">
+            <a:schemeClr val="dk1"/>
+          </a:effectRef>
+          <a:fontRef idx="minor">
+            <a:schemeClr val="tx1"/>
+          </a:fontRef>
+        </p:style>
+      </p:cxnSp>
+      <p:cxnSp>
+        <p:nvCxnSpPr>
+          <p:cNvPr id="36" name="连接符: 肘形 35">
+            <a:extLst>
+              <a:ext uri="{FF2B5EF4-FFF2-40B4-BE49-F238E27FC236}">
+                <a16:creationId xmlns:a16="http://schemas.microsoft.com/office/drawing/2014/main" id="{AD784253-2D17-429C-AF32-B5F69BE90057}"/>
+              </a:ext>
+            </a:extLst>
+          </p:cNvPr>
+          <p:cNvCxnSpPr>
+            <a:stCxn id="6" idx="6"/>
+            <a:endCxn id="8" idx="2"/>
+          </p:cNvCxnSpPr>
+          <p:nvPr/>
+        </p:nvCxnSpPr>
+        <p:spPr>
+          <a:xfrm flipV="1">
+            <a:off x="1964654" y="3939336"/>
+            <a:ext cx="2930729" cy="407963"/>
+          </a:xfrm>
+          <a:prstGeom prst="bentConnector2">
+            <a:avLst/>
+          </a:prstGeom>
+          <a:ln>
+            <a:solidFill>
+              <a:schemeClr val="bg1"/>
+            </a:solidFill>
+            <a:tailEnd type="triangle"/>
+          </a:ln>
+        </p:spPr>
+        <p:style>
+          <a:lnRef idx="1">
+            <a:schemeClr val="dk1"/>
+          </a:lnRef>
+          <a:fillRef idx="0">
+            <a:schemeClr val="dk1"/>
+          </a:fillRef>
+          <a:effectRef idx="0">
+            <a:schemeClr val="dk1"/>
+          </a:effectRef>
+          <a:fontRef idx="minor">
+            <a:schemeClr val="tx1"/>
+          </a:fontRef>
+        </p:style>
+      </p:cxnSp>
+      <p:cxnSp>
+        <p:nvCxnSpPr>
+          <p:cNvPr id="39" name="连接符: 肘形 38">
+            <a:extLst>
+              <a:ext uri="{FF2B5EF4-FFF2-40B4-BE49-F238E27FC236}">
+                <a16:creationId xmlns:a16="http://schemas.microsoft.com/office/drawing/2014/main" id="{9B05B99D-7973-4ED9-9D32-DCABAE89326C}"/>
+              </a:ext>
+            </a:extLst>
+          </p:cNvPr>
+          <p:cNvCxnSpPr>
+            <a:stCxn id="8" idx="3"/>
+            <a:endCxn id="9" idx="1"/>
+          </p:cNvCxnSpPr>
+          <p:nvPr/>
+        </p:nvCxnSpPr>
+        <p:spPr>
+          <a:xfrm flipV="1">
+            <a:off x="5873088" y="2398539"/>
+            <a:ext cx="1062376" cy="1108216"/>
+          </a:xfrm>
+          <a:prstGeom prst="bentConnector3">
+            <a:avLst/>
+          </a:prstGeom>
+          <a:ln>
+            <a:solidFill>
+              <a:schemeClr val="bg1"/>
+            </a:solidFill>
+            <a:tailEnd type="triangle"/>
+          </a:ln>
+        </p:spPr>
+        <p:style>
+          <a:lnRef idx="1">
+            <a:schemeClr val="dk1"/>
+          </a:lnRef>
+          <a:fillRef idx="0">
+            <a:schemeClr val="dk1"/>
+          </a:fillRef>
+          <a:effectRef idx="0">
+            <a:schemeClr val="dk1"/>
+          </a:effectRef>
+          <a:fontRef idx="minor">
+            <a:schemeClr val="tx1"/>
+          </a:fontRef>
+        </p:style>
+      </p:cxnSp>
     </p:spTree>
     <p:extLst>
       <p:ext uri="{BB962C8B-B14F-4D97-AF65-F5344CB8AC3E}">
-        <p14:creationId xmlns:p14="http://schemas.microsoft.com/office/powerpoint/2010/main" val="1836381767"/>
+        <p14:creationId xmlns:p14="http://schemas.microsoft.com/office/powerpoint/2010/main" val="3346173413"/>
       </p:ext>
     </p:extLst>
   </p:cSld>
@@ -6536,4 +6658,299 @@
     </a:ext>
   </a:extLst>
 </a:theme>
+</file>
+
+<file path=ppt/theme/theme2.xml><?xml version="1.0" encoding="utf-8"?>
+<a:theme xmlns:a="http://schemas.openxmlformats.org/drawingml/2006/main" name="Office 主题​​">
+  <a:themeElements>
+    <a:clrScheme name="Office">
+      <a:dk1>
+        <a:sysClr val="windowText" lastClr="000000"/>
+      </a:dk1>
+      <a:lt1>
+        <a:sysClr val="window" lastClr="FFFFFF"/>
+      </a:lt1>
+      <a:dk2>
+        <a:srgbClr val="44546A"/>
+      </a:dk2>
+      <a:lt2>
+        <a:srgbClr val="E7E6E6"/>
+      </a:lt2>
+      <a:accent1>
+        <a:srgbClr val="4472C4"/>
+      </a:accent1>
+      <a:accent2>
+        <a:srgbClr val="ED7D31"/>
+      </a:accent2>
+      <a:accent3>
+        <a:srgbClr val="A5A5A5"/>
+      </a:accent3>
+      <a:accent4>
+        <a:srgbClr val="FFC000"/>
+      </a:accent4>
+      <a:accent5>
+        <a:srgbClr val="5B9BD5"/>
+      </a:accent5>
+      <a:accent6>
+        <a:srgbClr val="70AD47"/>
+      </a:accent6>
+      <a:hlink>
+        <a:srgbClr val="0563C1"/>
+      </a:hlink>
+      <a:folHlink>
+        <a:srgbClr val="954F72"/>
+      </a:folHlink>
+    </a:clrScheme>
+    <a:fontScheme name="Office">
+      <a:majorFont>
+        <a:latin typeface="等线 Light" panose="020F0302020204030204"/>
+        <a:ea typeface=""/>
+        <a:cs typeface=""/>
+        <a:font script="Jpan" typeface="游ゴシック Light"/>
+        <a:font script="Hang" typeface="맑은 고딕"/>
+        <a:font script="Hans" typeface="等线 Light"/>
+        <a:font script="Hant" typeface="新細明體"/>
+        <a:font script="Arab" typeface="Times New Roman"/>
+        <a:font script="Hebr" typeface="Times New Roman"/>
+        <a:font script="Thai" typeface="Angsana New"/>
+        <a:font script="Ethi" typeface="Nyala"/>
+        <a:font script="Beng" typeface="Vrinda"/>
+        <a:font script="Gujr" typeface="Shruti"/>
+        <a:font script="Khmr" typeface="MoolBoran"/>
+        <a:font script="Knda" typeface="Tunga"/>
+        <a:font script="Guru" typeface="Raavi"/>
+        <a:font script="Cans" typeface="Euphemia"/>
+        <a:font script="Cher" typeface="Plantagenet Cherokee"/>
+        <a:font script="Yiii" typeface="Microsoft Yi Baiti"/>
+        <a:font script="Tibt" typeface="Microsoft Himalaya"/>
+        <a:font script="Thaa" typeface="MV Boli"/>
+        <a:font script="Deva" typeface="Mangal"/>
+        <a:font script="Telu" typeface="Gautami"/>
+        <a:font script="Taml" typeface="Latha"/>
+        <a:font script="Syrc" typeface="Estrangelo Edessa"/>
+        <a:font script="Orya" typeface="Kalinga"/>
+        <a:font script="Mlym" typeface="Kartika"/>
+        <a:font script="Laoo" typeface="DokChampa"/>
+        <a:font script="Sinh" typeface="Iskoola Pota"/>
+        <a:font script="Mong" typeface="Mongolian Baiti"/>
+        <a:font script="Viet" typeface="Times New Roman"/>
+        <a:font script="Uigh" typeface="Microsoft Uighur"/>
+        <a:font script="Geor" typeface="Sylfaen"/>
+        <a:font script="Armn" typeface="Arial"/>
+        <a:font script="Bugi" typeface="Leelawadee UI"/>
+        <a:font script="Bopo" typeface="Microsoft JhengHei"/>
+        <a:font script="Java" typeface="Javanese Text"/>
+        <a:font script="Lisu" typeface="Segoe UI"/>
+        <a:font script="Mymr" typeface="Myanmar Text"/>
+        <a:font script="Nkoo" typeface="Ebrima"/>
+        <a:font script="Olck" typeface="Nirmala UI"/>
+        <a:font script="Osma" typeface="Ebrima"/>
+        <a:font script="Phag" typeface="Phagspa"/>
+        <a:font script="Syrn" typeface="Estrangelo Edessa"/>
+        <a:font script="Syrj" typeface="Estrangelo Edessa"/>
+        <a:font script="Syre" typeface="Estrangelo Edessa"/>
+        <a:font script="Sora" typeface="Nirmala UI"/>
+        <a:font script="Tale" typeface="Microsoft Tai Le"/>
+        <a:font script="Talu" typeface="Microsoft New Tai Lue"/>
+        <a:font script="Tfng" typeface="Ebrima"/>
+      </a:majorFont>
+      <a:minorFont>
+        <a:latin typeface="等线" panose="020F0502020204030204"/>
+        <a:ea typeface=""/>
+        <a:cs typeface=""/>
+        <a:font script="Jpan" typeface="游ゴシック"/>
+        <a:font script="Hang" typeface="맑은 고딕"/>
+        <a:font script="Hans" typeface="等线"/>
+        <a:font script="Hant" typeface="新細明體"/>
+        <a:font script="Arab" typeface="Arial"/>
+        <a:font script="Hebr" typeface="Arial"/>
+        <a:font script="Thai" typeface="Cordia New"/>
+        <a:font script="Ethi" typeface="Nyala"/>
+        <a:font script="Beng" typeface="Vrinda"/>
+        <a:font script="Gujr" typeface="Shruti"/>
+        <a:font script="Khmr" typeface="DaunPenh"/>
+        <a:font script="Knda" typeface="Tunga"/>
+        <a:font script="Guru" typeface="Raavi"/>
+        <a:font script="Cans" typeface="Euphemia"/>
+        <a:font script="Cher" typeface="Plantagenet Cherokee"/>
+        <a:font script="Yiii" typeface="Microsoft Yi Baiti"/>
+        <a:font script="Tibt" typeface="Microsoft Himalaya"/>
+        <a:font script="Thaa" typeface="MV Boli"/>
+        <a:font script="Deva" typeface="Mangal"/>
+        <a:font script="Telu" typeface="Gautami"/>
+        <a:font script="Taml" typeface="Latha"/>
+        <a:font script="Syrc" typeface="Estrangelo Edessa"/>
+        <a:font script="Orya" typeface="Kalinga"/>
+        <a:font script="Mlym" typeface="Kartika"/>
+        <a:font script="Laoo" typeface="DokChampa"/>
+        <a:font script="Sinh" typeface="Iskoola Pota"/>
+        <a:font script="Mong" typeface="Mongolian Baiti"/>
+        <a:font script="Viet" typeface="Arial"/>
+        <a:font script="Uigh" typeface="Microsoft Uighur"/>
+        <a:font script="Geor" typeface="Sylfaen"/>
+        <a:font script="Armn" typeface="Arial"/>
+        <a:font script="Bugi" typeface="Leelawadee UI"/>
+        <a:font script="Bopo" typeface="Microsoft JhengHei"/>
+        <a:font script="Java" typeface="Javanese Text"/>
+        <a:font script="Lisu" typeface="Segoe UI"/>
+        <a:font script="Mymr" typeface="Myanmar Text"/>
+        <a:font script="Nkoo" typeface="Ebrima"/>
+        <a:font script="Olck" typeface="Nirmala UI"/>
+        <a:font script="Osma" typeface="Ebrima"/>
+        <a:font script="Phag" typeface="Phagspa"/>
+        <a:font script="Syrn" typeface="Estrangelo Edessa"/>
+        <a:font script="Syrj" typeface="Estrangelo Edessa"/>
+        <a:font script="Syre" typeface="Estrangelo Edessa"/>
+        <a:font script="Sora" typeface="Nirmala UI"/>
+        <a:font script="Tale" typeface="Microsoft Tai Le"/>
+        <a:font script="Talu" typeface="Microsoft New Tai Lue"/>
+        <a:font script="Tfng" typeface="Ebrima"/>
+      </a:minorFont>
+    </a:fontScheme>
+    <a:fmtScheme name="Office">
+      <a:fillStyleLst>
+        <a:solidFill>
+          <a:schemeClr val="phClr"/>
+        </a:solidFill>
+        <a:gradFill rotWithShape="1">
+          <a:gsLst>
+            <a:gs pos="0">
+              <a:schemeClr val="phClr">
+                <a:lumMod val="110000"/>
+                <a:satMod val="105000"/>
+                <a:tint val="67000"/>
+              </a:schemeClr>
+            </a:gs>
+            <a:gs pos="50000">
+              <a:schemeClr val="phClr">
+                <a:lumMod val="105000"/>
+                <a:satMod val="103000"/>
+                <a:tint val="73000"/>
+              </a:schemeClr>
+            </a:gs>
+            <a:gs pos="100000">
+              <a:schemeClr val="phClr">
+                <a:lumMod val="105000"/>
+                <a:satMod val="109000"/>
+                <a:tint val="81000"/>
+              </a:schemeClr>
+            </a:gs>
+          </a:gsLst>
+          <a:lin ang="5400000" scaled="0"/>
+        </a:gradFill>
+        <a:gradFill rotWithShape="1">
+          <a:gsLst>
+            <a:gs pos="0">
+              <a:schemeClr val="phClr">
+                <a:satMod val="103000"/>
+                <a:lumMod val="102000"/>
+                <a:tint val="94000"/>
+              </a:schemeClr>
+            </a:gs>
+            <a:gs pos="50000">
+              <a:schemeClr val="phClr">
+                <a:satMod val="110000"/>
+                <a:lumMod val="100000"/>
+                <a:shade val="100000"/>
+              </a:schemeClr>
+            </a:gs>
+            <a:gs pos="100000">
+              <a:schemeClr val="phClr">
+                <a:lumMod val="99000"/>
+                <a:satMod val="120000"/>
+                <a:shade val="78000"/>
+              </a:schemeClr>
+            </a:gs>
+          </a:gsLst>
+          <a:lin ang="5400000" scaled="0"/>
+        </a:gradFill>
+      </a:fillStyleLst>
+      <a:lnStyleLst>
+        <a:ln w="6350" cap="flat" cmpd="sng" algn="ctr">
+          <a:solidFill>
+            <a:schemeClr val="phClr"/>
+          </a:solidFill>
+          <a:prstDash val="solid"/>
+          <a:miter lim="800000"/>
+        </a:ln>
+        <a:ln w="12700" cap="flat" cmpd="sng" algn="ctr">
+          <a:solidFill>
+            <a:schemeClr val="phClr"/>
+          </a:solidFill>
+          <a:prstDash val="solid"/>
+          <a:miter lim="800000"/>
+        </a:ln>
+        <a:ln w="19050" cap="flat" cmpd="sng" algn="ctr">
+          <a:solidFill>
+            <a:schemeClr val="phClr"/>
+          </a:solidFill>
+          <a:prstDash val="solid"/>
+          <a:miter lim="800000"/>
+        </a:ln>
+      </a:lnStyleLst>
+      <a:effectStyleLst>
+        <a:effectStyle>
+          <a:effectLst/>
+        </a:effectStyle>
+        <a:effectStyle>
+          <a:effectLst/>
+        </a:effectStyle>
+        <a:effectStyle>
+          <a:effectLst>
+            <a:outerShdw blurRad="57150" dist="19050" dir="5400000" algn="ctr" rotWithShape="0">
+              <a:srgbClr val="000000">
+                <a:alpha val="63000"/>
+              </a:srgbClr>
+            </a:outerShdw>
+          </a:effectLst>
+        </a:effectStyle>
+      </a:effectStyleLst>
+      <a:bgFillStyleLst>
+        <a:solidFill>
+          <a:schemeClr val="phClr"/>
+        </a:solidFill>
+        <a:solidFill>
+          <a:schemeClr val="phClr">
+            <a:tint val="95000"/>
+            <a:satMod val="170000"/>
+          </a:schemeClr>
+        </a:solidFill>
+        <a:gradFill rotWithShape="1">
+          <a:gsLst>
+            <a:gs pos="0">
+              <a:schemeClr val="phClr">
+                <a:tint val="93000"/>
+                <a:satMod val="150000"/>
+                <a:shade val="98000"/>
+                <a:lumMod val="102000"/>
+              </a:schemeClr>
+            </a:gs>
+            <a:gs pos="50000">
+              <a:schemeClr val="phClr">
+                <a:tint val="98000"/>
+                <a:satMod val="130000"/>
+                <a:shade val="90000"/>
+                <a:lumMod val="103000"/>
+              </a:schemeClr>
+            </a:gs>
+            <a:gs pos="100000">
+              <a:schemeClr val="phClr">
+                <a:shade val="63000"/>
+                <a:satMod val="120000"/>
+              </a:schemeClr>
+            </a:gs>
+          </a:gsLst>
+          <a:lin ang="5400000" scaled="0"/>
+        </a:gradFill>
+      </a:bgFillStyleLst>
+    </a:fmtScheme>
+  </a:themeElements>
+  <a:objectDefaults/>
+  <a:extraClrSchemeLst/>
+  <a:extLst>
+    <a:ext uri="{05A4C25C-085E-4340-85A3-A5531E510DB2}">
+      <thm15:themeFamily xmlns:thm15="http://schemas.microsoft.com/office/thememl/2012/main" name="Office Theme" id="{62F939B6-93AF-4DB8-9C6B-D6C7DFDC589F}" vid="{4A3C46E8-61CC-4603-A589-7422A47A8E4A}"/>
+    </a:ext>
+  </a:extLst>
+</a:theme>
 </file>
--- a/en/asset/mai-arch.pptx
+++ b/en/asset/mai-arch.pptx
@@ -3765,10 +3765,10 @@
       </p:grpSpPr>
       <p:grpSp>
         <p:nvGrpSpPr>
-          <p:cNvPr id="2" name="组合 1">
+          <p:cNvPr id="3" name="组合 2">
             <a:extLst>
               <a:ext uri="{FF2B5EF4-FFF2-40B4-BE49-F238E27FC236}">
-                <a16:creationId xmlns:a16="http://schemas.microsoft.com/office/drawing/2014/main" id="{A50B6FF4-74B8-4A9B-B0A5-2B9C077D8139}"/>
+                <a16:creationId xmlns:a16="http://schemas.microsoft.com/office/drawing/2014/main" id="{47FD193B-4EE7-4D29-8073-1EEE3CA4A66B}"/>
               </a:ext>
             </a:extLst>
           </p:cNvPr>
@@ -3779,490 +3779,1097 @@
           <a:xfrm>
             <a:off x="440788" y="559190"/>
             <a:ext cx="11310424" cy="5739619"/>
-            <a:chOff x="492369" y="351692"/>
+            <a:chOff x="440788" y="559190"/>
             <a:chExt cx="11310424" cy="5739619"/>
           </a:xfrm>
-          <a:noFill/>
         </p:grpSpPr>
-        <p:sp>
-          <p:nvSpPr>
-            <p:cNvPr id="22" name="矩形: 圆角 21">
+        <p:grpSp>
+          <p:nvGrpSpPr>
+            <p:cNvPr id="2" name="组合 1">
               <a:extLst>
                 <a:ext uri="{FF2B5EF4-FFF2-40B4-BE49-F238E27FC236}">
-                  <a16:creationId xmlns:a16="http://schemas.microsoft.com/office/drawing/2014/main" id="{E653A227-7A55-41AE-B26A-C3ABB8F6705F}"/>
+                  <a16:creationId xmlns:a16="http://schemas.microsoft.com/office/drawing/2014/main" id="{A50B6FF4-74B8-4A9B-B0A5-2B9C077D8139}"/>
                 </a:ext>
               </a:extLst>
             </p:cNvPr>
-            <p:cNvSpPr/>
+            <p:cNvGrpSpPr/>
             <p:nvPr/>
-          </p:nvSpPr>
-          <p:spPr>
+          </p:nvGrpSpPr>
+          <p:grpSpPr>
             <a:xfrm>
-              <a:off x="3709353" y="1028239"/>
-              <a:ext cx="5561247" cy="4206240"/>
+              <a:off x="440788" y="559190"/>
+              <a:ext cx="11310424" cy="5739619"/>
+              <a:chOff x="492369" y="351692"/>
+              <a:chExt cx="11310424" cy="5739619"/>
             </a:xfrm>
-            <a:prstGeom prst="roundRect">
-              <a:avLst>
-                <a:gd name="adj" fmla="val 12988"/>
-              </a:avLst>
-            </a:prstGeom>
-            <a:grpFill/>
-            <a:ln>
-              <a:solidFill>
-                <a:schemeClr val="tx1"/>
-              </a:solidFill>
-            </a:ln>
-          </p:spPr>
-          <p:style>
-            <a:lnRef idx="2">
-              <a:schemeClr val="accent1">
-                <a:shade val="50000"/>
-              </a:schemeClr>
-            </a:lnRef>
-            <a:fillRef idx="1">
-              <a:schemeClr val="accent1"/>
-            </a:fillRef>
-            <a:effectRef idx="0">
-              <a:schemeClr val="accent1"/>
-            </a:effectRef>
-            <a:fontRef idx="minor">
-              <a:schemeClr val="lt1"/>
-            </a:fontRef>
-          </p:style>
-          <p:txBody>
-            <a:bodyPr rtlCol="0" anchor="ctr"/>
-            <a:lstStyle/>
-            <a:p>
-              <a:pPr algn="ctr"/>
-              <a:endParaRPr lang="zh-CN" altLang="en-US" dirty="0">
-                <a:latin typeface="Arial" panose="020B0604020202020204" pitchFamily="34" charset="0"/>
-                <a:cs typeface="Arial" panose="020B0604020202020204" pitchFamily="34" charset="0"/>
-              </a:endParaRPr>
-            </a:p>
-          </p:txBody>
-        </p:sp>
-        <p:sp>
-          <p:nvSpPr>
-            <p:cNvPr id="4" name="椭圆 3">
-              <a:extLst>
-                <a:ext uri="{FF2B5EF4-FFF2-40B4-BE49-F238E27FC236}">
-                  <a16:creationId xmlns:a16="http://schemas.microsoft.com/office/drawing/2014/main" id="{5078006F-1272-4C97-A568-5488F526E11F}"/>
-                </a:ext>
-              </a:extLst>
-            </p:cNvPr>
-            <p:cNvSpPr/>
-            <p:nvPr/>
-          </p:nvSpPr>
-          <p:spPr>
-            <a:xfrm>
-              <a:off x="492369" y="1746339"/>
-              <a:ext cx="1523866" cy="865163"/>
-            </a:xfrm>
-            <a:prstGeom prst="ellipse">
-              <a:avLst/>
-            </a:prstGeom>
-            <a:grpFill/>
-          </p:spPr>
-          <p:style>
-            <a:lnRef idx="2">
-              <a:schemeClr val="dk1"/>
-            </a:lnRef>
-            <a:fillRef idx="1">
-              <a:schemeClr val="lt1"/>
-            </a:fillRef>
-            <a:effectRef idx="0">
-              <a:schemeClr val="dk1"/>
-            </a:effectRef>
-            <a:fontRef idx="minor">
-              <a:schemeClr val="dk1"/>
-            </a:fontRef>
-          </p:style>
-          <p:txBody>
-            <a:bodyPr rtlCol="0" anchor="ctr"/>
-            <a:lstStyle/>
-            <a:p>
-              <a:pPr algn="ctr"/>
-              <a:r>
-                <a:rPr lang="en-US" altLang="zh-CN" dirty="0">
+            <a:noFill/>
+          </p:grpSpPr>
+          <p:sp>
+            <p:nvSpPr>
+              <p:cNvPr id="22" name="矩形: 圆角 21">
+                <a:extLst>
+                  <a:ext uri="{FF2B5EF4-FFF2-40B4-BE49-F238E27FC236}">
+                    <a16:creationId xmlns:a16="http://schemas.microsoft.com/office/drawing/2014/main" id="{E653A227-7A55-41AE-B26A-C3ABB8F6705F}"/>
+                  </a:ext>
+                </a:extLst>
+              </p:cNvPr>
+              <p:cNvSpPr/>
+              <p:nvPr/>
+            </p:nvSpPr>
+            <p:spPr>
+              <a:xfrm>
+                <a:off x="3709353" y="1028239"/>
+                <a:ext cx="5561247" cy="4206240"/>
+              </a:xfrm>
+              <a:prstGeom prst="roundRect">
+                <a:avLst>
+                  <a:gd name="adj" fmla="val 12988"/>
+                </a:avLst>
+              </a:prstGeom>
+              <a:grpFill/>
+              <a:ln>
+                <a:solidFill>
+                  <a:schemeClr val="tx1"/>
+                </a:solidFill>
+              </a:ln>
+            </p:spPr>
+            <p:style>
+              <a:lnRef idx="2">
+                <a:schemeClr val="accent1">
+                  <a:shade val="50000"/>
+                </a:schemeClr>
+              </a:lnRef>
+              <a:fillRef idx="1">
+                <a:schemeClr val="accent1"/>
+              </a:fillRef>
+              <a:effectRef idx="0">
+                <a:schemeClr val="accent1"/>
+              </a:effectRef>
+              <a:fontRef idx="minor">
+                <a:schemeClr val="lt1"/>
+              </a:fontRef>
+            </p:style>
+            <p:txBody>
+              <a:bodyPr rtlCol="0" anchor="ctr"/>
+              <a:lstStyle/>
+              <a:p>
+                <a:pPr algn="ctr"/>
+                <a:endParaRPr lang="zh-CN" altLang="en-US" dirty="0">
+                  <a:latin typeface="Arial" panose="020B0604020202020204" pitchFamily="34" charset="0"/>
+                  <a:cs typeface="Arial" panose="020B0604020202020204" pitchFamily="34" charset="0"/>
+                </a:endParaRPr>
+              </a:p>
+            </p:txBody>
+          </p:sp>
+          <p:sp>
+            <p:nvSpPr>
+              <p:cNvPr id="4" name="椭圆 3">
+                <a:extLst>
+                  <a:ext uri="{FF2B5EF4-FFF2-40B4-BE49-F238E27FC236}">
+                    <a16:creationId xmlns:a16="http://schemas.microsoft.com/office/drawing/2014/main" id="{5078006F-1272-4C97-A568-5488F526E11F}"/>
+                  </a:ext>
+                </a:extLst>
+              </p:cNvPr>
+              <p:cNvSpPr/>
+              <p:nvPr/>
+            </p:nvSpPr>
+            <p:spPr>
+              <a:xfrm>
+                <a:off x="492369" y="1746339"/>
+                <a:ext cx="1523866" cy="865163"/>
+              </a:xfrm>
+              <a:prstGeom prst="ellipse">
+                <a:avLst/>
+              </a:prstGeom>
+              <a:grpFill/>
+            </p:spPr>
+            <p:style>
+              <a:lnRef idx="2">
+                <a:schemeClr val="dk1"/>
+              </a:lnRef>
+              <a:fillRef idx="1">
+                <a:schemeClr val="lt1"/>
+              </a:fillRef>
+              <a:effectRef idx="0">
+                <a:schemeClr val="dk1"/>
+              </a:effectRef>
+              <a:fontRef idx="minor">
+                <a:schemeClr val="dk1"/>
+              </a:fontRef>
+            </p:style>
+            <p:txBody>
+              <a:bodyPr rtlCol="0" anchor="ctr"/>
+              <a:lstStyle/>
+              <a:p>
+                <a:pPr algn="ctr"/>
+                <a:r>
+                  <a:rPr lang="en-US" altLang="zh-CN" dirty="0">
+                    <a:latin typeface="Arial" panose="020B0604020202020204" pitchFamily="34" charset="0"/>
+                    <a:ea typeface="微软雅黑" panose="020B0503020204020204" pitchFamily="34" charset="-122"/>
+                    <a:cs typeface="Arial" panose="020B0604020202020204" pitchFamily="34" charset="0"/>
+                  </a:rPr>
+                  <a:t>Traders</a:t>
+                </a:r>
+                <a:endParaRPr lang="zh-CN" altLang="en-US" dirty="0">
                   <a:latin typeface="Arial" panose="020B0604020202020204" pitchFamily="34" charset="0"/>
                   <a:ea typeface="微软雅黑" panose="020B0503020204020204" pitchFamily="34" charset="-122"/>
                   <a:cs typeface="Arial" panose="020B0604020202020204" pitchFamily="34" charset="0"/>
-                </a:rPr>
-                <a:t>Traders</a:t>
-              </a:r>
-              <a:endParaRPr lang="zh-CN" altLang="en-US" dirty="0">
-                <a:latin typeface="Arial" panose="020B0604020202020204" pitchFamily="34" charset="0"/>
-                <a:ea typeface="微软雅黑" panose="020B0503020204020204" pitchFamily="34" charset="-122"/>
-                <a:cs typeface="Arial" panose="020B0604020202020204" pitchFamily="34" charset="0"/>
-              </a:endParaRPr>
-            </a:p>
-          </p:txBody>
-        </p:sp>
-        <p:sp>
-          <p:nvSpPr>
-            <p:cNvPr id="6" name="椭圆 5">
-              <a:extLst>
-                <a:ext uri="{FF2B5EF4-FFF2-40B4-BE49-F238E27FC236}">
-                  <a16:creationId xmlns:a16="http://schemas.microsoft.com/office/drawing/2014/main" id="{DFE8BB6D-944B-47D8-A989-9A77B2AF67DE}"/>
-                </a:ext>
-              </a:extLst>
-            </p:cNvPr>
-            <p:cNvSpPr/>
-            <p:nvPr/>
-          </p:nvSpPr>
-          <p:spPr>
-            <a:xfrm>
-              <a:off x="492369" y="3707219"/>
-              <a:ext cx="1523866" cy="865163"/>
-            </a:xfrm>
-            <a:prstGeom prst="ellipse">
-              <a:avLst/>
-            </a:prstGeom>
-            <a:grpFill/>
-          </p:spPr>
-          <p:style>
-            <a:lnRef idx="2">
-              <a:schemeClr val="dk1"/>
-            </a:lnRef>
-            <a:fillRef idx="1">
-              <a:schemeClr val="lt1"/>
-            </a:fillRef>
-            <a:effectRef idx="0">
-              <a:schemeClr val="dk1"/>
-            </a:effectRef>
-            <a:fontRef idx="minor">
-              <a:schemeClr val="dk1"/>
-            </a:fontRef>
-          </p:style>
-          <p:txBody>
-            <a:bodyPr rtlCol="0" anchor="ctr"/>
-            <a:lstStyle/>
-            <a:p>
-              <a:pPr algn="ctr"/>
-              <a:r>
-                <a:rPr lang="en-US" altLang="zh-CN" dirty="0" err="1">
+                </a:endParaRPr>
+              </a:p>
+            </p:txBody>
+          </p:sp>
+          <p:sp>
+            <p:nvSpPr>
+              <p:cNvPr id="6" name="椭圆 5">
+                <a:extLst>
+                  <a:ext uri="{FF2B5EF4-FFF2-40B4-BE49-F238E27FC236}">
+                    <a16:creationId xmlns:a16="http://schemas.microsoft.com/office/drawing/2014/main" id="{DFE8BB6D-944B-47D8-A989-9A77B2AF67DE}"/>
+                  </a:ext>
+                </a:extLst>
+              </p:cNvPr>
+              <p:cNvSpPr/>
+              <p:nvPr/>
+            </p:nvSpPr>
+            <p:spPr>
+              <a:xfrm>
+                <a:off x="492369" y="3707219"/>
+                <a:ext cx="1523866" cy="865163"/>
+              </a:xfrm>
+              <a:prstGeom prst="ellipse">
+                <a:avLst/>
+              </a:prstGeom>
+              <a:grpFill/>
+            </p:spPr>
+            <p:style>
+              <a:lnRef idx="2">
+                <a:schemeClr val="dk1"/>
+              </a:lnRef>
+              <a:fillRef idx="1">
+                <a:schemeClr val="lt1"/>
+              </a:fillRef>
+              <a:effectRef idx="0">
+                <a:schemeClr val="dk1"/>
+              </a:effectRef>
+              <a:fontRef idx="minor">
+                <a:schemeClr val="dk1"/>
+              </a:fontRef>
+            </p:style>
+            <p:txBody>
+              <a:bodyPr rtlCol="0" anchor="ctr"/>
+              <a:lstStyle/>
+              <a:p>
+                <a:pPr algn="ctr"/>
+                <a:r>
+                  <a:rPr lang="en-US" altLang="zh-CN" dirty="0" err="1">
+                    <a:latin typeface="Arial" panose="020B0604020202020204" pitchFamily="34" charset="0"/>
+                    <a:ea typeface="微软雅黑" panose="020B0503020204020204" pitchFamily="34" charset="-122"/>
+                    <a:cs typeface="Arial" panose="020B0604020202020204" pitchFamily="34" charset="0"/>
+                  </a:rPr>
+                  <a:t>Relayer</a:t>
+                </a:r>
+                <a:endParaRPr lang="zh-CN" altLang="en-US" dirty="0">
                   <a:latin typeface="Arial" panose="020B0604020202020204" pitchFamily="34" charset="0"/>
                   <a:ea typeface="微软雅黑" panose="020B0503020204020204" pitchFamily="34" charset="-122"/>
                   <a:cs typeface="Arial" panose="020B0604020202020204" pitchFamily="34" charset="0"/>
-                </a:rPr>
-                <a:t>Relayer</a:t>
-              </a:r>
-              <a:endParaRPr lang="zh-CN" altLang="en-US" dirty="0">
-                <a:latin typeface="Arial" panose="020B0604020202020204" pitchFamily="34" charset="0"/>
-                <a:ea typeface="微软雅黑" panose="020B0503020204020204" pitchFamily="34" charset="-122"/>
-                <a:cs typeface="Arial" panose="020B0604020202020204" pitchFamily="34" charset="0"/>
-              </a:endParaRPr>
-            </a:p>
-          </p:txBody>
-        </p:sp>
-        <p:sp>
-          <p:nvSpPr>
-            <p:cNvPr id="8" name="矩形 7">
-              <a:extLst>
-                <a:ext uri="{FF2B5EF4-FFF2-40B4-BE49-F238E27FC236}">
-                  <a16:creationId xmlns:a16="http://schemas.microsoft.com/office/drawing/2014/main" id="{A9E9D41C-A2BD-4393-81B9-C711573B3A84}"/>
-                </a:ext>
-              </a:extLst>
-            </p:cNvPr>
-            <p:cNvSpPr/>
-            <p:nvPr/>
-          </p:nvSpPr>
-          <p:spPr>
-            <a:xfrm>
-              <a:off x="3969258" y="2866675"/>
-              <a:ext cx="1955411" cy="865163"/>
-            </a:xfrm>
-            <a:prstGeom prst="rect">
-              <a:avLst/>
-            </a:prstGeom>
-            <a:grpFill/>
-          </p:spPr>
-          <p:style>
-            <a:lnRef idx="2">
-              <a:schemeClr val="dk1"/>
-            </a:lnRef>
-            <a:fillRef idx="1">
-              <a:schemeClr val="lt1"/>
-            </a:fillRef>
-            <a:effectRef idx="0">
-              <a:schemeClr val="dk1"/>
-            </a:effectRef>
-            <a:fontRef idx="minor">
-              <a:schemeClr val="dk1"/>
-            </a:fontRef>
-          </p:style>
-          <p:txBody>
-            <a:bodyPr rot="0" spcFirstLastPara="0" vertOverflow="overflow" horzOverflow="overflow" vert="horz" wrap="square" lIns="91440" tIns="45720" rIns="91440" bIns="45720" numCol="1" spcCol="0" rtlCol="0" fromWordArt="0" anchor="ctr" anchorCtr="0" forceAA="0" compatLnSpc="1">
-              <a:prstTxWarp prst="textNoShape">
+                </a:endParaRPr>
+              </a:p>
+            </p:txBody>
+          </p:sp>
+          <p:sp>
+            <p:nvSpPr>
+              <p:cNvPr id="8" name="矩形 7">
+                <a:extLst>
+                  <a:ext uri="{FF2B5EF4-FFF2-40B4-BE49-F238E27FC236}">
+                    <a16:creationId xmlns:a16="http://schemas.microsoft.com/office/drawing/2014/main" id="{A9E9D41C-A2BD-4393-81B9-C711573B3A84}"/>
+                  </a:ext>
+                </a:extLst>
+              </p:cNvPr>
+              <p:cNvSpPr/>
+              <p:nvPr/>
+            </p:nvSpPr>
+            <p:spPr>
+              <a:xfrm>
+                <a:off x="3969258" y="2866675"/>
+                <a:ext cx="1955411" cy="865163"/>
+              </a:xfrm>
+              <a:prstGeom prst="rect">
                 <a:avLst/>
-              </a:prstTxWarp>
-              <a:noAutofit/>
-            </a:bodyPr>
-            <a:lstStyle/>
-            <a:p>
-              <a:pPr algn="ctr"/>
-              <a:r>
-                <a:rPr lang="en-US" altLang="zh-CN" dirty="0">
+              </a:prstGeom>
+              <a:grpFill/>
+            </p:spPr>
+            <p:style>
+              <a:lnRef idx="2">
+                <a:schemeClr val="dk1"/>
+              </a:lnRef>
+              <a:fillRef idx="1">
+                <a:schemeClr val="lt1"/>
+              </a:fillRef>
+              <a:effectRef idx="0">
+                <a:schemeClr val="dk1"/>
+              </a:effectRef>
+              <a:fontRef idx="minor">
+                <a:schemeClr val="dk1"/>
+              </a:fontRef>
+            </p:style>
+            <p:txBody>
+              <a:bodyPr rot="0" spcFirstLastPara="0" vertOverflow="overflow" horzOverflow="overflow" vert="horz" wrap="square" lIns="91440" tIns="45720" rIns="91440" bIns="45720" numCol="1" spcCol="0" rtlCol="0" fromWordArt="0" anchor="ctr" anchorCtr="0" forceAA="0" compatLnSpc="1">
+                <a:prstTxWarp prst="textNoShape">
+                  <a:avLst/>
+                </a:prstTxWarp>
+                <a:noAutofit/>
+              </a:bodyPr>
+              <a:lstStyle/>
+              <a:p>
+                <a:pPr algn="ctr"/>
+                <a:r>
+                  <a:rPr lang="en-US" altLang="zh-CN" dirty="0">
+                    <a:solidFill>
+                      <a:schemeClr val="dk1"/>
+                    </a:solidFill>
+                    <a:latin typeface="Arial" panose="020B0604020202020204" pitchFamily="34" charset="0"/>
+                    <a:ea typeface="微软雅黑" panose="020B0503020204020204" pitchFamily="34" charset="-122"/>
+                    <a:cs typeface="Arial" panose="020B0604020202020204" pitchFamily="34" charset="0"/>
+                  </a:rPr>
+                  <a:t>Mai Exchange</a:t>
+                </a:r>
+                <a:endParaRPr lang="zh-CN" altLang="en-US" dirty="0">
                   <a:solidFill>
                     <a:schemeClr val="dk1"/>
                   </a:solidFill>
                   <a:latin typeface="Arial" panose="020B0604020202020204" pitchFamily="34" charset="0"/>
                   <a:ea typeface="微软雅黑" panose="020B0503020204020204" pitchFamily="34" charset="-122"/>
                   <a:cs typeface="Arial" panose="020B0604020202020204" pitchFamily="34" charset="0"/>
-                </a:rPr>
-                <a:t>Mai Exchange</a:t>
-              </a:r>
-              <a:endParaRPr lang="zh-CN" altLang="en-US" dirty="0">
-                <a:solidFill>
-                  <a:schemeClr val="dk1"/>
-                </a:solidFill>
-                <a:latin typeface="Arial" panose="020B0604020202020204" pitchFamily="34" charset="0"/>
-                <a:ea typeface="微软雅黑" panose="020B0503020204020204" pitchFamily="34" charset="-122"/>
-                <a:cs typeface="Arial" panose="020B0604020202020204" pitchFamily="34" charset="0"/>
-              </a:endParaRPr>
-            </a:p>
-          </p:txBody>
-        </p:sp>
-        <p:sp>
-          <p:nvSpPr>
-            <p:cNvPr id="9" name="矩形 8">
-              <a:extLst>
-                <a:ext uri="{FF2B5EF4-FFF2-40B4-BE49-F238E27FC236}">
-                  <a16:creationId xmlns:a16="http://schemas.microsoft.com/office/drawing/2014/main" id="{94AEDBFB-F59B-46D1-A626-129D6E572754}"/>
-                </a:ext>
-              </a:extLst>
-            </p:cNvPr>
-            <p:cNvSpPr/>
-            <p:nvPr/>
-          </p:nvSpPr>
-          <p:spPr>
-            <a:xfrm>
-              <a:off x="6987045" y="1758459"/>
-              <a:ext cx="1955411" cy="865163"/>
-            </a:xfrm>
-            <a:prstGeom prst="rect">
-              <a:avLst/>
-            </a:prstGeom>
-            <a:grpFill/>
-          </p:spPr>
-          <p:style>
-            <a:lnRef idx="2">
-              <a:schemeClr val="dk1"/>
-            </a:lnRef>
-            <a:fillRef idx="1">
-              <a:schemeClr val="lt1"/>
-            </a:fillRef>
-            <a:effectRef idx="0">
-              <a:schemeClr val="dk1"/>
-            </a:effectRef>
-            <a:fontRef idx="minor">
-              <a:schemeClr val="dk1"/>
-            </a:fontRef>
-          </p:style>
-          <p:txBody>
-            <a:bodyPr rot="0" spcFirstLastPara="0" vertOverflow="overflow" horzOverflow="overflow" vert="horz" wrap="square" lIns="91440" tIns="45720" rIns="91440" bIns="45720" numCol="1" spcCol="0" rtlCol="0" fromWordArt="0" anchor="ctr" anchorCtr="0" forceAA="0" compatLnSpc="1">
-              <a:prstTxWarp prst="textNoShape">
+                </a:endParaRPr>
+              </a:p>
+            </p:txBody>
+          </p:sp>
+          <p:sp>
+            <p:nvSpPr>
+              <p:cNvPr id="9" name="矩形 8">
+                <a:extLst>
+                  <a:ext uri="{FF2B5EF4-FFF2-40B4-BE49-F238E27FC236}">
+                    <a16:creationId xmlns:a16="http://schemas.microsoft.com/office/drawing/2014/main" id="{94AEDBFB-F59B-46D1-A626-129D6E572754}"/>
+                  </a:ext>
+                </a:extLst>
+              </p:cNvPr>
+              <p:cNvSpPr/>
+              <p:nvPr/>
+            </p:nvSpPr>
+            <p:spPr>
+              <a:xfrm>
+                <a:off x="6987045" y="1758459"/>
+                <a:ext cx="1955411" cy="865163"/>
+              </a:xfrm>
+              <a:prstGeom prst="rect">
                 <a:avLst/>
-              </a:prstTxWarp>
-              <a:noAutofit/>
-            </a:bodyPr>
-            <a:lstStyle/>
-            <a:p>
-              <a:pPr algn="ctr"/>
-              <a:r>
-                <a:rPr lang="en-US" altLang="zh-CN" dirty="0">
+              </a:prstGeom>
+              <a:grpFill/>
+            </p:spPr>
+            <p:style>
+              <a:lnRef idx="2">
+                <a:schemeClr val="dk1"/>
+              </a:lnRef>
+              <a:fillRef idx="1">
+                <a:schemeClr val="lt1"/>
+              </a:fillRef>
+              <a:effectRef idx="0">
+                <a:schemeClr val="dk1"/>
+              </a:effectRef>
+              <a:fontRef idx="minor">
+                <a:schemeClr val="dk1"/>
+              </a:fontRef>
+            </p:style>
+            <p:txBody>
+              <a:bodyPr rot="0" spcFirstLastPara="0" vertOverflow="overflow" horzOverflow="overflow" vert="horz" wrap="square" lIns="91440" tIns="45720" rIns="91440" bIns="45720" numCol="1" spcCol="0" rtlCol="0" fromWordArt="0" anchor="ctr" anchorCtr="0" forceAA="0" compatLnSpc="1">
+                <a:prstTxWarp prst="textNoShape">
+                  <a:avLst/>
+                </a:prstTxWarp>
+                <a:noAutofit/>
+              </a:bodyPr>
+              <a:lstStyle/>
+              <a:p>
+                <a:pPr algn="ctr"/>
+                <a:r>
+                  <a:rPr lang="en-US" altLang="zh-CN" dirty="0">
+                    <a:solidFill>
+                      <a:schemeClr val="dk1"/>
+                    </a:solidFill>
+                    <a:latin typeface="Arial" panose="020B0604020202020204" pitchFamily="34" charset="0"/>
+                    <a:ea typeface="微软雅黑" panose="020B0503020204020204" pitchFamily="34" charset="-122"/>
+                    <a:cs typeface="Arial" panose="020B0604020202020204" pitchFamily="34" charset="0"/>
+                  </a:rPr>
+                  <a:t>Minting Pool</a:t>
+                </a:r>
+                <a:endParaRPr lang="zh-CN" altLang="en-US" dirty="0">
                   <a:solidFill>
                     <a:schemeClr val="dk1"/>
                   </a:solidFill>
                   <a:latin typeface="Arial" panose="020B0604020202020204" pitchFamily="34" charset="0"/>
                   <a:ea typeface="微软雅黑" panose="020B0503020204020204" pitchFamily="34" charset="-122"/>
                   <a:cs typeface="Arial" panose="020B0604020202020204" pitchFamily="34" charset="0"/>
-                </a:rPr>
-                <a:t>Minting Pool</a:t>
-              </a:r>
-              <a:endParaRPr lang="zh-CN" altLang="en-US" dirty="0">
-                <a:solidFill>
-                  <a:schemeClr val="dk1"/>
-                </a:solidFill>
-                <a:latin typeface="Arial" panose="020B0604020202020204" pitchFamily="34" charset="0"/>
-                <a:ea typeface="微软雅黑" panose="020B0503020204020204" pitchFamily="34" charset="-122"/>
-                <a:cs typeface="Arial" panose="020B0604020202020204" pitchFamily="34" charset="0"/>
-              </a:endParaRPr>
-            </a:p>
-          </p:txBody>
-        </p:sp>
-        <p:sp>
-          <p:nvSpPr>
-            <p:cNvPr id="12" name="文本框 11">
-              <a:extLst>
-                <a:ext uri="{FF2B5EF4-FFF2-40B4-BE49-F238E27FC236}">
-                  <a16:creationId xmlns:a16="http://schemas.microsoft.com/office/drawing/2014/main" id="{867A7F36-3EDA-4E1A-A334-9B90564A1878}"/>
-                </a:ext>
-              </a:extLst>
-            </p:cNvPr>
-            <p:cNvSpPr txBox="1"/>
-            <p:nvPr/>
-          </p:nvSpPr>
-          <p:spPr>
-            <a:xfrm>
-              <a:off x="3259414" y="387276"/>
-              <a:ext cx="1159292" cy="369332"/>
-            </a:xfrm>
-            <a:prstGeom prst="rect">
-              <a:avLst/>
-            </a:prstGeom>
-            <a:grpFill/>
-          </p:spPr>
-          <p:txBody>
-            <a:bodyPr wrap="none" rtlCol="0">
-              <a:spAutoFit/>
-            </a:bodyPr>
-            <a:lstStyle/>
-            <a:p>
-              <a:r>
-                <a:rPr lang="en-US" altLang="zh-CN" dirty="0">
-                  <a:latin typeface="Arial" panose="020B0604020202020204" pitchFamily="34" charset="0"/>
-                  <a:ea typeface="Source Sans Pro" panose="020B0503030403020204" pitchFamily="34" charset="0"/>
-                  <a:cs typeface="Arial" panose="020B0604020202020204" pitchFamily="34" charset="0"/>
-                </a:rPr>
-                <a:t>On </a:t>
-              </a:r>
-              <a:r>
-                <a:rPr lang="en-US" altLang="zh-CN" dirty="0">
+                </a:endParaRPr>
+              </a:p>
+            </p:txBody>
+          </p:sp>
+          <p:sp>
+            <p:nvSpPr>
+              <p:cNvPr id="12" name="文本框 11">
+                <a:extLst>
+                  <a:ext uri="{FF2B5EF4-FFF2-40B4-BE49-F238E27FC236}">
+                    <a16:creationId xmlns:a16="http://schemas.microsoft.com/office/drawing/2014/main" id="{867A7F36-3EDA-4E1A-A334-9B90564A1878}"/>
+                  </a:ext>
+                </a:extLst>
+              </p:cNvPr>
+              <p:cNvSpPr txBox="1"/>
+              <p:nvPr/>
+            </p:nvSpPr>
+            <p:spPr>
+              <a:xfrm>
+                <a:off x="3259414" y="387276"/>
+                <a:ext cx="1159292" cy="369332"/>
+              </a:xfrm>
+              <a:prstGeom prst="rect">
+                <a:avLst/>
+              </a:prstGeom>
+              <a:grpFill/>
+            </p:spPr>
+            <p:txBody>
+              <a:bodyPr wrap="none" rtlCol="0">
+                <a:spAutoFit/>
+              </a:bodyPr>
+              <a:lstStyle/>
+              <a:p>
+                <a:r>
+                  <a:rPr lang="en-US" altLang="zh-CN" dirty="0">
+                    <a:latin typeface="Arial" panose="020B0604020202020204" pitchFamily="34" charset="0"/>
+                    <a:ea typeface="Source Sans Pro" panose="020B0503030403020204" pitchFamily="34" charset="0"/>
+                    <a:cs typeface="Arial" panose="020B0604020202020204" pitchFamily="34" charset="0"/>
+                  </a:rPr>
+                  <a:t>On </a:t>
+                </a:r>
+                <a:r>
+                  <a:rPr lang="en-US" altLang="zh-CN" dirty="0">
+                    <a:latin typeface="Arial" panose="020B0604020202020204" pitchFamily="34" charset="0"/>
+                    <a:ea typeface="微软雅黑" panose="020B0503020204020204" pitchFamily="34" charset="-122"/>
+                    <a:cs typeface="Arial" panose="020B0604020202020204" pitchFamily="34" charset="0"/>
+                  </a:rPr>
+                  <a:t>Chain</a:t>
+                </a:r>
+                <a:endParaRPr lang="zh-CN" altLang="en-US" dirty="0">
                   <a:latin typeface="Arial" panose="020B0604020202020204" pitchFamily="34" charset="0"/>
                   <a:ea typeface="微软雅黑" panose="020B0503020204020204" pitchFamily="34" charset="-122"/>
                   <a:cs typeface="Arial" panose="020B0604020202020204" pitchFamily="34" charset="0"/>
-                </a:rPr>
-                <a:t>Chain</a:t>
-              </a:r>
-              <a:endParaRPr lang="zh-CN" altLang="en-US" dirty="0">
-                <a:latin typeface="Arial" panose="020B0604020202020204" pitchFamily="34" charset="0"/>
-                <a:ea typeface="微软雅黑" panose="020B0503020204020204" pitchFamily="34" charset="-122"/>
-                <a:cs typeface="Arial" panose="020B0604020202020204" pitchFamily="34" charset="0"/>
-              </a:endParaRPr>
-            </a:p>
-          </p:txBody>
-        </p:sp>
+                </a:endParaRPr>
+              </a:p>
+            </p:txBody>
+          </p:sp>
+          <p:cxnSp>
+            <p:nvCxnSpPr>
+              <p:cNvPr id="14" name="直接连接符 13">
+                <a:extLst>
+                  <a:ext uri="{FF2B5EF4-FFF2-40B4-BE49-F238E27FC236}">
+                    <a16:creationId xmlns:a16="http://schemas.microsoft.com/office/drawing/2014/main" id="{05B6961D-F156-4980-BCA7-314684E85BD2}"/>
+                  </a:ext>
+                </a:extLst>
+              </p:cNvPr>
+              <p:cNvCxnSpPr/>
+              <p:nvPr/>
+            </p:nvCxnSpPr>
+            <p:spPr>
+              <a:xfrm>
+                <a:off x="3024554" y="351692"/>
+                <a:ext cx="0" cy="5739619"/>
+              </a:xfrm>
+              <a:prstGeom prst="line">
+                <a:avLst/>
+              </a:prstGeom>
+              <a:grpFill/>
+              <a:ln w="19050">
+                <a:solidFill>
+                  <a:schemeClr val="bg1">
+                    <a:lumMod val="75000"/>
+                  </a:schemeClr>
+                </a:solidFill>
+                <a:prstDash val="lgDash"/>
+              </a:ln>
+            </p:spPr>
+            <p:style>
+              <a:lnRef idx="1">
+                <a:schemeClr val="accent1"/>
+              </a:lnRef>
+              <a:fillRef idx="0">
+                <a:schemeClr val="accent1"/>
+              </a:fillRef>
+              <a:effectRef idx="0">
+                <a:schemeClr val="accent1"/>
+              </a:effectRef>
+              <a:fontRef idx="minor">
+                <a:schemeClr val="tx1"/>
+              </a:fontRef>
+            </p:style>
+          </p:cxnSp>
+          <p:sp>
+            <p:nvSpPr>
+              <p:cNvPr id="19" name="文本框 18">
+                <a:extLst>
+                  <a:ext uri="{FF2B5EF4-FFF2-40B4-BE49-F238E27FC236}">
+                    <a16:creationId xmlns:a16="http://schemas.microsoft.com/office/drawing/2014/main" id="{585BDEE7-9244-4881-9C40-B2E6B8A05941}"/>
+                  </a:ext>
+                </a:extLst>
+              </p:cNvPr>
+              <p:cNvSpPr txBox="1"/>
+              <p:nvPr/>
+            </p:nvSpPr>
+            <p:spPr>
+              <a:xfrm>
+                <a:off x="2501875" y="1849697"/>
+                <a:ext cx="1351652" cy="646331"/>
+              </a:xfrm>
+              <a:prstGeom prst="rect">
+                <a:avLst/>
+              </a:prstGeom>
+              <a:grpFill/>
+            </p:spPr>
+            <p:txBody>
+              <a:bodyPr wrap="none" rtlCol="0">
+                <a:spAutoFit/>
+              </a:bodyPr>
+              <a:lstStyle/>
+              <a:p>
+                <a:r>
+                  <a:rPr lang="en-US" altLang="zh-CN" dirty="0">
+                    <a:latin typeface="Arial" panose="020B0604020202020204" pitchFamily="34" charset="0"/>
+                    <a:cs typeface="Arial" panose="020B0604020202020204" pitchFamily="34" charset="0"/>
+                  </a:rPr>
+                  <a:t>Approve</a:t>
+                </a:r>
+              </a:p>
+              <a:p>
+                <a:r>
+                  <a:rPr lang="en-US" altLang="zh-CN" dirty="0">
+                    <a:latin typeface="Arial" panose="020B0604020202020204" pitchFamily="34" charset="0"/>
+                    <a:cs typeface="Arial" panose="020B0604020202020204" pitchFamily="34" charset="0"/>
+                  </a:rPr>
+                  <a:t>Disapprove</a:t>
+                </a:r>
+                <a:endParaRPr lang="zh-CN" altLang="en-US" dirty="0">
+                  <a:latin typeface="Arial" panose="020B0604020202020204" pitchFamily="34" charset="0"/>
+                  <a:cs typeface="Arial" panose="020B0604020202020204" pitchFamily="34" charset="0"/>
+                </a:endParaRPr>
+              </a:p>
+            </p:txBody>
+          </p:sp>
+          <p:cxnSp>
+            <p:nvCxnSpPr>
+              <p:cNvPr id="21" name="直接箭头连接符 20">
+                <a:extLst>
+                  <a:ext uri="{FF2B5EF4-FFF2-40B4-BE49-F238E27FC236}">
+                    <a16:creationId xmlns:a16="http://schemas.microsoft.com/office/drawing/2014/main" id="{CF211737-CA3E-4515-8610-85695A51972D}"/>
+                  </a:ext>
+                </a:extLst>
+              </p:cNvPr>
+              <p:cNvCxnSpPr>
+                <a:stCxn id="4" idx="4"/>
+                <a:endCxn id="6" idx="0"/>
+              </p:cNvCxnSpPr>
+              <p:nvPr/>
+            </p:nvCxnSpPr>
+            <p:spPr>
+              <a:xfrm>
+                <a:off x="1254302" y="2611502"/>
+                <a:ext cx="0" cy="1095717"/>
+              </a:xfrm>
+              <a:prstGeom prst="straightConnector1">
+                <a:avLst/>
+              </a:prstGeom>
+              <a:grpFill/>
+              <a:ln>
+                <a:tailEnd type="triangle"/>
+              </a:ln>
+            </p:spPr>
+            <p:style>
+              <a:lnRef idx="1">
+                <a:schemeClr val="dk1"/>
+              </a:lnRef>
+              <a:fillRef idx="0">
+                <a:schemeClr val="dk1"/>
+              </a:fillRef>
+              <a:effectRef idx="0">
+                <a:schemeClr val="dk1"/>
+              </a:effectRef>
+              <a:fontRef idx="minor">
+                <a:schemeClr val="tx1"/>
+              </a:fontRef>
+            </p:style>
+          </p:cxnSp>
+          <p:sp>
+            <p:nvSpPr>
+              <p:cNvPr id="23" name="文本框 22">
+                <a:extLst>
+                  <a:ext uri="{FF2B5EF4-FFF2-40B4-BE49-F238E27FC236}">
+                    <a16:creationId xmlns:a16="http://schemas.microsoft.com/office/drawing/2014/main" id="{8F9474AC-B070-4C29-8166-80EE686906D2}"/>
+                  </a:ext>
+                </a:extLst>
+              </p:cNvPr>
+              <p:cNvSpPr txBox="1"/>
+              <p:nvPr/>
+            </p:nvSpPr>
+            <p:spPr>
+              <a:xfrm>
+                <a:off x="5640550" y="1152974"/>
+                <a:ext cx="1467068" cy="369332"/>
+              </a:xfrm>
+              <a:prstGeom prst="rect">
+                <a:avLst/>
+              </a:prstGeom>
+              <a:grpFill/>
+            </p:spPr>
+            <p:txBody>
+              <a:bodyPr wrap="none" rtlCol="0">
+                <a:spAutoFit/>
+              </a:bodyPr>
+              <a:lstStyle/>
+              <a:p>
+                <a:r>
+                  <a:rPr lang="en-US" altLang="zh-CN" dirty="0">
+                    <a:latin typeface="Arial" panose="020B0604020202020204" pitchFamily="34" charset="0"/>
+                    <a:ea typeface="微软雅黑" panose="020B0503020204020204" pitchFamily="34" charset="-122"/>
+                    <a:cs typeface="Arial" panose="020B0604020202020204" pitchFamily="34" charset="0"/>
+                  </a:rPr>
+                  <a:t>Mai Protocol</a:t>
+                </a:r>
+                <a:endParaRPr lang="zh-CN" altLang="en-US" dirty="0">
+                  <a:latin typeface="Arial" panose="020B0604020202020204" pitchFamily="34" charset="0"/>
+                  <a:ea typeface="微软雅黑" panose="020B0503020204020204" pitchFamily="34" charset="-122"/>
+                  <a:cs typeface="Arial" panose="020B0604020202020204" pitchFamily="34" charset="0"/>
+                </a:endParaRPr>
+              </a:p>
+            </p:txBody>
+          </p:sp>
+          <p:sp>
+            <p:nvSpPr>
+              <p:cNvPr id="29" name="文本框 28">
+                <a:extLst>
+                  <a:ext uri="{FF2B5EF4-FFF2-40B4-BE49-F238E27FC236}">
+                    <a16:creationId xmlns:a16="http://schemas.microsoft.com/office/drawing/2014/main" id="{BD66B20F-20FB-479E-A62D-A49E69DF648E}"/>
+                  </a:ext>
+                </a:extLst>
+              </p:cNvPr>
+              <p:cNvSpPr txBox="1"/>
+              <p:nvPr/>
+            </p:nvSpPr>
+            <p:spPr>
+              <a:xfrm>
+                <a:off x="1254301" y="2836195"/>
+                <a:ext cx="1556836" cy="646331"/>
+              </a:xfrm>
+              <a:prstGeom prst="rect">
+                <a:avLst/>
+              </a:prstGeom>
+              <a:grpFill/>
+            </p:spPr>
+            <p:txBody>
+              <a:bodyPr wrap="none" rtlCol="0">
+                <a:spAutoFit/>
+              </a:bodyPr>
+              <a:lstStyle/>
+              <a:p>
+                <a:r>
+                  <a:rPr lang="en-US" altLang="zh-CN" dirty="0">
+                    <a:latin typeface="Arial" panose="020B0604020202020204" pitchFamily="34" charset="0"/>
+                    <a:cs typeface="Arial" panose="020B0604020202020204" pitchFamily="34" charset="0"/>
+                  </a:rPr>
+                  <a:t>Place Order</a:t>
+                </a:r>
+              </a:p>
+              <a:p>
+                <a:r>
+                  <a:rPr lang="en-US" altLang="zh-CN" dirty="0">
+                    <a:latin typeface="Arial" panose="020B0604020202020204" pitchFamily="34" charset="0"/>
+                    <a:cs typeface="Arial" panose="020B0604020202020204" pitchFamily="34" charset="0"/>
+                  </a:rPr>
+                  <a:t>Cancel Order</a:t>
+                </a:r>
+                <a:endParaRPr lang="zh-CN" altLang="en-US" dirty="0">
+                  <a:latin typeface="Arial" panose="020B0604020202020204" pitchFamily="34" charset="0"/>
+                  <a:cs typeface="Arial" panose="020B0604020202020204" pitchFamily="34" charset="0"/>
+                </a:endParaRPr>
+              </a:p>
+            </p:txBody>
+          </p:sp>
+          <p:sp>
+            <p:nvSpPr>
+              <p:cNvPr id="30" name="文本框 29">
+                <a:extLst>
+                  <a:ext uri="{FF2B5EF4-FFF2-40B4-BE49-F238E27FC236}">
+                    <a16:creationId xmlns:a16="http://schemas.microsoft.com/office/drawing/2014/main" id="{7C9E0E53-8064-4E2A-AD26-CD4E6C3DBD9A}"/>
+                  </a:ext>
+                </a:extLst>
+              </p:cNvPr>
+              <p:cNvSpPr txBox="1"/>
+              <p:nvPr/>
+            </p:nvSpPr>
+            <p:spPr>
+              <a:xfrm>
+                <a:off x="2230993" y="3815148"/>
+                <a:ext cx="1582484" cy="369332"/>
+              </a:xfrm>
+              <a:prstGeom prst="rect">
+                <a:avLst/>
+              </a:prstGeom>
+              <a:grpFill/>
+            </p:spPr>
+            <p:txBody>
+              <a:bodyPr wrap="none" rtlCol="0">
+                <a:spAutoFit/>
+              </a:bodyPr>
+              <a:lstStyle/>
+              <a:p>
+                <a:r>
+                  <a:rPr lang="en-US" altLang="zh-CN" dirty="0">
+                    <a:latin typeface="Arial" panose="020B0604020202020204" pitchFamily="34" charset="0"/>
+                    <a:cs typeface="Arial" panose="020B0604020202020204" pitchFamily="34" charset="0"/>
+                  </a:rPr>
+                  <a:t>Match Orders</a:t>
+                </a:r>
+              </a:p>
+            </p:txBody>
+          </p:sp>
+          <p:sp>
+            <p:nvSpPr>
+              <p:cNvPr id="38" name="文本框 37">
+                <a:extLst>
+                  <a:ext uri="{FF2B5EF4-FFF2-40B4-BE49-F238E27FC236}">
+                    <a16:creationId xmlns:a16="http://schemas.microsoft.com/office/drawing/2014/main" id="{431921B8-FBEB-499E-B342-FDB6752B4842}"/>
+                  </a:ext>
+                </a:extLst>
+              </p:cNvPr>
+              <p:cNvSpPr txBox="1"/>
+              <p:nvPr/>
+            </p:nvSpPr>
+            <p:spPr>
+              <a:xfrm>
+                <a:off x="494645" y="387276"/>
+                <a:ext cx="1148071" cy="369332"/>
+              </a:xfrm>
+              <a:prstGeom prst="rect">
+                <a:avLst/>
+              </a:prstGeom>
+              <a:grpFill/>
+            </p:spPr>
+            <p:txBody>
+              <a:bodyPr wrap="none" rtlCol="0">
+                <a:spAutoFit/>
+              </a:bodyPr>
+              <a:lstStyle/>
+              <a:p>
+                <a:r>
+                  <a:rPr lang="en-US" altLang="zh-CN" dirty="0">
+                    <a:latin typeface="Arial" panose="020B0604020202020204" pitchFamily="34" charset="0"/>
+                    <a:ea typeface="Source Sans Pro" panose="020B0503030403020204" pitchFamily="34" charset="0"/>
+                    <a:cs typeface="Arial" panose="020B0604020202020204" pitchFamily="34" charset="0"/>
+                  </a:rPr>
+                  <a:t>Off </a:t>
+                </a:r>
+                <a:r>
+                  <a:rPr lang="en-US" altLang="zh-CN" dirty="0">
+                    <a:latin typeface="Arial" panose="020B0604020202020204" pitchFamily="34" charset="0"/>
+                    <a:ea typeface="微软雅黑" panose="020B0503020204020204" pitchFamily="34" charset="-122"/>
+                    <a:cs typeface="Arial" panose="020B0604020202020204" pitchFamily="34" charset="0"/>
+                  </a:rPr>
+                  <a:t>Chain</a:t>
+                </a:r>
+                <a:endParaRPr lang="zh-CN" altLang="en-US" dirty="0">
+                  <a:latin typeface="Arial" panose="020B0604020202020204" pitchFamily="34" charset="0"/>
+                  <a:ea typeface="微软雅黑" panose="020B0503020204020204" pitchFamily="34" charset="-122"/>
+                  <a:cs typeface="Arial" panose="020B0604020202020204" pitchFamily="34" charset="0"/>
+                </a:endParaRPr>
+              </a:p>
+            </p:txBody>
+          </p:sp>
+          <p:sp>
+            <p:nvSpPr>
+              <p:cNvPr id="48" name="文本框 47">
+                <a:extLst>
+                  <a:ext uri="{FF2B5EF4-FFF2-40B4-BE49-F238E27FC236}">
+                    <a16:creationId xmlns:a16="http://schemas.microsoft.com/office/drawing/2014/main" id="{3806FC64-D5E2-41E7-A82A-DD132EB2E9E8}"/>
+                  </a:ext>
+                </a:extLst>
+              </p:cNvPr>
+              <p:cNvSpPr txBox="1"/>
+              <p:nvPr/>
+            </p:nvSpPr>
+            <p:spPr>
+              <a:xfrm>
+                <a:off x="5930345" y="2198457"/>
+                <a:ext cx="1056700" cy="923330"/>
+              </a:xfrm>
+              <a:prstGeom prst="rect">
+                <a:avLst/>
+              </a:prstGeom>
+              <a:grpFill/>
+            </p:spPr>
+            <p:txBody>
+              <a:bodyPr wrap="none" rtlCol="0">
+                <a:spAutoFit/>
+              </a:bodyPr>
+              <a:lstStyle/>
+              <a:p>
+                <a:r>
+                  <a:rPr lang="en-US" altLang="zh-CN" dirty="0">
+                    <a:latin typeface="Arial" panose="020B0604020202020204" pitchFamily="34" charset="0"/>
+                    <a:cs typeface="Arial" panose="020B0604020202020204" pitchFamily="34" charset="0"/>
+                  </a:rPr>
+                  <a:t>Mint</a:t>
+                </a:r>
+              </a:p>
+              <a:p>
+                <a:r>
+                  <a:rPr lang="en-US" altLang="zh-CN" dirty="0">
+                    <a:latin typeface="Arial" panose="020B0604020202020204" pitchFamily="34" charset="0"/>
+                    <a:cs typeface="Arial" panose="020B0604020202020204" pitchFamily="34" charset="0"/>
+                  </a:rPr>
+                  <a:t>Redeem</a:t>
+                </a:r>
+              </a:p>
+              <a:p>
+                <a:r>
+                  <a:rPr lang="en-US" altLang="zh-CN" dirty="0">
+                    <a:latin typeface="Arial" panose="020B0604020202020204" pitchFamily="34" charset="0"/>
+                    <a:cs typeface="Arial" panose="020B0604020202020204" pitchFamily="34" charset="0"/>
+                  </a:rPr>
+                  <a:t>Approve</a:t>
+                </a:r>
+              </a:p>
+            </p:txBody>
+          </p:sp>
+          <p:sp>
+            <p:nvSpPr>
+              <p:cNvPr id="49" name="文本框 48">
+                <a:extLst>
+                  <a:ext uri="{FF2B5EF4-FFF2-40B4-BE49-F238E27FC236}">
+                    <a16:creationId xmlns:a16="http://schemas.microsoft.com/office/drawing/2014/main" id="{2B7441E1-87E6-4066-A1D4-CDD1C29A9F90}"/>
+                  </a:ext>
+                </a:extLst>
+              </p:cNvPr>
+              <p:cNvSpPr txBox="1"/>
+              <p:nvPr/>
+            </p:nvSpPr>
+            <p:spPr>
+              <a:xfrm>
+                <a:off x="9402230" y="1593218"/>
+                <a:ext cx="1056700" cy="923330"/>
+              </a:xfrm>
+              <a:prstGeom prst="rect">
+                <a:avLst/>
+              </a:prstGeom>
+              <a:grpFill/>
+            </p:spPr>
+            <p:txBody>
+              <a:bodyPr wrap="none" rtlCol="0">
+                <a:spAutoFit/>
+              </a:bodyPr>
+              <a:lstStyle/>
+              <a:p>
+                <a:r>
+                  <a:rPr lang="en-US" altLang="zh-CN" dirty="0">
+                    <a:latin typeface="Arial" panose="020B0604020202020204" pitchFamily="34" charset="0"/>
+                    <a:cs typeface="Arial" panose="020B0604020202020204" pitchFamily="34" charset="0"/>
+                  </a:rPr>
+                  <a:t>Mint</a:t>
+                </a:r>
+              </a:p>
+              <a:p>
+                <a:r>
+                  <a:rPr lang="en-US" altLang="zh-CN" dirty="0">
+                    <a:latin typeface="Arial" panose="020B0604020202020204" pitchFamily="34" charset="0"/>
+                    <a:cs typeface="Arial" panose="020B0604020202020204" pitchFamily="34" charset="0"/>
+                  </a:rPr>
+                  <a:t>Redeem</a:t>
+                </a:r>
+              </a:p>
+              <a:p>
+                <a:r>
+                  <a:rPr lang="en-US" altLang="zh-CN" dirty="0">
+                    <a:latin typeface="Arial" panose="020B0604020202020204" pitchFamily="34" charset="0"/>
+                    <a:cs typeface="Arial" panose="020B0604020202020204" pitchFamily="34" charset="0"/>
+                  </a:rPr>
+                  <a:t>Approve</a:t>
+                </a:r>
+              </a:p>
+            </p:txBody>
+          </p:sp>
+          <p:cxnSp>
+            <p:nvCxnSpPr>
+              <p:cNvPr id="56" name="连接符: 肘形 55">
+                <a:extLst>
+                  <a:ext uri="{FF2B5EF4-FFF2-40B4-BE49-F238E27FC236}">
+                    <a16:creationId xmlns:a16="http://schemas.microsoft.com/office/drawing/2014/main" id="{41CE204E-F615-43F9-B8D3-F4D0769AA729}"/>
+                  </a:ext>
+                </a:extLst>
+              </p:cNvPr>
+              <p:cNvCxnSpPr>
+                <a:cxnSpLocks/>
+                <a:stCxn id="9" idx="3"/>
+              </p:cNvCxnSpPr>
+              <p:nvPr/>
+            </p:nvCxnSpPr>
+            <p:spPr>
+              <a:xfrm>
+                <a:off x="8942456" y="2191041"/>
+                <a:ext cx="1690510" cy="651015"/>
+              </a:xfrm>
+              <a:prstGeom prst="bentConnector2">
+                <a:avLst/>
+              </a:prstGeom>
+              <a:grpFill/>
+              <a:ln>
+                <a:tailEnd type="triangle"/>
+              </a:ln>
+            </p:spPr>
+            <p:style>
+              <a:lnRef idx="1">
+                <a:schemeClr val="dk1"/>
+              </a:lnRef>
+              <a:fillRef idx="0">
+                <a:schemeClr val="dk1"/>
+              </a:fillRef>
+              <a:effectRef idx="0">
+                <a:schemeClr val="dk1"/>
+              </a:effectRef>
+              <a:fontRef idx="minor">
+                <a:schemeClr val="tx1"/>
+              </a:fontRef>
+            </p:style>
+          </p:cxnSp>
+          <p:sp>
+            <p:nvSpPr>
+              <p:cNvPr id="59" name="圆柱体 58">
+                <a:extLst>
+                  <a:ext uri="{FF2B5EF4-FFF2-40B4-BE49-F238E27FC236}">
+                    <a16:creationId xmlns:a16="http://schemas.microsoft.com/office/drawing/2014/main" id="{25632116-1E00-4712-B8B0-81515F3E9106}"/>
+                  </a:ext>
+                </a:extLst>
+              </p:cNvPr>
+              <p:cNvSpPr/>
+              <p:nvPr/>
+            </p:nvSpPr>
+            <p:spPr>
+              <a:xfrm>
+                <a:off x="6987045" y="3368292"/>
+                <a:ext cx="1955410" cy="1297745"/>
+              </a:xfrm>
+              <a:prstGeom prst="can">
+                <a:avLst/>
+              </a:prstGeom>
+              <a:grpFill/>
+            </p:spPr>
+            <p:style>
+              <a:lnRef idx="2">
+                <a:schemeClr val="dk1"/>
+              </a:lnRef>
+              <a:fillRef idx="1">
+                <a:schemeClr val="lt1"/>
+              </a:fillRef>
+              <a:effectRef idx="0">
+                <a:schemeClr val="dk1"/>
+              </a:effectRef>
+              <a:fontRef idx="minor">
+                <a:schemeClr val="dk1"/>
+              </a:fontRef>
+            </p:style>
+            <p:txBody>
+              <a:bodyPr rtlCol="0" anchor="ctr"/>
+              <a:lstStyle/>
+              <a:p>
+                <a:pPr algn="ctr"/>
+                <a:r>
+                  <a:rPr lang="en-US" altLang="zh-CN" dirty="0">
+                    <a:latin typeface="Arial" panose="020B0604020202020204" pitchFamily="34" charset="0"/>
+                    <a:cs typeface="Arial" panose="020B0604020202020204" pitchFamily="34" charset="0"/>
+                  </a:rPr>
+                  <a:t>Position Tokens</a:t>
+                </a:r>
+              </a:p>
+              <a:p>
+                <a:pPr algn="ctr"/>
+                <a:r>
+                  <a:rPr lang="en-US" altLang="zh-CN" dirty="0">
+                    <a:latin typeface="Arial" panose="020B0604020202020204" pitchFamily="34" charset="0"/>
+                    <a:cs typeface="Arial" panose="020B0604020202020204" pitchFamily="34" charset="0"/>
+                  </a:rPr>
+                  <a:t>Collateral Tokens</a:t>
+                </a:r>
+              </a:p>
+              <a:p>
+                <a:pPr algn="ctr"/>
+                <a:r>
+                  <a:rPr lang="en-US" altLang="zh-CN" dirty="0">
+                    <a:latin typeface="Arial" panose="020B0604020202020204" pitchFamily="34" charset="0"/>
+                    <a:cs typeface="Arial" panose="020B0604020202020204" pitchFamily="34" charset="0"/>
+                  </a:rPr>
+                  <a:t>MKT</a:t>
+                </a:r>
+                <a:endParaRPr lang="zh-CN" altLang="en-US" dirty="0">
+                  <a:latin typeface="Arial" panose="020B0604020202020204" pitchFamily="34" charset="0"/>
+                  <a:cs typeface="Arial" panose="020B0604020202020204" pitchFamily="34" charset="0"/>
+                </a:endParaRPr>
+              </a:p>
+            </p:txBody>
+          </p:sp>
+          <p:sp>
+            <p:nvSpPr>
+              <p:cNvPr id="62" name="左大括号 61">
+                <a:extLst>
+                  <a:ext uri="{FF2B5EF4-FFF2-40B4-BE49-F238E27FC236}">
+                    <a16:creationId xmlns:a16="http://schemas.microsoft.com/office/drawing/2014/main" id="{B37ADC2E-AA1F-4233-A03B-306C7CF4C764}"/>
+                  </a:ext>
+                </a:extLst>
+              </p:cNvPr>
+              <p:cNvSpPr/>
+              <p:nvPr/>
+            </p:nvSpPr>
+            <p:spPr>
+              <a:xfrm rot="5400000">
+                <a:off x="7616354" y="1869524"/>
+                <a:ext cx="651016" cy="2417371"/>
+              </a:xfrm>
+              <a:prstGeom prst="leftBrace">
+                <a:avLst>
+                  <a:gd name="adj1" fmla="val 70999"/>
+                  <a:gd name="adj2" fmla="val 50000"/>
+                </a:avLst>
+              </a:prstGeom>
+              <a:grpFill/>
+            </p:spPr>
+            <p:style>
+              <a:lnRef idx="1">
+                <a:schemeClr val="dk1"/>
+              </a:lnRef>
+              <a:fillRef idx="0">
+                <a:schemeClr val="dk1"/>
+              </a:fillRef>
+              <a:effectRef idx="0">
+                <a:schemeClr val="dk1"/>
+              </a:effectRef>
+              <a:fontRef idx="minor">
+                <a:schemeClr val="tx1"/>
+              </a:fontRef>
+            </p:style>
+            <p:txBody>
+              <a:bodyPr rtlCol="0" anchor="ctr"/>
+              <a:lstStyle/>
+              <a:p>
+                <a:pPr algn="ctr"/>
+                <a:endParaRPr lang="zh-CN" altLang="en-US">
+                  <a:latin typeface="Arial" panose="020B0604020202020204" pitchFamily="34" charset="0"/>
+                  <a:cs typeface="Arial" panose="020B0604020202020204" pitchFamily="34" charset="0"/>
+                </a:endParaRPr>
+              </a:p>
+            </p:txBody>
+          </p:sp>
+          <p:sp>
+            <p:nvSpPr>
+              <p:cNvPr id="63" name="矩形: 圆角 62">
+                <a:extLst>
+                  <a:ext uri="{FF2B5EF4-FFF2-40B4-BE49-F238E27FC236}">
+                    <a16:creationId xmlns:a16="http://schemas.microsoft.com/office/drawing/2014/main" id="{C69C2873-0B56-4824-B189-2682AA773FF2}"/>
+                  </a:ext>
+                </a:extLst>
+              </p:cNvPr>
+              <p:cNvSpPr/>
+              <p:nvPr/>
+            </p:nvSpPr>
+            <p:spPr>
+              <a:xfrm>
+                <a:off x="9631502" y="2817438"/>
+                <a:ext cx="2171291" cy="914400"/>
+              </a:xfrm>
+              <a:prstGeom prst="roundRect">
+                <a:avLst>
+                  <a:gd name="adj" fmla="val 33590"/>
+                </a:avLst>
+              </a:prstGeom>
+              <a:grpFill/>
+              <a:ln>
+                <a:solidFill>
+                  <a:schemeClr val="tx1"/>
+                </a:solidFill>
+              </a:ln>
+            </p:spPr>
+            <p:style>
+              <a:lnRef idx="2">
+                <a:schemeClr val="accent1">
+                  <a:shade val="50000"/>
+                </a:schemeClr>
+              </a:lnRef>
+              <a:fillRef idx="1">
+                <a:schemeClr val="accent1"/>
+              </a:fillRef>
+              <a:effectRef idx="0">
+                <a:schemeClr val="accent1"/>
+              </a:effectRef>
+              <a:fontRef idx="minor">
+                <a:schemeClr val="lt1"/>
+              </a:fontRef>
+            </p:style>
+            <p:txBody>
+              <a:bodyPr rot="0" spcFirstLastPara="0" vertOverflow="overflow" horzOverflow="overflow" vert="horz" wrap="square" lIns="91440" tIns="45720" rIns="91440" bIns="45720" numCol="1" spcCol="0" rtlCol="0" fromWordArt="0" anchor="ctr" anchorCtr="0" forceAA="0" compatLnSpc="1">
+                <a:prstTxWarp prst="textNoShape">
+                  <a:avLst/>
+                </a:prstTxWarp>
+                <a:noAutofit/>
+              </a:bodyPr>
+              <a:lstStyle/>
+              <a:p>
+                <a:pPr algn="ctr"/>
+                <a:r>
+                  <a:rPr lang="en-US" altLang="zh-CN" dirty="0">
+                    <a:solidFill>
+                      <a:schemeClr val="tx1"/>
+                    </a:solidFill>
+                    <a:latin typeface="Arial" panose="020B0604020202020204" pitchFamily="34" charset="0"/>
+                    <a:ea typeface="微软雅黑" panose="020B0503020204020204" pitchFamily="34" charset="-122"/>
+                    <a:cs typeface="Arial" panose="020B0604020202020204" pitchFamily="34" charset="0"/>
+                  </a:rPr>
+                  <a:t>Market Protocol</a:t>
+                </a:r>
+                <a:endParaRPr lang="zh-CN" altLang="en-US" dirty="0">
+                  <a:solidFill>
+                    <a:schemeClr val="tx1"/>
+                  </a:solidFill>
+                  <a:latin typeface="Arial" panose="020B0604020202020204" pitchFamily="34" charset="0"/>
+                  <a:ea typeface="微软雅黑" panose="020B0503020204020204" pitchFamily="34" charset="-122"/>
+                  <a:cs typeface="Arial" panose="020B0604020202020204" pitchFamily="34" charset="0"/>
+                </a:endParaRPr>
+              </a:p>
+            </p:txBody>
+          </p:sp>
+        </p:grpSp>
         <p:cxnSp>
           <p:nvCxnSpPr>
-            <p:cNvPr id="14" name="直接连接符 13">
+            <p:cNvPr id="33" name="连接符: 肘形 32">
               <a:extLst>
                 <a:ext uri="{FF2B5EF4-FFF2-40B4-BE49-F238E27FC236}">
-                  <a16:creationId xmlns:a16="http://schemas.microsoft.com/office/drawing/2014/main" id="{05B6961D-F156-4980-BCA7-314684E85BD2}"/>
-                </a:ext>
-              </a:extLst>
-            </p:cNvPr>
-            <p:cNvCxnSpPr/>
-            <p:nvPr/>
-          </p:nvCxnSpPr>
-          <p:spPr>
-            <a:xfrm>
-              <a:off x="3024554" y="351692"/>
-              <a:ext cx="0" cy="5739619"/>
-            </a:xfrm>
-            <a:prstGeom prst="line">
-              <a:avLst/>
-            </a:prstGeom>
-            <a:grpFill/>
-            <a:ln w="19050">
-              <a:solidFill>
-                <a:schemeClr val="bg1">
-                  <a:lumMod val="75000"/>
-                </a:schemeClr>
-              </a:solidFill>
-              <a:prstDash val="lgDash"/>
-            </a:ln>
-          </p:spPr>
-          <p:style>
-            <a:lnRef idx="1">
-              <a:schemeClr val="accent1"/>
-            </a:lnRef>
-            <a:fillRef idx="0">
-              <a:schemeClr val="accent1"/>
-            </a:fillRef>
-            <a:effectRef idx="0">
-              <a:schemeClr val="accent1"/>
-            </a:effectRef>
-            <a:fontRef idx="minor">
-              <a:schemeClr val="tx1"/>
-            </a:fontRef>
-          </p:style>
-        </p:cxnSp>
-        <p:sp>
-          <p:nvSpPr>
-            <p:cNvPr id="19" name="文本框 18">
-              <a:extLst>
-                <a:ext uri="{FF2B5EF4-FFF2-40B4-BE49-F238E27FC236}">
-                  <a16:creationId xmlns:a16="http://schemas.microsoft.com/office/drawing/2014/main" id="{585BDEE7-9244-4881-9C40-B2E6B8A05941}"/>
-                </a:ext>
-              </a:extLst>
-            </p:cNvPr>
-            <p:cNvSpPr txBox="1"/>
-            <p:nvPr/>
-          </p:nvSpPr>
-          <p:spPr>
-            <a:xfrm>
-              <a:off x="2501875" y="1849697"/>
-              <a:ext cx="1351652" cy="646331"/>
-            </a:xfrm>
-            <a:prstGeom prst="rect">
-              <a:avLst/>
-            </a:prstGeom>
-            <a:grpFill/>
-          </p:spPr>
-          <p:txBody>
-            <a:bodyPr wrap="none" rtlCol="0">
-              <a:spAutoFit/>
-            </a:bodyPr>
-            <a:lstStyle/>
-            <a:p>
-              <a:r>
-                <a:rPr lang="en-US" altLang="zh-CN" dirty="0">
-                  <a:latin typeface="Arial" panose="020B0604020202020204" pitchFamily="34" charset="0"/>
-                  <a:cs typeface="Arial" panose="020B0604020202020204" pitchFamily="34" charset="0"/>
-                </a:rPr>
-                <a:t>Approve</a:t>
-              </a:r>
-            </a:p>
-            <a:p>
-              <a:r>
-                <a:rPr lang="en-US" altLang="zh-CN" dirty="0">
-                  <a:latin typeface="Arial" panose="020B0604020202020204" pitchFamily="34" charset="0"/>
-                  <a:cs typeface="Arial" panose="020B0604020202020204" pitchFamily="34" charset="0"/>
-                </a:rPr>
-                <a:t>Disapprove</a:t>
-              </a:r>
-              <a:endParaRPr lang="zh-CN" altLang="en-US" dirty="0">
-                <a:latin typeface="Arial" panose="020B0604020202020204" pitchFamily="34" charset="0"/>
-                <a:cs typeface="Arial" panose="020B0604020202020204" pitchFamily="34" charset="0"/>
-              </a:endParaRPr>
-            </a:p>
-          </p:txBody>
-        </p:sp>
-        <p:cxnSp>
-          <p:nvCxnSpPr>
-            <p:cNvPr id="21" name="直接箭头连接符 20">
-              <a:extLst>
-                <a:ext uri="{FF2B5EF4-FFF2-40B4-BE49-F238E27FC236}">
-                  <a16:creationId xmlns:a16="http://schemas.microsoft.com/office/drawing/2014/main" id="{CF211737-CA3E-4515-8610-85695A51972D}"/>
+                  <a16:creationId xmlns:a16="http://schemas.microsoft.com/office/drawing/2014/main" id="{098AD45F-AF8B-4B74-A9D4-99DE4E87CDB5}"/>
                 </a:ext>
               </a:extLst>
             </p:cNvPr>
             <p:cNvCxnSpPr>
-              <a:stCxn id="4" idx="4"/>
-              <a:endCxn id="6" idx="0"/>
+              <a:cxnSpLocks/>
+              <a:stCxn id="4" idx="6"/>
+              <a:endCxn id="8" idx="0"/>
             </p:cNvCxnSpPr>
             <p:nvPr/>
           </p:nvCxnSpPr>
           <p:spPr>
             <a:xfrm>
-              <a:off x="1254302" y="2611502"/>
-              <a:ext cx="0" cy="1095717"/>
+              <a:off x="1964654" y="2386419"/>
+              <a:ext cx="2930729" cy="687754"/>
             </a:xfrm>
-            <a:prstGeom prst="straightConnector1">
+            <a:prstGeom prst="bentConnector2">
               <a:avLst/>
             </a:prstGeom>
-            <a:grpFill/>
             <a:ln>
               <a:tailEnd type="triangle"/>
             </a:ln>
@@ -4282,327 +4889,29 @@
             </a:fontRef>
           </p:style>
         </p:cxnSp>
-        <p:sp>
-          <p:nvSpPr>
-            <p:cNvPr id="23" name="文本框 22">
+        <p:cxnSp>
+          <p:nvCxnSpPr>
+            <p:cNvPr id="36" name="连接符: 肘形 35">
               <a:extLst>
                 <a:ext uri="{FF2B5EF4-FFF2-40B4-BE49-F238E27FC236}">
-                  <a16:creationId xmlns:a16="http://schemas.microsoft.com/office/drawing/2014/main" id="{8F9474AC-B070-4C29-8166-80EE686906D2}"/>
-                </a:ext>
-              </a:extLst>
-            </p:cNvPr>
-            <p:cNvSpPr txBox="1"/>
-            <p:nvPr/>
-          </p:nvSpPr>
-          <p:spPr>
-            <a:xfrm>
-              <a:off x="5640550" y="1152974"/>
-              <a:ext cx="1467068" cy="369332"/>
-            </a:xfrm>
-            <a:prstGeom prst="rect">
-              <a:avLst/>
-            </a:prstGeom>
-            <a:grpFill/>
-          </p:spPr>
-          <p:txBody>
-            <a:bodyPr wrap="none" rtlCol="0">
-              <a:spAutoFit/>
-            </a:bodyPr>
-            <a:lstStyle/>
-            <a:p>
-              <a:r>
-                <a:rPr lang="en-US" altLang="zh-CN" dirty="0">
-                  <a:latin typeface="Arial" panose="020B0604020202020204" pitchFamily="34" charset="0"/>
-                  <a:ea typeface="微软雅黑" panose="020B0503020204020204" pitchFamily="34" charset="-122"/>
-                  <a:cs typeface="Arial" panose="020B0604020202020204" pitchFamily="34" charset="0"/>
-                </a:rPr>
-                <a:t>Mai Protocol</a:t>
-              </a:r>
-              <a:endParaRPr lang="zh-CN" altLang="en-US" dirty="0">
-                <a:latin typeface="Arial" panose="020B0604020202020204" pitchFamily="34" charset="0"/>
-                <a:ea typeface="微软雅黑" panose="020B0503020204020204" pitchFamily="34" charset="-122"/>
-                <a:cs typeface="Arial" panose="020B0604020202020204" pitchFamily="34" charset="0"/>
-              </a:endParaRPr>
-            </a:p>
-          </p:txBody>
-        </p:sp>
-        <p:sp>
-          <p:nvSpPr>
-            <p:cNvPr id="29" name="文本框 28">
-              <a:extLst>
-                <a:ext uri="{FF2B5EF4-FFF2-40B4-BE49-F238E27FC236}">
-                  <a16:creationId xmlns:a16="http://schemas.microsoft.com/office/drawing/2014/main" id="{BD66B20F-20FB-479E-A62D-A49E69DF648E}"/>
-                </a:ext>
-              </a:extLst>
-            </p:cNvPr>
-            <p:cNvSpPr txBox="1"/>
-            <p:nvPr/>
-          </p:nvSpPr>
-          <p:spPr>
-            <a:xfrm>
-              <a:off x="1254301" y="2836195"/>
-              <a:ext cx="1556836" cy="646331"/>
-            </a:xfrm>
-            <a:prstGeom prst="rect">
-              <a:avLst/>
-            </a:prstGeom>
-            <a:grpFill/>
-          </p:spPr>
-          <p:txBody>
-            <a:bodyPr wrap="none" rtlCol="0">
-              <a:spAutoFit/>
-            </a:bodyPr>
-            <a:lstStyle/>
-            <a:p>
-              <a:r>
-                <a:rPr lang="en-US" altLang="zh-CN" dirty="0">
-                  <a:latin typeface="Arial" panose="020B0604020202020204" pitchFamily="34" charset="0"/>
-                  <a:cs typeface="Arial" panose="020B0604020202020204" pitchFamily="34" charset="0"/>
-                </a:rPr>
-                <a:t>Place Order</a:t>
-              </a:r>
-            </a:p>
-            <a:p>
-              <a:r>
-                <a:rPr lang="en-US" altLang="zh-CN" dirty="0">
-                  <a:latin typeface="Arial" panose="020B0604020202020204" pitchFamily="34" charset="0"/>
-                  <a:cs typeface="Arial" panose="020B0604020202020204" pitchFamily="34" charset="0"/>
-                </a:rPr>
-                <a:t>Cancel Order</a:t>
-              </a:r>
-              <a:endParaRPr lang="zh-CN" altLang="en-US" dirty="0">
-                <a:latin typeface="Arial" panose="020B0604020202020204" pitchFamily="34" charset="0"/>
-                <a:cs typeface="Arial" panose="020B0604020202020204" pitchFamily="34" charset="0"/>
-              </a:endParaRPr>
-            </a:p>
-          </p:txBody>
-        </p:sp>
-        <p:sp>
-          <p:nvSpPr>
-            <p:cNvPr id="30" name="文本框 29">
-              <a:extLst>
-                <a:ext uri="{FF2B5EF4-FFF2-40B4-BE49-F238E27FC236}">
-                  <a16:creationId xmlns:a16="http://schemas.microsoft.com/office/drawing/2014/main" id="{7C9E0E53-8064-4E2A-AD26-CD4E6C3DBD9A}"/>
-                </a:ext>
-              </a:extLst>
-            </p:cNvPr>
-            <p:cNvSpPr txBox="1"/>
-            <p:nvPr/>
-          </p:nvSpPr>
-          <p:spPr>
-            <a:xfrm>
-              <a:off x="2230993" y="3815148"/>
-              <a:ext cx="1582484" cy="369332"/>
-            </a:xfrm>
-            <a:prstGeom prst="rect">
-              <a:avLst/>
-            </a:prstGeom>
-            <a:grpFill/>
-          </p:spPr>
-          <p:txBody>
-            <a:bodyPr wrap="none" rtlCol="0">
-              <a:spAutoFit/>
-            </a:bodyPr>
-            <a:lstStyle/>
-            <a:p>
-              <a:r>
-                <a:rPr lang="en-US" altLang="zh-CN" dirty="0">
-                  <a:latin typeface="Arial" panose="020B0604020202020204" pitchFamily="34" charset="0"/>
-                  <a:cs typeface="Arial" panose="020B0604020202020204" pitchFamily="34" charset="0"/>
-                </a:rPr>
-                <a:t>Match Orders</a:t>
-              </a:r>
-            </a:p>
-          </p:txBody>
-        </p:sp>
-        <p:sp>
-          <p:nvSpPr>
-            <p:cNvPr id="38" name="文本框 37">
-              <a:extLst>
-                <a:ext uri="{FF2B5EF4-FFF2-40B4-BE49-F238E27FC236}">
-                  <a16:creationId xmlns:a16="http://schemas.microsoft.com/office/drawing/2014/main" id="{431921B8-FBEB-499E-B342-FDB6752B4842}"/>
-                </a:ext>
-              </a:extLst>
-            </p:cNvPr>
-            <p:cNvSpPr txBox="1"/>
-            <p:nvPr/>
-          </p:nvSpPr>
-          <p:spPr>
-            <a:xfrm>
-              <a:off x="494645" y="387276"/>
-              <a:ext cx="1148071" cy="369332"/>
-            </a:xfrm>
-            <a:prstGeom prst="rect">
-              <a:avLst/>
-            </a:prstGeom>
-            <a:grpFill/>
-          </p:spPr>
-          <p:txBody>
-            <a:bodyPr wrap="none" rtlCol="0">
-              <a:spAutoFit/>
-            </a:bodyPr>
-            <a:lstStyle/>
-            <a:p>
-              <a:r>
-                <a:rPr lang="en-US" altLang="zh-CN" dirty="0">
-                  <a:latin typeface="Arial" panose="020B0604020202020204" pitchFamily="34" charset="0"/>
-                  <a:ea typeface="Source Sans Pro" panose="020B0503030403020204" pitchFamily="34" charset="0"/>
-                  <a:cs typeface="Arial" panose="020B0604020202020204" pitchFamily="34" charset="0"/>
-                </a:rPr>
-                <a:t>Off </a:t>
-              </a:r>
-              <a:r>
-                <a:rPr lang="en-US" altLang="zh-CN" dirty="0">
-                  <a:latin typeface="Arial" panose="020B0604020202020204" pitchFamily="34" charset="0"/>
-                  <a:ea typeface="微软雅黑" panose="020B0503020204020204" pitchFamily="34" charset="-122"/>
-                  <a:cs typeface="Arial" panose="020B0604020202020204" pitchFamily="34" charset="0"/>
-                </a:rPr>
-                <a:t>Chain</a:t>
-              </a:r>
-              <a:endParaRPr lang="zh-CN" altLang="en-US" dirty="0">
-                <a:latin typeface="Arial" panose="020B0604020202020204" pitchFamily="34" charset="0"/>
-                <a:ea typeface="微软雅黑" panose="020B0503020204020204" pitchFamily="34" charset="-122"/>
-                <a:cs typeface="Arial" panose="020B0604020202020204" pitchFamily="34" charset="0"/>
-              </a:endParaRPr>
-            </a:p>
-          </p:txBody>
-        </p:sp>
-        <p:sp>
-          <p:nvSpPr>
-            <p:cNvPr id="48" name="文本框 47">
-              <a:extLst>
-                <a:ext uri="{FF2B5EF4-FFF2-40B4-BE49-F238E27FC236}">
-                  <a16:creationId xmlns:a16="http://schemas.microsoft.com/office/drawing/2014/main" id="{3806FC64-D5E2-41E7-A82A-DD132EB2E9E8}"/>
-                </a:ext>
-              </a:extLst>
-            </p:cNvPr>
-            <p:cNvSpPr txBox="1"/>
-            <p:nvPr/>
-          </p:nvSpPr>
-          <p:spPr>
-            <a:xfrm>
-              <a:off x="5930345" y="2198457"/>
-              <a:ext cx="1056700" cy="923330"/>
-            </a:xfrm>
-            <a:prstGeom prst="rect">
-              <a:avLst/>
-            </a:prstGeom>
-            <a:grpFill/>
-          </p:spPr>
-          <p:txBody>
-            <a:bodyPr wrap="none" rtlCol="0">
-              <a:spAutoFit/>
-            </a:bodyPr>
-            <a:lstStyle/>
-            <a:p>
-              <a:r>
-                <a:rPr lang="en-US" altLang="zh-CN" dirty="0">
-                  <a:latin typeface="Arial" panose="020B0604020202020204" pitchFamily="34" charset="0"/>
-                  <a:cs typeface="Arial" panose="020B0604020202020204" pitchFamily="34" charset="0"/>
-                </a:rPr>
-                <a:t>Mint</a:t>
-              </a:r>
-            </a:p>
-            <a:p>
-              <a:r>
-                <a:rPr lang="en-US" altLang="zh-CN" dirty="0">
-                  <a:latin typeface="Arial" panose="020B0604020202020204" pitchFamily="34" charset="0"/>
-                  <a:cs typeface="Arial" panose="020B0604020202020204" pitchFamily="34" charset="0"/>
-                </a:rPr>
-                <a:t>Redeem</a:t>
-              </a:r>
-            </a:p>
-            <a:p>
-              <a:r>
-                <a:rPr lang="en-US" altLang="zh-CN" dirty="0">
-                  <a:latin typeface="Arial" panose="020B0604020202020204" pitchFamily="34" charset="0"/>
-                  <a:cs typeface="Arial" panose="020B0604020202020204" pitchFamily="34" charset="0"/>
-                </a:rPr>
-                <a:t>Approve</a:t>
-              </a:r>
-            </a:p>
-          </p:txBody>
-        </p:sp>
-        <p:sp>
-          <p:nvSpPr>
-            <p:cNvPr id="49" name="文本框 48">
-              <a:extLst>
-                <a:ext uri="{FF2B5EF4-FFF2-40B4-BE49-F238E27FC236}">
-                  <a16:creationId xmlns:a16="http://schemas.microsoft.com/office/drawing/2014/main" id="{2B7441E1-87E6-4066-A1D4-CDD1C29A9F90}"/>
-                </a:ext>
-              </a:extLst>
-            </p:cNvPr>
-            <p:cNvSpPr txBox="1"/>
-            <p:nvPr/>
-          </p:nvSpPr>
-          <p:spPr>
-            <a:xfrm>
-              <a:off x="9402230" y="1593218"/>
-              <a:ext cx="1056700" cy="923330"/>
-            </a:xfrm>
-            <a:prstGeom prst="rect">
-              <a:avLst/>
-            </a:prstGeom>
-            <a:grpFill/>
-          </p:spPr>
-          <p:txBody>
-            <a:bodyPr wrap="none" rtlCol="0">
-              <a:spAutoFit/>
-            </a:bodyPr>
-            <a:lstStyle/>
-            <a:p>
-              <a:r>
-                <a:rPr lang="en-US" altLang="zh-CN" dirty="0">
-                  <a:latin typeface="Arial" panose="020B0604020202020204" pitchFamily="34" charset="0"/>
-                  <a:cs typeface="Arial" panose="020B0604020202020204" pitchFamily="34" charset="0"/>
-                </a:rPr>
-                <a:t>Mint</a:t>
-              </a:r>
-            </a:p>
-            <a:p>
-              <a:r>
-                <a:rPr lang="en-US" altLang="zh-CN" dirty="0">
-                  <a:latin typeface="Arial" panose="020B0604020202020204" pitchFamily="34" charset="0"/>
-                  <a:cs typeface="Arial" panose="020B0604020202020204" pitchFamily="34" charset="0"/>
-                </a:rPr>
-                <a:t>Redeem</a:t>
-              </a:r>
-            </a:p>
-            <a:p>
-              <a:r>
-                <a:rPr lang="en-US" altLang="zh-CN" dirty="0">
-                  <a:latin typeface="Arial" panose="020B0604020202020204" pitchFamily="34" charset="0"/>
-                  <a:cs typeface="Arial" panose="020B0604020202020204" pitchFamily="34" charset="0"/>
-                </a:rPr>
-                <a:t>Approve</a:t>
-              </a:r>
-            </a:p>
-          </p:txBody>
-        </p:sp>
-        <p:cxnSp>
-          <p:nvCxnSpPr>
-            <p:cNvPr id="56" name="连接符: 肘形 55">
-              <a:extLst>
-                <a:ext uri="{FF2B5EF4-FFF2-40B4-BE49-F238E27FC236}">
-                  <a16:creationId xmlns:a16="http://schemas.microsoft.com/office/drawing/2014/main" id="{41CE204E-F615-43F9-B8D3-F4D0769AA729}"/>
+                  <a16:creationId xmlns:a16="http://schemas.microsoft.com/office/drawing/2014/main" id="{AD784253-2D17-429C-AF32-B5F69BE90057}"/>
                 </a:ext>
               </a:extLst>
             </p:cNvPr>
             <p:cNvCxnSpPr>
-              <a:cxnSpLocks/>
-              <a:stCxn id="9" idx="3"/>
+              <a:stCxn id="6" idx="6"/>
+              <a:endCxn id="8" idx="2"/>
             </p:cNvCxnSpPr>
             <p:nvPr/>
           </p:nvCxnSpPr>
           <p:spPr>
-            <a:xfrm>
-              <a:off x="8942456" y="2191041"/>
-              <a:ext cx="1690510" cy="651015"/>
+            <a:xfrm flipV="1">
+              <a:off x="1964654" y="3939336"/>
+              <a:ext cx="2930729" cy="407963"/>
             </a:xfrm>
             <a:prstGeom prst="bentConnector2">
               <a:avLst/>
             </a:prstGeom>
-            <a:grpFill/>
             <a:ln>
               <a:tailEnd type="triangle"/>
             </a:ln>
@@ -4622,105 +4931,32 @@
             </a:fontRef>
           </p:style>
         </p:cxnSp>
-        <p:sp>
-          <p:nvSpPr>
-            <p:cNvPr id="59" name="圆柱体 58">
+        <p:cxnSp>
+          <p:nvCxnSpPr>
+            <p:cNvPr id="39" name="连接符: 肘形 38">
               <a:extLst>
                 <a:ext uri="{FF2B5EF4-FFF2-40B4-BE49-F238E27FC236}">
-                  <a16:creationId xmlns:a16="http://schemas.microsoft.com/office/drawing/2014/main" id="{25632116-1E00-4712-B8B0-81515F3E9106}"/>
+                  <a16:creationId xmlns:a16="http://schemas.microsoft.com/office/drawing/2014/main" id="{9B05B99D-7973-4ED9-9D32-DCABAE89326C}"/>
                 </a:ext>
               </a:extLst>
             </p:cNvPr>
-            <p:cNvSpPr/>
+            <p:cNvCxnSpPr>
+              <a:stCxn id="8" idx="3"/>
+              <a:endCxn id="9" idx="1"/>
+            </p:cNvCxnSpPr>
             <p:nvPr/>
-          </p:nvSpPr>
+          </p:nvCxnSpPr>
           <p:spPr>
-            <a:xfrm>
-              <a:off x="6987045" y="3368292"/>
-              <a:ext cx="1955410" cy="1297745"/>
+            <a:xfrm flipV="1">
+              <a:off x="5873088" y="2398539"/>
+              <a:ext cx="1062376" cy="1108216"/>
             </a:xfrm>
-            <a:prstGeom prst="can">
+            <a:prstGeom prst="bentConnector3">
               <a:avLst/>
             </a:prstGeom>
-            <a:grpFill/>
-          </p:spPr>
-          <p:style>
-            <a:lnRef idx="2">
-              <a:schemeClr val="dk1"/>
-            </a:lnRef>
-            <a:fillRef idx="1">
-              <a:schemeClr val="lt1"/>
-            </a:fillRef>
-            <a:effectRef idx="0">
-              <a:schemeClr val="dk1"/>
-            </a:effectRef>
-            <a:fontRef idx="minor">
-              <a:schemeClr val="dk1"/>
-            </a:fontRef>
-          </p:style>
-          <p:txBody>
-            <a:bodyPr rtlCol="0" anchor="ctr"/>
-            <a:lstStyle/>
-            <a:p>
-              <a:pPr algn="ctr"/>
-              <a:r>
-                <a:rPr lang="en-US" altLang="zh-CN" dirty="0">
-                  <a:latin typeface="Arial" panose="020B0604020202020204" pitchFamily="34" charset="0"/>
-                  <a:cs typeface="Arial" panose="020B0604020202020204" pitchFamily="34" charset="0"/>
-                </a:rPr>
-                <a:t>Position Tokens</a:t>
-              </a:r>
-            </a:p>
-            <a:p>
-              <a:pPr algn="ctr"/>
-              <a:r>
-                <a:rPr lang="en-US" altLang="zh-CN" dirty="0">
-                  <a:latin typeface="Arial" panose="020B0604020202020204" pitchFamily="34" charset="0"/>
-                  <a:cs typeface="Arial" panose="020B0604020202020204" pitchFamily="34" charset="0"/>
-                </a:rPr>
-                <a:t>Collateral Tokens</a:t>
-              </a:r>
-            </a:p>
-            <a:p>
-              <a:pPr algn="ctr"/>
-              <a:r>
-                <a:rPr lang="en-US" altLang="zh-CN" dirty="0">
-                  <a:latin typeface="Arial" panose="020B0604020202020204" pitchFamily="34" charset="0"/>
-                  <a:cs typeface="Arial" panose="020B0604020202020204" pitchFamily="34" charset="0"/>
-                </a:rPr>
-                <a:t>MKT</a:t>
-              </a:r>
-              <a:endParaRPr lang="zh-CN" altLang="en-US" dirty="0">
-                <a:latin typeface="Arial" panose="020B0604020202020204" pitchFamily="34" charset="0"/>
-                <a:cs typeface="Arial" panose="020B0604020202020204" pitchFamily="34" charset="0"/>
-              </a:endParaRPr>
-            </a:p>
-          </p:txBody>
-        </p:sp>
-        <p:sp>
-          <p:nvSpPr>
-            <p:cNvPr id="62" name="左大括号 61">
-              <a:extLst>
-                <a:ext uri="{FF2B5EF4-FFF2-40B4-BE49-F238E27FC236}">
-                  <a16:creationId xmlns:a16="http://schemas.microsoft.com/office/drawing/2014/main" id="{B37ADC2E-AA1F-4233-A03B-306C7CF4C764}"/>
-                </a:ext>
-              </a:extLst>
-            </p:cNvPr>
-            <p:cNvSpPr/>
-            <p:nvPr/>
-          </p:nvSpPr>
-          <p:spPr>
-            <a:xfrm rot="5400000">
-              <a:off x="7616354" y="1869524"/>
-              <a:ext cx="651016" cy="2417371"/>
-            </a:xfrm>
-            <a:prstGeom prst="leftBrace">
-              <a:avLst>
-                <a:gd name="adj1" fmla="val 70999"/>
-                <a:gd name="adj2" fmla="val 50000"/>
-              </a:avLst>
-            </a:prstGeom>
-            <a:grpFill/>
+            <a:ln>
+              <a:tailEnd type="triangle"/>
+            </a:ln>
           </p:spPr>
           <p:style>
             <a:lnRef idx="1">
@@ -4736,223 +4972,8 @@
               <a:schemeClr val="tx1"/>
             </a:fontRef>
           </p:style>
-          <p:txBody>
-            <a:bodyPr rtlCol="0" anchor="ctr"/>
-            <a:lstStyle/>
-            <a:p>
-              <a:pPr algn="ctr"/>
-              <a:endParaRPr lang="zh-CN" altLang="en-US">
-                <a:latin typeface="Arial" panose="020B0604020202020204" pitchFamily="34" charset="0"/>
-                <a:cs typeface="Arial" panose="020B0604020202020204" pitchFamily="34" charset="0"/>
-              </a:endParaRPr>
-            </a:p>
-          </p:txBody>
-        </p:sp>
-        <p:sp>
-          <p:nvSpPr>
-            <p:cNvPr id="63" name="矩形: 圆角 62">
-              <a:extLst>
-                <a:ext uri="{FF2B5EF4-FFF2-40B4-BE49-F238E27FC236}">
-                  <a16:creationId xmlns:a16="http://schemas.microsoft.com/office/drawing/2014/main" id="{C69C2873-0B56-4824-B189-2682AA773FF2}"/>
-                </a:ext>
-              </a:extLst>
-            </p:cNvPr>
-            <p:cNvSpPr/>
-            <p:nvPr/>
-          </p:nvSpPr>
-          <p:spPr>
-            <a:xfrm>
-              <a:off x="9631502" y="2817438"/>
-              <a:ext cx="2171291" cy="914400"/>
-            </a:xfrm>
-            <a:prstGeom prst="roundRect">
-              <a:avLst>
-                <a:gd name="adj" fmla="val 33590"/>
-              </a:avLst>
-            </a:prstGeom>
-            <a:grpFill/>
-            <a:ln>
-              <a:solidFill>
-                <a:schemeClr val="tx1"/>
-              </a:solidFill>
-            </a:ln>
-          </p:spPr>
-          <p:style>
-            <a:lnRef idx="2">
-              <a:schemeClr val="accent1">
-                <a:shade val="50000"/>
-              </a:schemeClr>
-            </a:lnRef>
-            <a:fillRef idx="1">
-              <a:schemeClr val="accent1"/>
-            </a:fillRef>
-            <a:effectRef idx="0">
-              <a:schemeClr val="accent1"/>
-            </a:effectRef>
-            <a:fontRef idx="minor">
-              <a:schemeClr val="lt1"/>
-            </a:fontRef>
-          </p:style>
-          <p:txBody>
-            <a:bodyPr rot="0" spcFirstLastPara="0" vertOverflow="overflow" horzOverflow="overflow" vert="horz" wrap="square" lIns="91440" tIns="45720" rIns="91440" bIns="45720" numCol="1" spcCol="0" rtlCol="0" fromWordArt="0" anchor="ctr" anchorCtr="0" forceAA="0" compatLnSpc="1">
-              <a:prstTxWarp prst="textNoShape">
-                <a:avLst/>
-              </a:prstTxWarp>
-              <a:noAutofit/>
-            </a:bodyPr>
-            <a:lstStyle/>
-            <a:p>
-              <a:pPr algn="ctr"/>
-              <a:r>
-                <a:rPr lang="en-US" altLang="zh-CN" dirty="0">
-                  <a:solidFill>
-                    <a:schemeClr val="tx1"/>
-                  </a:solidFill>
-                  <a:latin typeface="Arial" panose="020B0604020202020204" pitchFamily="34" charset="0"/>
-                  <a:ea typeface="微软雅黑" panose="020B0503020204020204" pitchFamily="34" charset="-122"/>
-                  <a:cs typeface="Arial" panose="020B0604020202020204" pitchFamily="34" charset="0"/>
-                </a:rPr>
-                <a:t>Market Protocol</a:t>
-              </a:r>
-              <a:endParaRPr lang="zh-CN" altLang="en-US" dirty="0">
-                <a:solidFill>
-                  <a:schemeClr val="tx1"/>
-                </a:solidFill>
-                <a:latin typeface="Arial" panose="020B0604020202020204" pitchFamily="34" charset="0"/>
-                <a:ea typeface="微软雅黑" panose="020B0503020204020204" pitchFamily="34" charset="-122"/>
-                <a:cs typeface="Arial" panose="020B0604020202020204" pitchFamily="34" charset="0"/>
-              </a:endParaRPr>
-            </a:p>
-          </p:txBody>
-        </p:sp>
+        </p:cxnSp>
       </p:grpSp>
-      <p:cxnSp>
-        <p:nvCxnSpPr>
-          <p:cNvPr id="33" name="连接符: 肘形 32">
-            <a:extLst>
-              <a:ext uri="{FF2B5EF4-FFF2-40B4-BE49-F238E27FC236}">
-                <a16:creationId xmlns:a16="http://schemas.microsoft.com/office/drawing/2014/main" id="{098AD45F-AF8B-4B74-A9D4-99DE4E87CDB5}"/>
-              </a:ext>
-            </a:extLst>
-          </p:cNvPr>
-          <p:cNvCxnSpPr>
-            <a:cxnSpLocks/>
-            <a:stCxn id="4" idx="6"/>
-            <a:endCxn id="8" idx="0"/>
-          </p:cNvCxnSpPr>
-          <p:nvPr/>
-        </p:nvCxnSpPr>
-        <p:spPr>
-          <a:xfrm>
-            <a:off x="1964654" y="2386419"/>
-            <a:ext cx="2930729" cy="687754"/>
-          </a:xfrm>
-          <a:prstGeom prst="bentConnector2">
-            <a:avLst/>
-          </a:prstGeom>
-          <a:ln>
-            <a:tailEnd type="triangle"/>
-          </a:ln>
-        </p:spPr>
-        <p:style>
-          <a:lnRef idx="1">
-            <a:schemeClr val="dk1"/>
-          </a:lnRef>
-          <a:fillRef idx="0">
-            <a:schemeClr val="dk1"/>
-          </a:fillRef>
-          <a:effectRef idx="0">
-            <a:schemeClr val="dk1"/>
-          </a:effectRef>
-          <a:fontRef idx="minor">
-            <a:schemeClr val="tx1"/>
-          </a:fontRef>
-        </p:style>
-      </p:cxnSp>
-      <p:cxnSp>
-        <p:nvCxnSpPr>
-          <p:cNvPr id="36" name="连接符: 肘形 35">
-            <a:extLst>
-              <a:ext uri="{FF2B5EF4-FFF2-40B4-BE49-F238E27FC236}">
-                <a16:creationId xmlns:a16="http://schemas.microsoft.com/office/drawing/2014/main" id="{AD784253-2D17-429C-AF32-B5F69BE90057}"/>
-              </a:ext>
-            </a:extLst>
-          </p:cNvPr>
-          <p:cNvCxnSpPr>
-            <a:stCxn id="6" idx="6"/>
-            <a:endCxn id="8" idx="2"/>
-          </p:cNvCxnSpPr>
-          <p:nvPr/>
-        </p:nvCxnSpPr>
-        <p:spPr>
-          <a:xfrm flipV="1">
-            <a:off x="1964654" y="3939336"/>
-            <a:ext cx="2930729" cy="407963"/>
-          </a:xfrm>
-          <a:prstGeom prst="bentConnector2">
-            <a:avLst/>
-          </a:prstGeom>
-          <a:ln>
-            <a:tailEnd type="triangle"/>
-          </a:ln>
-        </p:spPr>
-        <p:style>
-          <a:lnRef idx="1">
-            <a:schemeClr val="dk1"/>
-          </a:lnRef>
-          <a:fillRef idx="0">
-            <a:schemeClr val="dk1"/>
-          </a:fillRef>
-          <a:effectRef idx="0">
-            <a:schemeClr val="dk1"/>
-          </a:effectRef>
-          <a:fontRef idx="minor">
-            <a:schemeClr val="tx1"/>
-          </a:fontRef>
-        </p:style>
-      </p:cxnSp>
-      <p:cxnSp>
-        <p:nvCxnSpPr>
-          <p:cNvPr id="39" name="连接符: 肘形 38">
-            <a:extLst>
-              <a:ext uri="{FF2B5EF4-FFF2-40B4-BE49-F238E27FC236}">
-                <a16:creationId xmlns:a16="http://schemas.microsoft.com/office/drawing/2014/main" id="{9B05B99D-7973-4ED9-9D32-DCABAE89326C}"/>
-              </a:ext>
-            </a:extLst>
-          </p:cNvPr>
-          <p:cNvCxnSpPr>
-            <a:stCxn id="8" idx="3"/>
-            <a:endCxn id="9" idx="1"/>
-          </p:cNvCxnSpPr>
-          <p:nvPr/>
-        </p:nvCxnSpPr>
-        <p:spPr>
-          <a:xfrm flipV="1">
-            <a:off x="5873088" y="2398539"/>
-            <a:ext cx="1062376" cy="1108216"/>
-          </a:xfrm>
-          <a:prstGeom prst="bentConnector3">
-            <a:avLst/>
-          </a:prstGeom>
-          <a:ln>
-            <a:tailEnd type="triangle"/>
-          </a:ln>
-        </p:spPr>
-        <p:style>
-          <a:lnRef idx="1">
-            <a:schemeClr val="dk1"/>
-          </a:lnRef>
-          <a:fillRef idx="0">
-            <a:schemeClr val="dk1"/>
-          </a:fillRef>
-          <a:effectRef idx="0">
-            <a:schemeClr val="dk1"/>
-          </a:effectRef>
-          <a:fontRef idx="minor">
-            <a:schemeClr val="tx1"/>
-          </a:fontRef>
-        </p:style>
-      </p:cxnSp>
     </p:spTree>
     <p:extLst>
       <p:ext uri="{BB962C8B-B14F-4D97-AF65-F5344CB8AC3E}">
@@ -4993,10 +5014,10 @@
       </p:grpSpPr>
       <p:grpSp>
         <p:nvGrpSpPr>
-          <p:cNvPr id="2" name="组合 1">
+          <p:cNvPr id="3" name="组合 2">
             <a:extLst>
               <a:ext uri="{FF2B5EF4-FFF2-40B4-BE49-F238E27FC236}">
-                <a16:creationId xmlns:a16="http://schemas.microsoft.com/office/drawing/2014/main" id="{A50B6FF4-74B8-4A9B-B0A5-2B9C077D8139}"/>
+                <a16:creationId xmlns:a16="http://schemas.microsoft.com/office/drawing/2014/main" id="{5B773D05-28DF-48EC-A0F7-4141924CB75B}"/>
               </a:ext>
             </a:extLst>
           </p:cNvPr>
@@ -5007,961 +5028,1255 @@
           <a:xfrm>
             <a:off x="440788" y="559190"/>
             <a:ext cx="11310424" cy="5739619"/>
-            <a:chOff x="492369" y="351692"/>
+            <a:chOff x="440788" y="559190"/>
             <a:chExt cx="11310424" cy="5739619"/>
           </a:xfrm>
         </p:grpSpPr>
-        <p:sp>
-          <p:nvSpPr>
-            <p:cNvPr id="22" name="矩形: 圆角 21">
+        <p:grpSp>
+          <p:nvGrpSpPr>
+            <p:cNvPr id="2" name="组合 1">
               <a:extLst>
                 <a:ext uri="{FF2B5EF4-FFF2-40B4-BE49-F238E27FC236}">
-                  <a16:creationId xmlns:a16="http://schemas.microsoft.com/office/drawing/2014/main" id="{E653A227-7A55-41AE-B26A-C3ABB8F6705F}"/>
+                  <a16:creationId xmlns:a16="http://schemas.microsoft.com/office/drawing/2014/main" id="{A50B6FF4-74B8-4A9B-B0A5-2B9C077D8139}"/>
                 </a:ext>
               </a:extLst>
             </p:cNvPr>
-            <p:cNvSpPr/>
+            <p:cNvGrpSpPr/>
             <p:nvPr/>
-          </p:nvSpPr>
-          <p:spPr>
+          </p:nvGrpSpPr>
+          <p:grpSpPr>
             <a:xfrm>
-              <a:off x="3709353" y="1028239"/>
-              <a:ext cx="5561247" cy="4206240"/>
+              <a:off x="440788" y="559190"/>
+              <a:ext cx="11310424" cy="5739619"/>
+              <a:chOff x="492369" y="351692"/>
+              <a:chExt cx="11310424" cy="5739619"/>
             </a:xfrm>
-            <a:prstGeom prst="roundRect">
-              <a:avLst>
-                <a:gd name="adj" fmla="val 12988"/>
-              </a:avLst>
-            </a:prstGeom>
-            <a:noFill/>
-            <a:ln>
-              <a:solidFill>
-                <a:schemeClr val="bg1"/>
-              </a:solidFill>
-            </a:ln>
-          </p:spPr>
-          <p:style>
-            <a:lnRef idx="2">
-              <a:schemeClr val="accent1">
-                <a:shade val="50000"/>
-              </a:schemeClr>
-            </a:lnRef>
-            <a:fillRef idx="1">
-              <a:schemeClr val="accent1"/>
-            </a:fillRef>
-            <a:effectRef idx="0">
-              <a:schemeClr val="accent1"/>
-            </a:effectRef>
-            <a:fontRef idx="minor">
-              <a:schemeClr val="lt1"/>
-            </a:fontRef>
-          </p:style>
-          <p:txBody>
-            <a:bodyPr rtlCol="0" anchor="ctr"/>
-            <a:lstStyle/>
-            <a:p>
-              <a:pPr algn="ctr"/>
-              <a:endParaRPr lang="zh-CN" altLang="en-US" dirty="0">
+          </p:grpSpPr>
+          <p:sp>
+            <p:nvSpPr>
+              <p:cNvPr id="22" name="矩形: 圆角 21">
+                <a:extLst>
+                  <a:ext uri="{FF2B5EF4-FFF2-40B4-BE49-F238E27FC236}">
+                    <a16:creationId xmlns:a16="http://schemas.microsoft.com/office/drawing/2014/main" id="{E653A227-7A55-41AE-B26A-C3ABB8F6705F}"/>
+                  </a:ext>
+                </a:extLst>
+              </p:cNvPr>
+              <p:cNvSpPr/>
+              <p:nvPr/>
+            </p:nvSpPr>
+            <p:spPr>
+              <a:xfrm>
+                <a:off x="3709353" y="1028239"/>
+                <a:ext cx="5561247" cy="4206240"/>
+              </a:xfrm>
+              <a:prstGeom prst="roundRect">
+                <a:avLst>
+                  <a:gd name="adj" fmla="val 12988"/>
+                </a:avLst>
+              </a:prstGeom>
+              <a:noFill/>
+              <a:ln>
                 <a:solidFill>
                   <a:schemeClr val="bg1"/>
                 </a:solidFill>
-                <a:latin typeface="Arial" panose="020B0604020202020204" pitchFamily="34" charset="0"/>
-                <a:cs typeface="Arial" panose="020B0604020202020204" pitchFamily="34" charset="0"/>
-              </a:endParaRPr>
-            </a:p>
-          </p:txBody>
-        </p:sp>
-        <p:sp>
-          <p:nvSpPr>
-            <p:cNvPr id="4" name="椭圆 3">
-              <a:extLst>
-                <a:ext uri="{FF2B5EF4-FFF2-40B4-BE49-F238E27FC236}">
-                  <a16:creationId xmlns:a16="http://schemas.microsoft.com/office/drawing/2014/main" id="{5078006F-1272-4C97-A568-5488F526E11F}"/>
-                </a:ext>
-              </a:extLst>
-            </p:cNvPr>
-            <p:cNvSpPr/>
-            <p:nvPr/>
-          </p:nvSpPr>
-          <p:spPr>
-            <a:xfrm>
-              <a:off x="492369" y="1746339"/>
-              <a:ext cx="1523866" cy="865163"/>
-            </a:xfrm>
-            <a:prstGeom prst="ellipse">
-              <a:avLst/>
-            </a:prstGeom>
-            <a:noFill/>
-            <a:ln>
-              <a:solidFill>
-                <a:schemeClr val="bg1"/>
-              </a:solidFill>
-            </a:ln>
-          </p:spPr>
-          <p:style>
-            <a:lnRef idx="2">
-              <a:schemeClr val="dk1"/>
-            </a:lnRef>
-            <a:fillRef idx="1">
-              <a:schemeClr val="lt1"/>
-            </a:fillRef>
-            <a:effectRef idx="0">
-              <a:schemeClr val="dk1"/>
-            </a:effectRef>
-            <a:fontRef idx="minor">
-              <a:schemeClr val="dk1"/>
-            </a:fontRef>
-          </p:style>
-          <p:txBody>
-            <a:bodyPr rtlCol="0" anchor="ctr"/>
-            <a:lstStyle/>
-            <a:p>
-              <a:pPr algn="ctr"/>
-              <a:r>
-                <a:rPr lang="en-US" altLang="zh-CN" dirty="0">
+              </a:ln>
+            </p:spPr>
+            <p:style>
+              <a:lnRef idx="2">
+                <a:schemeClr val="accent1">
+                  <a:shade val="50000"/>
+                </a:schemeClr>
+              </a:lnRef>
+              <a:fillRef idx="1">
+                <a:schemeClr val="accent1"/>
+              </a:fillRef>
+              <a:effectRef idx="0">
+                <a:schemeClr val="accent1"/>
+              </a:effectRef>
+              <a:fontRef idx="minor">
+                <a:schemeClr val="lt1"/>
+              </a:fontRef>
+            </p:style>
+            <p:txBody>
+              <a:bodyPr rtlCol="0" anchor="ctr"/>
+              <a:lstStyle/>
+              <a:p>
+                <a:pPr algn="ctr"/>
+                <a:endParaRPr lang="zh-CN" altLang="en-US" dirty="0">
+                  <a:solidFill>
+                    <a:schemeClr val="bg1"/>
+                  </a:solidFill>
+                  <a:latin typeface="Arial" panose="020B0604020202020204" pitchFamily="34" charset="0"/>
+                  <a:cs typeface="Arial" panose="020B0604020202020204" pitchFamily="34" charset="0"/>
+                </a:endParaRPr>
+              </a:p>
+            </p:txBody>
+          </p:sp>
+          <p:sp>
+            <p:nvSpPr>
+              <p:cNvPr id="4" name="椭圆 3">
+                <a:extLst>
+                  <a:ext uri="{FF2B5EF4-FFF2-40B4-BE49-F238E27FC236}">
+                    <a16:creationId xmlns:a16="http://schemas.microsoft.com/office/drawing/2014/main" id="{5078006F-1272-4C97-A568-5488F526E11F}"/>
+                  </a:ext>
+                </a:extLst>
+              </p:cNvPr>
+              <p:cNvSpPr/>
+              <p:nvPr/>
+            </p:nvSpPr>
+            <p:spPr>
+              <a:xfrm>
+                <a:off x="492369" y="1746339"/>
+                <a:ext cx="1523866" cy="865163"/>
+              </a:xfrm>
+              <a:prstGeom prst="ellipse">
+                <a:avLst/>
+              </a:prstGeom>
+              <a:noFill/>
+              <a:ln>
+                <a:solidFill>
+                  <a:schemeClr val="bg1"/>
+                </a:solidFill>
+              </a:ln>
+            </p:spPr>
+            <p:style>
+              <a:lnRef idx="2">
+                <a:schemeClr val="dk1"/>
+              </a:lnRef>
+              <a:fillRef idx="1">
+                <a:schemeClr val="lt1"/>
+              </a:fillRef>
+              <a:effectRef idx="0">
+                <a:schemeClr val="dk1"/>
+              </a:effectRef>
+              <a:fontRef idx="minor">
+                <a:schemeClr val="dk1"/>
+              </a:fontRef>
+            </p:style>
+            <p:txBody>
+              <a:bodyPr rtlCol="0" anchor="ctr"/>
+              <a:lstStyle/>
+              <a:p>
+                <a:pPr algn="ctr"/>
+                <a:r>
+                  <a:rPr lang="en-US" altLang="zh-CN" dirty="0">
+                    <a:solidFill>
+                      <a:schemeClr val="bg1"/>
+                    </a:solidFill>
+                    <a:latin typeface="Arial" panose="020B0604020202020204" pitchFamily="34" charset="0"/>
+                    <a:ea typeface="微软雅黑" panose="020B0503020204020204" pitchFamily="34" charset="-122"/>
+                    <a:cs typeface="Arial" panose="020B0604020202020204" pitchFamily="34" charset="0"/>
+                  </a:rPr>
+                  <a:t>Traders</a:t>
+                </a:r>
+                <a:endParaRPr lang="zh-CN" altLang="en-US" dirty="0">
                   <a:solidFill>
                     <a:schemeClr val="bg1"/>
                   </a:solidFill>
                   <a:latin typeface="Arial" panose="020B0604020202020204" pitchFamily="34" charset="0"/>
                   <a:ea typeface="微软雅黑" panose="020B0503020204020204" pitchFamily="34" charset="-122"/>
                   <a:cs typeface="Arial" panose="020B0604020202020204" pitchFamily="34" charset="0"/>
-                </a:rPr>
-                <a:t>Traders</a:t>
-              </a:r>
-              <a:endParaRPr lang="zh-CN" altLang="en-US" dirty="0">
+                </a:endParaRPr>
+              </a:p>
+            </p:txBody>
+          </p:sp>
+          <p:sp>
+            <p:nvSpPr>
+              <p:cNvPr id="6" name="椭圆 5">
+                <a:extLst>
+                  <a:ext uri="{FF2B5EF4-FFF2-40B4-BE49-F238E27FC236}">
+                    <a16:creationId xmlns:a16="http://schemas.microsoft.com/office/drawing/2014/main" id="{DFE8BB6D-944B-47D8-A989-9A77B2AF67DE}"/>
+                  </a:ext>
+                </a:extLst>
+              </p:cNvPr>
+              <p:cNvSpPr/>
+              <p:nvPr/>
+            </p:nvSpPr>
+            <p:spPr>
+              <a:xfrm>
+                <a:off x="492369" y="3707219"/>
+                <a:ext cx="1523866" cy="865163"/>
+              </a:xfrm>
+              <a:prstGeom prst="ellipse">
+                <a:avLst/>
+              </a:prstGeom>
+              <a:noFill/>
+              <a:ln>
                 <a:solidFill>
                   <a:schemeClr val="bg1"/>
                 </a:solidFill>
-                <a:latin typeface="Arial" panose="020B0604020202020204" pitchFamily="34" charset="0"/>
-                <a:ea typeface="微软雅黑" panose="020B0503020204020204" pitchFamily="34" charset="-122"/>
-                <a:cs typeface="Arial" panose="020B0604020202020204" pitchFamily="34" charset="0"/>
-              </a:endParaRPr>
-            </a:p>
-          </p:txBody>
-        </p:sp>
-        <p:sp>
-          <p:nvSpPr>
-            <p:cNvPr id="6" name="椭圆 5">
-              <a:extLst>
-                <a:ext uri="{FF2B5EF4-FFF2-40B4-BE49-F238E27FC236}">
-                  <a16:creationId xmlns:a16="http://schemas.microsoft.com/office/drawing/2014/main" id="{DFE8BB6D-944B-47D8-A989-9A77B2AF67DE}"/>
-                </a:ext>
-              </a:extLst>
-            </p:cNvPr>
-            <p:cNvSpPr/>
-            <p:nvPr/>
-          </p:nvSpPr>
-          <p:spPr>
-            <a:xfrm>
-              <a:off x="492369" y="3707219"/>
-              <a:ext cx="1523866" cy="865163"/>
-            </a:xfrm>
-            <a:prstGeom prst="ellipse">
-              <a:avLst/>
-            </a:prstGeom>
-            <a:noFill/>
-            <a:ln>
-              <a:solidFill>
-                <a:schemeClr val="bg1"/>
-              </a:solidFill>
-            </a:ln>
-          </p:spPr>
-          <p:style>
-            <a:lnRef idx="2">
-              <a:schemeClr val="dk1"/>
-            </a:lnRef>
-            <a:fillRef idx="1">
-              <a:schemeClr val="lt1"/>
-            </a:fillRef>
-            <a:effectRef idx="0">
-              <a:schemeClr val="dk1"/>
-            </a:effectRef>
-            <a:fontRef idx="minor">
-              <a:schemeClr val="dk1"/>
-            </a:fontRef>
-          </p:style>
-          <p:txBody>
-            <a:bodyPr rtlCol="0" anchor="ctr"/>
-            <a:lstStyle/>
-            <a:p>
-              <a:pPr algn="ctr"/>
-              <a:r>
-                <a:rPr lang="en-US" altLang="zh-CN" dirty="0" err="1">
+              </a:ln>
+            </p:spPr>
+            <p:style>
+              <a:lnRef idx="2">
+                <a:schemeClr val="dk1"/>
+              </a:lnRef>
+              <a:fillRef idx="1">
+                <a:schemeClr val="lt1"/>
+              </a:fillRef>
+              <a:effectRef idx="0">
+                <a:schemeClr val="dk1"/>
+              </a:effectRef>
+              <a:fontRef idx="minor">
+                <a:schemeClr val="dk1"/>
+              </a:fontRef>
+            </p:style>
+            <p:txBody>
+              <a:bodyPr rtlCol="0" anchor="ctr"/>
+              <a:lstStyle/>
+              <a:p>
+                <a:pPr algn="ctr"/>
+                <a:r>
+                  <a:rPr lang="en-US" altLang="zh-CN" dirty="0" err="1">
+                    <a:solidFill>
+                      <a:schemeClr val="bg1"/>
+                    </a:solidFill>
+                    <a:latin typeface="Arial" panose="020B0604020202020204" pitchFamily="34" charset="0"/>
+                    <a:ea typeface="微软雅黑" panose="020B0503020204020204" pitchFamily="34" charset="-122"/>
+                    <a:cs typeface="Arial" panose="020B0604020202020204" pitchFamily="34" charset="0"/>
+                  </a:rPr>
+                  <a:t>Relayer</a:t>
+                </a:r>
+                <a:endParaRPr lang="zh-CN" altLang="en-US" dirty="0">
                   <a:solidFill>
                     <a:schemeClr val="bg1"/>
                   </a:solidFill>
                   <a:latin typeface="Arial" panose="020B0604020202020204" pitchFamily="34" charset="0"/>
                   <a:ea typeface="微软雅黑" panose="020B0503020204020204" pitchFamily="34" charset="-122"/>
                   <a:cs typeface="Arial" panose="020B0604020202020204" pitchFamily="34" charset="0"/>
-                </a:rPr>
-                <a:t>Relayer</a:t>
-              </a:r>
-              <a:endParaRPr lang="zh-CN" altLang="en-US" dirty="0">
+                </a:endParaRPr>
+              </a:p>
+            </p:txBody>
+          </p:sp>
+          <p:sp>
+            <p:nvSpPr>
+              <p:cNvPr id="8" name="矩形 7">
+                <a:extLst>
+                  <a:ext uri="{FF2B5EF4-FFF2-40B4-BE49-F238E27FC236}">
+                    <a16:creationId xmlns:a16="http://schemas.microsoft.com/office/drawing/2014/main" id="{A9E9D41C-A2BD-4393-81B9-C711573B3A84}"/>
+                  </a:ext>
+                </a:extLst>
+              </p:cNvPr>
+              <p:cNvSpPr/>
+              <p:nvPr/>
+            </p:nvSpPr>
+            <p:spPr>
+              <a:xfrm>
+                <a:off x="3969258" y="2866675"/>
+                <a:ext cx="1955411" cy="865163"/>
+              </a:xfrm>
+              <a:prstGeom prst="rect">
+                <a:avLst/>
+              </a:prstGeom>
+              <a:noFill/>
+              <a:ln>
                 <a:solidFill>
                   <a:schemeClr val="bg1"/>
                 </a:solidFill>
-                <a:latin typeface="Arial" panose="020B0604020202020204" pitchFamily="34" charset="0"/>
-                <a:ea typeface="微软雅黑" panose="020B0503020204020204" pitchFamily="34" charset="-122"/>
-                <a:cs typeface="Arial" panose="020B0604020202020204" pitchFamily="34" charset="0"/>
-              </a:endParaRPr>
-            </a:p>
-          </p:txBody>
-        </p:sp>
-        <p:sp>
-          <p:nvSpPr>
-            <p:cNvPr id="8" name="矩形 7">
-              <a:extLst>
-                <a:ext uri="{FF2B5EF4-FFF2-40B4-BE49-F238E27FC236}">
-                  <a16:creationId xmlns:a16="http://schemas.microsoft.com/office/drawing/2014/main" id="{A9E9D41C-A2BD-4393-81B9-C711573B3A84}"/>
-                </a:ext>
-              </a:extLst>
-            </p:cNvPr>
-            <p:cNvSpPr/>
-            <p:nvPr/>
-          </p:nvSpPr>
-          <p:spPr>
-            <a:xfrm>
-              <a:off x="3969258" y="2866675"/>
-              <a:ext cx="1955411" cy="865163"/>
-            </a:xfrm>
-            <a:prstGeom prst="rect">
-              <a:avLst/>
-            </a:prstGeom>
-            <a:noFill/>
-            <a:ln>
-              <a:solidFill>
-                <a:schemeClr val="bg1"/>
-              </a:solidFill>
-            </a:ln>
-          </p:spPr>
-          <p:style>
-            <a:lnRef idx="2">
-              <a:schemeClr val="dk1"/>
-            </a:lnRef>
-            <a:fillRef idx="1">
-              <a:schemeClr val="lt1"/>
-            </a:fillRef>
-            <a:effectRef idx="0">
-              <a:schemeClr val="dk1"/>
-            </a:effectRef>
-            <a:fontRef idx="minor">
-              <a:schemeClr val="dk1"/>
-            </a:fontRef>
-          </p:style>
-          <p:txBody>
-            <a:bodyPr rot="0" spcFirstLastPara="0" vertOverflow="overflow" horzOverflow="overflow" vert="horz" wrap="square" lIns="91440" tIns="45720" rIns="91440" bIns="45720" numCol="1" spcCol="0" rtlCol="0" fromWordArt="0" anchor="ctr" anchorCtr="0" forceAA="0" compatLnSpc="1">
-              <a:prstTxWarp prst="textNoShape">
-                <a:avLst/>
-              </a:prstTxWarp>
-              <a:noAutofit/>
-            </a:bodyPr>
-            <a:lstStyle/>
-            <a:p>
-              <a:pPr algn="ctr"/>
-              <a:r>
-                <a:rPr lang="en-US" altLang="zh-CN" dirty="0">
+              </a:ln>
+            </p:spPr>
+            <p:style>
+              <a:lnRef idx="2">
+                <a:schemeClr val="dk1"/>
+              </a:lnRef>
+              <a:fillRef idx="1">
+                <a:schemeClr val="lt1"/>
+              </a:fillRef>
+              <a:effectRef idx="0">
+                <a:schemeClr val="dk1"/>
+              </a:effectRef>
+              <a:fontRef idx="minor">
+                <a:schemeClr val="dk1"/>
+              </a:fontRef>
+            </p:style>
+            <p:txBody>
+              <a:bodyPr rot="0" spcFirstLastPara="0" vertOverflow="overflow" horzOverflow="overflow" vert="horz" wrap="square" lIns="91440" tIns="45720" rIns="91440" bIns="45720" numCol="1" spcCol="0" rtlCol="0" fromWordArt="0" anchor="ctr" anchorCtr="0" forceAA="0" compatLnSpc="1">
+                <a:prstTxWarp prst="textNoShape">
+                  <a:avLst/>
+                </a:prstTxWarp>
+                <a:noAutofit/>
+              </a:bodyPr>
+              <a:lstStyle/>
+              <a:p>
+                <a:pPr algn="ctr"/>
+                <a:r>
+                  <a:rPr lang="en-US" altLang="zh-CN" dirty="0">
+                    <a:solidFill>
+                      <a:schemeClr val="bg1"/>
+                    </a:solidFill>
+                    <a:latin typeface="Arial" panose="020B0604020202020204" pitchFamily="34" charset="0"/>
+                    <a:ea typeface="微软雅黑" panose="020B0503020204020204" pitchFamily="34" charset="-122"/>
+                    <a:cs typeface="Arial" panose="020B0604020202020204" pitchFamily="34" charset="0"/>
+                  </a:rPr>
+                  <a:t>Mai Exchange</a:t>
+                </a:r>
+                <a:endParaRPr lang="zh-CN" altLang="en-US" dirty="0">
                   <a:solidFill>
                     <a:schemeClr val="bg1"/>
                   </a:solidFill>
                   <a:latin typeface="Arial" panose="020B0604020202020204" pitchFamily="34" charset="0"/>
                   <a:ea typeface="微软雅黑" panose="020B0503020204020204" pitchFamily="34" charset="-122"/>
                   <a:cs typeface="Arial" panose="020B0604020202020204" pitchFamily="34" charset="0"/>
-                </a:rPr>
-                <a:t>Mai Exchange</a:t>
-              </a:r>
-              <a:endParaRPr lang="zh-CN" altLang="en-US" dirty="0">
+                </a:endParaRPr>
+              </a:p>
+            </p:txBody>
+          </p:sp>
+          <p:sp>
+            <p:nvSpPr>
+              <p:cNvPr id="9" name="矩形 8">
+                <a:extLst>
+                  <a:ext uri="{FF2B5EF4-FFF2-40B4-BE49-F238E27FC236}">
+                    <a16:creationId xmlns:a16="http://schemas.microsoft.com/office/drawing/2014/main" id="{94AEDBFB-F59B-46D1-A626-129D6E572754}"/>
+                  </a:ext>
+                </a:extLst>
+              </p:cNvPr>
+              <p:cNvSpPr/>
+              <p:nvPr/>
+            </p:nvSpPr>
+            <p:spPr>
+              <a:xfrm>
+                <a:off x="6987045" y="1758459"/>
+                <a:ext cx="1955411" cy="865163"/>
+              </a:xfrm>
+              <a:prstGeom prst="rect">
+                <a:avLst/>
+              </a:prstGeom>
+              <a:noFill/>
+              <a:ln>
                 <a:solidFill>
                   <a:schemeClr val="bg1"/>
                 </a:solidFill>
-                <a:latin typeface="Arial" panose="020B0604020202020204" pitchFamily="34" charset="0"/>
-                <a:ea typeface="微软雅黑" panose="020B0503020204020204" pitchFamily="34" charset="-122"/>
-                <a:cs typeface="Arial" panose="020B0604020202020204" pitchFamily="34" charset="0"/>
-              </a:endParaRPr>
-            </a:p>
-          </p:txBody>
-        </p:sp>
-        <p:sp>
-          <p:nvSpPr>
-            <p:cNvPr id="9" name="矩形 8">
-              <a:extLst>
-                <a:ext uri="{FF2B5EF4-FFF2-40B4-BE49-F238E27FC236}">
-                  <a16:creationId xmlns:a16="http://schemas.microsoft.com/office/drawing/2014/main" id="{94AEDBFB-F59B-46D1-A626-129D6E572754}"/>
-                </a:ext>
-              </a:extLst>
-            </p:cNvPr>
-            <p:cNvSpPr/>
-            <p:nvPr/>
-          </p:nvSpPr>
-          <p:spPr>
-            <a:xfrm>
-              <a:off x="6987045" y="1758459"/>
-              <a:ext cx="1955411" cy="865163"/>
-            </a:xfrm>
-            <a:prstGeom prst="rect">
-              <a:avLst/>
-            </a:prstGeom>
-            <a:noFill/>
-            <a:ln>
-              <a:solidFill>
-                <a:schemeClr val="bg1"/>
-              </a:solidFill>
-            </a:ln>
-          </p:spPr>
-          <p:style>
-            <a:lnRef idx="2">
-              <a:schemeClr val="dk1"/>
-            </a:lnRef>
-            <a:fillRef idx="1">
-              <a:schemeClr val="lt1"/>
-            </a:fillRef>
-            <a:effectRef idx="0">
-              <a:schemeClr val="dk1"/>
-            </a:effectRef>
-            <a:fontRef idx="minor">
-              <a:schemeClr val="dk1"/>
-            </a:fontRef>
-          </p:style>
-          <p:txBody>
-            <a:bodyPr rot="0" spcFirstLastPara="0" vertOverflow="overflow" horzOverflow="overflow" vert="horz" wrap="square" lIns="91440" tIns="45720" rIns="91440" bIns="45720" numCol="1" spcCol="0" rtlCol="0" fromWordArt="0" anchor="ctr" anchorCtr="0" forceAA="0" compatLnSpc="1">
-              <a:prstTxWarp prst="textNoShape">
-                <a:avLst/>
-              </a:prstTxWarp>
-              <a:noAutofit/>
-            </a:bodyPr>
-            <a:lstStyle/>
-            <a:p>
-              <a:pPr algn="ctr"/>
-              <a:r>
-                <a:rPr lang="en-US" altLang="zh-CN" dirty="0">
+              </a:ln>
+            </p:spPr>
+            <p:style>
+              <a:lnRef idx="2">
+                <a:schemeClr val="dk1"/>
+              </a:lnRef>
+              <a:fillRef idx="1">
+                <a:schemeClr val="lt1"/>
+              </a:fillRef>
+              <a:effectRef idx="0">
+                <a:schemeClr val="dk1"/>
+              </a:effectRef>
+              <a:fontRef idx="minor">
+                <a:schemeClr val="dk1"/>
+              </a:fontRef>
+            </p:style>
+            <p:txBody>
+              <a:bodyPr rot="0" spcFirstLastPara="0" vertOverflow="overflow" horzOverflow="overflow" vert="horz" wrap="square" lIns="91440" tIns="45720" rIns="91440" bIns="45720" numCol="1" spcCol="0" rtlCol="0" fromWordArt="0" anchor="ctr" anchorCtr="0" forceAA="0" compatLnSpc="1">
+                <a:prstTxWarp prst="textNoShape">
+                  <a:avLst/>
+                </a:prstTxWarp>
+                <a:noAutofit/>
+              </a:bodyPr>
+              <a:lstStyle/>
+              <a:p>
+                <a:pPr algn="ctr"/>
+                <a:r>
+                  <a:rPr lang="en-US" altLang="zh-CN" dirty="0">
+                    <a:solidFill>
+                      <a:schemeClr val="bg1"/>
+                    </a:solidFill>
+                    <a:latin typeface="Arial" panose="020B0604020202020204" pitchFamily="34" charset="0"/>
+                    <a:ea typeface="微软雅黑" panose="020B0503020204020204" pitchFamily="34" charset="-122"/>
+                    <a:cs typeface="Arial" panose="020B0604020202020204" pitchFamily="34" charset="0"/>
+                  </a:rPr>
+                  <a:t>Minting Pool</a:t>
+                </a:r>
+                <a:endParaRPr lang="zh-CN" altLang="en-US" dirty="0">
                   <a:solidFill>
                     <a:schemeClr val="bg1"/>
                   </a:solidFill>
                   <a:latin typeface="Arial" panose="020B0604020202020204" pitchFamily="34" charset="0"/>
                   <a:ea typeface="微软雅黑" panose="020B0503020204020204" pitchFamily="34" charset="-122"/>
                   <a:cs typeface="Arial" panose="020B0604020202020204" pitchFamily="34" charset="0"/>
-                </a:rPr>
-                <a:t>Minting Pool</a:t>
-              </a:r>
-              <a:endParaRPr lang="zh-CN" altLang="en-US" dirty="0">
+                </a:endParaRPr>
+              </a:p>
+            </p:txBody>
+          </p:sp>
+          <p:sp>
+            <p:nvSpPr>
+              <p:cNvPr id="12" name="文本框 11">
+                <a:extLst>
+                  <a:ext uri="{FF2B5EF4-FFF2-40B4-BE49-F238E27FC236}">
+                    <a16:creationId xmlns:a16="http://schemas.microsoft.com/office/drawing/2014/main" id="{867A7F36-3EDA-4E1A-A334-9B90564A1878}"/>
+                  </a:ext>
+                </a:extLst>
+              </p:cNvPr>
+              <p:cNvSpPr txBox="1"/>
+              <p:nvPr/>
+            </p:nvSpPr>
+            <p:spPr>
+              <a:xfrm>
+                <a:off x="3259414" y="387276"/>
+                <a:ext cx="1159292" cy="369332"/>
+              </a:xfrm>
+              <a:prstGeom prst="rect">
+                <a:avLst/>
+              </a:prstGeom>
+              <a:noFill/>
+              <a:ln>
                 <a:solidFill>
                   <a:schemeClr val="bg1"/>
                 </a:solidFill>
-                <a:latin typeface="Arial" panose="020B0604020202020204" pitchFamily="34" charset="0"/>
-                <a:ea typeface="微软雅黑" panose="020B0503020204020204" pitchFamily="34" charset="-122"/>
-                <a:cs typeface="Arial" panose="020B0604020202020204" pitchFamily="34" charset="0"/>
-              </a:endParaRPr>
-            </a:p>
-          </p:txBody>
-        </p:sp>
-        <p:sp>
-          <p:nvSpPr>
-            <p:cNvPr id="12" name="文本框 11">
-              <a:extLst>
-                <a:ext uri="{FF2B5EF4-FFF2-40B4-BE49-F238E27FC236}">
-                  <a16:creationId xmlns:a16="http://schemas.microsoft.com/office/drawing/2014/main" id="{867A7F36-3EDA-4E1A-A334-9B90564A1878}"/>
-                </a:ext>
-              </a:extLst>
-            </p:cNvPr>
-            <p:cNvSpPr txBox="1"/>
-            <p:nvPr/>
-          </p:nvSpPr>
-          <p:spPr>
-            <a:xfrm>
-              <a:off x="3259414" y="387276"/>
-              <a:ext cx="1159292" cy="369332"/>
-            </a:xfrm>
-            <a:prstGeom prst="rect">
-              <a:avLst/>
-            </a:prstGeom>
-            <a:noFill/>
-            <a:ln>
-              <a:solidFill>
-                <a:schemeClr val="bg1"/>
-              </a:solidFill>
-            </a:ln>
-          </p:spPr>
-          <p:txBody>
-            <a:bodyPr wrap="none" rtlCol="0">
-              <a:spAutoFit/>
-            </a:bodyPr>
-            <a:lstStyle/>
-            <a:p>
-              <a:r>
-                <a:rPr lang="en-US" altLang="zh-CN" dirty="0">
-                  <a:solidFill>
-                    <a:schemeClr val="bg1"/>
-                  </a:solidFill>
-                  <a:latin typeface="Arial" panose="020B0604020202020204" pitchFamily="34" charset="0"/>
-                  <a:ea typeface="Source Sans Pro" panose="020B0503030403020204" pitchFamily="34" charset="0"/>
-                  <a:cs typeface="Arial" panose="020B0604020202020204" pitchFamily="34" charset="0"/>
-                </a:rPr>
-                <a:t>On </a:t>
-              </a:r>
-              <a:r>
-                <a:rPr lang="en-US" altLang="zh-CN" dirty="0">
+              </a:ln>
+            </p:spPr>
+            <p:txBody>
+              <a:bodyPr wrap="none" rtlCol="0">
+                <a:spAutoFit/>
+              </a:bodyPr>
+              <a:lstStyle/>
+              <a:p>
+                <a:r>
+                  <a:rPr lang="en-US" altLang="zh-CN" dirty="0">
+                    <a:solidFill>
+                      <a:schemeClr val="bg1"/>
+                    </a:solidFill>
+                    <a:latin typeface="Arial" panose="020B0604020202020204" pitchFamily="34" charset="0"/>
+                    <a:ea typeface="Source Sans Pro" panose="020B0503030403020204" pitchFamily="34" charset="0"/>
+                    <a:cs typeface="Arial" panose="020B0604020202020204" pitchFamily="34" charset="0"/>
+                  </a:rPr>
+                  <a:t>On </a:t>
+                </a:r>
+                <a:r>
+                  <a:rPr lang="en-US" altLang="zh-CN" dirty="0">
+                    <a:solidFill>
+                      <a:schemeClr val="bg1"/>
+                    </a:solidFill>
+                    <a:latin typeface="Arial" panose="020B0604020202020204" pitchFamily="34" charset="0"/>
+                    <a:ea typeface="微软雅黑" panose="020B0503020204020204" pitchFamily="34" charset="-122"/>
+                    <a:cs typeface="Arial" panose="020B0604020202020204" pitchFamily="34" charset="0"/>
+                  </a:rPr>
+                  <a:t>Chain</a:t>
+                </a:r>
+                <a:endParaRPr lang="zh-CN" altLang="en-US" dirty="0">
                   <a:solidFill>
                     <a:schemeClr val="bg1"/>
                   </a:solidFill>
                   <a:latin typeface="Arial" panose="020B0604020202020204" pitchFamily="34" charset="0"/>
                   <a:ea typeface="微软雅黑" panose="020B0503020204020204" pitchFamily="34" charset="-122"/>
                   <a:cs typeface="Arial" panose="020B0604020202020204" pitchFamily="34" charset="0"/>
-                </a:rPr>
-                <a:t>Chain</a:t>
-              </a:r>
-              <a:endParaRPr lang="zh-CN" altLang="en-US" dirty="0">
+                </a:endParaRPr>
+              </a:p>
+            </p:txBody>
+          </p:sp>
+          <p:cxnSp>
+            <p:nvCxnSpPr>
+              <p:cNvPr id="14" name="直接连接符 13">
+                <a:extLst>
+                  <a:ext uri="{FF2B5EF4-FFF2-40B4-BE49-F238E27FC236}">
+                    <a16:creationId xmlns:a16="http://schemas.microsoft.com/office/drawing/2014/main" id="{05B6961D-F156-4980-BCA7-314684E85BD2}"/>
+                  </a:ext>
+                </a:extLst>
+              </p:cNvPr>
+              <p:cNvCxnSpPr/>
+              <p:nvPr/>
+            </p:nvCxnSpPr>
+            <p:spPr>
+              <a:xfrm>
+                <a:off x="3024554" y="351692"/>
+                <a:ext cx="0" cy="5739619"/>
+              </a:xfrm>
+              <a:prstGeom prst="line">
+                <a:avLst/>
+              </a:prstGeom>
+              <a:ln w="19050">
                 <a:solidFill>
                   <a:schemeClr val="bg1"/>
                 </a:solidFill>
-                <a:latin typeface="Arial" panose="020B0604020202020204" pitchFamily="34" charset="0"/>
-                <a:ea typeface="微软雅黑" panose="020B0503020204020204" pitchFamily="34" charset="-122"/>
-                <a:cs typeface="Arial" panose="020B0604020202020204" pitchFamily="34" charset="0"/>
-              </a:endParaRPr>
-            </a:p>
-          </p:txBody>
-        </p:sp>
-        <p:cxnSp>
-          <p:nvCxnSpPr>
-            <p:cNvPr id="14" name="直接连接符 13">
-              <a:extLst>
-                <a:ext uri="{FF2B5EF4-FFF2-40B4-BE49-F238E27FC236}">
-                  <a16:creationId xmlns:a16="http://schemas.microsoft.com/office/drawing/2014/main" id="{05B6961D-F156-4980-BCA7-314684E85BD2}"/>
-                </a:ext>
-              </a:extLst>
-            </p:cNvPr>
-            <p:cNvCxnSpPr/>
-            <p:nvPr/>
-          </p:nvCxnSpPr>
-          <p:spPr>
-            <a:xfrm>
-              <a:off x="3024554" y="351692"/>
-              <a:ext cx="0" cy="5739619"/>
-            </a:xfrm>
-            <a:prstGeom prst="line">
-              <a:avLst/>
-            </a:prstGeom>
-            <a:ln w="19050">
-              <a:solidFill>
-                <a:schemeClr val="bg1"/>
-              </a:solidFill>
-              <a:prstDash val="lgDash"/>
-            </a:ln>
-          </p:spPr>
-          <p:style>
-            <a:lnRef idx="1">
-              <a:schemeClr val="accent1"/>
-            </a:lnRef>
-            <a:fillRef idx="0">
-              <a:schemeClr val="accent1"/>
-            </a:fillRef>
-            <a:effectRef idx="0">
-              <a:schemeClr val="accent1"/>
-            </a:effectRef>
-            <a:fontRef idx="minor">
-              <a:schemeClr val="tx1"/>
-            </a:fontRef>
-          </p:style>
-        </p:cxnSp>
-        <p:sp>
-          <p:nvSpPr>
-            <p:cNvPr id="19" name="文本框 18">
-              <a:extLst>
-                <a:ext uri="{FF2B5EF4-FFF2-40B4-BE49-F238E27FC236}">
-                  <a16:creationId xmlns:a16="http://schemas.microsoft.com/office/drawing/2014/main" id="{585BDEE7-9244-4881-9C40-B2E6B8A05941}"/>
-                </a:ext>
-              </a:extLst>
-            </p:cNvPr>
-            <p:cNvSpPr txBox="1"/>
-            <p:nvPr/>
-          </p:nvSpPr>
-          <p:spPr>
-            <a:xfrm>
-              <a:off x="2501875" y="1849697"/>
-              <a:ext cx="1351652" cy="646331"/>
-            </a:xfrm>
-            <a:prstGeom prst="rect">
-              <a:avLst/>
-            </a:prstGeom>
-            <a:noFill/>
-            <a:ln>
-              <a:solidFill>
-                <a:schemeClr val="bg1"/>
-              </a:solidFill>
-            </a:ln>
-          </p:spPr>
-          <p:txBody>
-            <a:bodyPr wrap="none" rtlCol="0">
-              <a:spAutoFit/>
-            </a:bodyPr>
-            <a:lstStyle/>
-            <a:p>
-              <a:r>
-                <a:rPr lang="en-US" altLang="zh-CN" dirty="0">
+                <a:prstDash val="lgDash"/>
+              </a:ln>
+            </p:spPr>
+            <p:style>
+              <a:lnRef idx="1">
+                <a:schemeClr val="accent1"/>
+              </a:lnRef>
+              <a:fillRef idx="0">
+                <a:schemeClr val="accent1"/>
+              </a:fillRef>
+              <a:effectRef idx="0">
+                <a:schemeClr val="accent1"/>
+              </a:effectRef>
+              <a:fontRef idx="minor">
+                <a:schemeClr val="tx1"/>
+              </a:fontRef>
+            </p:style>
+          </p:cxnSp>
+          <p:sp>
+            <p:nvSpPr>
+              <p:cNvPr id="19" name="文本框 18">
+                <a:extLst>
+                  <a:ext uri="{FF2B5EF4-FFF2-40B4-BE49-F238E27FC236}">
+                    <a16:creationId xmlns:a16="http://schemas.microsoft.com/office/drawing/2014/main" id="{585BDEE7-9244-4881-9C40-B2E6B8A05941}"/>
+                  </a:ext>
+                </a:extLst>
+              </p:cNvPr>
+              <p:cNvSpPr txBox="1"/>
+              <p:nvPr/>
+            </p:nvSpPr>
+            <p:spPr>
+              <a:xfrm>
+                <a:off x="2501875" y="1849697"/>
+                <a:ext cx="1351652" cy="646331"/>
+              </a:xfrm>
+              <a:prstGeom prst="rect">
+                <a:avLst/>
+              </a:prstGeom>
+              <a:noFill/>
+              <a:ln>
+                <a:solidFill>
+                  <a:schemeClr val="bg1"/>
+                </a:solidFill>
+              </a:ln>
+            </p:spPr>
+            <p:txBody>
+              <a:bodyPr wrap="none" rtlCol="0">
+                <a:spAutoFit/>
+              </a:bodyPr>
+              <a:lstStyle/>
+              <a:p>
+                <a:r>
+                  <a:rPr lang="en-US" altLang="zh-CN" dirty="0">
+                    <a:solidFill>
+                      <a:schemeClr val="bg1"/>
+                    </a:solidFill>
+                    <a:latin typeface="Arial" panose="020B0604020202020204" pitchFamily="34" charset="0"/>
+                    <a:cs typeface="Arial" panose="020B0604020202020204" pitchFamily="34" charset="0"/>
+                  </a:rPr>
+                  <a:t>Approve</a:t>
+                </a:r>
+              </a:p>
+              <a:p>
+                <a:r>
+                  <a:rPr lang="en-US" altLang="zh-CN" dirty="0">
+                    <a:solidFill>
+                      <a:schemeClr val="bg1"/>
+                    </a:solidFill>
+                    <a:latin typeface="Arial" panose="020B0604020202020204" pitchFamily="34" charset="0"/>
+                    <a:cs typeface="Arial" panose="020B0604020202020204" pitchFamily="34" charset="0"/>
+                  </a:rPr>
+                  <a:t>Disapprove</a:t>
+                </a:r>
+                <a:endParaRPr lang="zh-CN" altLang="en-US" dirty="0">
                   <a:solidFill>
                     <a:schemeClr val="bg1"/>
                   </a:solidFill>
                   <a:latin typeface="Arial" panose="020B0604020202020204" pitchFamily="34" charset="0"/>
                   <a:cs typeface="Arial" panose="020B0604020202020204" pitchFamily="34" charset="0"/>
-                </a:rPr>
-                <a:t>Approve</a:t>
-              </a:r>
-            </a:p>
-            <a:p>
-              <a:r>
-                <a:rPr lang="en-US" altLang="zh-CN" dirty="0">
-                  <a:solidFill>
-                    <a:schemeClr val="bg1"/>
-                  </a:solidFill>
-                  <a:latin typeface="Arial" panose="020B0604020202020204" pitchFamily="34" charset="0"/>
-                  <a:cs typeface="Arial" panose="020B0604020202020204" pitchFamily="34" charset="0"/>
-                </a:rPr>
-                <a:t>Disapprove</a:t>
-              </a:r>
-              <a:endParaRPr lang="zh-CN" altLang="en-US" dirty="0">
+                </a:endParaRPr>
+              </a:p>
+            </p:txBody>
+          </p:sp>
+          <p:cxnSp>
+            <p:nvCxnSpPr>
+              <p:cNvPr id="21" name="直接箭头连接符 20">
+                <a:extLst>
+                  <a:ext uri="{FF2B5EF4-FFF2-40B4-BE49-F238E27FC236}">
+                    <a16:creationId xmlns:a16="http://schemas.microsoft.com/office/drawing/2014/main" id="{CF211737-CA3E-4515-8610-85695A51972D}"/>
+                  </a:ext>
+                </a:extLst>
+              </p:cNvPr>
+              <p:cNvCxnSpPr>
+                <a:stCxn id="4" idx="4"/>
+                <a:endCxn id="6" idx="0"/>
+              </p:cNvCxnSpPr>
+              <p:nvPr/>
+            </p:nvCxnSpPr>
+            <p:spPr>
+              <a:xfrm>
+                <a:off x="1254302" y="2611502"/>
+                <a:ext cx="0" cy="1095717"/>
+              </a:xfrm>
+              <a:prstGeom prst="straightConnector1">
+                <a:avLst/>
+              </a:prstGeom>
+              <a:ln>
                 <a:solidFill>
                   <a:schemeClr val="bg1"/>
                 </a:solidFill>
-                <a:latin typeface="Arial" panose="020B0604020202020204" pitchFamily="34" charset="0"/>
-                <a:cs typeface="Arial" panose="020B0604020202020204" pitchFamily="34" charset="0"/>
-              </a:endParaRPr>
-            </a:p>
-          </p:txBody>
-        </p:sp>
-        <p:cxnSp>
-          <p:nvCxnSpPr>
-            <p:cNvPr id="21" name="直接箭头连接符 20">
-              <a:extLst>
-                <a:ext uri="{FF2B5EF4-FFF2-40B4-BE49-F238E27FC236}">
-                  <a16:creationId xmlns:a16="http://schemas.microsoft.com/office/drawing/2014/main" id="{CF211737-CA3E-4515-8610-85695A51972D}"/>
-                </a:ext>
-              </a:extLst>
-            </p:cNvPr>
-            <p:cNvCxnSpPr>
-              <a:stCxn id="4" idx="4"/>
-              <a:endCxn id="6" idx="0"/>
-            </p:cNvCxnSpPr>
-            <p:nvPr/>
-          </p:nvCxnSpPr>
-          <p:spPr>
-            <a:xfrm>
-              <a:off x="1254302" y="2611502"/>
-              <a:ext cx="0" cy="1095717"/>
-            </a:xfrm>
-            <a:prstGeom prst="straightConnector1">
-              <a:avLst/>
-            </a:prstGeom>
-            <a:ln>
-              <a:solidFill>
-                <a:schemeClr val="bg1"/>
-              </a:solidFill>
-              <a:tailEnd type="triangle"/>
-            </a:ln>
-          </p:spPr>
-          <p:style>
-            <a:lnRef idx="1">
-              <a:schemeClr val="dk1"/>
-            </a:lnRef>
-            <a:fillRef idx="0">
-              <a:schemeClr val="dk1"/>
-            </a:fillRef>
-            <a:effectRef idx="0">
-              <a:schemeClr val="dk1"/>
-            </a:effectRef>
-            <a:fontRef idx="minor">
-              <a:schemeClr val="tx1"/>
-            </a:fontRef>
-          </p:style>
-        </p:cxnSp>
-        <p:sp>
-          <p:nvSpPr>
-            <p:cNvPr id="23" name="文本框 22">
-              <a:extLst>
-                <a:ext uri="{FF2B5EF4-FFF2-40B4-BE49-F238E27FC236}">
-                  <a16:creationId xmlns:a16="http://schemas.microsoft.com/office/drawing/2014/main" id="{8F9474AC-B070-4C29-8166-80EE686906D2}"/>
-                </a:ext>
-              </a:extLst>
-            </p:cNvPr>
-            <p:cNvSpPr txBox="1"/>
-            <p:nvPr/>
-          </p:nvSpPr>
-          <p:spPr>
-            <a:xfrm>
-              <a:off x="5640550" y="1152974"/>
-              <a:ext cx="1467068" cy="369332"/>
-            </a:xfrm>
-            <a:prstGeom prst="rect">
-              <a:avLst/>
-            </a:prstGeom>
-            <a:noFill/>
-            <a:ln>
-              <a:solidFill>
-                <a:schemeClr val="bg1"/>
-              </a:solidFill>
-            </a:ln>
-          </p:spPr>
-          <p:txBody>
-            <a:bodyPr wrap="none" rtlCol="0">
-              <a:spAutoFit/>
-            </a:bodyPr>
-            <a:lstStyle/>
-            <a:p>
-              <a:r>
-                <a:rPr lang="en-US" altLang="zh-CN" dirty="0">
+                <a:tailEnd type="triangle"/>
+              </a:ln>
+            </p:spPr>
+            <p:style>
+              <a:lnRef idx="1">
+                <a:schemeClr val="dk1"/>
+              </a:lnRef>
+              <a:fillRef idx="0">
+                <a:schemeClr val="dk1"/>
+              </a:fillRef>
+              <a:effectRef idx="0">
+                <a:schemeClr val="dk1"/>
+              </a:effectRef>
+              <a:fontRef idx="minor">
+                <a:schemeClr val="tx1"/>
+              </a:fontRef>
+            </p:style>
+          </p:cxnSp>
+          <p:sp>
+            <p:nvSpPr>
+              <p:cNvPr id="23" name="文本框 22">
+                <a:extLst>
+                  <a:ext uri="{FF2B5EF4-FFF2-40B4-BE49-F238E27FC236}">
+                    <a16:creationId xmlns:a16="http://schemas.microsoft.com/office/drawing/2014/main" id="{8F9474AC-B070-4C29-8166-80EE686906D2}"/>
+                  </a:ext>
+                </a:extLst>
+              </p:cNvPr>
+              <p:cNvSpPr txBox="1"/>
+              <p:nvPr/>
+            </p:nvSpPr>
+            <p:spPr>
+              <a:xfrm>
+                <a:off x="5640550" y="1152974"/>
+                <a:ext cx="1467068" cy="369332"/>
+              </a:xfrm>
+              <a:prstGeom prst="rect">
+                <a:avLst/>
+              </a:prstGeom>
+              <a:noFill/>
+              <a:ln>
+                <a:solidFill>
+                  <a:schemeClr val="bg1"/>
+                </a:solidFill>
+              </a:ln>
+            </p:spPr>
+            <p:txBody>
+              <a:bodyPr wrap="none" rtlCol="0">
+                <a:spAutoFit/>
+              </a:bodyPr>
+              <a:lstStyle/>
+              <a:p>
+                <a:r>
+                  <a:rPr lang="en-US" altLang="zh-CN" dirty="0">
+                    <a:solidFill>
+                      <a:schemeClr val="bg1"/>
+                    </a:solidFill>
+                    <a:latin typeface="Arial" panose="020B0604020202020204" pitchFamily="34" charset="0"/>
+                    <a:ea typeface="微软雅黑" panose="020B0503020204020204" pitchFamily="34" charset="-122"/>
+                    <a:cs typeface="Arial" panose="020B0604020202020204" pitchFamily="34" charset="0"/>
+                  </a:rPr>
+                  <a:t>Mai Protocol</a:t>
+                </a:r>
+                <a:endParaRPr lang="zh-CN" altLang="en-US" dirty="0">
                   <a:solidFill>
                     <a:schemeClr val="bg1"/>
                   </a:solidFill>
                   <a:latin typeface="Arial" panose="020B0604020202020204" pitchFamily="34" charset="0"/>
                   <a:ea typeface="微软雅黑" panose="020B0503020204020204" pitchFamily="34" charset="-122"/>
                   <a:cs typeface="Arial" panose="020B0604020202020204" pitchFamily="34" charset="0"/>
-                </a:rPr>
-                <a:t>Mai Protocol</a:t>
-              </a:r>
-              <a:endParaRPr lang="zh-CN" altLang="en-US" dirty="0">
+                </a:endParaRPr>
+              </a:p>
+            </p:txBody>
+          </p:sp>
+          <p:sp>
+            <p:nvSpPr>
+              <p:cNvPr id="29" name="文本框 28">
+                <a:extLst>
+                  <a:ext uri="{FF2B5EF4-FFF2-40B4-BE49-F238E27FC236}">
+                    <a16:creationId xmlns:a16="http://schemas.microsoft.com/office/drawing/2014/main" id="{BD66B20F-20FB-479E-A62D-A49E69DF648E}"/>
+                  </a:ext>
+                </a:extLst>
+              </p:cNvPr>
+              <p:cNvSpPr txBox="1"/>
+              <p:nvPr/>
+            </p:nvSpPr>
+            <p:spPr>
+              <a:xfrm>
+                <a:off x="1254301" y="2836195"/>
+                <a:ext cx="1556836" cy="646331"/>
+              </a:xfrm>
+              <a:prstGeom prst="rect">
+                <a:avLst/>
+              </a:prstGeom>
+              <a:noFill/>
+              <a:ln>
                 <a:solidFill>
                   <a:schemeClr val="bg1"/>
                 </a:solidFill>
-                <a:latin typeface="Arial" panose="020B0604020202020204" pitchFamily="34" charset="0"/>
-                <a:ea typeface="微软雅黑" panose="020B0503020204020204" pitchFamily="34" charset="-122"/>
-                <a:cs typeface="Arial" panose="020B0604020202020204" pitchFamily="34" charset="0"/>
-              </a:endParaRPr>
-            </a:p>
-          </p:txBody>
-        </p:sp>
-        <p:sp>
-          <p:nvSpPr>
-            <p:cNvPr id="29" name="文本框 28">
-              <a:extLst>
-                <a:ext uri="{FF2B5EF4-FFF2-40B4-BE49-F238E27FC236}">
-                  <a16:creationId xmlns:a16="http://schemas.microsoft.com/office/drawing/2014/main" id="{BD66B20F-20FB-479E-A62D-A49E69DF648E}"/>
-                </a:ext>
-              </a:extLst>
-            </p:cNvPr>
-            <p:cNvSpPr txBox="1"/>
-            <p:nvPr/>
-          </p:nvSpPr>
-          <p:spPr>
-            <a:xfrm>
-              <a:off x="1254301" y="2836195"/>
-              <a:ext cx="1556836" cy="646331"/>
-            </a:xfrm>
-            <a:prstGeom prst="rect">
-              <a:avLst/>
-            </a:prstGeom>
-            <a:noFill/>
-            <a:ln>
-              <a:solidFill>
-                <a:schemeClr val="bg1"/>
-              </a:solidFill>
-            </a:ln>
-          </p:spPr>
-          <p:txBody>
-            <a:bodyPr wrap="none" rtlCol="0">
-              <a:spAutoFit/>
-            </a:bodyPr>
-            <a:lstStyle/>
-            <a:p>
-              <a:r>
-                <a:rPr lang="en-US" altLang="zh-CN" dirty="0">
+              </a:ln>
+            </p:spPr>
+            <p:txBody>
+              <a:bodyPr wrap="none" rtlCol="0">
+                <a:spAutoFit/>
+              </a:bodyPr>
+              <a:lstStyle/>
+              <a:p>
+                <a:r>
+                  <a:rPr lang="en-US" altLang="zh-CN" dirty="0">
+                    <a:solidFill>
+                      <a:schemeClr val="bg1"/>
+                    </a:solidFill>
+                    <a:latin typeface="Arial" panose="020B0604020202020204" pitchFamily="34" charset="0"/>
+                    <a:cs typeface="Arial" panose="020B0604020202020204" pitchFamily="34" charset="0"/>
+                  </a:rPr>
+                  <a:t>Place Order</a:t>
+                </a:r>
+              </a:p>
+              <a:p>
+                <a:r>
+                  <a:rPr lang="en-US" altLang="zh-CN" dirty="0">
+                    <a:solidFill>
+                      <a:schemeClr val="bg1"/>
+                    </a:solidFill>
+                    <a:latin typeface="Arial" panose="020B0604020202020204" pitchFamily="34" charset="0"/>
+                    <a:cs typeface="Arial" panose="020B0604020202020204" pitchFamily="34" charset="0"/>
+                  </a:rPr>
+                  <a:t>Cancel Order</a:t>
+                </a:r>
+                <a:endParaRPr lang="zh-CN" altLang="en-US" dirty="0">
                   <a:solidFill>
                     <a:schemeClr val="bg1"/>
                   </a:solidFill>
                   <a:latin typeface="Arial" panose="020B0604020202020204" pitchFamily="34" charset="0"/>
                   <a:cs typeface="Arial" panose="020B0604020202020204" pitchFamily="34" charset="0"/>
-                </a:rPr>
-                <a:t>Place Order</a:t>
-              </a:r>
-            </a:p>
-            <a:p>
-              <a:r>
-                <a:rPr lang="en-US" altLang="zh-CN" dirty="0">
-                  <a:solidFill>
-                    <a:schemeClr val="bg1"/>
-                  </a:solidFill>
-                  <a:latin typeface="Arial" panose="020B0604020202020204" pitchFamily="34" charset="0"/>
-                  <a:cs typeface="Arial" panose="020B0604020202020204" pitchFamily="34" charset="0"/>
-                </a:rPr>
-                <a:t>Cancel Order</a:t>
-              </a:r>
-              <a:endParaRPr lang="zh-CN" altLang="en-US" dirty="0">
+                </a:endParaRPr>
+              </a:p>
+            </p:txBody>
+          </p:sp>
+          <p:sp>
+            <p:nvSpPr>
+              <p:cNvPr id="30" name="文本框 29">
+                <a:extLst>
+                  <a:ext uri="{FF2B5EF4-FFF2-40B4-BE49-F238E27FC236}">
+                    <a16:creationId xmlns:a16="http://schemas.microsoft.com/office/drawing/2014/main" id="{7C9E0E53-8064-4E2A-AD26-CD4E6C3DBD9A}"/>
+                  </a:ext>
+                </a:extLst>
+              </p:cNvPr>
+              <p:cNvSpPr txBox="1"/>
+              <p:nvPr/>
+            </p:nvSpPr>
+            <p:spPr>
+              <a:xfrm>
+                <a:off x="2230993" y="3815148"/>
+                <a:ext cx="1582484" cy="369332"/>
+              </a:xfrm>
+              <a:prstGeom prst="rect">
+                <a:avLst/>
+              </a:prstGeom>
+              <a:noFill/>
+              <a:ln>
                 <a:solidFill>
                   <a:schemeClr val="bg1"/>
                 </a:solidFill>
-                <a:latin typeface="Arial" panose="020B0604020202020204" pitchFamily="34" charset="0"/>
-                <a:cs typeface="Arial" panose="020B0604020202020204" pitchFamily="34" charset="0"/>
-              </a:endParaRPr>
-            </a:p>
-          </p:txBody>
-        </p:sp>
-        <p:sp>
-          <p:nvSpPr>
-            <p:cNvPr id="30" name="文本框 29">
-              <a:extLst>
-                <a:ext uri="{FF2B5EF4-FFF2-40B4-BE49-F238E27FC236}">
-                  <a16:creationId xmlns:a16="http://schemas.microsoft.com/office/drawing/2014/main" id="{7C9E0E53-8064-4E2A-AD26-CD4E6C3DBD9A}"/>
-                </a:ext>
-              </a:extLst>
-            </p:cNvPr>
-            <p:cNvSpPr txBox="1"/>
-            <p:nvPr/>
-          </p:nvSpPr>
-          <p:spPr>
-            <a:xfrm>
-              <a:off x="2230993" y="3815148"/>
-              <a:ext cx="1582484" cy="369332"/>
-            </a:xfrm>
-            <a:prstGeom prst="rect">
-              <a:avLst/>
-            </a:prstGeom>
-            <a:noFill/>
-            <a:ln>
-              <a:solidFill>
-                <a:schemeClr val="bg1"/>
-              </a:solidFill>
-            </a:ln>
-          </p:spPr>
-          <p:txBody>
-            <a:bodyPr wrap="none" rtlCol="0">
-              <a:spAutoFit/>
-            </a:bodyPr>
-            <a:lstStyle/>
-            <a:p>
-              <a:r>
-                <a:rPr lang="en-US" altLang="zh-CN" dirty="0">
-                  <a:solidFill>
-                    <a:schemeClr val="bg1"/>
-                  </a:solidFill>
-                  <a:latin typeface="Arial" panose="020B0604020202020204" pitchFamily="34" charset="0"/>
-                  <a:cs typeface="Arial" panose="020B0604020202020204" pitchFamily="34" charset="0"/>
-                </a:rPr>
-                <a:t>Match Orders</a:t>
-              </a:r>
-            </a:p>
-          </p:txBody>
-        </p:sp>
-        <p:sp>
-          <p:nvSpPr>
-            <p:cNvPr id="38" name="文本框 37">
-              <a:extLst>
-                <a:ext uri="{FF2B5EF4-FFF2-40B4-BE49-F238E27FC236}">
-                  <a16:creationId xmlns:a16="http://schemas.microsoft.com/office/drawing/2014/main" id="{431921B8-FBEB-499E-B342-FDB6752B4842}"/>
-                </a:ext>
-              </a:extLst>
-            </p:cNvPr>
-            <p:cNvSpPr txBox="1"/>
-            <p:nvPr/>
-          </p:nvSpPr>
-          <p:spPr>
-            <a:xfrm>
-              <a:off x="494645" y="387276"/>
-              <a:ext cx="1148071" cy="369332"/>
-            </a:xfrm>
-            <a:prstGeom prst="rect">
-              <a:avLst/>
-            </a:prstGeom>
-            <a:noFill/>
-            <a:ln>
-              <a:solidFill>
-                <a:schemeClr val="bg1"/>
-              </a:solidFill>
-            </a:ln>
-          </p:spPr>
-          <p:txBody>
-            <a:bodyPr wrap="none" rtlCol="0">
-              <a:spAutoFit/>
-            </a:bodyPr>
-            <a:lstStyle/>
-            <a:p>
-              <a:r>
-                <a:rPr lang="en-US" altLang="zh-CN" dirty="0">
-                  <a:solidFill>
-                    <a:schemeClr val="bg1"/>
-                  </a:solidFill>
-                  <a:latin typeface="Arial" panose="020B0604020202020204" pitchFamily="34" charset="0"/>
-                  <a:ea typeface="Source Sans Pro" panose="020B0503030403020204" pitchFamily="34" charset="0"/>
-                  <a:cs typeface="Arial" panose="020B0604020202020204" pitchFamily="34" charset="0"/>
-                </a:rPr>
-                <a:t>Off </a:t>
-              </a:r>
-              <a:r>
-                <a:rPr lang="en-US" altLang="zh-CN" dirty="0">
+              </a:ln>
+            </p:spPr>
+            <p:txBody>
+              <a:bodyPr wrap="none" rtlCol="0">
+                <a:spAutoFit/>
+              </a:bodyPr>
+              <a:lstStyle/>
+              <a:p>
+                <a:r>
+                  <a:rPr lang="en-US" altLang="zh-CN" dirty="0">
+                    <a:solidFill>
+                      <a:schemeClr val="bg1"/>
+                    </a:solidFill>
+                    <a:latin typeface="Arial" panose="020B0604020202020204" pitchFamily="34" charset="0"/>
+                    <a:cs typeface="Arial" panose="020B0604020202020204" pitchFamily="34" charset="0"/>
+                  </a:rPr>
+                  <a:t>Match Orders</a:t>
+                </a:r>
+              </a:p>
+            </p:txBody>
+          </p:sp>
+          <p:sp>
+            <p:nvSpPr>
+              <p:cNvPr id="38" name="文本框 37">
+                <a:extLst>
+                  <a:ext uri="{FF2B5EF4-FFF2-40B4-BE49-F238E27FC236}">
+                    <a16:creationId xmlns:a16="http://schemas.microsoft.com/office/drawing/2014/main" id="{431921B8-FBEB-499E-B342-FDB6752B4842}"/>
+                  </a:ext>
+                </a:extLst>
+              </p:cNvPr>
+              <p:cNvSpPr txBox="1"/>
+              <p:nvPr/>
+            </p:nvSpPr>
+            <p:spPr>
+              <a:xfrm>
+                <a:off x="494645" y="387276"/>
+                <a:ext cx="1148071" cy="369332"/>
+              </a:xfrm>
+              <a:prstGeom prst="rect">
+                <a:avLst/>
+              </a:prstGeom>
+              <a:noFill/>
+              <a:ln>
+                <a:solidFill>
+                  <a:schemeClr val="bg1"/>
+                </a:solidFill>
+              </a:ln>
+            </p:spPr>
+            <p:txBody>
+              <a:bodyPr wrap="none" rtlCol="0">
+                <a:spAutoFit/>
+              </a:bodyPr>
+              <a:lstStyle/>
+              <a:p>
+                <a:r>
+                  <a:rPr lang="en-US" altLang="zh-CN" dirty="0">
+                    <a:solidFill>
+                      <a:schemeClr val="bg1"/>
+                    </a:solidFill>
+                    <a:latin typeface="Arial" panose="020B0604020202020204" pitchFamily="34" charset="0"/>
+                    <a:ea typeface="Source Sans Pro" panose="020B0503030403020204" pitchFamily="34" charset="0"/>
+                    <a:cs typeface="Arial" panose="020B0604020202020204" pitchFamily="34" charset="0"/>
+                  </a:rPr>
+                  <a:t>Off </a:t>
+                </a:r>
+                <a:r>
+                  <a:rPr lang="en-US" altLang="zh-CN" dirty="0">
+                    <a:solidFill>
+                      <a:schemeClr val="bg1"/>
+                    </a:solidFill>
+                    <a:latin typeface="Arial" panose="020B0604020202020204" pitchFamily="34" charset="0"/>
+                    <a:ea typeface="微软雅黑" panose="020B0503020204020204" pitchFamily="34" charset="-122"/>
+                    <a:cs typeface="Arial" panose="020B0604020202020204" pitchFamily="34" charset="0"/>
+                  </a:rPr>
+                  <a:t>Chain</a:t>
+                </a:r>
+                <a:endParaRPr lang="zh-CN" altLang="en-US" dirty="0">
                   <a:solidFill>
                     <a:schemeClr val="bg1"/>
                   </a:solidFill>
                   <a:latin typeface="Arial" panose="020B0604020202020204" pitchFamily="34" charset="0"/>
                   <a:ea typeface="微软雅黑" panose="020B0503020204020204" pitchFamily="34" charset="-122"/>
                   <a:cs typeface="Arial" panose="020B0604020202020204" pitchFamily="34" charset="0"/>
-                </a:rPr>
-                <a:t>Chain</a:t>
-              </a:r>
-              <a:endParaRPr lang="zh-CN" altLang="en-US" dirty="0">
+                </a:endParaRPr>
+              </a:p>
+            </p:txBody>
+          </p:sp>
+          <p:sp>
+            <p:nvSpPr>
+              <p:cNvPr id="48" name="文本框 47">
+                <a:extLst>
+                  <a:ext uri="{FF2B5EF4-FFF2-40B4-BE49-F238E27FC236}">
+                    <a16:creationId xmlns:a16="http://schemas.microsoft.com/office/drawing/2014/main" id="{3806FC64-D5E2-41E7-A82A-DD132EB2E9E8}"/>
+                  </a:ext>
+                </a:extLst>
+              </p:cNvPr>
+              <p:cNvSpPr txBox="1"/>
+              <p:nvPr/>
+            </p:nvSpPr>
+            <p:spPr>
+              <a:xfrm>
+                <a:off x="5930345" y="2198457"/>
+                <a:ext cx="1056700" cy="923330"/>
+              </a:xfrm>
+              <a:prstGeom prst="rect">
+                <a:avLst/>
+              </a:prstGeom>
+              <a:noFill/>
+              <a:ln>
                 <a:solidFill>
                   <a:schemeClr val="bg1"/>
                 </a:solidFill>
-                <a:latin typeface="Arial" panose="020B0604020202020204" pitchFamily="34" charset="0"/>
-                <a:ea typeface="微软雅黑" panose="020B0503020204020204" pitchFamily="34" charset="-122"/>
-                <a:cs typeface="Arial" panose="020B0604020202020204" pitchFamily="34" charset="0"/>
-              </a:endParaRPr>
-            </a:p>
-          </p:txBody>
-        </p:sp>
-        <p:sp>
-          <p:nvSpPr>
-            <p:cNvPr id="48" name="文本框 47">
-              <a:extLst>
-                <a:ext uri="{FF2B5EF4-FFF2-40B4-BE49-F238E27FC236}">
-                  <a16:creationId xmlns:a16="http://schemas.microsoft.com/office/drawing/2014/main" id="{3806FC64-D5E2-41E7-A82A-DD132EB2E9E8}"/>
-                </a:ext>
-              </a:extLst>
-            </p:cNvPr>
-            <p:cNvSpPr txBox="1"/>
-            <p:nvPr/>
-          </p:nvSpPr>
-          <p:spPr>
-            <a:xfrm>
-              <a:off x="5930345" y="2198457"/>
-              <a:ext cx="1056700" cy="923330"/>
-            </a:xfrm>
-            <a:prstGeom prst="rect">
-              <a:avLst/>
-            </a:prstGeom>
-            <a:noFill/>
-            <a:ln>
-              <a:solidFill>
-                <a:schemeClr val="bg1"/>
-              </a:solidFill>
-            </a:ln>
-          </p:spPr>
-          <p:txBody>
-            <a:bodyPr wrap="none" rtlCol="0">
-              <a:spAutoFit/>
-            </a:bodyPr>
-            <a:lstStyle/>
-            <a:p>
-              <a:r>
-                <a:rPr lang="en-US" altLang="zh-CN" dirty="0">
+              </a:ln>
+            </p:spPr>
+            <p:txBody>
+              <a:bodyPr wrap="none" rtlCol="0">
+                <a:spAutoFit/>
+              </a:bodyPr>
+              <a:lstStyle/>
+              <a:p>
+                <a:r>
+                  <a:rPr lang="en-US" altLang="zh-CN" dirty="0">
+                    <a:solidFill>
+                      <a:schemeClr val="bg1"/>
+                    </a:solidFill>
+                    <a:latin typeface="Arial" panose="020B0604020202020204" pitchFamily="34" charset="0"/>
+                    <a:cs typeface="Arial" panose="020B0604020202020204" pitchFamily="34" charset="0"/>
+                  </a:rPr>
+                  <a:t>Mint</a:t>
+                </a:r>
+              </a:p>
+              <a:p>
+                <a:r>
+                  <a:rPr lang="en-US" altLang="zh-CN" dirty="0">
+                    <a:solidFill>
+                      <a:schemeClr val="bg1"/>
+                    </a:solidFill>
+                    <a:latin typeface="Arial" panose="020B0604020202020204" pitchFamily="34" charset="0"/>
+                    <a:cs typeface="Arial" panose="020B0604020202020204" pitchFamily="34" charset="0"/>
+                  </a:rPr>
+                  <a:t>Redeem</a:t>
+                </a:r>
+              </a:p>
+              <a:p>
+                <a:r>
+                  <a:rPr lang="en-US" altLang="zh-CN" dirty="0">
+                    <a:solidFill>
+                      <a:schemeClr val="bg1"/>
+                    </a:solidFill>
+                    <a:latin typeface="Arial" panose="020B0604020202020204" pitchFamily="34" charset="0"/>
+                    <a:cs typeface="Arial" panose="020B0604020202020204" pitchFamily="34" charset="0"/>
+                  </a:rPr>
+                  <a:t>Approve</a:t>
+                </a:r>
+              </a:p>
+            </p:txBody>
+          </p:sp>
+          <p:sp>
+            <p:nvSpPr>
+              <p:cNvPr id="49" name="文本框 48">
+                <a:extLst>
+                  <a:ext uri="{FF2B5EF4-FFF2-40B4-BE49-F238E27FC236}">
+                    <a16:creationId xmlns:a16="http://schemas.microsoft.com/office/drawing/2014/main" id="{2B7441E1-87E6-4066-A1D4-CDD1C29A9F90}"/>
+                  </a:ext>
+                </a:extLst>
+              </p:cNvPr>
+              <p:cNvSpPr txBox="1"/>
+              <p:nvPr/>
+            </p:nvSpPr>
+            <p:spPr>
+              <a:xfrm>
+                <a:off x="9402230" y="1593218"/>
+                <a:ext cx="1056700" cy="923330"/>
+              </a:xfrm>
+              <a:prstGeom prst="rect">
+                <a:avLst/>
+              </a:prstGeom>
+              <a:noFill/>
+              <a:ln>
+                <a:solidFill>
+                  <a:schemeClr val="bg1"/>
+                </a:solidFill>
+              </a:ln>
+            </p:spPr>
+            <p:txBody>
+              <a:bodyPr wrap="none" rtlCol="0">
+                <a:spAutoFit/>
+              </a:bodyPr>
+              <a:lstStyle/>
+              <a:p>
+                <a:r>
+                  <a:rPr lang="en-US" altLang="zh-CN" dirty="0">
+                    <a:solidFill>
+                      <a:schemeClr val="bg1"/>
+                    </a:solidFill>
+                    <a:latin typeface="Arial" panose="020B0604020202020204" pitchFamily="34" charset="0"/>
+                    <a:cs typeface="Arial" panose="020B0604020202020204" pitchFamily="34" charset="0"/>
+                  </a:rPr>
+                  <a:t>Mint</a:t>
+                </a:r>
+              </a:p>
+              <a:p>
+                <a:r>
+                  <a:rPr lang="en-US" altLang="zh-CN" dirty="0">
+                    <a:solidFill>
+                      <a:schemeClr val="bg1"/>
+                    </a:solidFill>
+                    <a:latin typeface="Arial" panose="020B0604020202020204" pitchFamily="34" charset="0"/>
+                    <a:cs typeface="Arial" panose="020B0604020202020204" pitchFamily="34" charset="0"/>
+                  </a:rPr>
+                  <a:t>Redeem</a:t>
+                </a:r>
+              </a:p>
+              <a:p>
+                <a:r>
+                  <a:rPr lang="en-US" altLang="zh-CN" dirty="0">
+                    <a:solidFill>
+                      <a:schemeClr val="bg1"/>
+                    </a:solidFill>
+                    <a:latin typeface="Arial" panose="020B0604020202020204" pitchFamily="34" charset="0"/>
+                    <a:cs typeface="Arial" panose="020B0604020202020204" pitchFamily="34" charset="0"/>
+                  </a:rPr>
+                  <a:t>Approve</a:t>
+                </a:r>
+              </a:p>
+            </p:txBody>
+          </p:sp>
+          <p:cxnSp>
+            <p:nvCxnSpPr>
+              <p:cNvPr id="56" name="连接符: 肘形 55">
+                <a:extLst>
+                  <a:ext uri="{FF2B5EF4-FFF2-40B4-BE49-F238E27FC236}">
+                    <a16:creationId xmlns:a16="http://schemas.microsoft.com/office/drawing/2014/main" id="{41CE204E-F615-43F9-B8D3-F4D0769AA729}"/>
+                  </a:ext>
+                </a:extLst>
+              </p:cNvPr>
+              <p:cNvCxnSpPr>
+                <a:cxnSpLocks/>
+                <a:stCxn id="9" idx="3"/>
+              </p:cNvCxnSpPr>
+              <p:nvPr/>
+            </p:nvCxnSpPr>
+            <p:spPr>
+              <a:xfrm>
+                <a:off x="8942456" y="2191041"/>
+                <a:ext cx="1690510" cy="651015"/>
+              </a:xfrm>
+              <a:prstGeom prst="bentConnector2">
+                <a:avLst/>
+              </a:prstGeom>
+              <a:ln>
+                <a:solidFill>
+                  <a:schemeClr val="bg1"/>
+                </a:solidFill>
+                <a:tailEnd type="triangle"/>
+              </a:ln>
+            </p:spPr>
+            <p:style>
+              <a:lnRef idx="1">
+                <a:schemeClr val="dk1"/>
+              </a:lnRef>
+              <a:fillRef idx="0">
+                <a:schemeClr val="dk1"/>
+              </a:fillRef>
+              <a:effectRef idx="0">
+                <a:schemeClr val="dk1"/>
+              </a:effectRef>
+              <a:fontRef idx="minor">
+                <a:schemeClr val="tx1"/>
+              </a:fontRef>
+            </p:style>
+          </p:cxnSp>
+          <p:sp>
+            <p:nvSpPr>
+              <p:cNvPr id="59" name="圆柱体 58">
+                <a:extLst>
+                  <a:ext uri="{FF2B5EF4-FFF2-40B4-BE49-F238E27FC236}">
+                    <a16:creationId xmlns:a16="http://schemas.microsoft.com/office/drawing/2014/main" id="{25632116-1E00-4712-B8B0-81515F3E9106}"/>
+                  </a:ext>
+                </a:extLst>
+              </p:cNvPr>
+              <p:cNvSpPr/>
+              <p:nvPr/>
+            </p:nvSpPr>
+            <p:spPr>
+              <a:xfrm>
+                <a:off x="6987045" y="3368292"/>
+                <a:ext cx="1955410" cy="1297745"/>
+              </a:xfrm>
+              <a:prstGeom prst="can">
+                <a:avLst/>
+              </a:prstGeom>
+              <a:noFill/>
+              <a:ln>
+                <a:solidFill>
+                  <a:schemeClr val="bg1"/>
+                </a:solidFill>
+              </a:ln>
+            </p:spPr>
+            <p:style>
+              <a:lnRef idx="2">
+                <a:schemeClr val="dk1"/>
+              </a:lnRef>
+              <a:fillRef idx="1">
+                <a:schemeClr val="lt1"/>
+              </a:fillRef>
+              <a:effectRef idx="0">
+                <a:schemeClr val="dk1"/>
+              </a:effectRef>
+              <a:fontRef idx="minor">
+                <a:schemeClr val="dk1"/>
+              </a:fontRef>
+            </p:style>
+            <p:txBody>
+              <a:bodyPr rtlCol="0" anchor="ctr"/>
+              <a:lstStyle/>
+              <a:p>
+                <a:pPr algn="ctr"/>
+                <a:r>
+                  <a:rPr lang="en-US" altLang="zh-CN" dirty="0">
+                    <a:solidFill>
+                      <a:schemeClr val="bg1"/>
+                    </a:solidFill>
+                    <a:latin typeface="Arial" panose="020B0604020202020204" pitchFamily="34" charset="0"/>
+                    <a:cs typeface="Arial" panose="020B0604020202020204" pitchFamily="34" charset="0"/>
+                  </a:rPr>
+                  <a:t>Position Tokens</a:t>
+                </a:r>
+              </a:p>
+              <a:p>
+                <a:pPr algn="ctr"/>
+                <a:r>
+                  <a:rPr lang="en-US" altLang="zh-CN" dirty="0">
+                    <a:solidFill>
+                      <a:schemeClr val="bg1"/>
+                    </a:solidFill>
+                    <a:latin typeface="Arial" panose="020B0604020202020204" pitchFamily="34" charset="0"/>
+                    <a:cs typeface="Arial" panose="020B0604020202020204" pitchFamily="34" charset="0"/>
+                  </a:rPr>
+                  <a:t>Collateral Tokens</a:t>
+                </a:r>
+              </a:p>
+              <a:p>
+                <a:pPr algn="ctr"/>
+                <a:r>
+                  <a:rPr lang="en-US" altLang="zh-CN" dirty="0">
+                    <a:solidFill>
+                      <a:schemeClr val="bg1"/>
+                    </a:solidFill>
+                    <a:latin typeface="Arial" panose="020B0604020202020204" pitchFamily="34" charset="0"/>
+                    <a:cs typeface="Arial" panose="020B0604020202020204" pitchFamily="34" charset="0"/>
+                  </a:rPr>
+                  <a:t>MKT</a:t>
+                </a:r>
+                <a:endParaRPr lang="zh-CN" altLang="en-US" dirty="0">
                   <a:solidFill>
                     <a:schemeClr val="bg1"/>
                   </a:solidFill>
                   <a:latin typeface="Arial" panose="020B0604020202020204" pitchFamily="34" charset="0"/>
                   <a:cs typeface="Arial" panose="020B0604020202020204" pitchFamily="34" charset="0"/>
-                </a:rPr>
-                <a:t>Mint</a:t>
-              </a:r>
-            </a:p>
-            <a:p>
-              <a:r>
-                <a:rPr lang="en-US" altLang="zh-CN" dirty="0">
+                </a:endParaRPr>
+              </a:p>
+            </p:txBody>
+          </p:sp>
+          <p:sp>
+            <p:nvSpPr>
+              <p:cNvPr id="62" name="左大括号 61">
+                <a:extLst>
+                  <a:ext uri="{FF2B5EF4-FFF2-40B4-BE49-F238E27FC236}">
+                    <a16:creationId xmlns:a16="http://schemas.microsoft.com/office/drawing/2014/main" id="{B37ADC2E-AA1F-4233-A03B-306C7CF4C764}"/>
+                  </a:ext>
+                </a:extLst>
+              </p:cNvPr>
+              <p:cNvSpPr/>
+              <p:nvPr/>
+            </p:nvSpPr>
+            <p:spPr>
+              <a:xfrm rot="5400000">
+                <a:off x="7616354" y="1869524"/>
+                <a:ext cx="651016" cy="2417371"/>
+              </a:xfrm>
+              <a:prstGeom prst="leftBrace">
+                <a:avLst>
+                  <a:gd name="adj1" fmla="val 70999"/>
+                  <a:gd name="adj2" fmla="val 50000"/>
+                </a:avLst>
+              </a:prstGeom>
+              <a:ln>
+                <a:solidFill>
+                  <a:schemeClr val="bg1"/>
+                </a:solidFill>
+              </a:ln>
+            </p:spPr>
+            <p:style>
+              <a:lnRef idx="1">
+                <a:schemeClr val="dk1"/>
+              </a:lnRef>
+              <a:fillRef idx="0">
+                <a:schemeClr val="dk1"/>
+              </a:fillRef>
+              <a:effectRef idx="0">
+                <a:schemeClr val="dk1"/>
+              </a:effectRef>
+              <a:fontRef idx="minor">
+                <a:schemeClr val="tx1"/>
+              </a:fontRef>
+            </p:style>
+            <p:txBody>
+              <a:bodyPr rtlCol="0" anchor="ctr"/>
+              <a:lstStyle/>
+              <a:p>
+                <a:pPr algn="ctr"/>
+                <a:endParaRPr lang="zh-CN" altLang="en-US">
                   <a:solidFill>
                     <a:schemeClr val="bg1"/>
                   </a:solidFill>
                   <a:latin typeface="Arial" panose="020B0604020202020204" pitchFamily="34" charset="0"/>
                   <a:cs typeface="Arial" panose="020B0604020202020204" pitchFamily="34" charset="0"/>
-                </a:rPr>
-                <a:t>Redeem</a:t>
-              </a:r>
-            </a:p>
-            <a:p>
-              <a:r>
-                <a:rPr lang="en-US" altLang="zh-CN" dirty="0">
+                </a:endParaRPr>
+              </a:p>
+            </p:txBody>
+          </p:sp>
+          <p:sp>
+            <p:nvSpPr>
+              <p:cNvPr id="63" name="矩形: 圆角 62">
+                <a:extLst>
+                  <a:ext uri="{FF2B5EF4-FFF2-40B4-BE49-F238E27FC236}">
+                    <a16:creationId xmlns:a16="http://schemas.microsoft.com/office/drawing/2014/main" id="{C69C2873-0B56-4824-B189-2682AA773FF2}"/>
+                  </a:ext>
+                </a:extLst>
+              </p:cNvPr>
+              <p:cNvSpPr/>
+              <p:nvPr/>
+            </p:nvSpPr>
+            <p:spPr>
+              <a:xfrm>
+                <a:off x="9631502" y="2817438"/>
+                <a:ext cx="2171291" cy="914400"/>
+              </a:xfrm>
+              <a:prstGeom prst="roundRect">
+                <a:avLst>
+                  <a:gd name="adj" fmla="val 33590"/>
+                </a:avLst>
+              </a:prstGeom>
+              <a:noFill/>
+              <a:ln>
+                <a:solidFill>
+                  <a:schemeClr val="bg1"/>
+                </a:solidFill>
+              </a:ln>
+            </p:spPr>
+            <p:style>
+              <a:lnRef idx="2">
+                <a:schemeClr val="accent1">
+                  <a:shade val="50000"/>
+                </a:schemeClr>
+              </a:lnRef>
+              <a:fillRef idx="1">
+                <a:schemeClr val="accent1"/>
+              </a:fillRef>
+              <a:effectRef idx="0">
+                <a:schemeClr val="accent1"/>
+              </a:effectRef>
+              <a:fontRef idx="minor">
+                <a:schemeClr val="lt1"/>
+              </a:fontRef>
+            </p:style>
+            <p:txBody>
+              <a:bodyPr rot="0" spcFirstLastPara="0" vertOverflow="overflow" horzOverflow="overflow" vert="horz" wrap="square" lIns="91440" tIns="45720" rIns="91440" bIns="45720" numCol="1" spcCol="0" rtlCol="0" fromWordArt="0" anchor="ctr" anchorCtr="0" forceAA="0" compatLnSpc="1">
+                <a:prstTxWarp prst="textNoShape">
+                  <a:avLst/>
+                </a:prstTxWarp>
+                <a:noAutofit/>
+              </a:bodyPr>
+              <a:lstStyle/>
+              <a:p>
+                <a:pPr algn="ctr"/>
+                <a:r>
+                  <a:rPr lang="en-US" altLang="zh-CN" dirty="0">
+                    <a:solidFill>
+                      <a:schemeClr val="bg1"/>
+                    </a:solidFill>
+                    <a:latin typeface="Arial" panose="020B0604020202020204" pitchFamily="34" charset="0"/>
+                    <a:ea typeface="微软雅黑" panose="020B0503020204020204" pitchFamily="34" charset="-122"/>
+                    <a:cs typeface="Arial" panose="020B0604020202020204" pitchFamily="34" charset="0"/>
+                  </a:rPr>
+                  <a:t>Market Protocol</a:t>
+                </a:r>
+                <a:endParaRPr lang="zh-CN" altLang="en-US" dirty="0">
                   <a:solidFill>
                     <a:schemeClr val="bg1"/>
                   </a:solidFill>
                   <a:latin typeface="Arial" panose="020B0604020202020204" pitchFamily="34" charset="0"/>
+                  <a:ea typeface="微软雅黑" panose="020B0503020204020204" pitchFamily="34" charset="-122"/>
                   <a:cs typeface="Arial" panose="020B0604020202020204" pitchFamily="34" charset="0"/>
-                </a:rPr>
-                <a:t>Approve</a:t>
-              </a:r>
-            </a:p>
-          </p:txBody>
-        </p:sp>
-        <p:sp>
-          <p:nvSpPr>
-            <p:cNvPr id="49" name="文本框 48">
+                </a:endParaRPr>
+              </a:p>
+            </p:txBody>
+          </p:sp>
+        </p:grpSp>
+        <p:cxnSp>
+          <p:nvCxnSpPr>
+            <p:cNvPr id="33" name="连接符: 肘形 32">
               <a:extLst>
                 <a:ext uri="{FF2B5EF4-FFF2-40B4-BE49-F238E27FC236}">
-                  <a16:creationId xmlns:a16="http://schemas.microsoft.com/office/drawing/2014/main" id="{2B7441E1-87E6-4066-A1D4-CDD1C29A9F90}"/>
-                </a:ext>
-              </a:extLst>
-            </p:cNvPr>
-            <p:cNvSpPr txBox="1"/>
-            <p:nvPr/>
-          </p:nvSpPr>
-          <p:spPr>
-            <a:xfrm>
-              <a:off x="9402230" y="1593218"/>
-              <a:ext cx="1056700" cy="923330"/>
-            </a:xfrm>
-            <a:prstGeom prst="rect">
-              <a:avLst/>
-            </a:prstGeom>
-            <a:noFill/>
-            <a:ln>
-              <a:solidFill>
-                <a:schemeClr val="bg1"/>
-              </a:solidFill>
-            </a:ln>
-          </p:spPr>
-          <p:txBody>
-            <a:bodyPr wrap="none" rtlCol="0">
-              <a:spAutoFit/>
-            </a:bodyPr>
-            <a:lstStyle/>
-            <a:p>
-              <a:r>
-                <a:rPr lang="en-US" altLang="zh-CN" dirty="0">
-                  <a:solidFill>
-                    <a:schemeClr val="bg1"/>
-                  </a:solidFill>
-                  <a:latin typeface="Arial" panose="020B0604020202020204" pitchFamily="34" charset="0"/>
-                  <a:cs typeface="Arial" panose="020B0604020202020204" pitchFamily="34" charset="0"/>
-                </a:rPr>
-                <a:t>Mint</a:t>
-              </a:r>
-            </a:p>
-            <a:p>
-              <a:r>
-                <a:rPr lang="en-US" altLang="zh-CN" dirty="0">
-                  <a:solidFill>
-                    <a:schemeClr val="bg1"/>
-                  </a:solidFill>
-                  <a:latin typeface="Arial" panose="020B0604020202020204" pitchFamily="34" charset="0"/>
-                  <a:cs typeface="Arial" panose="020B0604020202020204" pitchFamily="34" charset="0"/>
-                </a:rPr>
-                <a:t>Redeem</a:t>
-              </a:r>
-            </a:p>
-            <a:p>
-              <a:r>
-                <a:rPr lang="en-US" altLang="zh-CN" dirty="0">
-                  <a:solidFill>
-                    <a:schemeClr val="bg1"/>
-                  </a:solidFill>
-                  <a:latin typeface="Arial" panose="020B0604020202020204" pitchFamily="34" charset="0"/>
-                  <a:cs typeface="Arial" panose="020B0604020202020204" pitchFamily="34" charset="0"/>
-                </a:rPr>
-                <a:t>Approve</a:t>
-              </a:r>
-            </a:p>
-          </p:txBody>
-        </p:sp>
-        <p:cxnSp>
-          <p:nvCxnSpPr>
-            <p:cNvPr id="56" name="连接符: 肘形 55">
-              <a:extLst>
-                <a:ext uri="{FF2B5EF4-FFF2-40B4-BE49-F238E27FC236}">
-                  <a16:creationId xmlns:a16="http://schemas.microsoft.com/office/drawing/2014/main" id="{41CE204E-F615-43F9-B8D3-F4D0769AA729}"/>
+                  <a16:creationId xmlns:a16="http://schemas.microsoft.com/office/drawing/2014/main" id="{098AD45F-AF8B-4B74-A9D4-99DE4E87CDB5}"/>
                 </a:ext>
               </a:extLst>
             </p:cNvPr>
             <p:cNvCxnSpPr>
               <a:cxnSpLocks/>
-              <a:stCxn id="9" idx="3"/>
+              <a:stCxn id="4" idx="6"/>
+              <a:endCxn id="8" idx="0"/>
             </p:cNvCxnSpPr>
             <p:nvPr/>
           </p:nvCxnSpPr>
           <p:spPr>
             <a:xfrm>
-              <a:off x="8942456" y="2191041"/>
-              <a:ext cx="1690510" cy="651015"/>
+              <a:off x="1964654" y="2386419"/>
+              <a:ext cx="2930729" cy="687754"/>
             </a:xfrm>
             <a:prstGeom prst="bentConnector2">
               <a:avLst/>
@@ -5988,125 +6303,34 @@
             </a:fontRef>
           </p:style>
         </p:cxnSp>
-        <p:sp>
-          <p:nvSpPr>
-            <p:cNvPr id="59" name="圆柱体 58">
+        <p:cxnSp>
+          <p:nvCxnSpPr>
+            <p:cNvPr id="36" name="连接符: 肘形 35">
               <a:extLst>
                 <a:ext uri="{FF2B5EF4-FFF2-40B4-BE49-F238E27FC236}">
-                  <a16:creationId xmlns:a16="http://schemas.microsoft.com/office/drawing/2014/main" id="{25632116-1E00-4712-B8B0-81515F3E9106}"/>
+                  <a16:creationId xmlns:a16="http://schemas.microsoft.com/office/drawing/2014/main" id="{AD784253-2D17-429C-AF32-B5F69BE90057}"/>
                 </a:ext>
               </a:extLst>
             </p:cNvPr>
-            <p:cNvSpPr/>
+            <p:cNvCxnSpPr>
+              <a:stCxn id="6" idx="6"/>
+              <a:endCxn id="8" idx="2"/>
+            </p:cNvCxnSpPr>
             <p:nvPr/>
-          </p:nvSpPr>
+          </p:nvCxnSpPr>
           <p:spPr>
-            <a:xfrm>
-              <a:off x="6987045" y="3368292"/>
-              <a:ext cx="1955410" cy="1297745"/>
+            <a:xfrm flipV="1">
+              <a:off x="1964654" y="3939336"/>
+              <a:ext cx="2930729" cy="407963"/>
             </a:xfrm>
-            <a:prstGeom prst="can">
+            <a:prstGeom prst="bentConnector2">
               <a:avLst/>
-            </a:prstGeom>
-            <a:noFill/>
-            <a:ln>
-              <a:solidFill>
-                <a:schemeClr val="bg1"/>
-              </a:solidFill>
-            </a:ln>
-          </p:spPr>
-          <p:style>
-            <a:lnRef idx="2">
-              <a:schemeClr val="dk1"/>
-            </a:lnRef>
-            <a:fillRef idx="1">
-              <a:schemeClr val="lt1"/>
-            </a:fillRef>
-            <a:effectRef idx="0">
-              <a:schemeClr val="dk1"/>
-            </a:effectRef>
-            <a:fontRef idx="minor">
-              <a:schemeClr val="dk1"/>
-            </a:fontRef>
-          </p:style>
-          <p:txBody>
-            <a:bodyPr rtlCol="0" anchor="ctr"/>
-            <a:lstStyle/>
-            <a:p>
-              <a:pPr algn="ctr"/>
-              <a:r>
-                <a:rPr lang="en-US" altLang="zh-CN" dirty="0">
-                  <a:solidFill>
-                    <a:schemeClr val="bg1"/>
-                  </a:solidFill>
-                  <a:latin typeface="Arial" panose="020B0604020202020204" pitchFamily="34" charset="0"/>
-                  <a:cs typeface="Arial" panose="020B0604020202020204" pitchFamily="34" charset="0"/>
-                </a:rPr>
-                <a:t>Position Tokens</a:t>
-              </a:r>
-            </a:p>
-            <a:p>
-              <a:pPr algn="ctr"/>
-              <a:r>
-                <a:rPr lang="en-US" altLang="zh-CN" dirty="0">
-                  <a:solidFill>
-                    <a:schemeClr val="bg1"/>
-                  </a:solidFill>
-                  <a:latin typeface="Arial" panose="020B0604020202020204" pitchFamily="34" charset="0"/>
-                  <a:cs typeface="Arial" panose="020B0604020202020204" pitchFamily="34" charset="0"/>
-                </a:rPr>
-                <a:t>Collateral Tokens</a:t>
-              </a:r>
-            </a:p>
-            <a:p>
-              <a:pPr algn="ctr"/>
-              <a:r>
-                <a:rPr lang="en-US" altLang="zh-CN" dirty="0">
-                  <a:solidFill>
-                    <a:schemeClr val="bg1"/>
-                  </a:solidFill>
-                  <a:latin typeface="Arial" panose="020B0604020202020204" pitchFamily="34" charset="0"/>
-                  <a:cs typeface="Arial" panose="020B0604020202020204" pitchFamily="34" charset="0"/>
-                </a:rPr>
-                <a:t>MKT</a:t>
-              </a:r>
-              <a:endParaRPr lang="zh-CN" altLang="en-US" dirty="0">
-                <a:solidFill>
-                  <a:schemeClr val="bg1"/>
-                </a:solidFill>
-                <a:latin typeface="Arial" panose="020B0604020202020204" pitchFamily="34" charset="0"/>
-                <a:cs typeface="Arial" panose="020B0604020202020204" pitchFamily="34" charset="0"/>
-              </a:endParaRPr>
-            </a:p>
-          </p:txBody>
-        </p:sp>
-        <p:sp>
-          <p:nvSpPr>
-            <p:cNvPr id="62" name="左大括号 61">
-              <a:extLst>
-                <a:ext uri="{FF2B5EF4-FFF2-40B4-BE49-F238E27FC236}">
-                  <a16:creationId xmlns:a16="http://schemas.microsoft.com/office/drawing/2014/main" id="{B37ADC2E-AA1F-4233-A03B-306C7CF4C764}"/>
-                </a:ext>
-              </a:extLst>
-            </p:cNvPr>
-            <p:cNvSpPr/>
-            <p:nvPr/>
-          </p:nvSpPr>
-          <p:spPr>
-            <a:xfrm rot="5400000">
-              <a:off x="7616354" y="1869524"/>
-              <a:ext cx="651016" cy="2417371"/>
-            </a:xfrm>
-            <a:prstGeom prst="leftBrace">
-              <a:avLst>
-                <a:gd name="adj1" fmla="val 70999"/>
-                <a:gd name="adj2" fmla="val 50000"/>
-              </a:avLst>
             </a:prstGeom>
             <a:ln>
               <a:solidFill>
                 <a:schemeClr val="bg1"/>
               </a:solidFill>
+              <a:tailEnd type="triangle"/>
             </a:ln>
           </p:spPr>
           <p:style>
@@ -6123,235 +6347,53 @@
               <a:schemeClr val="tx1"/>
             </a:fontRef>
           </p:style>
-          <p:txBody>
-            <a:bodyPr rtlCol="0" anchor="ctr"/>
-            <a:lstStyle/>
-            <a:p>
-              <a:pPr algn="ctr"/>
-              <a:endParaRPr lang="zh-CN" altLang="en-US">
-                <a:solidFill>
-                  <a:schemeClr val="bg1"/>
-                </a:solidFill>
-                <a:latin typeface="Arial" panose="020B0604020202020204" pitchFamily="34" charset="0"/>
-                <a:cs typeface="Arial" panose="020B0604020202020204" pitchFamily="34" charset="0"/>
-              </a:endParaRPr>
-            </a:p>
-          </p:txBody>
-        </p:sp>
-        <p:sp>
-          <p:nvSpPr>
-            <p:cNvPr id="63" name="矩形: 圆角 62">
+        </p:cxnSp>
+        <p:cxnSp>
+          <p:nvCxnSpPr>
+            <p:cNvPr id="39" name="连接符: 肘形 38">
               <a:extLst>
                 <a:ext uri="{FF2B5EF4-FFF2-40B4-BE49-F238E27FC236}">
-                  <a16:creationId xmlns:a16="http://schemas.microsoft.com/office/drawing/2014/main" id="{C69C2873-0B56-4824-B189-2682AA773FF2}"/>
+                  <a16:creationId xmlns:a16="http://schemas.microsoft.com/office/drawing/2014/main" id="{9B05B99D-7973-4ED9-9D32-DCABAE89326C}"/>
                 </a:ext>
               </a:extLst>
             </p:cNvPr>
-            <p:cNvSpPr/>
+            <p:cNvCxnSpPr>
+              <a:stCxn id="8" idx="3"/>
+              <a:endCxn id="9" idx="1"/>
+            </p:cNvCxnSpPr>
             <p:nvPr/>
-          </p:nvSpPr>
+          </p:nvCxnSpPr>
           <p:spPr>
-            <a:xfrm>
-              <a:off x="9631502" y="2817438"/>
-              <a:ext cx="2171291" cy="914400"/>
+            <a:xfrm flipV="1">
+              <a:off x="5873088" y="2398539"/>
+              <a:ext cx="1062376" cy="1108216"/>
             </a:xfrm>
-            <a:prstGeom prst="roundRect">
-              <a:avLst>
-                <a:gd name="adj" fmla="val 33590"/>
-              </a:avLst>
+            <a:prstGeom prst="bentConnector3">
+              <a:avLst/>
             </a:prstGeom>
-            <a:noFill/>
             <a:ln>
               <a:solidFill>
                 <a:schemeClr val="bg1"/>
               </a:solidFill>
+              <a:tailEnd type="triangle"/>
             </a:ln>
           </p:spPr>
           <p:style>
-            <a:lnRef idx="2">
-              <a:schemeClr val="accent1">
-                <a:shade val="50000"/>
-              </a:schemeClr>
+            <a:lnRef idx="1">
+              <a:schemeClr val="dk1"/>
             </a:lnRef>
-            <a:fillRef idx="1">
-              <a:schemeClr val="accent1"/>
+            <a:fillRef idx="0">
+              <a:schemeClr val="dk1"/>
             </a:fillRef>
             <a:effectRef idx="0">
-              <a:schemeClr val="accent1"/>
+              <a:schemeClr val="dk1"/>
             </a:effectRef>
             <a:fontRef idx="minor">
-              <a:schemeClr val="lt1"/>
+              <a:schemeClr val="tx1"/>
             </a:fontRef>
           </p:style>
-          <p:txBody>
-            <a:bodyPr rot="0" spcFirstLastPara="0" vertOverflow="overflow" horzOverflow="overflow" vert="horz" wrap="square" lIns="91440" tIns="45720" rIns="91440" bIns="45720" numCol="1" spcCol="0" rtlCol="0" fromWordArt="0" anchor="ctr" anchorCtr="0" forceAA="0" compatLnSpc="1">
-              <a:prstTxWarp prst="textNoShape">
-                <a:avLst/>
-              </a:prstTxWarp>
-              <a:noAutofit/>
-            </a:bodyPr>
-            <a:lstStyle/>
-            <a:p>
-              <a:pPr algn="ctr"/>
-              <a:r>
-                <a:rPr lang="en-US" altLang="zh-CN" dirty="0">
-                  <a:solidFill>
-                    <a:schemeClr val="bg1"/>
-                  </a:solidFill>
-                  <a:latin typeface="Arial" panose="020B0604020202020204" pitchFamily="34" charset="0"/>
-                  <a:ea typeface="微软雅黑" panose="020B0503020204020204" pitchFamily="34" charset="-122"/>
-                  <a:cs typeface="Arial" panose="020B0604020202020204" pitchFamily="34" charset="0"/>
-                </a:rPr>
-                <a:t>Market Protocol</a:t>
-              </a:r>
-              <a:endParaRPr lang="zh-CN" altLang="en-US" dirty="0">
-                <a:solidFill>
-                  <a:schemeClr val="bg1"/>
-                </a:solidFill>
-                <a:latin typeface="Arial" panose="020B0604020202020204" pitchFamily="34" charset="0"/>
-                <a:ea typeface="微软雅黑" panose="020B0503020204020204" pitchFamily="34" charset="-122"/>
-                <a:cs typeface="Arial" panose="020B0604020202020204" pitchFamily="34" charset="0"/>
-              </a:endParaRPr>
-            </a:p>
-          </p:txBody>
-        </p:sp>
+        </p:cxnSp>
       </p:grpSp>
-      <p:cxnSp>
-        <p:nvCxnSpPr>
-          <p:cNvPr id="33" name="连接符: 肘形 32">
-            <a:extLst>
-              <a:ext uri="{FF2B5EF4-FFF2-40B4-BE49-F238E27FC236}">
-                <a16:creationId xmlns:a16="http://schemas.microsoft.com/office/drawing/2014/main" id="{098AD45F-AF8B-4B74-A9D4-99DE4E87CDB5}"/>
-              </a:ext>
-            </a:extLst>
-          </p:cNvPr>
-          <p:cNvCxnSpPr>
-            <a:cxnSpLocks/>
-            <a:stCxn id="4" idx="6"/>
-            <a:endCxn id="8" idx="0"/>
-          </p:cNvCxnSpPr>
-          <p:nvPr/>
-        </p:nvCxnSpPr>
-        <p:spPr>
-          <a:xfrm>
-            <a:off x="1964654" y="2386419"/>
-            <a:ext cx="2930729" cy="687754"/>
-          </a:xfrm>
-          <a:prstGeom prst="bentConnector2">
-            <a:avLst/>
-          </a:prstGeom>
-          <a:ln>
-            <a:solidFill>
-              <a:schemeClr val="bg1"/>
-            </a:solidFill>
-            <a:tailEnd type="triangle"/>
-          </a:ln>
-        </p:spPr>
-        <p:style>
-          <a:lnRef idx="1">
-            <a:schemeClr val="dk1"/>
-          </a:lnRef>
-          <a:fillRef idx="0">
-            <a:schemeClr val="dk1"/>
-          </a:fillRef>
-          <a:effectRef idx="0">
-            <a:schemeClr val="dk1"/>
-          </a:effectRef>
-          <a:fontRef idx="minor">
-            <a:schemeClr val="tx1"/>
-          </a:fontRef>
-        </p:style>
-      </p:cxnSp>
-      <p:cxnSp>
-        <p:nvCxnSpPr>
-          <p:cNvPr id="36" name="连接符: 肘形 35">
-            <a:extLst>
-              <a:ext uri="{FF2B5EF4-FFF2-40B4-BE49-F238E27FC236}">
-                <a16:creationId xmlns:a16="http://schemas.microsoft.com/office/drawing/2014/main" id="{AD784253-2D17-429C-AF32-B5F69BE90057}"/>
-              </a:ext>
-            </a:extLst>
-          </p:cNvPr>
-          <p:cNvCxnSpPr>
-            <a:stCxn id="6" idx="6"/>
-            <a:endCxn id="8" idx="2"/>
-          </p:cNvCxnSpPr>
-          <p:nvPr/>
-        </p:nvCxnSpPr>
-        <p:spPr>
-          <a:xfrm flipV="1">
-            <a:off x="1964654" y="3939336"/>
-            <a:ext cx="2930729" cy="407963"/>
-          </a:xfrm>
-          <a:prstGeom prst="bentConnector2">
-            <a:avLst/>
-          </a:prstGeom>
-          <a:ln>
-            <a:solidFill>
-              <a:schemeClr val="bg1"/>
-            </a:solidFill>
-            <a:tailEnd type="triangle"/>
-          </a:ln>
-        </p:spPr>
-        <p:style>
-          <a:lnRef idx="1">
-            <a:schemeClr val="dk1"/>
-          </a:lnRef>
-          <a:fillRef idx="0">
-            <a:schemeClr val="dk1"/>
-          </a:fillRef>
-          <a:effectRef idx="0">
-            <a:schemeClr val="dk1"/>
-          </a:effectRef>
-          <a:fontRef idx="minor">
-            <a:schemeClr val="tx1"/>
-          </a:fontRef>
-        </p:style>
-      </p:cxnSp>
-      <p:cxnSp>
-        <p:nvCxnSpPr>
-          <p:cNvPr id="39" name="连接符: 肘形 38">
-            <a:extLst>
-              <a:ext uri="{FF2B5EF4-FFF2-40B4-BE49-F238E27FC236}">
-                <a16:creationId xmlns:a16="http://schemas.microsoft.com/office/drawing/2014/main" id="{9B05B99D-7973-4ED9-9D32-DCABAE89326C}"/>
-              </a:ext>
-            </a:extLst>
-          </p:cNvPr>
-          <p:cNvCxnSpPr>
-            <a:stCxn id="8" idx="3"/>
-            <a:endCxn id="9" idx="1"/>
-          </p:cNvCxnSpPr>
-          <p:nvPr/>
-        </p:nvCxnSpPr>
-        <p:spPr>
-          <a:xfrm flipV="1">
-            <a:off x="5873088" y="2398539"/>
-            <a:ext cx="1062376" cy="1108216"/>
-          </a:xfrm>
-          <a:prstGeom prst="bentConnector3">
-            <a:avLst/>
-          </a:prstGeom>
-          <a:ln>
-            <a:solidFill>
-              <a:schemeClr val="bg1"/>
-            </a:solidFill>
-            <a:tailEnd type="triangle"/>
-          </a:ln>
-        </p:spPr>
-        <p:style>
-          <a:lnRef idx="1">
-            <a:schemeClr val="dk1"/>
-          </a:lnRef>
-          <a:fillRef idx="0">
-            <a:schemeClr val="dk1"/>
-          </a:fillRef>
-          <a:effectRef idx="0">
-            <a:schemeClr val="dk1"/>
-          </a:effectRef>
-          <a:fontRef idx="minor">
-            <a:schemeClr val="tx1"/>
-          </a:fontRef>
-        </p:style>
-      </p:cxnSp>
     </p:spTree>
     <p:extLst>
       <p:ext uri="{BB962C8B-B14F-4D97-AF65-F5344CB8AC3E}">

--- a/en/asset/mai-arch.pptx
+++ b/en/asset/mai-arch.pptx
@@ -198,7 +198,7 @@
           <a:p>
             <a:fld id="{B026110B-5B1F-4063-BCA6-030140F75AD4}" type="datetimeFigureOut">
               <a:rPr lang="zh-CN" altLang="en-US" smtClean="0"/>
-              <a:t>2019/12/4</a:t>
+              <a:t>2019/12/5</a:t>
             </a:fld>
             <a:endParaRPr lang="zh-CN" altLang="en-US"/>
           </a:p>
@@ -696,7 +696,7 @@
           <a:p>
             <a:fld id="{F5070D61-C366-4358-8D3B-3705082AF76F}" type="datetimeFigureOut">
               <a:rPr lang="zh-CN" altLang="en-US" smtClean="0"/>
-              <a:t>2019/12/4</a:t>
+              <a:t>2019/12/5</a:t>
             </a:fld>
             <a:endParaRPr lang="zh-CN" altLang="en-US"/>
           </a:p>
@@ -894,7 +894,7 @@
           <a:p>
             <a:fld id="{F5070D61-C366-4358-8D3B-3705082AF76F}" type="datetimeFigureOut">
               <a:rPr lang="zh-CN" altLang="en-US" smtClean="0"/>
-              <a:t>2019/12/4</a:t>
+              <a:t>2019/12/5</a:t>
             </a:fld>
             <a:endParaRPr lang="zh-CN" altLang="en-US"/>
           </a:p>
@@ -1102,7 +1102,7 @@
           <a:p>
             <a:fld id="{F5070D61-C366-4358-8D3B-3705082AF76F}" type="datetimeFigureOut">
               <a:rPr lang="zh-CN" altLang="en-US" smtClean="0"/>
-              <a:t>2019/12/4</a:t>
+              <a:t>2019/12/5</a:t>
             </a:fld>
             <a:endParaRPr lang="zh-CN" altLang="en-US"/>
           </a:p>
@@ -1300,7 +1300,7 @@
           <a:p>
             <a:fld id="{F5070D61-C366-4358-8D3B-3705082AF76F}" type="datetimeFigureOut">
               <a:rPr lang="zh-CN" altLang="en-US" smtClean="0"/>
-              <a:t>2019/12/4</a:t>
+              <a:t>2019/12/5</a:t>
             </a:fld>
             <a:endParaRPr lang="zh-CN" altLang="en-US"/>
           </a:p>
@@ -1575,7 +1575,7 @@
           <a:p>
             <a:fld id="{F5070D61-C366-4358-8D3B-3705082AF76F}" type="datetimeFigureOut">
               <a:rPr lang="zh-CN" altLang="en-US" smtClean="0"/>
-              <a:t>2019/12/4</a:t>
+              <a:t>2019/12/5</a:t>
             </a:fld>
             <a:endParaRPr lang="zh-CN" altLang="en-US"/>
           </a:p>
@@ -1840,7 +1840,7 @@
           <a:p>
             <a:fld id="{F5070D61-C366-4358-8D3B-3705082AF76F}" type="datetimeFigureOut">
               <a:rPr lang="zh-CN" altLang="en-US" smtClean="0"/>
-              <a:t>2019/12/4</a:t>
+              <a:t>2019/12/5</a:t>
             </a:fld>
             <a:endParaRPr lang="zh-CN" altLang="en-US"/>
           </a:p>
@@ -2252,7 +2252,7 @@
           <a:p>
             <a:fld id="{F5070D61-C366-4358-8D3B-3705082AF76F}" type="datetimeFigureOut">
               <a:rPr lang="zh-CN" altLang="en-US" smtClean="0"/>
-              <a:t>2019/12/4</a:t>
+              <a:t>2019/12/5</a:t>
             </a:fld>
             <a:endParaRPr lang="zh-CN" altLang="en-US"/>
           </a:p>
@@ -2393,7 +2393,7 @@
           <a:p>
             <a:fld id="{F5070D61-C366-4358-8D3B-3705082AF76F}" type="datetimeFigureOut">
               <a:rPr lang="zh-CN" altLang="en-US" smtClean="0"/>
-              <a:t>2019/12/4</a:t>
+              <a:t>2019/12/5</a:t>
             </a:fld>
             <a:endParaRPr lang="zh-CN" altLang="en-US"/>
           </a:p>
@@ -2506,7 +2506,7 @@
           <a:p>
             <a:fld id="{F5070D61-C366-4358-8D3B-3705082AF76F}" type="datetimeFigureOut">
               <a:rPr lang="zh-CN" altLang="en-US" smtClean="0"/>
-              <a:t>2019/12/4</a:t>
+              <a:t>2019/12/5</a:t>
             </a:fld>
             <a:endParaRPr lang="zh-CN" altLang="en-US"/>
           </a:p>
@@ -2817,7 +2817,7 @@
           <a:p>
             <a:fld id="{F5070D61-C366-4358-8D3B-3705082AF76F}" type="datetimeFigureOut">
               <a:rPr lang="zh-CN" altLang="en-US" smtClean="0"/>
-              <a:t>2019/12/4</a:t>
+              <a:t>2019/12/5</a:t>
             </a:fld>
             <a:endParaRPr lang="zh-CN" altLang="en-US"/>
           </a:p>
@@ -3105,7 +3105,7 @@
           <a:p>
             <a:fld id="{F5070D61-C366-4358-8D3B-3705082AF76F}" type="datetimeFigureOut">
               <a:rPr lang="zh-CN" altLang="en-US" smtClean="0"/>
-              <a:t>2019/12/4</a:t>
+              <a:t>2019/12/5</a:t>
             </a:fld>
             <a:endParaRPr lang="zh-CN" altLang="en-US"/>
           </a:p>
@@ -3346,7 +3346,7 @@
           <a:p>
             <a:fld id="{F5070D61-C366-4358-8D3B-3705082AF76F}" type="datetimeFigureOut">
               <a:rPr lang="zh-CN" altLang="en-US" smtClean="0"/>
-              <a:t>2019/12/4</a:t>
+              <a:t>2019/12/5</a:t>
             </a:fld>
             <a:endParaRPr lang="zh-CN" altLang="en-US"/>
           </a:p>
@@ -4269,6 +4269,7 @@
                 </a:extLst>
               </p:cNvPr>
               <p:cNvCxnSpPr>
+                <a:cxnSpLocks/>
                 <a:stCxn id="4" idx="4"/>
                 <a:endCxn id="6" idx="0"/>
               </p:cNvCxnSpPr>
@@ -4411,7 +4412,7 @@
             </p:nvSpPr>
             <p:spPr>
               <a:xfrm>
-                <a:off x="2230993" y="3815148"/>
+                <a:off x="2266618" y="3815148"/>
                 <a:ext cx="1582484" cy="369332"/>
               </a:xfrm>
               <a:prstGeom prst="rect">
@@ -4899,6 +4900,7 @@
               </a:extLst>
             </p:cNvPr>
             <p:cNvCxnSpPr>
+              <a:cxnSpLocks/>
               <a:stCxn id="6" idx="6"/>
               <a:endCxn id="8" idx="2"/>
             </p:cNvCxnSpPr>
@@ -4941,6 +4943,7 @@
               </a:extLst>
             </p:cNvPr>
             <p:cNvCxnSpPr>
+              <a:cxnSpLocks/>
               <a:stCxn id="8" idx="3"/>
               <a:endCxn id="9" idx="1"/>
             </p:cNvCxnSpPr>
@@ -4990,14 +4993,6 @@
 <file path=ppt/slides/slide2.xml><?xml version="1.0" encoding="utf-8"?>
 <p:sld xmlns:a="http://schemas.openxmlformats.org/drawingml/2006/main" xmlns:r="http://schemas.openxmlformats.org/officeDocument/2006/relationships" xmlns:p="http://schemas.openxmlformats.org/presentationml/2006/main">
   <p:cSld>
-    <p:bg>
-      <p:bgPr>
-        <a:solidFill>
-          <a:schemeClr val="bg1"/>
-        </a:solidFill>
-        <a:effectLst/>
-      </p:bgPr>
-    </p:bg>
     <p:spTree>
       <p:nvGrpSpPr>
         <p:cNvPr id="1" name=""/>
@@ -5416,9 +5411,7 @@
               </a:prstGeom>
               <a:noFill/>
               <a:ln>
-                <a:solidFill>
-                  <a:schemeClr val="bg1"/>
-                </a:solidFill>
+                <a:noFill/>
               </a:ln>
             </p:spPr>
             <p:txBody>
@@ -5524,9 +5517,7 @@
               </a:prstGeom>
               <a:noFill/>
               <a:ln>
-                <a:solidFill>
-                  <a:schemeClr val="bg1"/>
-                </a:solidFill>
+                <a:noFill/>
               </a:ln>
             </p:spPr>
             <p:txBody>
@@ -5634,9 +5625,7 @@
               </a:prstGeom>
               <a:noFill/>
               <a:ln>
-                <a:solidFill>
-                  <a:schemeClr val="bg1"/>
-                </a:solidFill>
+                <a:noFill/>
               </a:ln>
             </p:spPr>
             <p:txBody>
@@ -5689,9 +5678,7 @@
               </a:prstGeom>
               <a:noFill/>
               <a:ln>
-                <a:solidFill>
-                  <a:schemeClr val="bg1"/>
-                </a:solidFill>
+                <a:noFill/>
               </a:ln>
             </p:spPr>
             <p:txBody>
@@ -5746,7 +5733,7 @@
             </p:nvSpPr>
             <p:spPr>
               <a:xfrm>
-                <a:off x="2230993" y="3815148"/>
+                <a:off x="2266618" y="3815148"/>
                 <a:ext cx="1582484" cy="369332"/>
               </a:xfrm>
               <a:prstGeom prst="rect">
@@ -5754,9 +5741,7 @@
               </a:prstGeom>
               <a:noFill/>
               <a:ln>
-                <a:solidFill>
-                  <a:schemeClr val="bg1"/>
-                </a:solidFill>
+                <a:noFill/>
               </a:ln>
             </p:spPr>
             <p:txBody>
@@ -5800,9 +5785,7 @@
               </a:prstGeom>
               <a:noFill/>
               <a:ln>
-                <a:solidFill>
-                  <a:schemeClr val="bg1"/>
-                </a:solidFill>
+                <a:noFill/>
               </a:ln>
             </p:spPr>
             <p:txBody>
@@ -5866,9 +5849,7 @@
               </a:prstGeom>
               <a:noFill/>
               <a:ln>
-                <a:solidFill>
-                  <a:schemeClr val="bg1"/>
-                </a:solidFill>
+                <a:noFill/>
               </a:ln>
             </p:spPr>
             <p:txBody>
@@ -5936,9 +5917,7 @@
               </a:prstGeom>
               <a:noFill/>
               <a:ln>
-                <a:solidFill>
-                  <a:schemeClr val="bg1"/>
-                </a:solidFill>
+                <a:noFill/>
               </a:ln>
             </p:spPr>
             <p:txBody>

--- a/en/asset/mai-arch.pptx
+++ b/en/asset/mai-arch.pptx
@@ -4177,7 +4177,7 @@
             </p:nvCxnSpPr>
             <p:spPr>
               <a:xfrm>
-                <a:off x="3024554" y="351692"/>
+                <a:off x="2948354" y="351692"/>
                 <a:ext cx="0" cy="5739619"/>
               </a:xfrm>
               <a:prstGeom prst="line">
@@ -4222,7 +4222,7 @@
             </p:nvSpPr>
             <p:spPr>
               <a:xfrm>
-                <a:off x="2501875" y="1849697"/>
+                <a:off x="2435200" y="1849697"/>
                 <a:ext cx="1351652" cy="646331"/>
               </a:xfrm>
               <a:prstGeom prst="rect">
@@ -4412,7 +4412,7 @@
             </p:nvSpPr>
             <p:spPr>
               <a:xfrm>
-                <a:off x="2266618" y="3815148"/>
+                <a:off x="2199943" y="3815148"/>
                 <a:ext cx="1582484" cy="369332"/>
               </a:xfrm>
               <a:prstGeom prst="rect">
@@ -5467,7 +5467,7 @@
             </p:nvCxnSpPr>
             <p:spPr>
               <a:xfrm>
-                <a:off x="3024554" y="351692"/>
+                <a:off x="2948354" y="351692"/>
                 <a:ext cx="0" cy="5739619"/>
               </a:xfrm>
               <a:prstGeom prst="line">
@@ -5509,7 +5509,7 @@
             </p:nvSpPr>
             <p:spPr>
               <a:xfrm>
-                <a:off x="2501875" y="1849697"/>
+                <a:off x="2435200" y="1849697"/>
                 <a:ext cx="1351652" cy="646331"/>
               </a:xfrm>
               <a:prstGeom prst="rect">
@@ -5733,7 +5733,7 @@
             </p:nvSpPr>
             <p:spPr>
               <a:xfrm>
-                <a:off x="2266618" y="3815148"/>
+                <a:off x="2199943" y="3815148"/>
                 <a:ext cx="1582484" cy="369332"/>
               </a:xfrm>
               <a:prstGeom prst="rect">

--- a/en/asset/mai-arch.pptx
+++ b/en/asset/mai-arch.pptx
@@ -198,7 +198,7 @@
           <a:p>
             <a:fld id="{B026110B-5B1F-4063-BCA6-030140F75AD4}" type="datetimeFigureOut">
               <a:rPr lang="zh-CN" altLang="en-US" smtClean="0"/>
-              <a:t>2019/12/5</a:t>
+              <a:t>2020/4/29</a:t>
             </a:fld>
             <a:endParaRPr lang="zh-CN" altLang="en-US"/>
           </a:p>
@@ -696,7 +696,7 @@
           <a:p>
             <a:fld id="{F5070D61-C366-4358-8D3B-3705082AF76F}" type="datetimeFigureOut">
               <a:rPr lang="zh-CN" altLang="en-US" smtClean="0"/>
-              <a:t>2019/12/5</a:t>
+              <a:t>2020/4/29</a:t>
             </a:fld>
             <a:endParaRPr lang="zh-CN" altLang="en-US"/>
           </a:p>
@@ -894,7 +894,7 @@
           <a:p>
             <a:fld id="{F5070D61-C366-4358-8D3B-3705082AF76F}" type="datetimeFigureOut">
               <a:rPr lang="zh-CN" altLang="en-US" smtClean="0"/>
-              <a:t>2019/12/5</a:t>
+              <a:t>2020/4/29</a:t>
             </a:fld>
             <a:endParaRPr lang="zh-CN" altLang="en-US"/>
           </a:p>
@@ -1102,7 +1102,7 @@
           <a:p>
             <a:fld id="{F5070D61-C366-4358-8D3B-3705082AF76F}" type="datetimeFigureOut">
               <a:rPr lang="zh-CN" altLang="en-US" smtClean="0"/>
-              <a:t>2019/12/5</a:t>
+              <a:t>2020/4/29</a:t>
             </a:fld>
             <a:endParaRPr lang="zh-CN" altLang="en-US"/>
           </a:p>
@@ -1300,7 +1300,7 @@
           <a:p>
             <a:fld id="{F5070D61-C366-4358-8D3B-3705082AF76F}" type="datetimeFigureOut">
               <a:rPr lang="zh-CN" altLang="en-US" smtClean="0"/>
-              <a:t>2019/12/5</a:t>
+              <a:t>2020/4/29</a:t>
             </a:fld>
             <a:endParaRPr lang="zh-CN" altLang="en-US"/>
           </a:p>
@@ -1575,7 +1575,7 @@
           <a:p>
             <a:fld id="{F5070D61-C366-4358-8D3B-3705082AF76F}" type="datetimeFigureOut">
               <a:rPr lang="zh-CN" altLang="en-US" smtClean="0"/>
-              <a:t>2019/12/5</a:t>
+              <a:t>2020/4/29</a:t>
             </a:fld>
             <a:endParaRPr lang="zh-CN" altLang="en-US"/>
           </a:p>
@@ -1840,7 +1840,7 @@
           <a:p>
             <a:fld id="{F5070D61-C366-4358-8D3B-3705082AF76F}" type="datetimeFigureOut">
               <a:rPr lang="zh-CN" altLang="en-US" smtClean="0"/>
-              <a:t>2019/12/5</a:t>
+              <a:t>2020/4/29</a:t>
             </a:fld>
             <a:endParaRPr lang="zh-CN" altLang="en-US"/>
           </a:p>
@@ -2252,7 +2252,7 @@
           <a:p>
             <a:fld id="{F5070D61-C366-4358-8D3B-3705082AF76F}" type="datetimeFigureOut">
               <a:rPr lang="zh-CN" altLang="en-US" smtClean="0"/>
-              <a:t>2019/12/5</a:t>
+              <a:t>2020/4/29</a:t>
             </a:fld>
             <a:endParaRPr lang="zh-CN" altLang="en-US"/>
           </a:p>
@@ -2393,7 +2393,7 @@
           <a:p>
             <a:fld id="{F5070D61-C366-4358-8D3B-3705082AF76F}" type="datetimeFigureOut">
               <a:rPr lang="zh-CN" altLang="en-US" smtClean="0"/>
-              <a:t>2019/12/5</a:t>
+              <a:t>2020/4/29</a:t>
             </a:fld>
             <a:endParaRPr lang="zh-CN" altLang="en-US"/>
           </a:p>
@@ -2506,7 +2506,7 @@
           <a:p>
             <a:fld id="{F5070D61-C366-4358-8D3B-3705082AF76F}" type="datetimeFigureOut">
               <a:rPr lang="zh-CN" altLang="en-US" smtClean="0"/>
-              <a:t>2019/12/5</a:t>
+              <a:t>2020/4/29</a:t>
             </a:fld>
             <a:endParaRPr lang="zh-CN" altLang="en-US"/>
           </a:p>
@@ -2817,7 +2817,7 @@
           <a:p>
             <a:fld id="{F5070D61-C366-4358-8D3B-3705082AF76F}" type="datetimeFigureOut">
               <a:rPr lang="zh-CN" altLang="en-US" smtClean="0"/>
-              <a:t>2019/12/5</a:t>
+              <a:t>2020/4/29</a:t>
             </a:fld>
             <a:endParaRPr lang="zh-CN" altLang="en-US"/>
           </a:p>
@@ -3105,7 +3105,7 @@
           <a:p>
             <a:fld id="{F5070D61-C366-4358-8D3B-3705082AF76F}" type="datetimeFigureOut">
               <a:rPr lang="zh-CN" altLang="en-US" smtClean="0"/>
-              <a:t>2019/12/5</a:t>
+              <a:t>2020/4/29</a:t>
             </a:fld>
             <a:endParaRPr lang="zh-CN" altLang="en-US"/>
           </a:p>
@@ -3346,7 +3346,7 @@
           <a:p>
             <a:fld id="{F5070D61-C366-4358-8D3B-3705082AF76F}" type="datetimeFigureOut">
               <a:rPr lang="zh-CN" altLang="en-US" smtClean="0"/>
-              <a:t>2019/12/5</a:t>
+              <a:t>2020/4/29</a:t>
             </a:fld>
             <a:endParaRPr lang="zh-CN" altLang="en-US"/>
           </a:p>
@@ -3778,9 +3778,9 @@
         <p:grpSpPr>
           <a:xfrm>
             <a:off x="440788" y="559190"/>
-            <a:ext cx="11310424" cy="5739619"/>
+            <a:ext cx="11310424" cy="4918418"/>
             <a:chOff x="440788" y="559190"/>
-            <a:chExt cx="11310424" cy="5739619"/>
+            <a:chExt cx="11310424" cy="4918418"/>
           </a:xfrm>
         </p:grpSpPr>
         <p:grpSp>
@@ -3798,9 +3798,9 @@
           <p:grpSpPr>
             <a:xfrm>
               <a:off x="440788" y="559190"/>
-              <a:ext cx="11310424" cy="5739619"/>
+              <a:ext cx="11310424" cy="4918418"/>
               <a:chOff x="492369" y="351692"/>
-              <a:chExt cx="11310424" cy="5739619"/>
+              <a:chExt cx="11310424" cy="4918418"/>
             </a:xfrm>
             <a:noFill/>
           </p:grpSpPr>
@@ -3819,11 +3819,11 @@
             <p:spPr>
               <a:xfrm>
                 <a:off x="3709353" y="1028239"/>
-                <a:ext cx="5561247" cy="4206240"/>
+                <a:ext cx="5561247" cy="3898971"/>
               </a:xfrm>
               <a:prstGeom prst="roundRect">
                 <a:avLst>
-                  <a:gd name="adj" fmla="val 12988"/>
+                  <a:gd name="adj" fmla="val 8252"/>
                 </a:avLst>
               </a:prstGeom>
               <a:grpFill/>
@@ -4125,8 +4125,8 @@
             </p:nvSpPr>
             <p:spPr>
               <a:xfrm>
-                <a:off x="3259414" y="387276"/>
-                <a:ext cx="1159292" cy="369332"/>
+                <a:off x="3163610" y="387276"/>
+                <a:ext cx="1172116" cy="369332"/>
               </a:xfrm>
               <a:prstGeom prst="rect">
                 <a:avLst/>
@@ -4145,7 +4145,7 @@
                     <a:ea typeface="Source Sans Pro" panose="020B0503030403020204" pitchFamily="34" charset="0"/>
                     <a:cs typeface="Arial" panose="020B0604020202020204" pitchFamily="34" charset="0"/>
                   </a:rPr>
-                  <a:t>On </a:t>
+                  <a:t>On-</a:t>
                 </a:r>
                 <a:r>
                   <a:rPr lang="en-US" altLang="zh-CN" dirty="0">
@@ -4172,13 +4172,15 @@
                   </a:ext>
                 </a:extLst>
               </p:cNvPr>
-              <p:cNvCxnSpPr/>
+              <p:cNvCxnSpPr>
+                <a:cxnSpLocks/>
+              </p:cNvCxnSpPr>
               <p:nvPr/>
             </p:nvCxnSpPr>
             <p:spPr>
               <a:xfrm>
                 <a:off x="2948354" y="351692"/>
-                <a:ext cx="0" cy="5739619"/>
+                <a:ext cx="0" cy="4918418"/>
               </a:xfrm>
               <a:prstGeom prst="line">
                 <a:avLst/>
@@ -4222,7 +4224,7 @@
             </p:nvSpPr>
             <p:spPr>
               <a:xfrm>
-                <a:off x="2435200" y="1849697"/>
+                <a:off x="2372288" y="1849697"/>
                 <a:ext cx="1351652" cy="646331"/>
               </a:xfrm>
               <a:prstGeom prst="rect">
@@ -4412,7 +4414,7 @@
             </p:nvSpPr>
             <p:spPr>
               <a:xfrm>
-                <a:off x="2199943" y="3815148"/>
+                <a:off x="2191151" y="3815148"/>
                 <a:ext cx="1582484" cy="369332"/>
               </a:xfrm>
               <a:prstGeom prst="rect">
@@ -4450,8 +4452,8 @@
             </p:nvSpPr>
             <p:spPr>
               <a:xfrm>
-                <a:off x="494645" y="387276"/>
-                <a:ext cx="1148071" cy="369332"/>
+                <a:off x="1663066" y="387276"/>
+                <a:ext cx="1167948" cy="369332"/>
               </a:xfrm>
               <a:prstGeom prst="rect">
                 <a:avLst/>
@@ -4470,7 +4472,7 @@
                     <a:ea typeface="Source Sans Pro" panose="020B0503030403020204" pitchFamily="34" charset="0"/>
                     <a:cs typeface="Arial" panose="020B0604020202020204" pitchFamily="34" charset="0"/>
                   </a:rPr>
-                  <a:t>Off </a:t>
+                  <a:t>Off-</a:t>
                 </a:r>
                 <a:r>
                   <a:rPr lang="en-US" altLang="zh-CN" dirty="0">
@@ -4502,7 +4504,7 @@
             </p:nvSpPr>
             <p:spPr>
               <a:xfrm>
-                <a:off x="5930345" y="2198457"/>
+                <a:off x="5414130" y="1775839"/>
                 <a:ext cx="1056700" cy="923330"/>
               </a:xfrm>
               <a:prstGeom prst="rect">
@@ -4516,6 +4518,7 @@
               </a:bodyPr>
               <a:lstStyle/>
               <a:p>
+                <a:pPr algn="r"/>
                 <a:r>
                   <a:rPr lang="en-US" altLang="zh-CN" dirty="0">
                     <a:latin typeface="Arial" panose="020B0604020202020204" pitchFamily="34" charset="0"/>
@@ -4525,6 +4528,7 @@
                 </a:r>
               </a:p>
               <a:p>
+                <a:pPr algn="r"/>
                 <a:r>
                   <a:rPr lang="en-US" altLang="zh-CN" dirty="0">
                     <a:latin typeface="Arial" panose="020B0604020202020204" pitchFamily="34" charset="0"/>
@@ -4534,6 +4538,7 @@
                 </a:r>
               </a:p>
               <a:p>
+                <a:pPr algn="r"/>
                 <a:r>
                   <a:rPr lang="en-US" altLang="zh-CN" dirty="0">
                     <a:latin typeface="Arial" panose="020B0604020202020204" pitchFamily="34" charset="0"/>
@@ -4993,6 +4998,16 @@
 <file path=ppt/slides/slide2.xml><?xml version="1.0" encoding="utf-8"?>
 <p:sld xmlns:a="http://schemas.openxmlformats.org/drawingml/2006/main" xmlns:r="http://schemas.openxmlformats.org/officeDocument/2006/relationships" xmlns:p="http://schemas.openxmlformats.org/presentationml/2006/main">
   <p:cSld>
+    <p:bg>
+      <p:bgPr>
+        <a:solidFill>
+          <a:schemeClr val="accent1">
+            <a:lumMod val="50000"/>
+          </a:schemeClr>
+        </a:solidFill>
+        <a:effectLst/>
+      </p:bgPr>
+    </p:bg>
     <p:spTree>
       <p:nvGrpSpPr>
         <p:cNvPr id="1" name=""/>
@@ -5009,10 +5024,10 @@
       </p:grpSpPr>
       <p:grpSp>
         <p:nvGrpSpPr>
-          <p:cNvPr id="3" name="组合 2">
+          <p:cNvPr id="26" name="组合 25">
             <a:extLst>
               <a:ext uri="{FF2B5EF4-FFF2-40B4-BE49-F238E27FC236}">
-                <a16:creationId xmlns:a16="http://schemas.microsoft.com/office/drawing/2014/main" id="{5B773D05-28DF-48EC-A0F7-4141924CB75B}"/>
+                <a16:creationId xmlns:a16="http://schemas.microsoft.com/office/drawing/2014/main" id="{6E748C30-B21F-4700-B89A-C054BEBEF37A}"/>
               </a:ext>
             </a:extLst>
           </p:cNvPr>
@@ -5022,17 +5037,17 @@
         <p:grpSpPr>
           <a:xfrm>
             <a:off x="440788" y="559190"/>
-            <a:ext cx="11310424" cy="5739619"/>
+            <a:ext cx="11310424" cy="4918418"/>
             <a:chOff x="440788" y="559190"/>
-            <a:chExt cx="11310424" cy="5739619"/>
+            <a:chExt cx="11310424" cy="4918418"/>
           </a:xfrm>
         </p:grpSpPr>
         <p:grpSp>
           <p:nvGrpSpPr>
-            <p:cNvPr id="2" name="组合 1">
+            <p:cNvPr id="27" name="组合 26">
               <a:extLst>
                 <a:ext uri="{FF2B5EF4-FFF2-40B4-BE49-F238E27FC236}">
-                  <a16:creationId xmlns:a16="http://schemas.microsoft.com/office/drawing/2014/main" id="{A50B6FF4-74B8-4A9B-B0A5-2B9C077D8139}"/>
+                  <a16:creationId xmlns:a16="http://schemas.microsoft.com/office/drawing/2014/main" id="{E8246024-28C2-432B-8B89-5B906370539A}"/>
                 </a:ext>
               </a:extLst>
             </p:cNvPr>
@@ -5042,17 +5057,18 @@
           <p:grpSpPr>
             <a:xfrm>
               <a:off x="440788" y="559190"/>
-              <a:ext cx="11310424" cy="5739619"/>
+              <a:ext cx="11310424" cy="4918418"/>
               <a:chOff x="492369" y="351692"/>
-              <a:chExt cx="11310424" cy="5739619"/>
+              <a:chExt cx="11310424" cy="4918418"/>
             </a:xfrm>
+            <a:noFill/>
           </p:grpSpPr>
           <p:sp>
             <p:nvSpPr>
-              <p:cNvPr id="22" name="矩形: 圆角 21">
+              <p:cNvPr id="34" name="矩形: 圆角 33">
                 <a:extLst>
                   <a:ext uri="{FF2B5EF4-FFF2-40B4-BE49-F238E27FC236}">
-                    <a16:creationId xmlns:a16="http://schemas.microsoft.com/office/drawing/2014/main" id="{E653A227-7A55-41AE-B26A-C3ABB8F6705F}"/>
+                    <a16:creationId xmlns:a16="http://schemas.microsoft.com/office/drawing/2014/main" id="{ED403CE7-003F-4242-8E8D-CAACA55BB8A0}"/>
                   </a:ext>
                 </a:extLst>
               </p:cNvPr>
@@ -5062,14 +5078,14 @@
             <p:spPr>
               <a:xfrm>
                 <a:off x="3709353" y="1028239"/>
-                <a:ext cx="5561247" cy="4206240"/>
+                <a:ext cx="5561247" cy="3898971"/>
               </a:xfrm>
               <a:prstGeom prst="roundRect">
                 <a:avLst>
-                  <a:gd name="adj" fmla="val 12988"/>
+                  <a:gd name="adj" fmla="val 8252"/>
                 </a:avLst>
               </a:prstGeom>
-              <a:noFill/>
+              <a:grpFill/>
               <a:ln>
                 <a:solidFill>
                   <a:schemeClr val="bg1"/>
@@ -5109,10 +5125,10 @@
           </p:sp>
           <p:sp>
             <p:nvSpPr>
-              <p:cNvPr id="4" name="椭圆 3">
+              <p:cNvPr id="35" name="椭圆 34">
                 <a:extLst>
                   <a:ext uri="{FF2B5EF4-FFF2-40B4-BE49-F238E27FC236}">
-                    <a16:creationId xmlns:a16="http://schemas.microsoft.com/office/drawing/2014/main" id="{5078006F-1272-4C97-A568-5488F526E11F}"/>
+                    <a16:creationId xmlns:a16="http://schemas.microsoft.com/office/drawing/2014/main" id="{A8690DDC-6732-4BFF-A4A3-CB8B8B54BD75}"/>
                   </a:ext>
                 </a:extLst>
               </p:cNvPr>
@@ -5127,7 +5143,7 @@
               <a:prstGeom prst="ellipse">
                 <a:avLst/>
               </a:prstGeom>
-              <a:noFill/>
+              <a:grpFill/>
               <a:ln>
                 <a:solidFill>
                   <a:schemeClr val="bg1"/>
@@ -5177,10 +5193,10 @@
           </p:sp>
           <p:sp>
             <p:nvSpPr>
-              <p:cNvPr id="6" name="椭圆 5">
+              <p:cNvPr id="37" name="椭圆 36">
                 <a:extLst>
                   <a:ext uri="{FF2B5EF4-FFF2-40B4-BE49-F238E27FC236}">
-                    <a16:creationId xmlns:a16="http://schemas.microsoft.com/office/drawing/2014/main" id="{DFE8BB6D-944B-47D8-A989-9A77B2AF67DE}"/>
+                    <a16:creationId xmlns:a16="http://schemas.microsoft.com/office/drawing/2014/main" id="{DD781B80-BCE7-4BA2-8105-41C491738168}"/>
                   </a:ext>
                 </a:extLst>
               </p:cNvPr>
@@ -5195,7 +5211,7 @@
               <a:prstGeom prst="ellipse">
                 <a:avLst/>
               </a:prstGeom>
-              <a:noFill/>
+              <a:grpFill/>
               <a:ln>
                 <a:solidFill>
                   <a:schemeClr val="bg1"/>
@@ -5245,10 +5261,10 @@
           </p:sp>
           <p:sp>
             <p:nvSpPr>
-              <p:cNvPr id="8" name="矩形 7">
+              <p:cNvPr id="40" name="矩形 39">
                 <a:extLst>
                   <a:ext uri="{FF2B5EF4-FFF2-40B4-BE49-F238E27FC236}">
-                    <a16:creationId xmlns:a16="http://schemas.microsoft.com/office/drawing/2014/main" id="{A9E9D41C-A2BD-4393-81B9-C711573B3A84}"/>
+                    <a16:creationId xmlns:a16="http://schemas.microsoft.com/office/drawing/2014/main" id="{4F60865B-DC1A-448F-9AA5-1D36A9FC6712}"/>
                   </a:ext>
                 </a:extLst>
               </p:cNvPr>
@@ -5263,7 +5279,7 @@
               <a:prstGeom prst="rect">
                 <a:avLst/>
               </a:prstGeom>
-              <a:noFill/>
+              <a:grpFill/>
               <a:ln>
                 <a:solidFill>
                   <a:schemeClr val="bg1"/>
@@ -5318,10 +5334,10 @@
           </p:sp>
           <p:sp>
             <p:nvSpPr>
-              <p:cNvPr id="9" name="矩形 8">
+              <p:cNvPr id="41" name="矩形 40">
                 <a:extLst>
                   <a:ext uri="{FF2B5EF4-FFF2-40B4-BE49-F238E27FC236}">
-                    <a16:creationId xmlns:a16="http://schemas.microsoft.com/office/drawing/2014/main" id="{94AEDBFB-F59B-46D1-A626-129D6E572754}"/>
+                    <a16:creationId xmlns:a16="http://schemas.microsoft.com/office/drawing/2014/main" id="{5A30CC5F-4B35-40B1-BF20-6E07A0C6B7E3}"/>
                   </a:ext>
                 </a:extLst>
               </p:cNvPr>
@@ -5336,7 +5352,7 @@
               <a:prstGeom prst="rect">
                 <a:avLst/>
               </a:prstGeom>
-              <a:noFill/>
+              <a:grpFill/>
               <a:ln>
                 <a:solidFill>
                   <a:schemeClr val="bg1"/>
@@ -5391,10 +5407,10 @@
           </p:sp>
           <p:sp>
             <p:nvSpPr>
-              <p:cNvPr id="12" name="文本框 11">
+              <p:cNvPr id="42" name="文本框 41">
                 <a:extLst>
                   <a:ext uri="{FF2B5EF4-FFF2-40B4-BE49-F238E27FC236}">
-                    <a16:creationId xmlns:a16="http://schemas.microsoft.com/office/drawing/2014/main" id="{867A7F36-3EDA-4E1A-A334-9B90564A1878}"/>
+                    <a16:creationId xmlns:a16="http://schemas.microsoft.com/office/drawing/2014/main" id="{7D970B88-476C-41C9-A06E-6B5A5D33BCA5}"/>
                   </a:ext>
                 </a:extLst>
               </p:cNvPr>
@@ -5403,13 +5419,13 @@
             </p:nvSpPr>
             <p:spPr>
               <a:xfrm>
-                <a:off x="3259414" y="387276"/>
-                <a:ext cx="1159292" cy="369332"/>
+                <a:off x="3163610" y="387276"/>
+                <a:ext cx="1172116" cy="369332"/>
               </a:xfrm>
               <a:prstGeom prst="rect">
                 <a:avLst/>
               </a:prstGeom>
-              <a:noFill/>
+              <a:grpFill/>
               <a:ln>
                 <a:noFill/>
               </a:ln>
@@ -5429,7 +5445,7 @@
                     <a:ea typeface="Source Sans Pro" panose="020B0503030403020204" pitchFamily="34" charset="0"/>
                     <a:cs typeface="Arial" panose="020B0604020202020204" pitchFamily="34" charset="0"/>
                   </a:rPr>
-                  <a:t>On </a:t>
+                  <a:t>On-</a:t>
                 </a:r>
                 <a:r>
                   <a:rPr lang="en-US" altLang="zh-CN" dirty="0">
@@ -5455,27 +5471,32 @@
           </p:sp>
           <p:cxnSp>
             <p:nvCxnSpPr>
-              <p:cNvPr id="14" name="直接连接符 13">
+              <p:cNvPr id="43" name="直接连接符 42">
                 <a:extLst>
                   <a:ext uri="{FF2B5EF4-FFF2-40B4-BE49-F238E27FC236}">
-                    <a16:creationId xmlns:a16="http://schemas.microsoft.com/office/drawing/2014/main" id="{05B6961D-F156-4980-BCA7-314684E85BD2}"/>
+                    <a16:creationId xmlns:a16="http://schemas.microsoft.com/office/drawing/2014/main" id="{B16D33AA-E01F-4AE5-859E-07AE5A33C725}"/>
                   </a:ext>
                 </a:extLst>
               </p:cNvPr>
-              <p:cNvCxnSpPr/>
+              <p:cNvCxnSpPr>
+                <a:cxnSpLocks/>
+              </p:cNvCxnSpPr>
               <p:nvPr/>
             </p:nvCxnSpPr>
             <p:spPr>
               <a:xfrm>
                 <a:off x="2948354" y="351692"/>
-                <a:ext cx="0" cy="5739619"/>
+                <a:ext cx="0" cy="4918418"/>
               </a:xfrm>
               <a:prstGeom prst="line">
                 <a:avLst/>
               </a:prstGeom>
+              <a:grpFill/>
               <a:ln w="19050">
                 <a:solidFill>
-                  <a:schemeClr val="bg1"/>
+                  <a:schemeClr val="bg1">
+                    <a:lumMod val="75000"/>
+                  </a:schemeClr>
                 </a:solidFill>
                 <a:prstDash val="lgDash"/>
               </a:ln>
@@ -5497,10 +5518,10 @@
           </p:cxnSp>
           <p:sp>
             <p:nvSpPr>
-              <p:cNvPr id="19" name="文本框 18">
+              <p:cNvPr id="44" name="文本框 43">
                 <a:extLst>
                   <a:ext uri="{FF2B5EF4-FFF2-40B4-BE49-F238E27FC236}">
-                    <a16:creationId xmlns:a16="http://schemas.microsoft.com/office/drawing/2014/main" id="{585BDEE7-9244-4881-9C40-B2E6B8A05941}"/>
+                    <a16:creationId xmlns:a16="http://schemas.microsoft.com/office/drawing/2014/main" id="{B379552E-DA26-4DE0-9CA8-C909FCF14F35}"/>
                   </a:ext>
                 </a:extLst>
               </p:cNvPr>
@@ -5509,13 +5530,13 @@
             </p:nvSpPr>
             <p:spPr>
               <a:xfrm>
-                <a:off x="2435200" y="1849697"/>
+                <a:off x="2372288" y="1849697"/>
                 <a:ext cx="1351652" cy="646331"/>
               </a:xfrm>
               <a:prstGeom prst="rect">
                 <a:avLst/>
               </a:prstGeom>
-              <a:noFill/>
+              <a:grpFill/>
               <a:ln>
                 <a:noFill/>
               </a:ln>
@@ -5560,16 +5581,17 @@
           </p:sp>
           <p:cxnSp>
             <p:nvCxnSpPr>
-              <p:cNvPr id="21" name="直接箭头连接符 20">
+              <p:cNvPr id="45" name="直接箭头连接符 44">
                 <a:extLst>
                   <a:ext uri="{FF2B5EF4-FFF2-40B4-BE49-F238E27FC236}">
-                    <a16:creationId xmlns:a16="http://schemas.microsoft.com/office/drawing/2014/main" id="{CF211737-CA3E-4515-8610-85695A51972D}"/>
+                    <a16:creationId xmlns:a16="http://schemas.microsoft.com/office/drawing/2014/main" id="{4D1B9BCC-679C-4EC9-9EB5-68AB77A33DD5}"/>
                   </a:ext>
                 </a:extLst>
               </p:cNvPr>
               <p:cNvCxnSpPr>
-                <a:stCxn id="4" idx="4"/>
-                <a:endCxn id="6" idx="0"/>
+                <a:cxnSpLocks/>
+                <a:stCxn id="35" idx="4"/>
+                <a:endCxn id="37" idx="0"/>
               </p:cNvCxnSpPr>
               <p:nvPr/>
             </p:nvCxnSpPr>
@@ -5581,6 +5603,7 @@
               <a:prstGeom prst="straightConnector1">
                 <a:avLst/>
               </a:prstGeom>
+              <a:grpFill/>
               <a:ln>
                 <a:solidFill>
                   <a:schemeClr val="bg1"/>
@@ -5605,10 +5628,10 @@
           </p:cxnSp>
           <p:sp>
             <p:nvSpPr>
-              <p:cNvPr id="23" name="文本框 22">
+              <p:cNvPr id="46" name="文本框 45">
                 <a:extLst>
                   <a:ext uri="{FF2B5EF4-FFF2-40B4-BE49-F238E27FC236}">
-                    <a16:creationId xmlns:a16="http://schemas.microsoft.com/office/drawing/2014/main" id="{8F9474AC-B070-4C29-8166-80EE686906D2}"/>
+                    <a16:creationId xmlns:a16="http://schemas.microsoft.com/office/drawing/2014/main" id="{82D21A66-93F5-47A4-AE4F-A3EB7217281C}"/>
                   </a:ext>
                 </a:extLst>
               </p:cNvPr>
@@ -5623,7 +5646,7 @@
               <a:prstGeom prst="rect">
                 <a:avLst/>
               </a:prstGeom>
-              <a:noFill/>
+              <a:grpFill/>
               <a:ln>
                 <a:noFill/>
               </a:ln>
@@ -5658,10 +5681,10 @@
           </p:sp>
           <p:sp>
             <p:nvSpPr>
-              <p:cNvPr id="29" name="文本框 28">
+              <p:cNvPr id="47" name="文本框 46">
                 <a:extLst>
                   <a:ext uri="{FF2B5EF4-FFF2-40B4-BE49-F238E27FC236}">
-                    <a16:creationId xmlns:a16="http://schemas.microsoft.com/office/drawing/2014/main" id="{BD66B20F-20FB-479E-A62D-A49E69DF648E}"/>
+                    <a16:creationId xmlns:a16="http://schemas.microsoft.com/office/drawing/2014/main" id="{D010F63C-6D47-4388-9160-FD902A311B12}"/>
                   </a:ext>
                 </a:extLst>
               </p:cNvPr>
@@ -5676,7 +5699,7 @@
               <a:prstGeom prst="rect">
                 <a:avLst/>
               </a:prstGeom>
-              <a:noFill/>
+              <a:grpFill/>
               <a:ln>
                 <a:noFill/>
               </a:ln>
@@ -5721,10 +5744,10 @@
           </p:sp>
           <p:sp>
             <p:nvSpPr>
-              <p:cNvPr id="30" name="文本框 29">
+              <p:cNvPr id="50" name="文本框 49">
                 <a:extLst>
                   <a:ext uri="{FF2B5EF4-FFF2-40B4-BE49-F238E27FC236}">
-                    <a16:creationId xmlns:a16="http://schemas.microsoft.com/office/drawing/2014/main" id="{7C9E0E53-8064-4E2A-AD26-CD4E6C3DBD9A}"/>
+                    <a16:creationId xmlns:a16="http://schemas.microsoft.com/office/drawing/2014/main" id="{D46FEBB6-F914-47CE-86E7-146788355528}"/>
                   </a:ext>
                 </a:extLst>
               </p:cNvPr>
@@ -5733,13 +5756,13 @@
             </p:nvSpPr>
             <p:spPr>
               <a:xfrm>
-                <a:off x="2199943" y="3815148"/>
+                <a:off x="2191151" y="3815148"/>
                 <a:ext cx="1582484" cy="369332"/>
               </a:xfrm>
               <a:prstGeom prst="rect">
                 <a:avLst/>
               </a:prstGeom>
-              <a:noFill/>
+              <a:grpFill/>
               <a:ln>
                 <a:noFill/>
               </a:ln>
@@ -5765,10 +5788,10 @@
           </p:sp>
           <p:sp>
             <p:nvSpPr>
-              <p:cNvPr id="38" name="文本框 37">
+              <p:cNvPr id="51" name="文本框 50">
                 <a:extLst>
                   <a:ext uri="{FF2B5EF4-FFF2-40B4-BE49-F238E27FC236}">
-                    <a16:creationId xmlns:a16="http://schemas.microsoft.com/office/drawing/2014/main" id="{431921B8-FBEB-499E-B342-FDB6752B4842}"/>
+                    <a16:creationId xmlns:a16="http://schemas.microsoft.com/office/drawing/2014/main" id="{3EAB26B7-9A69-4E97-89E3-76F57EE8DED8}"/>
                   </a:ext>
                 </a:extLst>
               </p:cNvPr>
@@ -5777,13 +5800,13 @@
             </p:nvSpPr>
             <p:spPr>
               <a:xfrm>
-                <a:off x="494645" y="387276"/>
-                <a:ext cx="1148071" cy="369332"/>
+                <a:off x="1663066" y="387276"/>
+                <a:ext cx="1167948" cy="369332"/>
               </a:xfrm>
               <a:prstGeom prst="rect">
                 <a:avLst/>
               </a:prstGeom>
-              <a:noFill/>
+              <a:grpFill/>
               <a:ln>
                 <a:noFill/>
               </a:ln>
@@ -5803,7 +5826,7 @@
                     <a:ea typeface="Source Sans Pro" panose="020B0503030403020204" pitchFamily="34" charset="0"/>
                     <a:cs typeface="Arial" panose="020B0604020202020204" pitchFamily="34" charset="0"/>
                   </a:rPr>
-                  <a:t>Off </a:t>
+                  <a:t>Off-</a:t>
                 </a:r>
                 <a:r>
                   <a:rPr lang="en-US" altLang="zh-CN" dirty="0">
@@ -5829,10 +5852,10 @@
           </p:sp>
           <p:sp>
             <p:nvSpPr>
-              <p:cNvPr id="48" name="文本框 47">
+              <p:cNvPr id="52" name="文本框 51">
                 <a:extLst>
                   <a:ext uri="{FF2B5EF4-FFF2-40B4-BE49-F238E27FC236}">
-                    <a16:creationId xmlns:a16="http://schemas.microsoft.com/office/drawing/2014/main" id="{3806FC64-D5E2-41E7-A82A-DD132EB2E9E8}"/>
+                    <a16:creationId xmlns:a16="http://schemas.microsoft.com/office/drawing/2014/main" id="{80BA3474-318D-4815-842D-D8C9D687D802}"/>
                   </a:ext>
                 </a:extLst>
               </p:cNvPr>
@@ -5841,13 +5864,13 @@
             </p:nvSpPr>
             <p:spPr>
               <a:xfrm>
-                <a:off x="5930345" y="2198457"/>
+                <a:off x="5414130" y="1775839"/>
                 <a:ext cx="1056700" cy="923330"/>
               </a:xfrm>
               <a:prstGeom prst="rect">
                 <a:avLst/>
               </a:prstGeom>
-              <a:noFill/>
+              <a:grpFill/>
               <a:ln>
                 <a:noFill/>
               </a:ln>
@@ -5858,6 +5881,7 @@
               </a:bodyPr>
               <a:lstStyle/>
               <a:p>
+                <a:pPr algn="r"/>
                 <a:r>
                   <a:rPr lang="en-US" altLang="zh-CN" dirty="0">
                     <a:solidFill>
@@ -5870,6 +5894,7 @@
                 </a:r>
               </a:p>
               <a:p>
+                <a:pPr algn="r"/>
                 <a:r>
                   <a:rPr lang="en-US" altLang="zh-CN" dirty="0">
                     <a:solidFill>
@@ -5882,6 +5907,7 @@
                 </a:r>
               </a:p>
               <a:p>
+                <a:pPr algn="r"/>
                 <a:r>
                   <a:rPr lang="en-US" altLang="zh-CN" dirty="0">
                     <a:solidFill>
@@ -5897,10 +5923,10 @@
           </p:sp>
           <p:sp>
             <p:nvSpPr>
-              <p:cNvPr id="49" name="文本框 48">
+              <p:cNvPr id="53" name="文本框 52">
                 <a:extLst>
                   <a:ext uri="{FF2B5EF4-FFF2-40B4-BE49-F238E27FC236}">
-                    <a16:creationId xmlns:a16="http://schemas.microsoft.com/office/drawing/2014/main" id="{2B7441E1-87E6-4066-A1D4-CDD1C29A9F90}"/>
+                    <a16:creationId xmlns:a16="http://schemas.microsoft.com/office/drawing/2014/main" id="{7273DDB7-7146-4CDB-BB40-44040AFD94E1}"/>
                   </a:ext>
                 </a:extLst>
               </p:cNvPr>
@@ -5915,7 +5941,7 @@
               <a:prstGeom prst="rect">
                 <a:avLst/>
               </a:prstGeom>
-              <a:noFill/>
+              <a:grpFill/>
               <a:ln>
                 <a:noFill/>
               </a:ln>
@@ -5965,16 +5991,16 @@
           </p:sp>
           <p:cxnSp>
             <p:nvCxnSpPr>
-              <p:cNvPr id="56" name="连接符: 肘形 55">
+              <p:cNvPr id="54" name="连接符: 肘形 53">
                 <a:extLst>
                   <a:ext uri="{FF2B5EF4-FFF2-40B4-BE49-F238E27FC236}">
-                    <a16:creationId xmlns:a16="http://schemas.microsoft.com/office/drawing/2014/main" id="{41CE204E-F615-43F9-B8D3-F4D0769AA729}"/>
+                    <a16:creationId xmlns:a16="http://schemas.microsoft.com/office/drawing/2014/main" id="{A7B8E3D4-29BA-44A5-884E-922C0ECE14A5}"/>
                   </a:ext>
                 </a:extLst>
               </p:cNvPr>
               <p:cNvCxnSpPr>
                 <a:cxnSpLocks/>
-                <a:stCxn id="9" idx="3"/>
+                <a:stCxn id="41" idx="3"/>
               </p:cNvCxnSpPr>
               <p:nvPr/>
             </p:nvCxnSpPr>
@@ -5986,6 +6012,7 @@
               <a:prstGeom prst="bentConnector2">
                 <a:avLst/>
               </a:prstGeom>
+              <a:grpFill/>
               <a:ln>
                 <a:solidFill>
                   <a:schemeClr val="bg1"/>
@@ -6010,10 +6037,10 @@
           </p:cxnSp>
           <p:sp>
             <p:nvSpPr>
-              <p:cNvPr id="59" name="圆柱体 58">
+              <p:cNvPr id="55" name="圆柱体 54">
                 <a:extLst>
                   <a:ext uri="{FF2B5EF4-FFF2-40B4-BE49-F238E27FC236}">
-                    <a16:creationId xmlns:a16="http://schemas.microsoft.com/office/drawing/2014/main" id="{25632116-1E00-4712-B8B0-81515F3E9106}"/>
+                    <a16:creationId xmlns:a16="http://schemas.microsoft.com/office/drawing/2014/main" id="{F2D3B38F-AB9D-4C7F-9554-75F95B8607B3}"/>
                   </a:ext>
                 </a:extLst>
               </p:cNvPr>
@@ -6028,7 +6055,7 @@
               <a:prstGeom prst="can">
                 <a:avLst/>
               </a:prstGeom>
-              <a:noFill/>
+              <a:grpFill/>
               <a:ln>
                 <a:solidFill>
                   <a:schemeClr val="bg1"/>
@@ -6102,10 +6129,10 @@
           </p:sp>
           <p:sp>
             <p:nvSpPr>
-              <p:cNvPr id="62" name="左大括号 61">
+              <p:cNvPr id="57" name="左大括号 56">
                 <a:extLst>
                   <a:ext uri="{FF2B5EF4-FFF2-40B4-BE49-F238E27FC236}">
-                    <a16:creationId xmlns:a16="http://schemas.microsoft.com/office/drawing/2014/main" id="{B37ADC2E-AA1F-4233-A03B-306C7CF4C764}"/>
+                    <a16:creationId xmlns:a16="http://schemas.microsoft.com/office/drawing/2014/main" id="{8E2E87D9-4E78-45F6-B539-AE44D4E24370}"/>
                   </a:ext>
                 </a:extLst>
               </p:cNvPr>
@@ -6123,6 +6150,7 @@
                   <a:gd name="adj2" fmla="val 50000"/>
                 </a:avLst>
               </a:prstGeom>
+              <a:grpFill/>
               <a:ln>
                 <a:solidFill>
                   <a:schemeClr val="bg1"/>
@@ -6160,10 +6188,10 @@
           </p:sp>
           <p:sp>
             <p:nvSpPr>
-              <p:cNvPr id="63" name="矩形: 圆角 62">
+              <p:cNvPr id="58" name="矩形: 圆角 57">
                 <a:extLst>
                   <a:ext uri="{FF2B5EF4-FFF2-40B4-BE49-F238E27FC236}">
-                    <a16:creationId xmlns:a16="http://schemas.microsoft.com/office/drawing/2014/main" id="{C69C2873-0B56-4824-B189-2682AA773FF2}"/>
+                    <a16:creationId xmlns:a16="http://schemas.microsoft.com/office/drawing/2014/main" id="{6FB68AAF-26E7-4D99-8074-0514F57F7122}"/>
                   </a:ext>
                 </a:extLst>
               </p:cNvPr>
@@ -6180,7 +6208,7 @@
                   <a:gd name="adj" fmla="val 33590"/>
                 </a:avLst>
               </a:prstGeom>
-              <a:noFill/>
+              <a:grpFill/>
               <a:ln>
                 <a:solidFill>
                   <a:schemeClr val="bg1"/>
@@ -6238,17 +6266,17 @@
         </p:grpSp>
         <p:cxnSp>
           <p:nvCxnSpPr>
-            <p:cNvPr id="33" name="连接符: 肘形 32">
+            <p:cNvPr id="28" name="连接符: 肘形 27">
               <a:extLst>
                 <a:ext uri="{FF2B5EF4-FFF2-40B4-BE49-F238E27FC236}">
-                  <a16:creationId xmlns:a16="http://schemas.microsoft.com/office/drawing/2014/main" id="{098AD45F-AF8B-4B74-A9D4-99DE4E87CDB5}"/>
+                  <a16:creationId xmlns:a16="http://schemas.microsoft.com/office/drawing/2014/main" id="{9B49CAF7-4831-46B7-A675-3E0FA7B2C972}"/>
                 </a:ext>
               </a:extLst>
             </p:cNvPr>
             <p:cNvCxnSpPr>
               <a:cxnSpLocks/>
-              <a:stCxn id="4" idx="6"/>
-              <a:endCxn id="8" idx="0"/>
+              <a:stCxn id="35" idx="6"/>
+              <a:endCxn id="40" idx="0"/>
             </p:cNvCxnSpPr>
             <p:nvPr/>
           </p:nvCxnSpPr>
@@ -6284,16 +6312,17 @@
         </p:cxnSp>
         <p:cxnSp>
           <p:nvCxnSpPr>
-            <p:cNvPr id="36" name="连接符: 肘形 35">
+            <p:cNvPr id="31" name="连接符: 肘形 30">
               <a:extLst>
                 <a:ext uri="{FF2B5EF4-FFF2-40B4-BE49-F238E27FC236}">
-                  <a16:creationId xmlns:a16="http://schemas.microsoft.com/office/drawing/2014/main" id="{AD784253-2D17-429C-AF32-B5F69BE90057}"/>
+                  <a16:creationId xmlns:a16="http://schemas.microsoft.com/office/drawing/2014/main" id="{583543EE-4074-45CE-B4E6-E7353E3C693F}"/>
                 </a:ext>
               </a:extLst>
             </p:cNvPr>
             <p:cNvCxnSpPr>
-              <a:stCxn id="6" idx="6"/>
-              <a:endCxn id="8" idx="2"/>
+              <a:cxnSpLocks/>
+              <a:stCxn id="37" idx="6"/>
+              <a:endCxn id="40" idx="2"/>
             </p:cNvCxnSpPr>
             <p:nvPr/>
           </p:nvCxnSpPr>
@@ -6329,16 +6358,17 @@
         </p:cxnSp>
         <p:cxnSp>
           <p:nvCxnSpPr>
-            <p:cNvPr id="39" name="连接符: 肘形 38">
+            <p:cNvPr id="32" name="连接符: 肘形 31">
               <a:extLst>
                 <a:ext uri="{FF2B5EF4-FFF2-40B4-BE49-F238E27FC236}">
-                  <a16:creationId xmlns:a16="http://schemas.microsoft.com/office/drawing/2014/main" id="{9B05B99D-7973-4ED9-9D32-DCABAE89326C}"/>
+                  <a16:creationId xmlns:a16="http://schemas.microsoft.com/office/drawing/2014/main" id="{760EC8E0-6E90-4442-8360-155A84CEF8A1}"/>
                 </a:ext>
               </a:extLst>
             </p:cNvPr>
             <p:cNvCxnSpPr>
-              <a:stCxn id="8" idx="3"/>
-              <a:endCxn id="9" idx="1"/>
+              <a:cxnSpLocks/>
+              <a:stCxn id="40" idx="3"/>
+              <a:endCxn id="41" idx="1"/>
             </p:cNvCxnSpPr>
             <p:nvPr/>
           </p:nvCxnSpPr>

--- a/en/asset/mai-arch.pptx
+++ b/en/asset/mai-arch.pptx
@@ -3763,1225 +3763,1182 @@
           <a:chExt cx="0" cy="0"/>
         </a:xfrm>
       </p:grpSpPr>
-      <p:grpSp>
-        <p:nvGrpSpPr>
-          <p:cNvPr id="3" name="组合 2">
-            <a:extLst>
-              <a:ext uri="{FF2B5EF4-FFF2-40B4-BE49-F238E27FC236}">
-                <a16:creationId xmlns:a16="http://schemas.microsoft.com/office/drawing/2014/main" id="{47FD193B-4EE7-4D29-8073-1EEE3CA4A66B}"/>
-              </a:ext>
-            </a:extLst>
-          </p:cNvPr>
-          <p:cNvGrpSpPr/>
+      <p:sp>
+        <p:nvSpPr>
+          <p:cNvPr id="22" name="矩形: 圆角 21">
+            <a:extLst>
+              <a:ext uri="{FF2B5EF4-FFF2-40B4-BE49-F238E27FC236}">
+                <a16:creationId xmlns:a16="http://schemas.microsoft.com/office/drawing/2014/main" id="{E653A227-7A55-41AE-B26A-C3ABB8F6705F}"/>
+              </a:ext>
+            </a:extLst>
+          </p:cNvPr>
+          <p:cNvSpPr/>
           <p:nvPr/>
-        </p:nvGrpSpPr>
-        <p:grpSpPr>
+        </p:nvSpPr>
+        <p:spPr>
           <a:xfrm>
-            <a:off x="440788" y="559190"/>
-            <a:ext cx="11310424" cy="4918418"/>
-            <a:chOff x="440788" y="559190"/>
-            <a:chExt cx="11310424" cy="4918418"/>
-          </a:xfrm>
-        </p:grpSpPr>
-        <p:grpSp>
-          <p:nvGrpSpPr>
-            <p:cNvPr id="2" name="组合 1">
-              <a:extLst>
-                <a:ext uri="{FF2B5EF4-FFF2-40B4-BE49-F238E27FC236}">
-                  <a16:creationId xmlns:a16="http://schemas.microsoft.com/office/drawing/2014/main" id="{A50B6FF4-74B8-4A9B-B0A5-2B9C077D8139}"/>
-                </a:ext>
-              </a:extLst>
-            </p:cNvPr>
-            <p:cNvGrpSpPr/>
-            <p:nvPr/>
-          </p:nvGrpSpPr>
-          <p:grpSpPr>
-            <a:xfrm>
-              <a:off x="440788" y="559190"/>
-              <a:ext cx="11310424" cy="4918418"/>
-              <a:chOff x="492369" y="351692"/>
-              <a:chExt cx="11310424" cy="4918418"/>
-            </a:xfrm>
-            <a:noFill/>
-          </p:grpSpPr>
-          <p:sp>
-            <p:nvSpPr>
-              <p:cNvPr id="22" name="矩形: 圆角 21">
-                <a:extLst>
-                  <a:ext uri="{FF2B5EF4-FFF2-40B4-BE49-F238E27FC236}">
-                    <a16:creationId xmlns:a16="http://schemas.microsoft.com/office/drawing/2014/main" id="{E653A227-7A55-41AE-B26A-C3ABB8F6705F}"/>
-                  </a:ext>
-                </a:extLst>
-              </p:cNvPr>
-              <p:cNvSpPr/>
-              <p:nvPr/>
-            </p:nvSpPr>
-            <p:spPr>
-              <a:xfrm>
-                <a:off x="3709353" y="1028239"/>
-                <a:ext cx="5561247" cy="3898971"/>
-              </a:xfrm>
-              <a:prstGeom prst="roundRect">
-                <a:avLst>
-                  <a:gd name="adj" fmla="val 8252"/>
-                </a:avLst>
-              </a:prstGeom>
-              <a:grpFill/>
-              <a:ln>
+            <a:off x="3657772" y="1235737"/>
+            <a:ext cx="5561247" cy="3898971"/>
+          </a:xfrm>
+          <a:prstGeom prst="roundRect">
+            <a:avLst>
+              <a:gd name="adj" fmla="val 8252"/>
+            </a:avLst>
+          </a:prstGeom>
+          <a:noFill/>
+          <a:ln>
+            <a:solidFill>
+              <a:schemeClr val="tx1"/>
+            </a:solidFill>
+          </a:ln>
+        </p:spPr>
+        <p:style>
+          <a:lnRef idx="2">
+            <a:schemeClr val="accent1">
+              <a:shade val="50000"/>
+            </a:schemeClr>
+          </a:lnRef>
+          <a:fillRef idx="1">
+            <a:schemeClr val="accent1"/>
+          </a:fillRef>
+          <a:effectRef idx="0">
+            <a:schemeClr val="accent1"/>
+          </a:effectRef>
+          <a:fontRef idx="minor">
+            <a:schemeClr val="lt1"/>
+          </a:fontRef>
+        </p:style>
+        <p:txBody>
+          <a:bodyPr rtlCol="0" anchor="ctr"/>
+          <a:lstStyle/>
+          <a:p>
+            <a:pPr algn="ctr"/>
+            <a:endParaRPr lang="zh-CN" altLang="en-US" dirty="0">
+              <a:latin typeface="Arial" panose="020B0604020202020204" pitchFamily="34" charset="0"/>
+              <a:cs typeface="Arial" panose="020B0604020202020204" pitchFamily="34" charset="0"/>
+            </a:endParaRPr>
+          </a:p>
+        </p:txBody>
+      </p:sp>
+      <p:sp>
+        <p:nvSpPr>
+          <p:cNvPr id="4" name="椭圆 3">
+            <a:extLst>
+              <a:ext uri="{FF2B5EF4-FFF2-40B4-BE49-F238E27FC236}">
+                <a16:creationId xmlns:a16="http://schemas.microsoft.com/office/drawing/2014/main" id="{5078006F-1272-4C97-A568-5488F526E11F}"/>
+              </a:ext>
+            </a:extLst>
+          </p:cNvPr>
+          <p:cNvSpPr/>
+          <p:nvPr/>
+        </p:nvSpPr>
+        <p:spPr>
+          <a:xfrm>
+            <a:off x="440788" y="1953837"/>
+            <a:ext cx="1523866" cy="865163"/>
+          </a:xfrm>
+          <a:prstGeom prst="ellipse">
+            <a:avLst/>
+          </a:prstGeom>
+          <a:noFill/>
+        </p:spPr>
+        <p:style>
+          <a:lnRef idx="2">
+            <a:schemeClr val="dk1"/>
+          </a:lnRef>
+          <a:fillRef idx="1">
+            <a:schemeClr val="lt1"/>
+          </a:fillRef>
+          <a:effectRef idx="0">
+            <a:schemeClr val="dk1"/>
+          </a:effectRef>
+          <a:fontRef idx="minor">
+            <a:schemeClr val="dk1"/>
+          </a:fontRef>
+        </p:style>
+        <p:txBody>
+          <a:bodyPr rtlCol="0" anchor="ctr"/>
+          <a:lstStyle/>
+          <a:p>
+            <a:pPr algn="ctr"/>
+            <a:r>
+              <a:rPr lang="en-US" altLang="zh-CN" dirty="0">
+                <a:latin typeface="Arial" panose="020B0604020202020204" pitchFamily="34" charset="0"/>
+                <a:ea typeface="微软雅黑" panose="020B0503020204020204" pitchFamily="34" charset="-122"/>
+                <a:cs typeface="Arial" panose="020B0604020202020204" pitchFamily="34" charset="0"/>
+              </a:rPr>
+              <a:t>Traders</a:t>
+            </a:r>
+            <a:endParaRPr lang="zh-CN" altLang="en-US" dirty="0">
+              <a:latin typeface="Arial" panose="020B0604020202020204" pitchFamily="34" charset="0"/>
+              <a:ea typeface="微软雅黑" panose="020B0503020204020204" pitchFamily="34" charset="-122"/>
+              <a:cs typeface="Arial" panose="020B0604020202020204" pitchFamily="34" charset="0"/>
+            </a:endParaRPr>
+          </a:p>
+        </p:txBody>
+      </p:sp>
+      <p:sp>
+        <p:nvSpPr>
+          <p:cNvPr id="6" name="椭圆 5">
+            <a:extLst>
+              <a:ext uri="{FF2B5EF4-FFF2-40B4-BE49-F238E27FC236}">
+                <a16:creationId xmlns:a16="http://schemas.microsoft.com/office/drawing/2014/main" id="{DFE8BB6D-944B-47D8-A989-9A77B2AF67DE}"/>
+              </a:ext>
+            </a:extLst>
+          </p:cNvPr>
+          <p:cNvSpPr/>
+          <p:nvPr/>
+        </p:nvSpPr>
+        <p:spPr>
+          <a:xfrm>
+            <a:off x="440788" y="3914717"/>
+            <a:ext cx="1523866" cy="865163"/>
+          </a:xfrm>
+          <a:prstGeom prst="ellipse">
+            <a:avLst/>
+          </a:prstGeom>
+          <a:noFill/>
+        </p:spPr>
+        <p:style>
+          <a:lnRef idx="2">
+            <a:schemeClr val="dk1"/>
+          </a:lnRef>
+          <a:fillRef idx="1">
+            <a:schemeClr val="lt1"/>
+          </a:fillRef>
+          <a:effectRef idx="0">
+            <a:schemeClr val="dk1"/>
+          </a:effectRef>
+          <a:fontRef idx="minor">
+            <a:schemeClr val="dk1"/>
+          </a:fontRef>
+        </p:style>
+        <p:txBody>
+          <a:bodyPr rtlCol="0" anchor="ctr"/>
+          <a:lstStyle/>
+          <a:p>
+            <a:pPr algn="ctr"/>
+            <a:r>
+              <a:rPr lang="en-US" altLang="zh-CN" dirty="0" err="1">
+                <a:latin typeface="Arial" panose="020B0604020202020204" pitchFamily="34" charset="0"/>
+                <a:ea typeface="微软雅黑" panose="020B0503020204020204" pitchFamily="34" charset="-122"/>
+                <a:cs typeface="Arial" panose="020B0604020202020204" pitchFamily="34" charset="0"/>
+              </a:rPr>
+              <a:t>Relayer</a:t>
+            </a:r>
+            <a:endParaRPr lang="zh-CN" altLang="en-US" dirty="0">
+              <a:latin typeface="Arial" panose="020B0604020202020204" pitchFamily="34" charset="0"/>
+              <a:ea typeface="微软雅黑" panose="020B0503020204020204" pitchFamily="34" charset="-122"/>
+              <a:cs typeface="Arial" panose="020B0604020202020204" pitchFamily="34" charset="0"/>
+            </a:endParaRPr>
+          </a:p>
+        </p:txBody>
+      </p:sp>
+      <p:sp>
+        <p:nvSpPr>
+          <p:cNvPr id="8" name="矩形 7">
+            <a:extLst>
+              <a:ext uri="{FF2B5EF4-FFF2-40B4-BE49-F238E27FC236}">
+                <a16:creationId xmlns:a16="http://schemas.microsoft.com/office/drawing/2014/main" id="{A9E9D41C-A2BD-4393-81B9-C711573B3A84}"/>
+              </a:ext>
+            </a:extLst>
+          </p:cNvPr>
+          <p:cNvSpPr/>
+          <p:nvPr/>
+        </p:nvSpPr>
+        <p:spPr>
+          <a:xfrm>
+            <a:off x="3917677" y="3074173"/>
+            <a:ext cx="1955411" cy="865163"/>
+          </a:xfrm>
+          <a:prstGeom prst="rect">
+            <a:avLst/>
+          </a:prstGeom>
+          <a:noFill/>
+        </p:spPr>
+        <p:style>
+          <a:lnRef idx="2">
+            <a:schemeClr val="dk1"/>
+          </a:lnRef>
+          <a:fillRef idx="1">
+            <a:schemeClr val="lt1"/>
+          </a:fillRef>
+          <a:effectRef idx="0">
+            <a:schemeClr val="dk1"/>
+          </a:effectRef>
+          <a:fontRef idx="minor">
+            <a:schemeClr val="dk1"/>
+          </a:fontRef>
+        </p:style>
+        <p:txBody>
+          <a:bodyPr rot="0" spcFirstLastPara="0" vertOverflow="overflow" horzOverflow="overflow" vert="horz" wrap="square" lIns="91440" tIns="45720" rIns="91440" bIns="45720" numCol="1" spcCol="0" rtlCol="0" fromWordArt="0" anchor="ctr" anchorCtr="0" forceAA="0" compatLnSpc="1">
+            <a:prstTxWarp prst="textNoShape">
+              <a:avLst/>
+            </a:prstTxWarp>
+            <a:noAutofit/>
+          </a:bodyPr>
+          <a:lstStyle/>
+          <a:p>
+            <a:pPr algn="ctr"/>
+            <a:r>
+              <a:rPr lang="en-US" altLang="zh-CN" dirty="0">
+                <a:solidFill>
+                  <a:schemeClr val="dk1"/>
+                </a:solidFill>
+                <a:latin typeface="Arial" panose="020B0604020202020204" pitchFamily="34" charset="0"/>
+                <a:ea typeface="微软雅黑" panose="020B0503020204020204" pitchFamily="34" charset="-122"/>
+                <a:cs typeface="Arial" panose="020B0604020202020204" pitchFamily="34" charset="0"/>
+              </a:rPr>
+              <a:t>Mai Exchange</a:t>
+            </a:r>
+            <a:endParaRPr lang="zh-CN" altLang="en-US" dirty="0">
+              <a:solidFill>
+                <a:schemeClr val="dk1"/>
+              </a:solidFill>
+              <a:latin typeface="Arial" panose="020B0604020202020204" pitchFamily="34" charset="0"/>
+              <a:ea typeface="微软雅黑" panose="020B0503020204020204" pitchFamily="34" charset="-122"/>
+              <a:cs typeface="Arial" panose="020B0604020202020204" pitchFamily="34" charset="0"/>
+            </a:endParaRPr>
+          </a:p>
+        </p:txBody>
+      </p:sp>
+      <p:sp>
+        <p:nvSpPr>
+          <p:cNvPr id="9" name="矩形 8">
+            <a:extLst>
+              <a:ext uri="{FF2B5EF4-FFF2-40B4-BE49-F238E27FC236}">
+                <a16:creationId xmlns:a16="http://schemas.microsoft.com/office/drawing/2014/main" id="{94AEDBFB-F59B-46D1-A626-129D6E572754}"/>
+              </a:ext>
+            </a:extLst>
+          </p:cNvPr>
+          <p:cNvSpPr/>
+          <p:nvPr/>
+        </p:nvSpPr>
+        <p:spPr>
+          <a:xfrm>
+            <a:off x="6935464" y="1965957"/>
+            <a:ext cx="1955411" cy="865163"/>
+          </a:xfrm>
+          <a:prstGeom prst="rect">
+            <a:avLst/>
+          </a:prstGeom>
+          <a:noFill/>
+        </p:spPr>
+        <p:style>
+          <a:lnRef idx="2">
+            <a:schemeClr val="dk1"/>
+          </a:lnRef>
+          <a:fillRef idx="1">
+            <a:schemeClr val="lt1"/>
+          </a:fillRef>
+          <a:effectRef idx="0">
+            <a:schemeClr val="dk1"/>
+          </a:effectRef>
+          <a:fontRef idx="minor">
+            <a:schemeClr val="dk1"/>
+          </a:fontRef>
+        </p:style>
+        <p:txBody>
+          <a:bodyPr rot="0" spcFirstLastPara="0" vertOverflow="overflow" horzOverflow="overflow" vert="horz" wrap="square" lIns="91440" tIns="45720" rIns="91440" bIns="45720" numCol="1" spcCol="0" rtlCol="0" fromWordArt="0" anchor="ctr" anchorCtr="0" forceAA="0" compatLnSpc="1">
+            <a:prstTxWarp prst="textNoShape">
+              <a:avLst/>
+            </a:prstTxWarp>
+            <a:noAutofit/>
+          </a:bodyPr>
+          <a:lstStyle/>
+          <a:p>
+            <a:pPr algn="ctr"/>
+            <a:r>
+              <a:rPr lang="en-US" altLang="zh-CN" dirty="0">
+                <a:solidFill>
+                  <a:schemeClr val="dk1"/>
+                </a:solidFill>
+                <a:latin typeface="Arial" panose="020B0604020202020204" pitchFamily="34" charset="0"/>
+                <a:ea typeface="微软雅黑" panose="020B0503020204020204" pitchFamily="34" charset="-122"/>
+                <a:cs typeface="Arial" panose="020B0604020202020204" pitchFamily="34" charset="0"/>
+              </a:rPr>
+              <a:t>Minting Pool</a:t>
+            </a:r>
+            <a:endParaRPr lang="zh-CN" altLang="en-US" dirty="0">
+              <a:solidFill>
+                <a:schemeClr val="dk1"/>
+              </a:solidFill>
+              <a:latin typeface="Arial" panose="020B0604020202020204" pitchFamily="34" charset="0"/>
+              <a:ea typeface="微软雅黑" panose="020B0503020204020204" pitchFamily="34" charset="-122"/>
+              <a:cs typeface="Arial" panose="020B0604020202020204" pitchFamily="34" charset="0"/>
+            </a:endParaRPr>
+          </a:p>
+        </p:txBody>
+      </p:sp>
+      <p:sp>
+        <p:nvSpPr>
+          <p:cNvPr id="12" name="文本框 11">
+            <a:extLst>
+              <a:ext uri="{FF2B5EF4-FFF2-40B4-BE49-F238E27FC236}">
+                <a16:creationId xmlns:a16="http://schemas.microsoft.com/office/drawing/2014/main" id="{867A7F36-3EDA-4E1A-A334-9B90564A1878}"/>
+              </a:ext>
+            </a:extLst>
+          </p:cNvPr>
+          <p:cNvSpPr txBox="1"/>
+          <p:nvPr/>
+        </p:nvSpPr>
+        <p:spPr>
+          <a:xfrm>
+            <a:off x="3112029" y="594774"/>
+            <a:ext cx="1172116" cy="369332"/>
+          </a:xfrm>
+          <a:prstGeom prst="rect">
+            <a:avLst/>
+          </a:prstGeom>
+          <a:noFill/>
+        </p:spPr>
+        <p:txBody>
+          <a:bodyPr wrap="none" rtlCol="0">
+            <a:spAutoFit/>
+          </a:bodyPr>
+          <a:lstStyle/>
+          <a:p>
+            <a:r>
+              <a:rPr lang="en-US" altLang="zh-CN" dirty="0">
+                <a:latin typeface="Arial" panose="020B0604020202020204" pitchFamily="34" charset="0"/>
+                <a:ea typeface="Source Sans Pro" panose="020B0503030403020204" pitchFamily="34" charset="0"/>
+                <a:cs typeface="Arial" panose="020B0604020202020204" pitchFamily="34" charset="0"/>
+              </a:rPr>
+              <a:t>On-</a:t>
+            </a:r>
+            <a:r>
+              <a:rPr lang="en-US" altLang="zh-CN" dirty="0">
+                <a:latin typeface="Arial" panose="020B0604020202020204" pitchFamily="34" charset="0"/>
+                <a:ea typeface="微软雅黑" panose="020B0503020204020204" pitchFamily="34" charset="-122"/>
+                <a:cs typeface="Arial" panose="020B0604020202020204" pitchFamily="34" charset="0"/>
+              </a:rPr>
+              <a:t>Chain</a:t>
+            </a:r>
+            <a:endParaRPr lang="zh-CN" altLang="en-US" dirty="0">
+              <a:latin typeface="Arial" panose="020B0604020202020204" pitchFamily="34" charset="0"/>
+              <a:ea typeface="微软雅黑" panose="020B0503020204020204" pitchFamily="34" charset="-122"/>
+              <a:cs typeface="Arial" panose="020B0604020202020204" pitchFamily="34" charset="0"/>
+            </a:endParaRPr>
+          </a:p>
+        </p:txBody>
+      </p:sp>
+      <p:cxnSp>
+        <p:nvCxnSpPr>
+          <p:cNvPr id="14" name="直接连接符 13">
+            <a:extLst>
+              <a:ext uri="{FF2B5EF4-FFF2-40B4-BE49-F238E27FC236}">
+                <a16:creationId xmlns:a16="http://schemas.microsoft.com/office/drawing/2014/main" id="{05B6961D-F156-4980-BCA7-314684E85BD2}"/>
+              </a:ext>
+            </a:extLst>
+          </p:cNvPr>
+          <p:cNvCxnSpPr>
+            <a:cxnSpLocks/>
+          </p:cNvCxnSpPr>
+          <p:nvPr/>
+        </p:nvCxnSpPr>
+        <p:spPr>
+          <a:xfrm>
+            <a:off x="2896773" y="559190"/>
+            <a:ext cx="0" cy="4918418"/>
+          </a:xfrm>
+          <a:prstGeom prst="line">
+            <a:avLst/>
+          </a:prstGeom>
+          <a:noFill/>
+          <a:ln w="19050">
+            <a:solidFill>
+              <a:schemeClr val="bg1">
+                <a:lumMod val="75000"/>
+              </a:schemeClr>
+            </a:solidFill>
+            <a:prstDash val="lgDash"/>
+          </a:ln>
+        </p:spPr>
+        <p:style>
+          <a:lnRef idx="1">
+            <a:schemeClr val="accent1"/>
+          </a:lnRef>
+          <a:fillRef idx="0">
+            <a:schemeClr val="accent1"/>
+          </a:fillRef>
+          <a:effectRef idx="0">
+            <a:schemeClr val="accent1"/>
+          </a:effectRef>
+          <a:fontRef idx="minor">
+            <a:schemeClr val="tx1"/>
+          </a:fontRef>
+        </p:style>
+      </p:cxnSp>
+      <p:sp>
+        <p:nvSpPr>
+          <p:cNvPr id="19" name="文本框 18">
+            <a:extLst>
+              <a:ext uri="{FF2B5EF4-FFF2-40B4-BE49-F238E27FC236}">
+                <a16:creationId xmlns:a16="http://schemas.microsoft.com/office/drawing/2014/main" id="{585BDEE7-9244-4881-9C40-B2E6B8A05941}"/>
+              </a:ext>
+            </a:extLst>
+          </p:cNvPr>
+          <p:cNvSpPr txBox="1"/>
+          <p:nvPr/>
+        </p:nvSpPr>
+        <p:spPr>
+          <a:xfrm>
+            <a:off x="2320707" y="2057195"/>
+            <a:ext cx="1351652" cy="646331"/>
+          </a:xfrm>
+          <a:prstGeom prst="rect">
+            <a:avLst/>
+          </a:prstGeom>
+          <a:noFill/>
+        </p:spPr>
+        <p:txBody>
+          <a:bodyPr wrap="none" rtlCol="0">
+            <a:spAutoFit/>
+          </a:bodyPr>
+          <a:lstStyle/>
+          <a:p>
+            <a:r>
+              <a:rPr lang="en-US" altLang="zh-CN" dirty="0">
+                <a:latin typeface="Arial" panose="020B0604020202020204" pitchFamily="34" charset="0"/>
+                <a:cs typeface="Arial" panose="020B0604020202020204" pitchFamily="34" charset="0"/>
+              </a:rPr>
+              <a:t>Approve</a:t>
+            </a:r>
+          </a:p>
+          <a:p>
+            <a:r>
+              <a:rPr lang="en-US" altLang="zh-CN" dirty="0">
+                <a:latin typeface="Arial" panose="020B0604020202020204" pitchFamily="34" charset="0"/>
+                <a:cs typeface="Arial" panose="020B0604020202020204" pitchFamily="34" charset="0"/>
+              </a:rPr>
+              <a:t>Disapprove</a:t>
+            </a:r>
+            <a:endParaRPr lang="zh-CN" altLang="en-US" dirty="0">
+              <a:latin typeface="Arial" panose="020B0604020202020204" pitchFamily="34" charset="0"/>
+              <a:cs typeface="Arial" panose="020B0604020202020204" pitchFamily="34" charset="0"/>
+            </a:endParaRPr>
+          </a:p>
+        </p:txBody>
+      </p:sp>
+      <p:cxnSp>
+        <p:nvCxnSpPr>
+          <p:cNvPr id="21" name="直接箭头连接符 20">
+            <a:extLst>
+              <a:ext uri="{FF2B5EF4-FFF2-40B4-BE49-F238E27FC236}">
+                <a16:creationId xmlns:a16="http://schemas.microsoft.com/office/drawing/2014/main" id="{CF211737-CA3E-4515-8610-85695A51972D}"/>
+              </a:ext>
+            </a:extLst>
+          </p:cNvPr>
+          <p:cNvCxnSpPr>
+            <a:cxnSpLocks/>
+            <a:stCxn id="4" idx="4"/>
+            <a:endCxn id="6" idx="0"/>
+          </p:cNvCxnSpPr>
+          <p:nvPr/>
+        </p:nvCxnSpPr>
+        <p:spPr>
+          <a:xfrm>
+            <a:off x="1202721" y="2819000"/>
+            <a:ext cx="0" cy="1095717"/>
+          </a:xfrm>
+          <a:prstGeom prst="straightConnector1">
+            <a:avLst/>
+          </a:prstGeom>
+          <a:noFill/>
+          <a:ln>
+            <a:tailEnd type="triangle"/>
+          </a:ln>
+        </p:spPr>
+        <p:style>
+          <a:lnRef idx="1">
+            <a:schemeClr val="dk1"/>
+          </a:lnRef>
+          <a:fillRef idx="0">
+            <a:schemeClr val="dk1"/>
+          </a:fillRef>
+          <a:effectRef idx="0">
+            <a:schemeClr val="dk1"/>
+          </a:effectRef>
+          <a:fontRef idx="minor">
+            <a:schemeClr val="tx1"/>
+          </a:fontRef>
+        </p:style>
+      </p:cxnSp>
+      <p:sp>
+        <p:nvSpPr>
+          <p:cNvPr id="23" name="文本框 22">
+            <a:extLst>
+              <a:ext uri="{FF2B5EF4-FFF2-40B4-BE49-F238E27FC236}">
+                <a16:creationId xmlns:a16="http://schemas.microsoft.com/office/drawing/2014/main" id="{8F9474AC-B070-4C29-8166-80EE686906D2}"/>
+              </a:ext>
+            </a:extLst>
+          </p:cNvPr>
+          <p:cNvSpPr txBox="1"/>
+          <p:nvPr/>
+        </p:nvSpPr>
+        <p:spPr>
+          <a:xfrm>
+            <a:off x="5588969" y="1360472"/>
+            <a:ext cx="1467068" cy="369332"/>
+          </a:xfrm>
+          <a:prstGeom prst="rect">
+            <a:avLst/>
+          </a:prstGeom>
+          <a:noFill/>
+        </p:spPr>
+        <p:txBody>
+          <a:bodyPr wrap="none" rtlCol="0">
+            <a:spAutoFit/>
+          </a:bodyPr>
+          <a:lstStyle/>
+          <a:p>
+            <a:r>
+              <a:rPr lang="en-US" altLang="zh-CN" dirty="0">
+                <a:latin typeface="Arial" panose="020B0604020202020204" pitchFamily="34" charset="0"/>
+                <a:ea typeface="微软雅黑" panose="020B0503020204020204" pitchFamily="34" charset="-122"/>
+                <a:cs typeface="Arial" panose="020B0604020202020204" pitchFamily="34" charset="0"/>
+              </a:rPr>
+              <a:t>Mai Protocol</a:t>
+            </a:r>
+            <a:endParaRPr lang="zh-CN" altLang="en-US" dirty="0">
+              <a:latin typeface="Arial" panose="020B0604020202020204" pitchFamily="34" charset="0"/>
+              <a:ea typeface="微软雅黑" panose="020B0503020204020204" pitchFamily="34" charset="-122"/>
+              <a:cs typeface="Arial" panose="020B0604020202020204" pitchFamily="34" charset="0"/>
+            </a:endParaRPr>
+          </a:p>
+        </p:txBody>
+      </p:sp>
+      <p:sp>
+        <p:nvSpPr>
+          <p:cNvPr id="29" name="文本框 28">
+            <a:extLst>
+              <a:ext uri="{FF2B5EF4-FFF2-40B4-BE49-F238E27FC236}">
+                <a16:creationId xmlns:a16="http://schemas.microsoft.com/office/drawing/2014/main" id="{BD66B20F-20FB-479E-A62D-A49E69DF648E}"/>
+              </a:ext>
+            </a:extLst>
+          </p:cNvPr>
+          <p:cNvSpPr txBox="1"/>
+          <p:nvPr/>
+        </p:nvSpPr>
+        <p:spPr>
+          <a:xfrm>
+            <a:off x="1202720" y="3043693"/>
+            <a:ext cx="1556836" cy="646331"/>
+          </a:xfrm>
+          <a:prstGeom prst="rect">
+            <a:avLst/>
+          </a:prstGeom>
+          <a:noFill/>
+        </p:spPr>
+        <p:txBody>
+          <a:bodyPr wrap="none" rtlCol="0">
+            <a:spAutoFit/>
+          </a:bodyPr>
+          <a:lstStyle/>
+          <a:p>
+            <a:r>
+              <a:rPr lang="en-US" altLang="zh-CN" dirty="0">
+                <a:latin typeface="Arial" panose="020B0604020202020204" pitchFamily="34" charset="0"/>
+                <a:cs typeface="Arial" panose="020B0604020202020204" pitchFamily="34" charset="0"/>
+              </a:rPr>
+              <a:t>Place Order</a:t>
+            </a:r>
+          </a:p>
+          <a:p>
+            <a:r>
+              <a:rPr lang="en-US" altLang="zh-CN" dirty="0">
+                <a:latin typeface="Arial" panose="020B0604020202020204" pitchFamily="34" charset="0"/>
+                <a:cs typeface="Arial" panose="020B0604020202020204" pitchFamily="34" charset="0"/>
+              </a:rPr>
+              <a:t>Cancel Order</a:t>
+            </a:r>
+            <a:endParaRPr lang="zh-CN" altLang="en-US" dirty="0">
+              <a:latin typeface="Arial" panose="020B0604020202020204" pitchFamily="34" charset="0"/>
+              <a:cs typeface="Arial" panose="020B0604020202020204" pitchFamily="34" charset="0"/>
+            </a:endParaRPr>
+          </a:p>
+        </p:txBody>
+      </p:sp>
+      <p:sp>
+        <p:nvSpPr>
+          <p:cNvPr id="30" name="文本框 29">
+            <a:extLst>
+              <a:ext uri="{FF2B5EF4-FFF2-40B4-BE49-F238E27FC236}">
+                <a16:creationId xmlns:a16="http://schemas.microsoft.com/office/drawing/2014/main" id="{7C9E0E53-8064-4E2A-AD26-CD4E6C3DBD9A}"/>
+              </a:ext>
+            </a:extLst>
+          </p:cNvPr>
+          <p:cNvSpPr txBox="1"/>
+          <p:nvPr/>
+        </p:nvSpPr>
+        <p:spPr>
+          <a:xfrm>
+            <a:off x="2139570" y="4022646"/>
+            <a:ext cx="1582484" cy="369332"/>
+          </a:xfrm>
+          <a:prstGeom prst="rect">
+            <a:avLst/>
+          </a:prstGeom>
+          <a:noFill/>
+        </p:spPr>
+        <p:txBody>
+          <a:bodyPr wrap="none" rtlCol="0">
+            <a:spAutoFit/>
+          </a:bodyPr>
+          <a:lstStyle/>
+          <a:p>
+            <a:r>
+              <a:rPr lang="en-US" altLang="zh-CN" dirty="0">
+                <a:latin typeface="Arial" panose="020B0604020202020204" pitchFamily="34" charset="0"/>
+                <a:cs typeface="Arial" panose="020B0604020202020204" pitchFamily="34" charset="0"/>
+              </a:rPr>
+              <a:t>Match Orders</a:t>
+            </a:r>
+          </a:p>
+        </p:txBody>
+      </p:sp>
+      <p:sp>
+        <p:nvSpPr>
+          <p:cNvPr id="38" name="文本框 37">
+            <a:extLst>
+              <a:ext uri="{FF2B5EF4-FFF2-40B4-BE49-F238E27FC236}">
+                <a16:creationId xmlns:a16="http://schemas.microsoft.com/office/drawing/2014/main" id="{431921B8-FBEB-499E-B342-FDB6752B4842}"/>
+              </a:ext>
+            </a:extLst>
+          </p:cNvPr>
+          <p:cNvSpPr txBox="1"/>
+          <p:nvPr/>
+        </p:nvSpPr>
+        <p:spPr>
+          <a:xfrm>
+            <a:off x="1611485" y="594774"/>
+            <a:ext cx="1167948" cy="369332"/>
+          </a:xfrm>
+          <a:prstGeom prst="rect">
+            <a:avLst/>
+          </a:prstGeom>
+          <a:noFill/>
+        </p:spPr>
+        <p:txBody>
+          <a:bodyPr wrap="none" rtlCol="0">
+            <a:spAutoFit/>
+          </a:bodyPr>
+          <a:lstStyle/>
+          <a:p>
+            <a:r>
+              <a:rPr lang="en-US" altLang="zh-CN" dirty="0">
+                <a:latin typeface="Arial" panose="020B0604020202020204" pitchFamily="34" charset="0"/>
+                <a:ea typeface="Source Sans Pro" panose="020B0503030403020204" pitchFamily="34" charset="0"/>
+                <a:cs typeface="Arial" panose="020B0604020202020204" pitchFamily="34" charset="0"/>
+              </a:rPr>
+              <a:t>Off-</a:t>
+            </a:r>
+            <a:r>
+              <a:rPr lang="en-US" altLang="zh-CN" dirty="0">
+                <a:latin typeface="Arial" panose="020B0604020202020204" pitchFamily="34" charset="0"/>
+                <a:ea typeface="微软雅黑" panose="020B0503020204020204" pitchFamily="34" charset="-122"/>
+                <a:cs typeface="Arial" panose="020B0604020202020204" pitchFamily="34" charset="0"/>
+              </a:rPr>
+              <a:t>Chain</a:t>
+            </a:r>
+            <a:endParaRPr lang="zh-CN" altLang="en-US" dirty="0">
+              <a:latin typeface="Arial" panose="020B0604020202020204" pitchFamily="34" charset="0"/>
+              <a:ea typeface="微软雅黑" panose="020B0503020204020204" pitchFamily="34" charset="-122"/>
+              <a:cs typeface="Arial" panose="020B0604020202020204" pitchFamily="34" charset="0"/>
+            </a:endParaRPr>
+          </a:p>
+        </p:txBody>
+      </p:sp>
+      <p:sp>
+        <p:nvSpPr>
+          <p:cNvPr id="48" name="文本框 47">
+            <a:extLst>
+              <a:ext uri="{FF2B5EF4-FFF2-40B4-BE49-F238E27FC236}">
+                <a16:creationId xmlns:a16="http://schemas.microsoft.com/office/drawing/2014/main" id="{3806FC64-D5E2-41E7-A82A-DD132EB2E9E8}"/>
+              </a:ext>
+            </a:extLst>
+          </p:cNvPr>
+          <p:cNvSpPr txBox="1"/>
+          <p:nvPr/>
+        </p:nvSpPr>
+        <p:spPr>
+          <a:xfrm>
+            <a:off x="5362549" y="1983337"/>
+            <a:ext cx="1056700" cy="923330"/>
+          </a:xfrm>
+          <a:prstGeom prst="rect">
+            <a:avLst/>
+          </a:prstGeom>
+          <a:noFill/>
+        </p:spPr>
+        <p:txBody>
+          <a:bodyPr wrap="none" rtlCol="0">
+            <a:spAutoFit/>
+          </a:bodyPr>
+          <a:lstStyle/>
+          <a:p>
+            <a:pPr algn="r"/>
+            <a:r>
+              <a:rPr lang="en-US" altLang="zh-CN" dirty="0">
+                <a:latin typeface="Arial" panose="020B0604020202020204" pitchFamily="34" charset="0"/>
+                <a:cs typeface="Arial" panose="020B0604020202020204" pitchFamily="34" charset="0"/>
+              </a:rPr>
+              <a:t>Mint</a:t>
+            </a:r>
+          </a:p>
+          <a:p>
+            <a:pPr algn="r"/>
+            <a:r>
+              <a:rPr lang="en-US" altLang="zh-CN" dirty="0">
+                <a:latin typeface="Arial" panose="020B0604020202020204" pitchFamily="34" charset="0"/>
+                <a:cs typeface="Arial" panose="020B0604020202020204" pitchFamily="34" charset="0"/>
+              </a:rPr>
+              <a:t>Redeem</a:t>
+            </a:r>
+          </a:p>
+          <a:p>
+            <a:pPr algn="r"/>
+            <a:r>
+              <a:rPr lang="en-US" altLang="zh-CN" dirty="0">
+                <a:latin typeface="Arial" panose="020B0604020202020204" pitchFamily="34" charset="0"/>
+                <a:cs typeface="Arial" panose="020B0604020202020204" pitchFamily="34" charset="0"/>
+              </a:rPr>
+              <a:t>Approve</a:t>
+            </a:r>
+          </a:p>
+        </p:txBody>
+      </p:sp>
+      <p:sp>
+        <p:nvSpPr>
+          <p:cNvPr id="49" name="文本框 48">
+            <a:extLst>
+              <a:ext uri="{FF2B5EF4-FFF2-40B4-BE49-F238E27FC236}">
+                <a16:creationId xmlns:a16="http://schemas.microsoft.com/office/drawing/2014/main" id="{2B7441E1-87E6-4066-A1D4-CDD1C29A9F90}"/>
+              </a:ext>
+            </a:extLst>
+          </p:cNvPr>
+          <p:cNvSpPr txBox="1"/>
+          <p:nvPr/>
+        </p:nvSpPr>
+        <p:spPr>
+          <a:xfrm>
+            <a:off x="9350649" y="1800716"/>
+            <a:ext cx="1056700" cy="923330"/>
+          </a:xfrm>
+          <a:prstGeom prst="rect">
+            <a:avLst/>
+          </a:prstGeom>
+          <a:noFill/>
+        </p:spPr>
+        <p:txBody>
+          <a:bodyPr wrap="none" rtlCol="0">
+            <a:spAutoFit/>
+          </a:bodyPr>
+          <a:lstStyle/>
+          <a:p>
+            <a:r>
+              <a:rPr lang="en-US" altLang="zh-CN" dirty="0">
+                <a:latin typeface="Arial" panose="020B0604020202020204" pitchFamily="34" charset="0"/>
+                <a:cs typeface="Arial" panose="020B0604020202020204" pitchFamily="34" charset="0"/>
+              </a:rPr>
+              <a:t>Mint</a:t>
+            </a:r>
+          </a:p>
+          <a:p>
+            <a:r>
+              <a:rPr lang="en-US" altLang="zh-CN" dirty="0">
+                <a:latin typeface="Arial" panose="020B0604020202020204" pitchFamily="34" charset="0"/>
+                <a:cs typeface="Arial" panose="020B0604020202020204" pitchFamily="34" charset="0"/>
+              </a:rPr>
+              <a:t>Redeem</a:t>
+            </a:r>
+          </a:p>
+          <a:p>
+            <a:r>
+              <a:rPr lang="en-US" altLang="zh-CN" dirty="0">
+                <a:latin typeface="Arial" panose="020B0604020202020204" pitchFamily="34" charset="0"/>
+                <a:cs typeface="Arial" panose="020B0604020202020204" pitchFamily="34" charset="0"/>
+              </a:rPr>
+              <a:t>Approve</a:t>
+            </a:r>
+          </a:p>
+        </p:txBody>
+      </p:sp>
+      <p:cxnSp>
+        <p:nvCxnSpPr>
+          <p:cNvPr id="56" name="连接符: 肘形 55">
+            <a:extLst>
+              <a:ext uri="{FF2B5EF4-FFF2-40B4-BE49-F238E27FC236}">
+                <a16:creationId xmlns:a16="http://schemas.microsoft.com/office/drawing/2014/main" id="{41CE204E-F615-43F9-B8D3-F4D0769AA729}"/>
+              </a:ext>
+            </a:extLst>
+          </p:cNvPr>
+          <p:cNvCxnSpPr>
+            <a:cxnSpLocks/>
+            <a:stCxn id="9" idx="3"/>
+          </p:cNvCxnSpPr>
+          <p:nvPr/>
+        </p:nvCxnSpPr>
+        <p:spPr>
+          <a:xfrm>
+            <a:off x="8890875" y="2398539"/>
+            <a:ext cx="1690510" cy="651015"/>
+          </a:xfrm>
+          <a:prstGeom prst="bentConnector2">
+            <a:avLst/>
+          </a:prstGeom>
+          <a:noFill/>
+          <a:ln>
+            <a:tailEnd type="triangle"/>
+          </a:ln>
+        </p:spPr>
+        <p:style>
+          <a:lnRef idx="1">
+            <a:schemeClr val="dk1"/>
+          </a:lnRef>
+          <a:fillRef idx="0">
+            <a:schemeClr val="dk1"/>
+          </a:fillRef>
+          <a:effectRef idx="0">
+            <a:schemeClr val="dk1"/>
+          </a:effectRef>
+          <a:fontRef idx="minor">
+            <a:schemeClr val="tx1"/>
+          </a:fontRef>
+        </p:style>
+      </p:cxnSp>
+      <p:sp>
+        <p:nvSpPr>
+          <p:cNvPr id="59" name="圆柱体 58">
+            <a:extLst>
+              <a:ext uri="{FF2B5EF4-FFF2-40B4-BE49-F238E27FC236}">
+                <a16:creationId xmlns:a16="http://schemas.microsoft.com/office/drawing/2014/main" id="{25632116-1E00-4712-B8B0-81515F3E9106}"/>
+              </a:ext>
+            </a:extLst>
+          </p:cNvPr>
+          <p:cNvSpPr/>
+          <p:nvPr/>
+        </p:nvSpPr>
+        <p:spPr>
+          <a:xfrm>
+            <a:off x="6935464" y="3575790"/>
+            <a:ext cx="1955410" cy="1297745"/>
+          </a:xfrm>
+          <a:prstGeom prst="can">
+            <a:avLst/>
+          </a:prstGeom>
+          <a:noFill/>
+        </p:spPr>
+        <p:style>
+          <a:lnRef idx="2">
+            <a:schemeClr val="dk1"/>
+          </a:lnRef>
+          <a:fillRef idx="1">
+            <a:schemeClr val="lt1"/>
+          </a:fillRef>
+          <a:effectRef idx="0">
+            <a:schemeClr val="dk1"/>
+          </a:effectRef>
+          <a:fontRef idx="minor">
+            <a:schemeClr val="dk1"/>
+          </a:fontRef>
+        </p:style>
+        <p:txBody>
+          <a:bodyPr rtlCol="0" anchor="ctr"/>
+          <a:lstStyle/>
+          <a:p>
+            <a:pPr algn="ctr"/>
+            <a:r>
+              <a:rPr lang="en-US" altLang="zh-CN" dirty="0">
+                <a:latin typeface="Arial" panose="020B0604020202020204" pitchFamily="34" charset="0"/>
+                <a:cs typeface="Arial" panose="020B0604020202020204" pitchFamily="34" charset="0"/>
+              </a:rPr>
+              <a:t>Position Tokens</a:t>
+            </a:r>
+          </a:p>
+          <a:p>
+            <a:pPr algn="ctr"/>
+            <a:r>
+              <a:rPr lang="en-US" altLang="zh-CN" dirty="0">
+                <a:latin typeface="Arial" panose="020B0604020202020204" pitchFamily="34" charset="0"/>
+                <a:cs typeface="Arial" panose="020B0604020202020204" pitchFamily="34" charset="0"/>
+              </a:rPr>
+              <a:t>Collateral Tokens</a:t>
+            </a:r>
+          </a:p>
+          <a:p>
+            <a:pPr algn="ctr"/>
+            <a:r>
+              <a:rPr lang="en-US" altLang="zh-CN" dirty="0">
+                <a:latin typeface="Arial" panose="020B0604020202020204" pitchFamily="34" charset="0"/>
+                <a:cs typeface="Arial" panose="020B0604020202020204" pitchFamily="34" charset="0"/>
+              </a:rPr>
+              <a:t>MKT</a:t>
+            </a:r>
+            <a:endParaRPr lang="zh-CN" altLang="en-US" dirty="0">
+              <a:latin typeface="Arial" panose="020B0604020202020204" pitchFamily="34" charset="0"/>
+              <a:cs typeface="Arial" panose="020B0604020202020204" pitchFamily="34" charset="0"/>
+            </a:endParaRPr>
+          </a:p>
+        </p:txBody>
+      </p:sp>
+      <p:sp>
+        <p:nvSpPr>
+          <p:cNvPr id="62" name="左大括号 61">
+            <a:extLst>
+              <a:ext uri="{FF2B5EF4-FFF2-40B4-BE49-F238E27FC236}">
+                <a16:creationId xmlns:a16="http://schemas.microsoft.com/office/drawing/2014/main" id="{B37ADC2E-AA1F-4233-A03B-306C7CF4C764}"/>
+              </a:ext>
+            </a:extLst>
+          </p:cNvPr>
+          <p:cNvSpPr/>
+          <p:nvPr/>
+        </p:nvSpPr>
+        <p:spPr>
+          <a:xfrm rot="5400000">
+            <a:off x="7564773" y="2077022"/>
+            <a:ext cx="651016" cy="2417371"/>
+          </a:xfrm>
+          <a:prstGeom prst="leftBrace">
+            <a:avLst>
+              <a:gd name="adj1" fmla="val 70999"/>
+              <a:gd name="adj2" fmla="val 50000"/>
+            </a:avLst>
+          </a:prstGeom>
+          <a:noFill/>
+        </p:spPr>
+        <p:style>
+          <a:lnRef idx="1">
+            <a:schemeClr val="dk1"/>
+          </a:lnRef>
+          <a:fillRef idx="0">
+            <a:schemeClr val="dk1"/>
+          </a:fillRef>
+          <a:effectRef idx="0">
+            <a:schemeClr val="dk1"/>
+          </a:effectRef>
+          <a:fontRef idx="minor">
+            <a:schemeClr val="tx1"/>
+          </a:fontRef>
+        </p:style>
+        <p:txBody>
+          <a:bodyPr rtlCol="0" anchor="ctr"/>
+          <a:lstStyle/>
+          <a:p>
+            <a:pPr algn="ctr"/>
+            <a:endParaRPr lang="zh-CN" altLang="en-US">
+              <a:latin typeface="Arial" panose="020B0604020202020204" pitchFamily="34" charset="0"/>
+              <a:cs typeface="Arial" panose="020B0604020202020204" pitchFamily="34" charset="0"/>
+            </a:endParaRPr>
+          </a:p>
+        </p:txBody>
+      </p:sp>
+      <p:sp>
+        <p:nvSpPr>
+          <p:cNvPr id="63" name="矩形: 圆角 62">
+            <a:extLst>
+              <a:ext uri="{FF2B5EF4-FFF2-40B4-BE49-F238E27FC236}">
+                <a16:creationId xmlns:a16="http://schemas.microsoft.com/office/drawing/2014/main" id="{C69C2873-0B56-4824-B189-2682AA773FF2}"/>
+              </a:ext>
+            </a:extLst>
+          </p:cNvPr>
+          <p:cNvSpPr/>
+          <p:nvPr/>
+        </p:nvSpPr>
+        <p:spPr>
+          <a:xfrm>
+            <a:off x="9579921" y="3024936"/>
+            <a:ext cx="2171291" cy="914400"/>
+          </a:xfrm>
+          <a:prstGeom prst="roundRect">
+            <a:avLst>
+              <a:gd name="adj" fmla="val 33590"/>
+            </a:avLst>
+          </a:prstGeom>
+          <a:noFill/>
+          <a:ln>
+            <a:solidFill>
+              <a:schemeClr val="tx1"/>
+            </a:solidFill>
+          </a:ln>
+        </p:spPr>
+        <p:style>
+          <a:lnRef idx="2">
+            <a:schemeClr val="accent1">
+              <a:shade val="50000"/>
+            </a:schemeClr>
+          </a:lnRef>
+          <a:fillRef idx="1">
+            <a:schemeClr val="accent1"/>
+          </a:fillRef>
+          <a:effectRef idx="0">
+            <a:schemeClr val="accent1"/>
+          </a:effectRef>
+          <a:fontRef idx="minor">
+            <a:schemeClr val="lt1"/>
+          </a:fontRef>
+        </p:style>
+        <p:txBody>
+          <a:bodyPr rot="0" spcFirstLastPara="0" vertOverflow="overflow" horzOverflow="overflow" vert="horz" wrap="square" lIns="91440" tIns="45720" rIns="91440" bIns="45720" numCol="1" spcCol="0" rtlCol="0" fromWordArt="0" anchor="ctr" anchorCtr="0" forceAA="0" compatLnSpc="1">
+            <a:prstTxWarp prst="textNoShape">
+              <a:avLst/>
+            </a:prstTxWarp>
+            <a:noAutofit/>
+          </a:bodyPr>
+          <a:lstStyle/>
+          <a:p>
+            <a:pPr algn="ctr"/>
+            <a:r>
+              <a:rPr lang="en-US" altLang="zh-CN" dirty="0">
                 <a:solidFill>
                   <a:schemeClr val="tx1"/>
                 </a:solidFill>
-              </a:ln>
-            </p:spPr>
-            <p:style>
-              <a:lnRef idx="2">
-                <a:schemeClr val="accent1">
-                  <a:shade val="50000"/>
-                </a:schemeClr>
-              </a:lnRef>
-              <a:fillRef idx="1">
-                <a:schemeClr val="accent1"/>
-              </a:fillRef>
-              <a:effectRef idx="0">
-                <a:schemeClr val="accent1"/>
-              </a:effectRef>
-              <a:fontRef idx="minor">
-                <a:schemeClr val="lt1"/>
-              </a:fontRef>
-            </p:style>
-            <p:txBody>
-              <a:bodyPr rtlCol="0" anchor="ctr"/>
-              <a:lstStyle/>
-              <a:p>
-                <a:pPr algn="ctr"/>
-                <a:endParaRPr lang="zh-CN" altLang="en-US" dirty="0">
-                  <a:latin typeface="Arial" panose="020B0604020202020204" pitchFamily="34" charset="0"/>
-                  <a:cs typeface="Arial" panose="020B0604020202020204" pitchFamily="34" charset="0"/>
-                </a:endParaRPr>
-              </a:p>
-            </p:txBody>
-          </p:sp>
-          <p:sp>
-            <p:nvSpPr>
-              <p:cNvPr id="4" name="椭圆 3">
-                <a:extLst>
-                  <a:ext uri="{FF2B5EF4-FFF2-40B4-BE49-F238E27FC236}">
-                    <a16:creationId xmlns:a16="http://schemas.microsoft.com/office/drawing/2014/main" id="{5078006F-1272-4C97-A568-5488F526E11F}"/>
-                  </a:ext>
-                </a:extLst>
-              </p:cNvPr>
-              <p:cNvSpPr/>
-              <p:nvPr/>
-            </p:nvSpPr>
-            <p:spPr>
-              <a:xfrm>
-                <a:off x="492369" y="1746339"/>
-                <a:ext cx="1523866" cy="865163"/>
-              </a:xfrm>
-              <a:prstGeom prst="ellipse">
-                <a:avLst/>
-              </a:prstGeom>
-              <a:grpFill/>
-            </p:spPr>
-            <p:style>
-              <a:lnRef idx="2">
-                <a:schemeClr val="dk1"/>
-              </a:lnRef>
-              <a:fillRef idx="1">
-                <a:schemeClr val="lt1"/>
-              </a:fillRef>
-              <a:effectRef idx="0">
-                <a:schemeClr val="dk1"/>
-              </a:effectRef>
-              <a:fontRef idx="minor">
-                <a:schemeClr val="dk1"/>
-              </a:fontRef>
-            </p:style>
-            <p:txBody>
-              <a:bodyPr rtlCol="0" anchor="ctr"/>
-              <a:lstStyle/>
-              <a:p>
-                <a:pPr algn="ctr"/>
-                <a:r>
-                  <a:rPr lang="en-US" altLang="zh-CN" dirty="0">
-                    <a:latin typeface="Arial" panose="020B0604020202020204" pitchFamily="34" charset="0"/>
-                    <a:ea typeface="微软雅黑" panose="020B0503020204020204" pitchFamily="34" charset="-122"/>
-                    <a:cs typeface="Arial" panose="020B0604020202020204" pitchFamily="34" charset="0"/>
-                  </a:rPr>
-                  <a:t>Traders</a:t>
-                </a:r>
-                <a:endParaRPr lang="zh-CN" altLang="en-US" dirty="0">
-                  <a:latin typeface="Arial" panose="020B0604020202020204" pitchFamily="34" charset="0"/>
-                  <a:ea typeface="微软雅黑" panose="020B0503020204020204" pitchFamily="34" charset="-122"/>
-                  <a:cs typeface="Arial" panose="020B0604020202020204" pitchFamily="34" charset="0"/>
-                </a:endParaRPr>
-              </a:p>
-            </p:txBody>
-          </p:sp>
-          <p:sp>
-            <p:nvSpPr>
-              <p:cNvPr id="6" name="椭圆 5">
-                <a:extLst>
-                  <a:ext uri="{FF2B5EF4-FFF2-40B4-BE49-F238E27FC236}">
-                    <a16:creationId xmlns:a16="http://schemas.microsoft.com/office/drawing/2014/main" id="{DFE8BB6D-944B-47D8-A989-9A77B2AF67DE}"/>
-                  </a:ext>
-                </a:extLst>
-              </p:cNvPr>
-              <p:cNvSpPr/>
-              <p:nvPr/>
-            </p:nvSpPr>
-            <p:spPr>
-              <a:xfrm>
-                <a:off x="492369" y="3707219"/>
-                <a:ext cx="1523866" cy="865163"/>
-              </a:xfrm>
-              <a:prstGeom prst="ellipse">
-                <a:avLst/>
-              </a:prstGeom>
-              <a:grpFill/>
-            </p:spPr>
-            <p:style>
-              <a:lnRef idx="2">
-                <a:schemeClr val="dk1"/>
-              </a:lnRef>
-              <a:fillRef idx="1">
-                <a:schemeClr val="lt1"/>
-              </a:fillRef>
-              <a:effectRef idx="0">
-                <a:schemeClr val="dk1"/>
-              </a:effectRef>
-              <a:fontRef idx="minor">
-                <a:schemeClr val="dk1"/>
-              </a:fontRef>
-            </p:style>
-            <p:txBody>
-              <a:bodyPr rtlCol="0" anchor="ctr"/>
-              <a:lstStyle/>
-              <a:p>
-                <a:pPr algn="ctr"/>
-                <a:r>
-                  <a:rPr lang="en-US" altLang="zh-CN" dirty="0" err="1">
-                    <a:latin typeface="Arial" panose="020B0604020202020204" pitchFamily="34" charset="0"/>
-                    <a:ea typeface="微软雅黑" panose="020B0503020204020204" pitchFamily="34" charset="-122"/>
-                    <a:cs typeface="Arial" panose="020B0604020202020204" pitchFamily="34" charset="0"/>
-                  </a:rPr>
-                  <a:t>Relayer</a:t>
-                </a:r>
-                <a:endParaRPr lang="zh-CN" altLang="en-US" dirty="0">
-                  <a:latin typeface="Arial" panose="020B0604020202020204" pitchFamily="34" charset="0"/>
-                  <a:ea typeface="微软雅黑" panose="020B0503020204020204" pitchFamily="34" charset="-122"/>
-                  <a:cs typeface="Arial" panose="020B0604020202020204" pitchFamily="34" charset="0"/>
-                </a:endParaRPr>
-              </a:p>
-            </p:txBody>
-          </p:sp>
-          <p:sp>
-            <p:nvSpPr>
-              <p:cNvPr id="8" name="矩形 7">
-                <a:extLst>
-                  <a:ext uri="{FF2B5EF4-FFF2-40B4-BE49-F238E27FC236}">
-                    <a16:creationId xmlns:a16="http://schemas.microsoft.com/office/drawing/2014/main" id="{A9E9D41C-A2BD-4393-81B9-C711573B3A84}"/>
-                  </a:ext>
-                </a:extLst>
-              </p:cNvPr>
-              <p:cNvSpPr/>
-              <p:nvPr/>
-            </p:nvSpPr>
-            <p:spPr>
-              <a:xfrm>
-                <a:off x="3969258" y="2866675"/>
-                <a:ext cx="1955411" cy="865163"/>
-              </a:xfrm>
-              <a:prstGeom prst="rect">
-                <a:avLst/>
-              </a:prstGeom>
-              <a:grpFill/>
-            </p:spPr>
-            <p:style>
-              <a:lnRef idx="2">
-                <a:schemeClr val="dk1"/>
-              </a:lnRef>
-              <a:fillRef idx="1">
-                <a:schemeClr val="lt1"/>
-              </a:fillRef>
-              <a:effectRef idx="0">
-                <a:schemeClr val="dk1"/>
-              </a:effectRef>
-              <a:fontRef idx="minor">
-                <a:schemeClr val="dk1"/>
-              </a:fontRef>
-            </p:style>
-            <p:txBody>
-              <a:bodyPr rot="0" spcFirstLastPara="0" vertOverflow="overflow" horzOverflow="overflow" vert="horz" wrap="square" lIns="91440" tIns="45720" rIns="91440" bIns="45720" numCol="1" spcCol="0" rtlCol="0" fromWordArt="0" anchor="ctr" anchorCtr="0" forceAA="0" compatLnSpc="1">
-                <a:prstTxWarp prst="textNoShape">
-                  <a:avLst/>
-                </a:prstTxWarp>
-                <a:noAutofit/>
-              </a:bodyPr>
-              <a:lstStyle/>
-              <a:p>
-                <a:pPr algn="ctr"/>
-                <a:r>
-                  <a:rPr lang="en-US" altLang="zh-CN" dirty="0">
-                    <a:solidFill>
-                      <a:schemeClr val="dk1"/>
-                    </a:solidFill>
-                    <a:latin typeface="Arial" panose="020B0604020202020204" pitchFamily="34" charset="0"/>
-                    <a:ea typeface="微软雅黑" panose="020B0503020204020204" pitchFamily="34" charset="-122"/>
-                    <a:cs typeface="Arial" panose="020B0604020202020204" pitchFamily="34" charset="0"/>
-                  </a:rPr>
-                  <a:t>Mai Exchange</a:t>
-                </a:r>
-                <a:endParaRPr lang="zh-CN" altLang="en-US" dirty="0">
-                  <a:solidFill>
-                    <a:schemeClr val="dk1"/>
-                  </a:solidFill>
-                  <a:latin typeface="Arial" panose="020B0604020202020204" pitchFamily="34" charset="0"/>
-                  <a:ea typeface="微软雅黑" panose="020B0503020204020204" pitchFamily="34" charset="-122"/>
-                  <a:cs typeface="Arial" panose="020B0604020202020204" pitchFamily="34" charset="0"/>
-                </a:endParaRPr>
-              </a:p>
-            </p:txBody>
-          </p:sp>
-          <p:sp>
-            <p:nvSpPr>
-              <p:cNvPr id="9" name="矩形 8">
-                <a:extLst>
-                  <a:ext uri="{FF2B5EF4-FFF2-40B4-BE49-F238E27FC236}">
-                    <a16:creationId xmlns:a16="http://schemas.microsoft.com/office/drawing/2014/main" id="{94AEDBFB-F59B-46D1-A626-129D6E572754}"/>
-                  </a:ext>
-                </a:extLst>
-              </p:cNvPr>
-              <p:cNvSpPr/>
-              <p:nvPr/>
-            </p:nvSpPr>
-            <p:spPr>
-              <a:xfrm>
-                <a:off x="6987045" y="1758459"/>
-                <a:ext cx="1955411" cy="865163"/>
-              </a:xfrm>
-              <a:prstGeom prst="rect">
-                <a:avLst/>
-              </a:prstGeom>
-              <a:grpFill/>
-            </p:spPr>
-            <p:style>
-              <a:lnRef idx="2">
-                <a:schemeClr val="dk1"/>
-              </a:lnRef>
-              <a:fillRef idx="1">
-                <a:schemeClr val="lt1"/>
-              </a:fillRef>
-              <a:effectRef idx="0">
-                <a:schemeClr val="dk1"/>
-              </a:effectRef>
-              <a:fontRef idx="minor">
-                <a:schemeClr val="dk1"/>
-              </a:fontRef>
-            </p:style>
-            <p:txBody>
-              <a:bodyPr rot="0" spcFirstLastPara="0" vertOverflow="overflow" horzOverflow="overflow" vert="horz" wrap="square" lIns="91440" tIns="45720" rIns="91440" bIns="45720" numCol="1" spcCol="0" rtlCol="0" fromWordArt="0" anchor="ctr" anchorCtr="0" forceAA="0" compatLnSpc="1">
-                <a:prstTxWarp prst="textNoShape">
-                  <a:avLst/>
-                </a:prstTxWarp>
-                <a:noAutofit/>
-              </a:bodyPr>
-              <a:lstStyle/>
-              <a:p>
-                <a:pPr algn="ctr"/>
-                <a:r>
-                  <a:rPr lang="en-US" altLang="zh-CN" dirty="0">
-                    <a:solidFill>
-                      <a:schemeClr val="dk1"/>
-                    </a:solidFill>
-                    <a:latin typeface="Arial" panose="020B0604020202020204" pitchFamily="34" charset="0"/>
-                    <a:ea typeface="微软雅黑" panose="020B0503020204020204" pitchFamily="34" charset="-122"/>
-                    <a:cs typeface="Arial" panose="020B0604020202020204" pitchFamily="34" charset="0"/>
-                  </a:rPr>
-                  <a:t>Minting Pool</a:t>
-                </a:r>
-                <a:endParaRPr lang="zh-CN" altLang="en-US" dirty="0">
-                  <a:solidFill>
-                    <a:schemeClr val="dk1"/>
-                  </a:solidFill>
-                  <a:latin typeface="Arial" panose="020B0604020202020204" pitchFamily="34" charset="0"/>
-                  <a:ea typeface="微软雅黑" panose="020B0503020204020204" pitchFamily="34" charset="-122"/>
-                  <a:cs typeface="Arial" panose="020B0604020202020204" pitchFamily="34" charset="0"/>
-                </a:endParaRPr>
-              </a:p>
-            </p:txBody>
-          </p:sp>
-          <p:sp>
-            <p:nvSpPr>
-              <p:cNvPr id="12" name="文本框 11">
-                <a:extLst>
-                  <a:ext uri="{FF2B5EF4-FFF2-40B4-BE49-F238E27FC236}">
-                    <a16:creationId xmlns:a16="http://schemas.microsoft.com/office/drawing/2014/main" id="{867A7F36-3EDA-4E1A-A334-9B90564A1878}"/>
-                  </a:ext>
-                </a:extLst>
-              </p:cNvPr>
-              <p:cNvSpPr txBox="1"/>
-              <p:nvPr/>
-            </p:nvSpPr>
-            <p:spPr>
-              <a:xfrm>
-                <a:off x="3163610" y="387276"/>
-                <a:ext cx="1172116" cy="369332"/>
-              </a:xfrm>
-              <a:prstGeom prst="rect">
-                <a:avLst/>
-              </a:prstGeom>
-              <a:grpFill/>
-            </p:spPr>
-            <p:txBody>
-              <a:bodyPr wrap="none" rtlCol="0">
-                <a:spAutoFit/>
-              </a:bodyPr>
-              <a:lstStyle/>
-              <a:p>
-                <a:r>
-                  <a:rPr lang="en-US" altLang="zh-CN" dirty="0">
-                    <a:latin typeface="Arial" panose="020B0604020202020204" pitchFamily="34" charset="0"/>
-                    <a:ea typeface="Source Sans Pro" panose="020B0503030403020204" pitchFamily="34" charset="0"/>
-                    <a:cs typeface="Arial" panose="020B0604020202020204" pitchFamily="34" charset="0"/>
-                  </a:rPr>
-                  <a:t>On-</a:t>
-                </a:r>
-                <a:r>
-                  <a:rPr lang="en-US" altLang="zh-CN" dirty="0">
-                    <a:latin typeface="Arial" panose="020B0604020202020204" pitchFamily="34" charset="0"/>
-                    <a:ea typeface="微软雅黑" panose="020B0503020204020204" pitchFamily="34" charset="-122"/>
-                    <a:cs typeface="Arial" panose="020B0604020202020204" pitchFamily="34" charset="0"/>
-                  </a:rPr>
-                  <a:t>Chain</a:t>
-                </a:r>
-                <a:endParaRPr lang="zh-CN" altLang="en-US" dirty="0">
-                  <a:latin typeface="Arial" panose="020B0604020202020204" pitchFamily="34" charset="0"/>
-                  <a:ea typeface="微软雅黑" panose="020B0503020204020204" pitchFamily="34" charset="-122"/>
-                  <a:cs typeface="Arial" panose="020B0604020202020204" pitchFamily="34" charset="0"/>
-                </a:endParaRPr>
-              </a:p>
-            </p:txBody>
-          </p:sp>
-          <p:cxnSp>
-            <p:nvCxnSpPr>
-              <p:cNvPr id="14" name="直接连接符 13">
-                <a:extLst>
-                  <a:ext uri="{FF2B5EF4-FFF2-40B4-BE49-F238E27FC236}">
-                    <a16:creationId xmlns:a16="http://schemas.microsoft.com/office/drawing/2014/main" id="{05B6961D-F156-4980-BCA7-314684E85BD2}"/>
-                  </a:ext>
-                </a:extLst>
-              </p:cNvPr>
-              <p:cNvCxnSpPr>
-                <a:cxnSpLocks/>
-              </p:cNvCxnSpPr>
-              <p:nvPr/>
-            </p:nvCxnSpPr>
-            <p:spPr>
-              <a:xfrm>
-                <a:off x="2948354" y="351692"/>
-                <a:ext cx="0" cy="4918418"/>
-              </a:xfrm>
-              <a:prstGeom prst="line">
-                <a:avLst/>
-              </a:prstGeom>
-              <a:grpFill/>
-              <a:ln w="19050">
-                <a:solidFill>
-                  <a:schemeClr val="bg1">
-                    <a:lumMod val="75000"/>
-                  </a:schemeClr>
-                </a:solidFill>
-                <a:prstDash val="lgDash"/>
-              </a:ln>
-            </p:spPr>
-            <p:style>
-              <a:lnRef idx="1">
-                <a:schemeClr val="accent1"/>
-              </a:lnRef>
-              <a:fillRef idx="0">
-                <a:schemeClr val="accent1"/>
-              </a:fillRef>
-              <a:effectRef idx="0">
-                <a:schemeClr val="accent1"/>
-              </a:effectRef>
-              <a:fontRef idx="minor">
+                <a:latin typeface="Arial" panose="020B0604020202020204" pitchFamily="34" charset="0"/>
+                <a:ea typeface="微软雅黑" panose="020B0503020204020204" pitchFamily="34" charset="-122"/>
+                <a:cs typeface="Arial" panose="020B0604020202020204" pitchFamily="34" charset="0"/>
+              </a:rPr>
+              <a:t>Market Protocol</a:t>
+            </a:r>
+            <a:endParaRPr lang="zh-CN" altLang="en-US" dirty="0">
+              <a:solidFill>
                 <a:schemeClr val="tx1"/>
-              </a:fontRef>
-            </p:style>
-          </p:cxnSp>
-          <p:sp>
-            <p:nvSpPr>
-              <p:cNvPr id="19" name="文本框 18">
-                <a:extLst>
-                  <a:ext uri="{FF2B5EF4-FFF2-40B4-BE49-F238E27FC236}">
-                    <a16:creationId xmlns:a16="http://schemas.microsoft.com/office/drawing/2014/main" id="{585BDEE7-9244-4881-9C40-B2E6B8A05941}"/>
-                  </a:ext>
-                </a:extLst>
-              </p:cNvPr>
-              <p:cNvSpPr txBox="1"/>
-              <p:nvPr/>
-            </p:nvSpPr>
-            <p:spPr>
-              <a:xfrm>
-                <a:off x="2372288" y="1849697"/>
-                <a:ext cx="1351652" cy="646331"/>
-              </a:xfrm>
-              <a:prstGeom prst="rect">
-                <a:avLst/>
-              </a:prstGeom>
-              <a:grpFill/>
-            </p:spPr>
-            <p:txBody>
-              <a:bodyPr wrap="none" rtlCol="0">
-                <a:spAutoFit/>
-              </a:bodyPr>
-              <a:lstStyle/>
-              <a:p>
-                <a:r>
-                  <a:rPr lang="en-US" altLang="zh-CN" dirty="0">
-                    <a:latin typeface="Arial" panose="020B0604020202020204" pitchFamily="34" charset="0"/>
-                    <a:cs typeface="Arial" panose="020B0604020202020204" pitchFamily="34" charset="0"/>
-                  </a:rPr>
-                  <a:t>Approve</a:t>
-                </a:r>
-              </a:p>
-              <a:p>
-                <a:r>
-                  <a:rPr lang="en-US" altLang="zh-CN" dirty="0">
-                    <a:latin typeface="Arial" panose="020B0604020202020204" pitchFamily="34" charset="0"/>
-                    <a:cs typeface="Arial" panose="020B0604020202020204" pitchFamily="34" charset="0"/>
-                  </a:rPr>
-                  <a:t>Disapprove</a:t>
-                </a:r>
-                <a:endParaRPr lang="zh-CN" altLang="en-US" dirty="0">
-                  <a:latin typeface="Arial" panose="020B0604020202020204" pitchFamily="34" charset="0"/>
-                  <a:cs typeface="Arial" panose="020B0604020202020204" pitchFamily="34" charset="0"/>
-                </a:endParaRPr>
-              </a:p>
-            </p:txBody>
-          </p:sp>
-          <p:cxnSp>
-            <p:nvCxnSpPr>
-              <p:cNvPr id="21" name="直接箭头连接符 20">
-                <a:extLst>
-                  <a:ext uri="{FF2B5EF4-FFF2-40B4-BE49-F238E27FC236}">
-                    <a16:creationId xmlns:a16="http://schemas.microsoft.com/office/drawing/2014/main" id="{CF211737-CA3E-4515-8610-85695A51972D}"/>
-                  </a:ext>
-                </a:extLst>
-              </p:cNvPr>
-              <p:cNvCxnSpPr>
-                <a:cxnSpLocks/>
-                <a:stCxn id="4" idx="4"/>
-                <a:endCxn id="6" idx="0"/>
-              </p:cNvCxnSpPr>
-              <p:nvPr/>
-            </p:nvCxnSpPr>
-            <p:spPr>
-              <a:xfrm>
-                <a:off x="1254302" y="2611502"/>
-                <a:ext cx="0" cy="1095717"/>
-              </a:xfrm>
-              <a:prstGeom prst="straightConnector1">
-                <a:avLst/>
-              </a:prstGeom>
-              <a:grpFill/>
-              <a:ln>
-                <a:tailEnd type="triangle"/>
-              </a:ln>
-            </p:spPr>
-            <p:style>
-              <a:lnRef idx="1">
-                <a:schemeClr val="dk1"/>
-              </a:lnRef>
-              <a:fillRef idx="0">
-                <a:schemeClr val="dk1"/>
-              </a:fillRef>
-              <a:effectRef idx="0">
-                <a:schemeClr val="dk1"/>
-              </a:effectRef>
-              <a:fontRef idx="minor">
-                <a:schemeClr val="tx1"/>
-              </a:fontRef>
-            </p:style>
-          </p:cxnSp>
-          <p:sp>
-            <p:nvSpPr>
-              <p:cNvPr id="23" name="文本框 22">
-                <a:extLst>
-                  <a:ext uri="{FF2B5EF4-FFF2-40B4-BE49-F238E27FC236}">
-                    <a16:creationId xmlns:a16="http://schemas.microsoft.com/office/drawing/2014/main" id="{8F9474AC-B070-4C29-8166-80EE686906D2}"/>
-                  </a:ext>
-                </a:extLst>
-              </p:cNvPr>
-              <p:cNvSpPr txBox="1"/>
-              <p:nvPr/>
-            </p:nvSpPr>
-            <p:spPr>
-              <a:xfrm>
-                <a:off x="5640550" y="1152974"/>
-                <a:ext cx="1467068" cy="369332"/>
-              </a:xfrm>
-              <a:prstGeom prst="rect">
-                <a:avLst/>
-              </a:prstGeom>
-              <a:grpFill/>
-            </p:spPr>
-            <p:txBody>
-              <a:bodyPr wrap="none" rtlCol="0">
-                <a:spAutoFit/>
-              </a:bodyPr>
-              <a:lstStyle/>
-              <a:p>
-                <a:r>
-                  <a:rPr lang="en-US" altLang="zh-CN" dirty="0">
-                    <a:latin typeface="Arial" panose="020B0604020202020204" pitchFamily="34" charset="0"/>
-                    <a:ea typeface="微软雅黑" panose="020B0503020204020204" pitchFamily="34" charset="-122"/>
-                    <a:cs typeface="Arial" panose="020B0604020202020204" pitchFamily="34" charset="0"/>
-                  </a:rPr>
-                  <a:t>Mai Protocol</a:t>
-                </a:r>
-                <a:endParaRPr lang="zh-CN" altLang="en-US" dirty="0">
-                  <a:latin typeface="Arial" panose="020B0604020202020204" pitchFamily="34" charset="0"/>
-                  <a:ea typeface="微软雅黑" panose="020B0503020204020204" pitchFamily="34" charset="-122"/>
-                  <a:cs typeface="Arial" panose="020B0604020202020204" pitchFamily="34" charset="0"/>
-                </a:endParaRPr>
-              </a:p>
-            </p:txBody>
-          </p:sp>
-          <p:sp>
-            <p:nvSpPr>
-              <p:cNvPr id="29" name="文本框 28">
-                <a:extLst>
-                  <a:ext uri="{FF2B5EF4-FFF2-40B4-BE49-F238E27FC236}">
-                    <a16:creationId xmlns:a16="http://schemas.microsoft.com/office/drawing/2014/main" id="{BD66B20F-20FB-479E-A62D-A49E69DF648E}"/>
-                  </a:ext>
-                </a:extLst>
-              </p:cNvPr>
-              <p:cNvSpPr txBox="1"/>
-              <p:nvPr/>
-            </p:nvSpPr>
-            <p:spPr>
-              <a:xfrm>
-                <a:off x="1254301" y="2836195"/>
-                <a:ext cx="1556836" cy="646331"/>
-              </a:xfrm>
-              <a:prstGeom prst="rect">
-                <a:avLst/>
-              </a:prstGeom>
-              <a:grpFill/>
-            </p:spPr>
-            <p:txBody>
-              <a:bodyPr wrap="none" rtlCol="0">
-                <a:spAutoFit/>
-              </a:bodyPr>
-              <a:lstStyle/>
-              <a:p>
-                <a:r>
-                  <a:rPr lang="en-US" altLang="zh-CN" dirty="0">
-                    <a:latin typeface="Arial" panose="020B0604020202020204" pitchFamily="34" charset="0"/>
-                    <a:cs typeface="Arial" panose="020B0604020202020204" pitchFamily="34" charset="0"/>
-                  </a:rPr>
-                  <a:t>Place Order</a:t>
-                </a:r>
-              </a:p>
-              <a:p>
-                <a:r>
-                  <a:rPr lang="en-US" altLang="zh-CN" dirty="0">
-                    <a:latin typeface="Arial" panose="020B0604020202020204" pitchFamily="34" charset="0"/>
-                    <a:cs typeface="Arial" panose="020B0604020202020204" pitchFamily="34" charset="0"/>
-                  </a:rPr>
-                  <a:t>Cancel Order</a:t>
-                </a:r>
-                <a:endParaRPr lang="zh-CN" altLang="en-US" dirty="0">
-                  <a:latin typeface="Arial" panose="020B0604020202020204" pitchFamily="34" charset="0"/>
-                  <a:cs typeface="Arial" panose="020B0604020202020204" pitchFamily="34" charset="0"/>
-                </a:endParaRPr>
-              </a:p>
-            </p:txBody>
-          </p:sp>
-          <p:sp>
-            <p:nvSpPr>
-              <p:cNvPr id="30" name="文本框 29">
-                <a:extLst>
-                  <a:ext uri="{FF2B5EF4-FFF2-40B4-BE49-F238E27FC236}">
-                    <a16:creationId xmlns:a16="http://schemas.microsoft.com/office/drawing/2014/main" id="{7C9E0E53-8064-4E2A-AD26-CD4E6C3DBD9A}"/>
-                  </a:ext>
-                </a:extLst>
-              </p:cNvPr>
-              <p:cNvSpPr txBox="1"/>
-              <p:nvPr/>
-            </p:nvSpPr>
-            <p:spPr>
-              <a:xfrm>
-                <a:off x="2191151" y="3815148"/>
-                <a:ext cx="1582484" cy="369332"/>
-              </a:xfrm>
-              <a:prstGeom prst="rect">
-                <a:avLst/>
-              </a:prstGeom>
-              <a:grpFill/>
-            </p:spPr>
-            <p:txBody>
-              <a:bodyPr wrap="none" rtlCol="0">
-                <a:spAutoFit/>
-              </a:bodyPr>
-              <a:lstStyle/>
-              <a:p>
-                <a:r>
-                  <a:rPr lang="en-US" altLang="zh-CN" dirty="0">
-                    <a:latin typeface="Arial" panose="020B0604020202020204" pitchFamily="34" charset="0"/>
-                    <a:cs typeface="Arial" panose="020B0604020202020204" pitchFamily="34" charset="0"/>
-                  </a:rPr>
-                  <a:t>Match Orders</a:t>
-                </a:r>
-              </a:p>
-            </p:txBody>
-          </p:sp>
-          <p:sp>
-            <p:nvSpPr>
-              <p:cNvPr id="38" name="文本框 37">
-                <a:extLst>
-                  <a:ext uri="{FF2B5EF4-FFF2-40B4-BE49-F238E27FC236}">
-                    <a16:creationId xmlns:a16="http://schemas.microsoft.com/office/drawing/2014/main" id="{431921B8-FBEB-499E-B342-FDB6752B4842}"/>
-                  </a:ext>
-                </a:extLst>
-              </p:cNvPr>
-              <p:cNvSpPr txBox="1"/>
-              <p:nvPr/>
-            </p:nvSpPr>
-            <p:spPr>
-              <a:xfrm>
-                <a:off x="1663066" y="387276"/>
-                <a:ext cx="1167948" cy="369332"/>
-              </a:xfrm>
-              <a:prstGeom prst="rect">
-                <a:avLst/>
-              </a:prstGeom>
-              <a:grpFill/>
-            </p:spPr>
-            <p:txBody>
-              <a:bodyPr wrap="none" rtlCol="0">
-                <a:spAutoFit/>
-              </a:bodyPr>
-              <a:lstStyle/>
-              <a:p>
-                <a:r>
-                  <a:rPr lang="en-US" altLang="zh-CN" dirty="0">
-                    <a:latin typeface="Arial" panose="020B0604020202020204" pitchFamily="34" charset="0"/>
-                    <a:ea typeface="Source Sans Pro" panose="020B0503030403020204" pitchFamily="34" charset="0"/>
-                    <a:cs typeface="Arial" panose="020B0604020202020204" pitchFamily="34" charset="0"/>
-                  </a:rPr>
-                  <a:t>Off-</a:t>
-                </a:r>
-                <a:r>
-                  <a:rPr lang="en-US" altLang="zh-CN" dirty="0">
-                    <a:latin typeface="Arial" panose="020B0604020202020204" pitchFamily="34" charset="0"/>
-                    <a:ea typeface="微软雅黑" panose="020B0503020204020204" pitchFamily="34" charset="-122"/>
-                    <a:cs typeface="Arial" panose="020B0604020202020204" pitchFamily="34" charset="0"/>
-                  </a:rPr>
-                  <a:t>Chain</a:t>
-                </a:r>
-                <a:endParaRPr lang="zh-CN" altLang="en-US" dirty="0">
-                  <a:latin typeface="Arial" panose="020B0604020202020204" pitchFamily="34" charset="0"/>
-                  <a:ea typeface="微软雅黑" panose="020B0503020204020204" pitchFamily="34" charset="-122"/>
-                  <a:cs typeface="Arial" panose="020B0604020202020204" pitchFamily="34" charset="0"/>
-                </a:endParaRPr>
-              </a:p>
-            </p:txBody>
-          </p:sp>
-          <p:sp>
-            <p:nvSpPr>
-              <p:cNvPr id="48" name="文本框 47">
-                <a:extLst>
-                  <a:ext uri="{FF2B5EF4-FFF2-40B4-BE49-F238E27FC236}">
-                    <a16:creationId xmlns:a16="http://schemas.microsoft.com/office/drawing/2014/main" id="{3806FC64-D5E2-41E7-A82A-DD132EB2E9E8}"/>
-                  </a:ext>
-                </a:extLst>
-              </p:cNvPr>
-              <p:cNvSpPr txBox="1"/>
-              <p:nvPr/>
-            </p:nvSpPr>
-            <p:spPr>
-              <a:xfrm>
-                <a:off x="5414130" y="1775839"/>
-                <a:ext cx="1056700" cy="923330"/>
-              </a:xfrm>
-              <a:prstGeom prst="rect">
-                <a:avLst/>
-              </a:prstGeom>
-              <a:grpFill/>
-            </p:spPr>
-            <p:txBody>
-              <a:bodyPr wrap="none" rtlCol="0">
-                <a:spAutoFit/>
-              </a:bodyPr>
-              <a:lstStyle/>
-              <a:p>
-                <a:pPr algn="r"/>
-                <a:r>
-                  <a:rPr lang="en-US" altLang="zh-CN" dirty="0">
-                    <a:latin typeface="Arial" panose="020B0604020202020204" pitchFamily="34" charset="0"/>
-                    <a:cs typeface="Arial" panose="020B0604020202020204" pitchFamily="34" charset="0"/>
-                  </a:rPr>
-                  <a:t>Mint</a:t>
-                </a:r>
-              </a:p>
-              <a:p>
-                <a:pPr algn="r"/>
-                <a:r>
-                  <a:rPr lang="en-US" altLang="zh-CN" dirty="0">
-                    <a:latin typeface="Arial" panose="020B0604020202020204" pitchFamily="34" charset="0"/>
-                    <a:cs typeface="Arial" panose="020B0604020202020204" pitchFamily="34" charset="0"/>
-                  </a:rPr>
-                  <a:t>Redeem</a:t>
-                </a:r>
-              </a:p>
-              <a:p>
-                <a:pPr algn="r"/>
-                <a:r>
-                  <a:rPr lang="en-US" altLang="zh-CN" dirty="0">
-                    <a:latin typeface="Arial" panose="020B0604020202020204" pitchFamily="34" charset="0"/>
-                    <a:cs typeface="Arial" panose="020B0604020202020204" pitchFamily="34" charset="0"/>
-                  </a:rPr>
-                  <a:t>Approve</a:t>
-                </a:r>
-              </a:p>
-            </p:txBody>
-          </p:sp>
-          <p:sp>
-            <p:nvSpPr>
-              <p:cNvPr id="49" name="文本框 48">
-                <a:extLst>
-                  <a:ext uri="{FF2B5EF4-FFF2-40B4-BE49-F238E27FC236}">
-                    <a16:creationId xmlns:a16="http://schemas.microsoft.com/office/drawing/2014/main" id="{2B7441E1-87E6-4066-A1D4-CDD1C29A9F90}"/>
-                  </a:ext>
-                </a:extLst>
-              </p:cNvPr>
-              <p:cNvSpPr txBox="1"/>
-              <p:nvPr/>
-            </p:nvSpPr>
-            <p:spPr>
-              <a:xfrm>
-                <a:off x="9402230" y="1593218"/>
-                <a:ext cx="1056700" cy="923330"/>
-              </a:xfrm>
-              <a:prstGeom prst="rect">
-                <a:avLst/>
-              </a:prstGeom>
-              <a:grpFill/>
-            </p:spPr>
-            <p:txBody>
-              <a:bodyPr wrap="none" rtlCol="0">
-                <a:spAutoFit/>
-              </a:bodyPr>
-              <a:lstStyle/>
-              <a:p>
-                <a:r>
-                  <a:rPr lang="en-US" altLang="zh-CN" dirty="0">
-                    <a:latin typeface="Arial" panose="020B0604020202020204" pitchFamily="34" charset="0"/>
-                    <a:cs typeface="Arial" panose="020B0604020202020204" pitchFamily="34" charset="0"/>
-                  </a:rPr>
-                  <a:t>Mint</a:t>
-                </a:r>
-              </a:p>
-              <a:p>
-                <a:r>
-                  <a:rPr lang="en-US" altLang="zh-CN" dirty="0">
-                    <a:latin typeface="Arial" panose="020B0604020202020204" pitchFamily="34" charset="0"/>
-                    <a:cs typeface="Arial" panose="020B0604020202020204" pitchFamily="34" charset="0"/>
-                  </a:rPr>
-                  <a:t>Redeem</a:t>
-                </a:r>
-              </a:p>
-              <a:p>
-                <a:r>
-                  <a:rPr lang="en-US" altLang="zh-CN" dirty="0">
-                    <a:latin typeface="Arial" panose="020B0604020202020204" pitchFamily="34" charset="0"/>
-                    <a:cs typeface="Arial" panose="020B0604020202020204" pitchFamily="34" charset="0"/>
-                  </a:rPr>
-                  <a:t>Approve</a:t>
-                </a:r>
-              </a:p>
-            </p:txBody>
-          </p:sp>
-          <p:cxnSp>
-            <p:nvCxnSpPr>
-              <p:cNvPr id="56" name="连接符: 肘形 55">
-                <a:extLst>
-                  <a:ext uri="{FF2B5EF4-FFF2-40B4-BE49-F238E27FC236}">
-                    <a16:creationId xmlns:a16="http://schemas.microsoft.com/office/drawing/2014/main" id="{41CE204E-F615-43F9-B8D3-F4D0769AA729}"/>
-                  </a:ext>
-                </a:extLst>
-              </p:cNvPr>
-              <p:cNvCxnSpPr>
-                <a:cxnSpLocks/>
-                <a:stCxn id="9" idx="3"/>
-              </p:cNvCxnSpPr>
-              <p:nvPr/>
-            </p:nvCxnSpPr>
-            <p:spPr>
-              <a:xfrm>
-                <a:off x="8942456" y="2191041"/>
-                <a:ext cx="1690510" cy="651015"/>
-              </a:xfrm>
-              <a:prstGeom prst="bentConnector2">
-                <a:avLst/>
-              </a:prstGeom>
-              <a:grpFill/>
-              <a:ln>
-                <a:tailEnd type="triangle"/>
-              </a:ln>
-            </p:spPr>
-            <p:style>
-              <a:lnRef idx="1">
-                <a:schemeClr val="dk1"/>
-              </a:lnRef>
-              <a:fillRef idx="0">
-                <a:schemeClr val="dk1"/>
-              </a:fillRef>
-              <a:effectRef idx="0">
-                <a:schemeClr val="dk1"/>
-              </a:effectRef>
-              <a:fontRef idx="minor">
-                <a:schemeClr val="tx1"/>
-              </a:fontRef>
-            </p:style>
-          </p:cxnSp>
-          <p:sp>
-            <p:nvSpPr>
-              <p:cNvPr id="59" name="圆柱体 58">
-                <a:extLst>
-                  <a:ext uri="{FF2B5EF4-FFF2-40B4-BE49-F238E27FC236}">
-                    <a16:creationId xmlns:a16="http://schemas.microsoft.com/office/drawing/2014/main" id="{25632116-1E00-4712-B8B0-81515F3E9106}"/>
-                  </a:ext>
-                </a:extLst>
-              </p:cNvPr>
-              <p:cNvSpPr/>
-              <p:nvPr/>
-            </p:nvSpPr>
-            <p:spPr>
-              <a:xfrm>
-                <a:off x="6987045" y="3368292"/>
-                <a:ext cx="1955410" cy="1297745"/>
-              </a:xfrm>
-              <a:prstGeom prst="can">
-                <a:avLst/>
-              </a:prstGeom>
-              <a:grpFill/>
-            </p:spPr>
-            <p:style>
-              <a:lnRef idx="2">
-                <a:schemeClr val="dk1"/>
-              </a:lnRef>
-              <a:fillRef idx="1">
-                <a:schemeClr val="lt1"/>
-              </a:fillRef>
-              <a:effectRef idx="0">
-                <a:schemeClr val="dk1"/>
-              </a:effectRef>
-              <a:fontRef idx="minor">
-                <a:schemeClr val="dk1"/>
-              </a:fontRef>
-            </p:style>
-            <p:txBody>
-              <a:bodyPr rtlCol="0" anchor="ctr"/>
-              <a:lstStyle/>
-              <a:p>
-                <a:pPr algn="ctr"/>
-                <a:r>
-                  <a:rPr lang="en-US" altLang="zh-CN" dirty="0">
-                    <a:latin typeface="Arial" panose="020B0604020202020204" pitchFamily="34" charset="0"/>
-                    <a:cs typeface="Arial" panose="020B0604020202020204" pitchFamily="34" charset="0"/>
-                  </a:rPr>
-                  <a:t>Position Tokens</a:t>
-                </a:r>
-              </a:p>
-              <a:p>
-                <a:pPr algn="ctr"/>
-                <a:r>
-                  <a:rPr lang="en-US" altLang="zh-CN" dirty="0">
-                    <a:latin typeface="Arial" panose="020B0604020202020204" pitchFamily="34" charset="0"/>
-                    <a:cs typeface="Arial" panose="020B0604020202020204" pitchFamily="34" charset="0"/>
-                  </a:rPr>
-                  <a:t>Collateral Tokens</a:t>
-                </a:r>
-              </a:p>
-              <a:p>
-                <a:pPr algn="ctr"/>
-                <a:r>
-                  <a:rPr lang="en-US" altLang="zh-CN" dirty="0">
-                    <a:latin typeface="Arial" panose="020B0604020202020204" pitchFamily="34" charset="0"/>
-                    <a:cs typeface="Arial" panose="020B0604020202020204" pitchFamily="34" charset="0"/>
-                  </a:rPr>
-                  <a:t>MKT</a:t>
-                </a:r>
-                <a:endParaRPr lang="zh-CN" altLang="en-US" dirty="0">
-                  <a:latin typeface="Arial" panose="020B0604020202020204" pitchFamily="34" charset="0"/>
-                  <a:cs typeface="Arial" panose="020B0604020202020204" pitchFamily="34" charset="0"/>
-                </a:endParaRPr>
-              </a:p>
-            </p:txBody>
-          </p:sp>
-          <p:sp>
-            <p:nvSpPr>
-              <p:cNvPr id="62" name="左大括号 61">
-                <a:extLst>
-                  <a:ext uri="{FF2B5EF4-FFF2-40B4-BE49-F238E27FC236}">
-                    <a16:creationId xmlns:a16="http://schemas.microsoft.com/office/drawing/2014/main" id="{B37ADC2E-AA1F-4233-A03B-306C7CF4C764}"/>
-                  </a:ext>
-                </a:extLst>
-              </p:cNvPr>
-              <p:cNvSpPr/>
-              <p:nvPr/>
-            </p:nvSpPr>
-            <p:spPr>
-              <a:xfrm rot="5400000">
-                <a:off x="7616354" y="1869524"/>
-                <a:ext cx="651016" cy="2417371"/>
-              </a:xfrm>
-              <a:prstGeom prst="leftBrace">
-                <a:avLst>
-                  <a:gd name="adj1" fmla="val 70999"/>
-                  <a:gd name="adj2" fmla="val 50000"/>
-                </a:avLst>
-              </a:prstGeom>
-              <a:grpFill/>
-            </p:spPr>
-            <p:style>
-              <a:lnRef idx="1">
-                <a:schemeClr val="dk1"/>
-              </a:lnRef>
-              <a:fillRef idx="0">
-                <a:schemeClr val="dk1"/>
-              </a:fillRef>
-              <a:effectRef idx="0">
-                <a:schemeClr val="dk1"/>
-              </a:effectRef>
-              <a:fontRef idx="minor">
-                <a:schemeClr val="tx1"/>
-              </a:fontRef>
-            </p:style>
-            <p:txBody>
-              <a:bodyPr rtlCol="0" anchor="ctr"/>
-              <a:lstStyle/>
-              <a:p>
-                <a:pPr algn="ctr"/>
-                <a:endParaRPr lang="zh-CN" altLang="en-US">
-                  <a:latin typeface="Arial" panose="020B0604020202020204" pitchFamily="34" charset="0"/>
-                  <a:cs typeface="Arial" panose="020B0604020202020204" pitchFamily="34" charset="0"/>
-                </a:endParaRPr>
-              </a:p>
-            </p:txBody>
-          </p:sp>
-          <p:sp>
-            <p:nvSpPr>
-              <p:cNvPr id="63" name="矩形: 圆角 62">
-                <a:extLst>
-                  <a:ext uri="{FF2B5EF4-FFF2-40B4-BE49-F238E27FC236}">
-                    <a16:creationId xmlns:a16="http://schemas.microsoft.com/office/drawing/2014/main" id="{C69C2873-0B56-4824-B189-2682AA773FF2}"/>
-                  </a:ext>
-                </a:extLst>
-              </p:cNvPr>
-              <p:cNvSpPr/>
-              <p:nvPr/>
-            </p:nvSpPr>
-            <p:spPr>
-              <a:xfrm>
-                <a:off x="9631502" y="2817438"/>
-                <a:ext cx="2171291" cy="914400"/>
-              </a:xfrm>
-              <a:prstGeom prst="roundRect">
-                <a:avLst>
-                  <a:gd name="adj" fmla="val 33590"/>
-                </a:avLst>
-              </a:prstGeom>
-              <a:grpFill/>
-              <a:ln>
-                <a:solidFill>
-                  <a:schemeClr val="tx1"/>
-                </a:solidFill>
-              </a:ln>
-            </p:spPr>
-            <p:style>
-              <a:lnRef idx="2">
-                <a:schemeClr val="accent1">
-                  <a:shade val="50000"/>
-                </a:schemeClr>
-              </a:lnRef>
-              <a:fillRef idx="1">
-                <a:schemeClr val="accent1"/>
-              </a:fillRef>
-              <a:effectRef idx="0">
-                <a:schemeClr val="accent1"/>
-              </a:effectRef>
-              <a:fontRef idx="minor">
-                <a:schemeClr val="lt1"/>
-              </a:fontRef>
-            </p:style>
-            <p:txBody>
-              <a:bodyPr rot="0" spcFirstLastPara="0" vertOverflow="overflow" horzOverflow="overflow" vert="horz" wrap="square" lIns="91440" tIns="45720" rIns="91440" bIns="45720" numCol="1" spcCol="0" rtlCol="0" fromWordArt="0" anchor="ctr" anchorCtr="0" forceAA="0" compatLnSpc="1">
-                <a:prstTxWarp prst="textNoShape">
-                  <a:avLst/>
-                </a:prstTxWarp>
-                <a:noAutofit/>
-              </a:bodyPr>
-              <a:lstStyle/>
-              <a:p>
-                <a:pPr algn="ctr"/>
-                <a:r>
-                  <a:rPr lang="en-US" altLang="zh-CN" dirty="0">
-                    <a:solidFill>
-                      <a:schemeClr val="tx1"/>
-                    </a:solidFill>
-                    <a:latin typeface="Arial" panose="020B0604020202020204" pitchFamily="34" charset="0"/>
-                    <a:ea typeface="微软雅黑" panose="020B0503020204020204" pitchFamily="34" charset="-122"/>
-                    <a:cs typeface="Arial" panose="020B0604020202020204" pitchFamily="34" charset="0"/>
-                  </a:rPr>
-                  <a:t>Market Protocol</a:t>
-                </a:r>
-                <a:endParaRPr lang="zh-CN" altLang="en-US" dirty="0">
-                  <a:solidFill>
-                    <a:schemeClr val="tx1"/>
-                  </a:solidFill>
-                  <a:latin typeface="Arial" panose="020B0604020202020204" pitchFamily="34" charset="0"/>
-                  <a:ea typeface="微软雅黑" panose="020B0503020204020204" pitchFamily="34" charset="-122"/>
-                  <a:cs typeface="Arial" panose="020B0604020202020204" pitchFamily="34" charset="0"/>
-                </a:endParaRPr>
-              </a:p>
-            </p:txBody>
-          </p:sp>
-        </p:grpSp>
-        <p:cxnSp>
-          <p:nvCxnSpPr>
-            <p:cNvPr id="33" name="连接符: 肘形 32">
-              <a:extLst>
-                <a:ext uri="{FF2B5EF4-FFF2-40B4-BE49-F238E27FC236}">
-                  <a16:creationId xmlns:a16="http://schemas.microsoft.com/office/drawing/2014/main" id="{098AD45F-AF8B-4B74-A9D4-99DE4E87CDB5}"/>
-                </a:ext>
-              </a:extLst>
-            </p:cNvPr>
-            <p:cNvCxnSpPr>
-              <a:cxnSpLocks/>
-              <a:stCxn id="4" idx="6"/>
-              <a:endCxn id="8" idx="0"/>
-            </p:cNvCxnSpPr>
-            <p:nvPr/>
-          </p:nvCxnSpPr>
-          <p:spPr>
-            <a:xfrm>
-              <a:off x="1964654" y="2386419"/>
-              <a:ext cx="2930729" cy="687754"/>
-            </a:xfrm>
-            <a:prstGeom prst="bentConnector2">
-              <a:avLst/>
-            </a:prstGeom>
-            <a:ln>
-              <a:tailEnd type="triangle"/>
-            </a:ln>
-          </p:spPr>
-          <p:style>
-            <a:lnRef idx="1">
-              <a:schemeClr val="dk1"/>
-            </a:lnRef>
-            <a:fillRef idx="0">
-              <a:schemeClr val="dk1"/>
-            </a:fillRef>
-            <a:effectRef idx="0">
-              <a:schemeClr val="dk1"/>
-            </a:effectRef>
-            <a:fontRef idx="minor">
-              <a:schemeClr val="tx1"/>
-            </a:fontRef>
-          </p:style>
-        </p:cxnSp>
-        <p:cxnSp>
-          <p:nvCxnSpPr>
-            <p:cNvPr id="36" name="连接符: 肘形 35">
-              <a:extLst>
-                <a:ext uri="{FF2B5EF4-FFF2-40B4-BE49-F238E27FC236}">
-                  <a16:creationId xmlns:a16="http://schemas.microsoft.com/office/drawing/2014/main" id="{AD784253-2D17-429C-AF32-B5F69BE90057}"/>
-                </a:ext>
-              </a:extLst>
-            </p:cNvPr>
-            <p:cNvCxnSpPr>
-              <a:cxnSpLocks/>
-              <a:stCxn id="6" idx="6"/>
-              <a:endCxn id="8" idx="2"/>
-            </p:cNvCxnSpPr>
-            <p:nvPr/>
-          </p:nvCxnSpPr>
-          <p:spPr>
-            <a:xfrm flipV="1">
-              <a:off x="1964654" y="3939336"/>
-              <a:ext cx="2930729" cy="407963"/>
-            </a:xfrm>
-            <a:prstGeom prst="bentConnector2">
-              <a:avLst/>
-            </a:prstGeom>
-            <a:ln>
-              <a:tailEnd type="triangle"/>
-            </a:ln>
-          </p:spPr>
-          <p:style>
-            <a:lnRef idx="1">
-              <a:schemeClr val="dk1"/>
-            </a:lnRef>
-            <a:fillRef idx="0">
-              <a:schemeClr val="dk1"/>
-            </a:fillRef>
-            <a:effectRef idx="0">
-              <a:schemeClr val="dk1"/>
-            </a:effectRef>
-            <a:fontRef idx="minor">
-              <a:schemeClr val="tx1"/>
-            </a:fontRef>
-          </p:style>
-        </p:cxnSp>
-        <p:cxnSp>
-          <p:nvCxnSpPr>
-            <p:cNvPr id="39" name="连接符: 肘形 38">
-              <a:extLst>
-                <a:ext uri="{FF2B5EF4-FFF2-40B4-BE49-F238E27FC236}">
-                  <a16:creationId xmlns:a16="http://schemas.microsoft.com/office/drawing/2014/main" id="{9B05B99D-7973-4ED9-9D32-DCABAE89326C}"/>
-                </a:ext>
-              </a:extLst>
-            </p:cNvPr>
-            <p:cNvCxnSpPr>
-              <a:cxnSpLocks/>
-              <a:stCxn id="8" idx="3"/>
-              <a:endCxn id="9" idx="1"/>
-            </p:cNvCxnSpPr>
-            <p:nvPr/>
-          </p:nvCxnSpPr>
-          <p:spPr>
-            <a:xfrm flipV="1">
-              <a:off x="5873088" y="2398539"/>
-              <a:ext cx="1062376" cy="1108216"/>
-            </a:xfrm>
-            <a:prstGeom prst="bentConnector3">
-              <a:avLst/>
-            </a:prstGeom>
-            <a:ln>
-              <a:tailEnd type="triangle"/>
-            </a:ln>
-          </p:spPr>
-          <p:style>
-            <a:lnRef idx="1">
-              <a:schemeClr val="dk1"/>
-            </a:lnRef>
-            <a:fillRef idx="0">
-              <a:schemeClr val="dk1"/>
-            </a:fillRef>
-            <a:effectRef idx="0">
-              <a:schemeClr val="dk1"/>
-            </a:effectRef>
-            <a:fontRef idx="minor">
-              <a:schemeClr val="tx1"/>
-            </a:fontRef>
-          </p:style>
-        </p:cxnSp>
-      </p:grpSp>
+              </a:solidFill>
+              <a:latin typeface="Arial" panose="020B0604020202020204" pitchFamily="34" charset="0"/>
+              <a:ea typeface="微软雅黑" panose="020B0503020204020204" pitchFamily="34" charset="-122"/>
+              <a:cs typeface="Arial" panose="020B0604020202020204" pitchFamily="34" charset="0"/>
+            </a:endParaRPr>
+          </a:p>
+        </p:txBody>
+      </p:sp>
+      <p:cxnSp>
+        <p:nvCxnSpPr>
+          <p:cNvPr id="33" name="连接符: 肘形 32">
+            <a:extLst>
+              <a:ext uri="{FF2B5EF4-FFF2-40B4-BE49-F238E27FC236}">
+                <a16:creationId xmlns:a16="http://schemas.microsoft.com/office/drawing/2014/main" id="{098AD45F-AF8B-4B74-A9D4-99DE4E87CDB5}"/>
+              </a:ext>
+            </a:extLst>
+          </p:cNvPr>
+          <p:cNvCxnSpPr>
+            <a:cxnSpLocks/>
+            <a:stCxn id="4" idx="6"/>
+            <a:endCxn id="8" idx="0"/>
+          </p:cNvCxnSpPr>
+          <p:nvPr/>
+        </p:nvCxnSpPr>
+        <p:spPr>
+          <a:xfrm>
+            <a:off x="1964654" y="2386419"/>
+            <a:ext cx="2930729" cy="687754"/>
+          </a:xfrm>
+          <a:prstGeom prst="bentConnector2">
+            <a:avLst/>
+          </a:prstGeom>
+          <a:ln>
+            <a:tailEnd type="triangle"/>
+          </a:ln>
+        </p:spPr>
+        <p:style>
+          <a:lnRef idx="1">
+            <a:schemeClr val="dk1"/>
+          </a:lnRef>
+          <a:fillRef idx="0">
+            <a:schemeClr val="dk1"/>
+          </a:fillRef>
+          <a:effectRef idx="0">
+            <a:schemeClr val="dk1"/>
+          </a:effectRef>
+          <a:fontRef idx="minor">
+            <a:schemeClr val="tx1"/>
+          </a:fontRef>
+        </p:style>
+      </p:cxnSp>
+      <p:cxnSp>
+        <p:nvCxnSpPr>
+          <p:cNvPr id="36" name="连接符: 肘形 35">
+            <a:extLst>
+              <a:ext uri="{FF2B5EF4-FFF2-40B4-BE49-F238E27FC236}">
+                <a16:creationId xmlns:a16="http://schemas.microsoft.com/office/drawing/2014/main" id="{AD784253-2D17-429C-AF32-B5F69BE90057}"/>
+              </a:ext>
+            </a:extLst>
+          </p:cNvPr>
+          <p:cNvCxnSpPr>
+            <a:cxnSpLocks/>
+            <a:stCxn id="6" idx="6"/>
+            <a:endCxn id="8" idx="2"/>
+          </p:cNvCxnSpPr>
+          <p:nvPr/>
+        </p:nvCxnSpPr>
+        <p:spPr>
+          <a:xfrm flipV="1">
+            <a:off x="1964654" y="3939336"/>
+            <a:ext cx="2930729" cy="407963"/>
+          </a:xfrm>
+          <a:prstGeom prst="bentConnector2">
+            <a:avLst/>
+          </a:prstGeom>
+          <a:ln>
+            <a:tailEnd type="triangle"/>
+          </a:ln>
+        </p:spPr>
+        <p:style>
+          <a:lnRef idx="1">
+            <a:schemeClr val="dk1"/>
+          </a:lnRef>
+          <a:fillRef idx="0">
+            <a:schemeClr val="dk1"/>
+          </a:fillRef>
+          <a:effectRef idx="0">
+            <a:schemeClr val="dk1"/>
+          </a:effectRef>
+          <a:fontRef idx="minor">
+            <a:schemeClr val="tx1"/>
+          </a:fontRef>
+        </p:style>
+      </p:cxnSp>
+      <p:cxnSp>
+        <p:nvCxnSpPr>
+          <p:cNvPr id="39" name="连接符: 肘形 38">
+            <a:extLst>
+              <a:ext uri="{FF2B5EF4-FFF2-40B4-BE49-F238E27FC236}">
+                <a16:creationId xmlns:a16="http://schemas.microsoft.com/office/drawing/2014/main" id="{9B05B99D-7973-4ED9-9D32-DCABAE89326C}"/>
+              </a:ext>
+            </a:extLst>
+          </p:cNvPr>
+          <p:cNvCxnSpPr>
+            <a:cxnSpLocks/>
+            <a:stCxn id="8" idx="3"/>
+            <a:endCxn id="9" idx="1"/>
+          </p:cNvCxnSpPr>
+          <p:nvPr/>
+        </p:nvCxnSpPr>
+        <p:spPr>
+          <a:xfrm flipV="1">
+            <a:off x="5873088" y="2398539"/>
+            <a:ext cx="1062376" cy="1108216"/>
+          </a:xfrm>
+          <a:prstGeom prst="bentConnector3">
+            <a:avLst/>
+          </a:prstGeom>
+          <a:ln>
+            <a:tailEnd type="triangle"/>
+          </a:ln>
+        </p:spPr>
+        <p:style>
+          <a:lnRef idx="1">
+            <a:schemeClr val="dk1"/>
+          </a:lnRef>
+          <a:fillRef idx="0">
+            <a:schemeClr val="dk1"/>
+          </a:fillRef>
+          <a:effectRef idx="0">
+            <a:schemeClr val="dk1"/>
+          </a:effectRef>
+          <a:fontRef idx="minor">
+            <a:schemeClr val="tx1"/>
+          </a:fontRef>
+        </p:style>
+      </p:cxnSp>
     </p:spTree>
     <p:extLst>
       <p:ext uri="{BB962C8B-B14F-4D97-AF65-F5344CB8AC3E}">
@@ -5022,1387 +4979,1344 @@
           <a:chExt cx="0" cy="0"/>
         </a:xfrm>
       </p:grpSpPr>
-      <p:grpSp>
-        <p:nvGrpSpPr>
-          <p:cNvPr id="26" name="组合 25">
-            <a:extLst>
-              <a:ext uri="{FF2B5EF4-FFF2-40B4-BE49-F238E27FC236}">
-                <a16:creationId xmlns:a16="http://schemas.microsoft.com/office/drawing/2014/main" id="{6E748C30-B21F-4700-B89A-C054BEBEF37A}"/>
-              </a:ext>
-            </a:extLst>
-          </p:cNvPr>
-          <p:cNvGrpSpPr/>
+      <p:sp>
+        <p:nvSpPr>
+          <p:cNvPr id="34" name="矩形: 圆角 33">
+            <a:extLst>
+              <a:ext uri="{FF2B5EF4-FFF2-40B4-BE49-F238E27FC236}">
+                <a16:creationId xmlns:a16="http://schemas.microsoft.com/office/drawing/2014/main" id="{ED403CE7-003F-4242-8E8D-CAACA55BB8A0}"/>
+              </a:ext>
+            </a:extLst>
+          </p:cNvPr>
+          <p:cNvSpPr/>
           <p:nvPr/>
-        </p:nvGrpSpPr>
-        <p:grpSpPr>
+        </p:nvSpPr>
+        <p:spPr>
           <a:xfrm>
-            <a:off x="440788" y="559190"/>
-            <a:ext cx="11310424" cy="4918418"/>
-            <a:chOff x="440788" y="559190"/>
-            <a:chExt cx="11310424" cy="4918418"/>
-          </a:xfrm>
-        </p:grpSpPr>
-        <p:grpSp>
-          <p:nvGrpSpPr>
-            <p:cNvPr id="27" name="组合 26">
-              <a:extLst>
-                <a:ext uri="{FF2B5EF4-FFF2-40B4-BE49-F238E27FC236}">
-                  <a16:creationId xmlns:a16="http://schemas.microsoft.com/office/drawing/2014/main" id="{E8246024-28C2-432B-8B89-5B906370539A}"/>
-                </a:ext>
-              </a:extLst>
-            </p:cNvPr>
-            <p:cNvGrpSpPr/>
-            <p:nvPr/>
-          </p:nvGrpSpPr>
-          <p:grpSpPr>
-            <a:xfrm>
-              <a:off x="440788" y="559190"/>
-              <a:ext cx="11310424" cy="4918418"/>
-              <a:chOff x="492369" y="351692"/>
-              <a:chExt cx="11310424" cy="4918418"/>
-            </a:xfrm>
-            <a:noFill/>
-          </p:grpSpPr>
-          <p:sp>
-            <p:nvSpPr>
-              <p:cNvPr id="34" name="矩形: 圆角 33">
-                <a:extLst>
-                  <a:ext uri="{FF2B5EF4-FFF2-40B4-BE49-F238E27FC236}">
-                    <a16:creationId xmlns:a16="http://schemas.microsoft.com/office/drawing/2014/main" id="{ED403CE7-003F-4242-8E8D-CAACA55BB8A0}"/>
-                  </a:ext>
-                </a:extLst>
-              </p:cNvPr>
-              <p:cNvSpPr/>
-              <p:nvPr/>
-            </p:nvSpPr>
-            <p:spPr>
-              <a:xfrm>
-                <a:off x="3709353" y="1028239"/>
-                <a:ext cx="5561247" cy="3898971"/>
-              </a:xfrm>
-              <a:prstGeom prst="roundRect">
-                <a:avLst>
-                  <a:gd name="adj" fmla="val 8252"/>
-                </a:avLst>
-              </a:prstGeom>
-              <a:grpFill/>
-              <a:ln>
+            <a:off x="3657772" y="1235737"/>
+            <a:ext cx="5561247" cy="3898971"/>
+          </a:xfrm>
+          <a:prstGeom prst="roundRect">
+            <a:avLst>
+              <a:gd name="adj" fmla="val 8252"/>
+            </a:avLst>
+          </a:prstGeom>
+          <a:noFill/>
+          <a:ln>
+            <a:solidFill>
+              <a:schemeClr val="bg1"/>
+            </a:solidFill>
+          </a:ln>
+        </p:spPr>
+        <p:style>
+          <a:lnRef idx="2">
+            <a:schemeClr val="accent1">
+              <a:shade val="50000"/>
+            </a:schemeClr>
+          </a:lnRef>
+          <a:fillRef idx="1">
+            <a:schemeClr val="accent1"/>
+          </a:fillRef>
+          <a:effectRef idx="0">
+            <a:schemeClr val="accent1"/>
+          </a:effectRef>
+          <a:fontRef idx="minor">
+            <a:schemeClr val="lt1"/>
+          </a:fontRef>
+        </p:style>
+        <p:txBody>
+          <a:bodyPr rtlCol="0" anchor="ctr"/>
+          <a:lstStyle/>
+          <a:p>
+            <a:pPr algn="ctr"/>
+            <a:endParaRPr lang="zh-CN" altLang="en-US" dirty="0">
+              <a:solidFill>
+                <a:schemeClr val="bg1"/>
+              </a:solidFill>
+              <a:latin typeface="Arial" panose="020B0604020202020204" pitchFamily="34" charset="0"/>
+              <a:cs typeface="Arial" panose="020B0604020202020204" pitchFamily="34" charset="0"/>
+            </a:endParaRPr>
+          </a:p>
+        </p:txBody>
+      </p:sp>
+      <p:sp>
+        <p:nvSpPr>
+          <p:cNvPr id="35" name="椭圆 34">
+            <a:extLst>
+              <a:ext uri="{FF2B5EF4-FFF2-40B4-BE49-F238E27FC236}">
+                <a16:creationId xmlns:a16="http://schemas.microsoft.com/office/drawing/2014/main" id="{A8690DDC-6732-4BFF-A4A3-CB8B8B54BD75}"/>
+              </a:ext>
+            </a:extLst>
+          </p:cNvPr>
+          <p:cNvSpPr/>
+          <p:nvPr/>
+        </p:nvSpPr>
+        <p:spPr>
+          <a:xfrm>
+            <a:off x="440788" y="1953837"/>
+            <a:ext cx="1523866" cy="865163"/>
+          </a:xfrm>
+          <a:prstGeom prst="ellipse">
+            <a:avLst/>
+          </a:prstGeom>
+          <a:noFill/>
+          <a:ln>
+            <a:solidFill>
+              <a:schemeClr val="bg1"/>
+            </a:solidFill>
+          </a:ln>
+        </p:spPr>
+        <p:style>
+          <a:lnRef idx="2">
+            <a:schemeClr val="dk1"/>
+          </a:lnRef>
+          <a:fillRef idx="1">
+            <a:schemeClr val="lt1"/>
+          </a:fillRef>
+          <a:effectRef idx="0">
+            <a:schemeClr val="dk1"/>
+          </a:effectRef>
+          <a:fontRef idx="minor">
+            <a:schemeClr val="dk1"/>
+          </a:fontRef>
+        </p:style>
+        <p:txBody>
+          <a:bodyPr rtlCol="0" anchor="ctr"/>
+          <a:lstStyle/>
+          <a:p>
+            <a:pPr algn="ctr"/>
+            <a:r>
+              <a:rPr lang="en-US" altLang="zh-CN" dirty="0">
                 <a:solidFill>
                   <a:schemeClr val="bg1"/>
                 </a:solidFill>
-              </a:ln>
-            </p:spPr>
-            <p:style>
-              <a:lnRef idx="2">
-                <a:schemeClr val="accent1">
-                  <a:shade val="50000"/>
-                </a:schemeClr>
-              </a:lnRef>
-              <a:fillRef idx="1">
-                <a:schemeClr val="accent1"/>
-              </a:fillRef>
-              <a:effectRef idx="0">
-                <a:schemeClr val="accent1"/>
-              </a:effectRef>
-              <a:fontRef idx="minor">
-                <a:schemeClr val="lt1"/>
-              </a:fontRef>
-            </p:style>
-            <p:txBody>
-              <a:bodyPr rtlCol="0" anchor="ctr"/>
-              <a:lstStyle/>
-              <a:p>
-                <a:pPr algn="ctr"/>
-                <a:endParaRPr lang="zh-CN" altLang="en-US" dirty="0">
-                  <a:solidFill>
-                    <a:schemeClr val="bg1"/>
-                  </a:solidFill>
-                  <a:latin typeface="Arial" panose="020B0604020202020204" pitchFamily="34" charset="0"/>
-                  <a:cs typeface="Arial" panose="020B0604020202020204" pitchFamily="34" charset="0"/>
-                </a:endParaRPr>
-              </a:p>
-            </p:txBody>
-          </p:sp>
-          <p:sp>
-            <p:nvSpPr>
-              <p:cNvPr id="35" name="椭圆 34">
-                <a:extLst>
-                  <a:ext uri="{FF2B5EF4-FFF2-40B4-BE49-F238E27FC236}">
-                    <a16:creationId xmlns:a16="http://schemas.microsoft.com/office/drawing/2014/main" id="{A8690DDC-6732-4BFF-A4A3-CB8B8B54BD75}"/>
-                  </a:ext>
-                </a:extLst>
-              </p:cNvPr>
-              <p:cNvSpPr/>
-              <p:nvPr/>
-            </p:nvSpPr>
-            <p:spPr>
-              <a:xfrm>
-                <a:off x="492369" y="1746339"/>
-                <a:ext cx="1523866" cy="865163"/>
-              </a:xfrm>
-              <a:prstGeom prst="ellipse">
-                <a:avLst/>
-              </a:prstGeom>
-              <a:grpFill/>
-              <a:ln>
+                <a:latin typeface="Arial" panose="020B0604020202020204" pitchFamily="34" charset="0"/>
+                <a:ea typeface="微软雅黑" panose="020B0503020204020204" pitchFamily="34" charset="-122"/>
+                <a:cs typeface="Arial" panose="020B0604020202020204" pitchFamily="34" charset="0"/>
+              </a:rPr>
+              <a:t>Traders</a:t>
+            </a:r>
+            <a:endParaRPr lang="zh-CN" altLang="en-US" dirty="0">
+              <a:solidFill>
+                <a:schemeClr val="bg1"/>
+              </a:solidFill>
+              <a:latin typeface="Arial" panose="020B0604020202020204" pitchFamily="34" charset="0"/>
+              <a:ea typeface="微软雅黑" panose="020B0503020204020204" pitchFamily="34" charset="-122"/>
+              <a:cs typeface="Arial" panose="020B0604020202020204" pitchFamily="34" charset="0"/>
+            </a:endParaRPr>
+          </a:p>
+        </p:txBody>
+      </p:sp>
+      <p:sp>
+        <p:nvSpPr>
+          <p:cNvPr id="37" name="椭圆 36">
+            <a:extLst>
+              <a:ext uri="{FF2B5EF4-FFF2-40B4-BE49-F238E27FC236}">
+                <a16:creationId xmlns:a16="http://schemas.microsoft.com/office/drawing/2014/main" id="{DD781B80-BCE7-4BA2-8105-41C491738168}"/>
+              </a:ext>
+            </a:extLst>
+          </p:cNvPr>
+          <p:cNvSpPr/>
+          <p:nvPr/>
+        </p:nvSpPr>
+        <p:spPr>
+          <a:xfrm>
+            <a:off x="440788" y="3914717"/>
+            <a:ext cx="1523866" cy="865163"/>
+          </a:xfrm>
+          <a:prstGeom prst="ellipse">
+            <a:avLst/>
+          </a:prstGeom>
+          <a:noFill/>
+          <a:ln>
+            <a:solidFill>
+              <a:schemeClr val="bg1"/>
+            </a:solidFill>
+          </a:ln>
+        </p:spPr>
+        <p:style>
+          <a:lnRef idx="2">
+            <a:schemeClr val="dk1"/>
+          </a:lnRef>
+          <a:fillRef idx="1">
+            <a:schemeClr val="lt1"/>
+          </a:fillRef>
+          <a:effectRef idx="0">
+            <a:schemeClr val="dk1"/>
+          </a:effectRef>
+          <a:fontRef idx="minor">
+            <a:schemeClr val="dk1"/>
+          </a:fontRef>
+        </p:style>
+        <p:txBody>
+          <a:bodyPr rtlCol="0" anchor="ctr"/>
+          <a:lstStyle/>
+          <a:p>
+            <a:pPr algn="ctr"/>
+            <a:r>
+              <a:rPr lang="en-US" altLang="zh-CN" dirty="0" err="1">
                 <a:solidFill>
                   <a:schemeClr val="bg1"/>
                 </a:solidFill>
-              </a:ln>
-            </p:spPr>
-            <p:style>
-              <a:lnRef idx="2">
-                <a:schemeClr val="dk1"/>
-              </a:lnRef>
-              <a:fillRef idx="1">
-                <a:schemeClr val="lt1"/>
-              </a:fillRef>
-              <a:effectRef idx="0">
-                <a:schemeClr val="dk1"/>
-              </a:effectRef>
-              <a:fontRef idx="minor">
-                <a:schemeClr val="dk1"/>
-              </a:fontRef>
-            </p:style>
-            <p:txBody>
-              <a:bodyPr rtlCol="0" anchor="ctr"/>
-              <a:lstStyle/>
-              <a:p>
-                <a:pPr algn="ctr"/>
-                <a:r>
-                  <a:rPr lang="en-US" altLang="zh-CN" dirty="0">
-                    <a:solidFill>
-                      <a:schemeClr val="bg1"/>
-                    </a:solidFill>
-                    <a:latin typeface="Arial" panose="020B0604020202020204" pitchFamily="34" charset="0"/>
-                    <a:ea typeface="微软雅黑" panose="020B0503020204020204" pitchFamily="34" charset="-122"/>
-                    <a:cs typeface="Arial" panose="020B0604020202020204" pitchFamily="34" charset="0"/>
-                  </a:rPr>
-                  <a:t>Traders</a:t>
-                </a:r>
-                <a:endParaRPr lang="zh-CN" altLang="en-US" dirty="0">
-                  <a:solidFill>
-                    <a:schemeClr val="bg1"/>
-                  </a:solidFill>
-                  <a:latin typeface="Arial" panose="020B0604020202020204" pitchFamily="34" charset="0"/>
-                  <a:ea typeface="微软雅黑" panose="020B0503020204020204" pitchFamily="34" charset="-122"/>
-                  <a:cs typeface="Arial" panose="020B0604020202020204" pitchFamily="34" charset="0"/>
-                </a:endParaRPr>
-              </a:p>
-            </p:txBody>
-          </p:sp>
-          <p:sp>
-            <p:nvSpPr>
-              <p:cNvPr id="37" name="椭圆 36">
-                <a:extLst>
-                  <a:ext uri="{FF2B5EF4-FFF2-40B4-BE49-F238E27FC236}">
-                    <a16:creationId xmlns:a16="http://schemas.microsoft.com/office/drawing/2014/main" id="{DD781B80-BCE7-4BA2-8105-41C491738168}"/>
-                  </a:ext>
-                </a:extLst>
-              </p:cNvPr>
-              <p:cNvSpPr/>
-              <p:nvPr/>
-            </p:nvSpPr>
-            <p:spPr>
-              <a:xfrm>
-                <a:off x="492369" y="3707219"/>
-                <a:ext cx="1523866" cy="865163"/>
-              </a:xfrm>
-              <a:prstGeom prst="ellipse">
-                <a:avLst/>
-              </a:prstGeom>
-              <a:grpFill/>
-              <a:ln>
+                <a:latin typeface="Arial" panose="020B0604020202020204" pitchFamily="34" charset="0"/>
+                <a:ea typeface="微软雅黑" panose="020B0503020204020204" pitchFamily="34" charset="-122"/>
+                <a:cs typeface="Arial" panose="020B0604020202020204" pitchFamily="34" charset="0"/>
+              </a:rPr>
+              <a:t>Relayer</a:t>
+            </a:r>
+            <a:endParaRPr lang="zh-CN" altLang="en-US" dirty="0">
+              <a:solidFill>
+                <a:schemeClr val="bg1"/>
+              </a:solidFill>
+              <a:latin typeface="Arial" panose="020B0604020202020204" pitchFamily="34" charset="0"/>
+              <a:ea typeface="微软雅黑" panose="020B0503020204020204" pitchFamily="34" charset="-122"/>
+              <a:cs typeface="Arial" panose="020B0604020202020204" pitchFamily="34" charset="0"/>
+            </a:endParaRPr>
+          </a:p>
+        </p:txBody>
+      </p:sp>
+      <p:sp>
+        <p:nvSpPr>
+          <p:cNvPr id="40" name="矩形 39">
+            <a:extLst>
+              <a:ext uri="{FF2B5EF4-FFF2-40B4-BE49-F238E27FC236}">
+                <a16:creationId xmlns:a16="http://schemas.microsoft.com/office/drawing/2014/main" id="{4F60865B-DC1A-448F-9AA5-1D36A9FC6712}"/>
+              </a:ext>
+            </a:extLst>
+          </p:cNvPr>
+          <p:cNvSpPr/>
+          <p:nvPr/>
+        </p:nvSpPr>
+        <p:spPr>
+          <a:xfrm>
+            <a:off x="3917677" y="3074173"/>
+            <a:ext cx="1955411" cy="865163"/>
+          </a:xfrm>
+          <a:prstGeom prst="rect">
+            <a:avLst/>
+          </a:prstGeom>
+          <a:noFill/>
+          <a:ln>
+            <a:solidFill>
+              <a:schemeClr val="bg1"/>
+            </a:solidFill>
+          </a:ln>
+        </p:spPr>
+        <p:style>
+          <a:lnRef idx="2">
+            <a:schemeClr val="dk1"/>
+          </a:lnRef>
+          <a:fillRef idx="1">
+            <a:schemeClr val="lt1"/>
+          </a:fillRef>
+          <a:effectRef idx="0">
+            <a:schemeClr val="dk1"/>
+          </a:effectRef>
+          <a:fontRef idx="minor">
+            <a:schemeClr val="dk1"/>
+          </a:fontRef>
+        </p:style>
+        <p:txBody>
+          <a:bodyPr rot="0" spcFirstLastPara="0" vertOverflow="overflow" horzOverflow="overflow" vert="horz" wrap="square" lIns="91440" tIns="45720" rIns="91440" bIns="45720" numCol="1" spcCol="0" rtlCol="0" fromWordArt="0" anchor="ctr" anchorCtr="0" forceAA="0" compatLnSpc="1">
+            <a:prstTxWarp prst="textNoShape">
+              <a:avLst/>
+            </a:prstTxWarp>
+            <a:noAutofit/>
+          </a:bodyPr>
+          <a:lstStyle/>
+          <a:p>
+            <a:pPr algn="ctr"/>
+            <a:r>
+              <a:rPr lang="en-US" altLang="zh-CN" dirty="0">
                 <a:solidFill>
                   <a:schemeClr val="bg1"/>
                 </a:solidFill>
-              </a:ln>
-            </p:spPr>
-            <p:style>
-              <a:lnRef idx="2">
-                <a:schemeClr val="dk1"/>
-              </a:lnRef>
-              <a:fillRef idx="1">
-                <a:schemeClr val="lt1"/>
-              </a:fillRef>
-              <a:effectRef idx="0">
-                <a:schemeClr val="dk1"/>
-              </a:effectRef>
-              <a:fontRef idx="minor">
-                <a:schemeClr val="dk1"/>
-              </a:fontRef>
-            </p:style>
-            <p:txBody>
-              <a:bodyPr rtlCol="0" anchor="ctr"/>
-              <a:lstStyle/>
-              <a:p>
-                <a:pPr algn="ctr"/>
-                <a:r>
-                  <a:rPr lang="en-US" altLang="zh-CN" dirty="0" err="1">
-                    <a:solidFill>
-                      <a:schemeClr val="bg1"/>
-                    </a:solidFill>
-                    <a:latin typeface="Arial" panose="020B0604020202020204" pitchFamily="34" charset="0"/>
-                    <a:ea typeface="微软雅黑" panose="020B0503020204020204" pitchFamily="34" charset="-122"/>
-                    <a:cs typeface="Arial" panose="020B0604020202020204" pitchFamily="34" charset="0"/>
-                  </a:rPr>
-                  <a:t>Relayer</a:t>
-                </a:r>
-                <a:endParaRPr lang="zh-CN" altLang="en-US" dirty="0">
-                  <a:solidFill>
-                    <a:schemeClr val="bg1"/>
-                  </a:solidFill>
-                  <a:latin typeface="Arial" panose="020B0604020202020204" pitchFamily="34" charset="0"/>
-                  <a:ea typeface="微软雅黑" panose="020B0503020204020204" pitchFamily="34" charset="-122"/>
-                  <a:cs typeface="Arial" panose="020B0604020202020204" pitchFamily="34" charset="0"/>
-                </a:endParaRPr>
-              </a:p>
-            </p:txBody>
-          </p:sp>
-          <p:sp>
-            <p:nvSpPr>
-              <p:cNvPr id="40" name="矩形 39">
-                <a:extLst>
-                  <a:ext uri="{FF2B5EF4-FFF2-40B4-BE49-F238E27FC236}">
-                    <a16:creationId xmlns:a16="http://schemas.microsoft.com/office/drawing/2014/main" id="{4F60865B-DC1A-448F-9AA5-1D36A9FC6712}"/>
-                  </a:ext>
-                </a:extLst>
-              </p:cNvPr>
-              <p:cNvSpPr/>
-              <p:nvPr/>
-            </p:nvSpPr>
-            <p:spPr>
-              <a:xfrm>
-                <a:off x="3969258" y="2866675"/>
-                <a:ext cx="1955411" cy="865163"/>
-              </a:xfrm>
-              <a:prstGeom prst="rect">
-                <a:avLst/>
-              </a:prstGeom>
-              <a:grpFill/>
-              <a:ln>
+                <a:latin typeface="Arial" panose="020B0604020202020204" pitchFamily="34" charset="0"/>
+                <a:ea typeface="微软雅黑" panose="020B0503020204020204" pitchFamily="34" charset="-122"/>
+                <a:cs typeface="Arial" panose="020B0604020202020204" pitchFamily="34" charset="0"/>
+              </a:rPr>
+              <a:t>Mai Exchange</a:t>
+            </a:r>
+            <a:endParaRPr lang="zh-CN" altLang="en-US" dirty="0">
+              <a:solidFill>
+                <a:schemeClr val="bg1"/>
+              </a:solidFill>
+              <a:latin typeface="Arial" panose="020B0604020202020204" pitchFamily="34" charset="0"/>
+              <a:ea typeface="微软雅黑" panose="020B0503020204020204" pitchFamily="34" charset="-122"/>
+              <a:cs typeface="Arial" panose="020B0604020202020204" pitchFamily="34" charset="0"/>
+            </a:endParaRPr>
+          </a:p>
+        </p:txBody>
+      </p:sp>
+      <p:sp>
+        <p:nvSpPr>
+          <p:cNvPr id="41" name="矩形 40">
+            <a:extLst>
+              <a:ext uri="{FF2B5EF4-FFF2-40B4-BE49-F238E27FC236}">
+                <a16:creationId xmlns:a16="http://schemas.microsoft.com/office/drawing/2014/main" id="{5A30CC5F-4B35-40B1-BF20-6E07A0C6B7E3}"/>
+              </a:ext>
+            </a:extLst>
+          </p:cNvPr>
+          <p:cNvSpPr/>
+          <p:nvPr/>
+        </p:nvSpPr>
+        <p:spPr>
+          <a:xfrm>
+            <a:off x="6935464" y="1965957"/>
+            <a:ext cx="1955411" cy="865163"/>
+          </a:xfrm>
+          <a:prstGeom prst="rect">
+            <a:avLst/>
+          </a:prstGeom>
+          <a:noFill/>
+          <a:ln>
+            <a:solidFill>
+              <a:schemeClr val="bg1"/>
+            </a:solidFill>
+          </a:ln>
+        </p:spPr>
+        <p:style>
+          <a:lnRef idx="2">
+            <a:schemeClr val="dk1"/>
+          </a:lnRef>
+          <a:fillRef idx="1">
+            <a:schemeClr val="lt1"/>
+          </a:fillRef>
+          <a:effectRef idx="0">
+            <a:schemeClr val="dk1"/>
+          </a:effectRef>
+          <a:fontRef idx="minor">
+            <a:schemeClr val="dk1"/>
+          </a:fontRef>
+        </p:style>
+        <p:txBody>
+          <a:bodyPr rot="0" spcFirstLastPara="0" vertOverflow="overflow" horzOverflow="overflow" vert="horz" wrap="square" lIns="91440" tIns="45720" rIns="91440" bIns="45720" numCol="1" spcCol="0" rtlCol="0" fromWordArt="0" anchor="ctr" anchorCtr="0" forceAA="0" compatLnSpc="1">
+            <a:prstTxWarp prst="textNoShape">
+              <a:avLst/>
+            </a:prstTxWarp>
+            <a:noAutofit/>
+          </a:bodyPr>
+          <a:lstStyle/>
+          <a:p>
+            <a:pPr algn="ctr"/>
+            <a:r>
+              <a:rPr lang="en-US" altLang="zh-CN" dirty="0">
                 <a:solidFill>
                   <a:schemeClr val="bg1"/>
                 </a:solidFill>
-              </a:ln>
-            </p:spPr>
-            <p:style>
-              <a:lnRef idx="2">
-                <a:schemeClr val="dk1"/>
-              </a:lnRef>
-              <a:fillRef idx="1">
-                <a:schemeClr val="lt1"/>
-              </a:fillRef>
-              <a:effectRef idx="0">
-                <a:schemeClr val="dk1"/>
-              </a:effectRef>
-              <a:fontRef idx="minor">
-                <a:schemeClr val="dk1"/>
-              </a:fontRef>
-            </p:style>
-            <p:txBody>
-              <a:bodyPr rot="0" spcFirstLastPara="0" vertOverflow="overflow" horzOverflow="overflow" vert="horz" wrap="square" lIns="91440" tIns="45720" rIns="91440" bIns="45720" numCol="1" spcCol="0" rtlCol="0" fromWordArt="0" anchor="ctr" anchorCtr="0" forceAA="0" compatLnSpc="1">
-                <a:prstTxWarp prst="textNoShape">
-                  <a:avLst/>
-                </a:prstTxWarp>
-                <a:noAutofit/>
-              </a:bodyPr>
-              <a:lstStyle/>
-              <a:p>
-                <a:pPr algn="ctr"/>
-                <a:r>
-                  <a:rPr lang="en-US" altLang="zh-CN" dirty="0">
-                    <a:solidFill>
-                      <a:schemeClr val="bg1"/>
-                    </a:solidFill>
-                    <a:latin typeface="Arial" panose="020B0604020202020204" pitchFamily="34" charset="0"/>
-                    <a:ea typeface="微软雅黑" panose="020B0503020204020204" pitchFamily="34" charset="-122"/>
-                    <a:cs typeface="Arial" panose="020B0604020202020204" pitchFamily="34" charset="0"/>
-                  </a:rPr>
-                  <a:t>Mai Exchange</a:t>
-                </a:r>
-                <a:endParaRPr lang="zh-CN" altLang="en-US" dirty="0">
-                  <a:solidFill>
-                    <a:schemeClr val="bg1"/>
-                  </a:solidFill>
-                  <a:latin typeface="Arial" panose="020B0604020202020204" pitchFamily="34" charset="0"/>
-                  <a:ea typeface="微软雅黑" panose="020B0503020204020204" pitchFamily="34" charset="-122"/>
-                  <a:cs typeface="Arial" panose="020B0604020202020204" pitchFamily="34" charset="0"/>
-                </a:endParaRPr>
-              </a:p>
-            </p:txBody>
-          </p:sp>
-          <p:sp>
-            <p:nvSpPr>
-              <p:cNvPr id="41" name="矩形 40">
-                <a:extLst>
-                  <a:ext uri="{FF2B5EF4-FFF2-40B4-BE49-F238E27FC236}">
-                    <a16:creationId xmlns:a16="http://schemas.microsoft.com/office/drawing/2014/main" id="{5A30CC5F-4B35-40B1-BF20-6E07A0C6B7E3}"/>
-                  </a:ext>
-                </a:extLst>
-              </p:cNvPr>
-              <p:cNvSpPr/>
-              <p:nvPr/>
-            </p:nvSpPr>
-            <p:spPr>
-              <a:xfrm>
-                <a:off x="6987045" y="1758459"/>
-                <a:ext cx="1955411" cy="865163"/>
-              </a:xfrm>
-              <a:prstGeom prst="rect">
-                <a:avLst/>
-              </a:prstGeom>
-              <a:grpFill/>
-              <a:ln>
+                <a:latin typeface="Arial" panose="020B0604020202020204" pitchFamily="34" charset="0"/>
+                <a:ea typeface="微软雅黑" panose="020B0503020204020204" pitchFamily="34" charset="-122"/>
+                <a:cs typeface="Arial" panose="020B0604020202020204" pitchFamily="34" charset="0"/>
+              </a:rPr>
+              <a:t>Minting Pool</a:t>
+            </a:r>
+            <a:endParaRPr lang="zh-CN" altLang="en-US" dirty="0">
+              <a:solidFill>
+                <a:schemeClr val="bg1"/>
+              </a:solidFill>
+              <a:latin typeface="Arial" panose="020B0604020202020204" pitchFamily="34" charset="0"/>
+              <a:ea typeface="微软雅黑" panose="020B0503020204020204" pitchFamily="34" charset="-122"/>
+              <a:cs typeface="Arial" panose="020B0604020202020204" pitchFamily="34" charset="0"/>
+            </a:endParaRPr>
+          </a:p>
+        </p:txBody>
+      </p:sp>
+      <p:sp>
+        <p:nvSpPr>
+          <p:cNvPr id="42" name="文本框 41">
+            <a:extLst>
+              <a:ext uri="{FF2B5EF4-FFF2-40B4-BE49-F238E27FC236}">
+                <a16:creationId xmlns:a16="http://schemas.microsoft.com/office/drawing/2014/main" id="{7D970B88-476C-41C9-A06E-6B5A5D33BCA5}"/>
+              </a:ext>
+            </a:extLst>
+          </p:cNvPr>
+          <p:cNvSpPr txBox="1"/>
+          <p:nvPr/>
+        </p:nvSpPr>
+        <p:spPr>
+          <a:xfrm>
+            <a:off x="3112029" y="594774"/>
+            <a:ext cx="1172116" cy="369332"/>
+          </a:xfrm>
+          <a:prstGeom prst="rect">
+            <a:avLst/>
+          </a:prstGeom>
+          <a:noFill/>
+          <a:ln>
+            <a:noFill/>
+          </a:ln>
+        </p:spPr>
+        <p:txBody>
+          <a:bodyPr wrap="none" rtlCol="0">
+            <a:spAutoFit/>
+          </a:bodyPr>
+          <a:lstStyle/>
+          <a:p>
+            <a:r>
+              <a:rPr lang="en-US" altLang="zh-CN" dirty="0">
                 <a:solidFill>
                   <a:schemeClr val="bg1"/>
                 </a:solidFill>
-              </a:ln>
-            </p:spPr>
-            <p:style>
-              <a:lnRef idx="2">
-                <a:schemeClr val="dk1"/>
-              </a:lnRef>
-              <a:fillRef idx="1">
-                <a:schemeClr val="lt1"/>
-              </a:fillRef>
-              <a:effectRef idx="0">
-                <a:schemeClr val="dk1"/>
-              </a:effectRef>
-              <a:fontRef idx="minor">
-                <a:schemeClr val="dk1"/>
-              </a:fontRef>
-            </p:style>
-            <p:txBody>
-              <a:bodyPr rot="0" spcFirstLastPara="0" vertOverflow="overflow" horzOverflow="overflow" vert="horz" wrap="square" lIns="91440" tIns="45720" rIns="91440" bIns="45720" numCol="1" spcCol="0" rtlCol="0" fromWordArt="0" anchor="ctr" anchorCtr="0" forceAA="0" compatLnSpc="1">
-                <a:prstTxWarp prst="textNoShape">
-                  <a:avLst/>
-                </a:prstTxWarp>
-                <a:noAutofit/>
-              </a:bodyPr>
-              <a:lstStyle/>
-              <a:p>
-                <a:pPr algn="ctr"/>
-                <a:r>
-                  <a:rPr lang="en-US" altLang="zh-CN" dirty="0">
-                    <a:solidFill>
-                      <a:schemeClr val="bg1"/>
-                    </a:solidFill>
-                    <a:latin typeface="Arial" panose="020B0604020202020204" pitchFamily="34" charset="0"/>
-                    <a:ea typeface="微软雅黑" panose="020B0503020204020204" pitchFamily="34" charset="-122"/>
-                    <a:cs typeface="Arial" panose="020B0604020202020204" pitchFamily="34" charset="0"/>
-                  </a:rPr>
-                  <a:t>Minting Pool</a:t>
-                </a:r>
-                <a:endParaRPr lang="zh-CN" altLang="en-US" dirty="0">
-                  <a:solidFill>
-                    <a:schemeClr val="bg1"/>
-                  </a:solidFill>
-                  <a:latin typeface="Arial" panose="020B0604020202020204" pitchFamily="34" charset="0"/>
-                  <a:ea typeface="微软雅黑" panose="020B0503020204020204" pitchFamily="34" charset="-122"/>
-                  <a:cs typeface="Arial" panose="020B0604020202020204" pitchFamily="34" charset="0"/>
-                </a:endParaRPr>
-              </a:p>
-            </p:txBody>
-          </p:sp>
-          <p:sp>
-            <p:nvSpPr>
-              <p:cNvPr id="42" name="文本框 41">
-                <a:extLst>
-                  <a:ext uri="{FF2B5EF4-FFF2-40B4-BE49-F238E27FC236}">
-                    <a16:creationId xmlns:a16="http://schemas.microsoft.com/office/drawing/2014/main" id="{7D970B88-476C-41C9-A06E-6B5A5D33BCA5}"/>
-                  </a:ext>
-                </a:extLst>
-              </p:cNvPr>
-              <p:cNvSpPr txBox="1"/>
-              <p:nvPr/>
-            </p:nvSpPr>
-            <p:spPr>
-              <a:xfrm>
-                <a:off x="3163610" y="387276"/>
-                <a:ext cx="1172116" cy="369332"/>
-              </a:xfrm>
-              <a:prstGeom prst="rect">
-                <a:avLst/>
-              </a:prstGeom>
-              <a:grpFill/>
-              <a:ln>
-                <a:noFill/>
-              </a:ln>
-            </p:spPr>
-            <p:txBody>
-              <a:bodyPr wrap="none" rtlCol="0">
-                <a:spAutoFit/>
-              </a:bodyPr>
-              <a:lstStyle/>
-              <a:p>
-                <a:r>
-                  <a:rPr lang="en-US" altLang="zh-CN" dirty="0">
-                    <a:solidFill>
-                      <a:schemeClr val="bg1"/>
-                    </a:solidFill>
-                    <a:latin typeface="Arial" panose="020B0604020202020204" pitchFamily="34" charset="0"/>
-                    <a:ea typeface="Source Sans Pro" panose="020B0503030403020204" pitchFamily="34" charset="0"/>
-                    <a:cs typeface="Arial" panose="020B0604020202020204" pitchFamily="34" charset="0"/>
-                  </a:rPr>
-                  <a:t>On-</a:t>
-                </a:r>
-                <a:r>
-                  <a:rPr lang="en-US" altLang="zh-CN" dirty="0">
-                    <a:solidFill>
-                      <a:schemeClr val="bg1"/>
-                    </a:solidFill>
-                    <a:latin typeface="Arial" panose="020B0604020202020204" pitchFamily="34" charset="0"/>
-                    <a:ea typeface="微软雅黑" panose="020B0503020204020204" pitchFamily="34" charset="-122"/>
-                    <a:cs typeface="Arial" panose="020B0604020202020204" pitchFamily="34" charset="0"/>
-                  </a:rPr>
-                  <a:t>Chain</a:t>
-                </a:r>
-                <a:endParaRPr lang="zh-CN" altLang="en-US" dirty="0">
-                  <a:solidFill>
-                    <a:schemeClr val="bg1"/>
-                  </a:solidFill>
-                  <a:latin typeface="Arial" panose="020B0604020202020204" pitchFamily="34" charset="0"/>
-                  <a:ea typeface="微软雅黑" panose="020B0503020204020204" pitchFamily="34" charset="-122"/>
-                  <a:cs typeface="Arial" panose="020B0604020202020204" pitchFamily="34" charset="0"/>
-                </a:endParaRPr>
-              </a:p>
-            </p:txBody>
-          </p:sp>
-          <p:cxnSp>
-            <p:nvCxnSpPr>
-              <p:cNvPr id="43" name="直接连接符 42">
-                <a:extLst>
-                  <a:ext uri="{FF2B5EF4-FFF2-40B4-BE49-F238E27FC236}">
-                    <a16:creationId xmlns:a16="http://schemas.microsoft.com/office/drawing/2014/main" id="{B16D33AA-E01F-4AE5-859E-07AE5A33C725}"/>
-                  </a:ext>
-                </a:extLst>
-              </p:cNvPr>
-              <p:cNvCxnSpPr>
-                <a:cxnSpLocks/>
-              </p:cNvCxnSpPr>
-              <p:nvPr/>
-            </p:nvCxnSpPr>
-            <p:spPr>
-              <a:xfrm>
-                <a:off x="2948354" y="351692"/>
-                <a:ext cx="0" cy="4918418"/>
-              </a:xfrm>
-              <a:prstGeom prst="line">
-                <a:avLst/>
-              </a:prstGeom>
-              <a:grpFill/>
-              <a:ln w="19050">
-                <a:solidFill>
-                  <a:schemeClr val="bg1">
-                    <a:lumMod val="75000"/>
-                  </a:schemeClr>
-                </a:solidFill>
-                <a:prstDash val="lgDash"/>
-              </a:ln>
-            </p:spPr>
-            <p:style>
-              <a:lnRef idx="1">
-                <a:schemeClr val="accent1"/>
-              </a:lnRef>
-              <a:fillRef idx="0">
-                <a:schemeClr val="accent1"/>
-              </a:fillRef>
-              <a:effectRef idx="0">
-                <a:schemeClr val="accent1"/>
-              </a:effectRef>
-              <a:fontRef idx="minor">
-                <a:schemeClr val="tx1"/>
-              </a:fontRef>
-            </p:style>
-          </p:cxnSp>
-          <p:sp>
-            <p:nvSpPr>
-              <p:cNvPr id="44" name="文本框 43">
-                <a:extLst>
-                  <a:ext uri="{FF2B5EF4-FFF2-40B4-BE49-F238E27FC236}">
-                    <a16:creationId xmlns:a16="http://schemas.microsoft.com/office/drawing/2014/main" id="{B379552E-DA26-4DE0-9CA8-C909FCF14F35}"/>
-                  </a:ext>
-                </a:extLst>
-              </p:cNvPr>
-              <p:cNvSpPr txBox="1"/>
-              <p:nvPr/>
-            </p:nvSpPr>
-            <p:spPr>
-              <a:xfrm>
-                <a:off x="2372288" y="1849697"/>
-                <a:ext cx="1351652" cy="646331"/>
-              </a:xfrm>
-              <a:prstGeom prst="rect">
-                <a:avLst/>
-              </a:prstGeom>
-              <a:grpFill/>
-              <a:ln>
-                <a:noFill/>
-              </a:ln>
-            </p:spPr>
-            <p:txBody>
-              <a:bodyPr wrap="none" rtlCol="0">
-                <a:spAutoFit/>
-              </a:bodyPr>
-              <a:lstStyle/>
-              <a:p>
-                <a:r>
-                  <a:rPr lang="en-US" altLang="zh-CN" dirty="0">
-                    <a:solidFill>
-                      <a:schemeClr val="bg1"/>
-                    </a:solidFill>
-                    <a:latin typeface="Arial" panose="020B0604020202020204" pitchFamily="34" charset="0"/>
-                    <a:cs typeface="Arial" panose="020B0604020202020204" pitchFamily="34" charset="0"/>
-                  </a:rPr>
-                  <a:t>Approve</a:t>
-                </a:r>
-              </a:p>
-              <a:p>
-                <a:r>
-                  <a:rPr lang="en-US" altLang="zh-CN" dirty="0">
-                    <a:solidFill>
-                      <a:schemeClr val="bg1"/>
-                    </a:solidFill>
-                    <a:latin typeface="Arial" panose="020B0604020202020204" pitchFamily="34" charset="0"/>
-                    <a:cs typeface="Arial" panose="020B0604020202020204" pitchFamily="34" charset="0"/>
-                  </a:rPr>
-                  <a:t>Disapprove</a:t>
-                </a:r>
-                <a:endParaRPr lang="zh-CN" altLang="en-US" dirty="0">
-                  <a:solidFill>
-                    <a:schemeClr val="bg1"/>
-                  </a:solidFill>
-                  <a:latin typeface="Arial" panose="020B0604020202020204" pitchFamily="34" charset="0"/>
-                  <a:cs typeface="Arial" panose="020B0604020202020204" pitchFamily="34" charset="0"/>
-                </a:endParaRPr>
-              </a:p>
-            </p:txBody>
-          </p:sp>
-          <p:cxnSp>
-            <p:nvCxnSpPr>
-              <p:cNvPr id="45" name="直接箭头连接符 44">
-                <a:extLst>
-                  <a:ext uri="{FF2B5EF4-FFF2-40B4-BE49-F238E27FC236}">
-                    <a16:creationId xmlns:a16="http://schemas.microsoft.com/office/drawing/2014/main" id="{4D1B9BCC-679C-4EC9-9EB5-68AB77A33DD5}"/>
-                  </a:ext>
-                </a:extLst>
-              </p:cNvPr>
-              <p:cNvCxnSpPr>
-                <a:cxnSpLocks/>
-                <a:stCxn id="35" idx="4"/>
-                <a:endCxn id="37" idx="0"/>
-              </p:cNvCxnSpPr>
-              <p:nvPr/>
-            </p:nvCxnSpPr>
-            <p:spPr>
-              <a:xfrm>
-                <a:off x="1254302" y="2611502"/>
-                <a:ext cx="0" cy="1095717"/>
-              </a:xfrm>
-              <a:prstGeom prst="straightConnector1">
-                <a:avLst/>
-              </a:prstGeom>
-              <a:grpFill/>
-              <a:ln>
+                <a:latin typeface="Arial" panose="020B0604020202020204" pitchFamily="34" charset="0"/>
+                <a:ea typeface="Source Sans Pro" panose="020B0503030403020204" pitchFamily="34" charset="0"/>
+                <a:cs typeface="Arial" panose="020B0604020202020204" pitchFamily="34" charset="0"/>
+              </a:rPr>
+              <a:t>On-</a:t>
+            </a:r>
+            <a:r>
+              <a:rPr lang="en-US" altLang="zh-CN" dirty="0">
                 <a:solidFill>
                   <a:schemeClr val="bg1"/>
                 </a:solidFill>
-                <a:tailEnd type="triangle"/>
-              </a:ln>
-            </p:spPr>
-            <p:style>
-              <a:lnRef idx="1">
-                <a:schemeClr val="dk1"/>
-              </a:lnRef>
-              <a:fillRef idx="0">
-                <a:schemeClr val="dk1"/>
-              </a:fillRef>
-              <a:effectRef idx="0">
-                <a:schemeClr val="dk1"/>
-              </a:effectRef>
-              <a:fontRef idx="minor">
-                <a:schemeClr val="tx1"/>
-              </a:fontRef>
-            </p:style>
-          </p:cxnSp>
-          <p:sp>
-            <p:nvSpPr>
-              <p:cNvPr id="46" name="文本框 45">
-                <a:extLst>
-                  <a:ext uri="{FF2B5EF4-FFF2-40B4-BE49-F238E27FC236}">
-                    <a16:creationId xmlns:a16="http://schemas.microsoft.com/office/drawing/2014/main" id="{82D21A66-93F5-47A4-AE4F-A3EB7217281C}"/>
-                  </a:ext>
-                </a:extLst>
-              </p:cNvPr>
-              <p:cNvSpPr txBox="1"/>
-              <p:nvPr/>
-            </p:nvSpPr>
-            <p:spPr>
-              <a:xfrm>
-                <a:off x="5640550" y="1152974"/>
-                <a:ext cx="1467068" cy="369332"/>
-              </a:xfrm>
-              <a:prstGeom prst="rect">
-                <a:avLst/>
-              </a:prstGeom>
-              <a:grpFill/>
-              <a:ln>
-                <a:noFill/>
-              </a:ln>
-            </p:spPr>
-            <p:txBody>
-              <a:bodyPr wrap="none" rtlCol="0">
-                <a:spAutoFit/>
-              </a:bodyPr>
-              <a:lstStyle/>
-              <a:p>
-                <a:r>
-                  <a:rPr lang="en-US" altLang="zh-CN" dirty="0">
-                    <a:solidFill>
-                      <a:schemeClr val="bg1"/>
-                    </a:solidFill>
-                    <a:latin typeface="Arial" panose="020B0604020202020204" pitchFamily="34" charset="0"/>
-                    <a:ea typeface="微软雅黑" panose="020B0503020204020204" pitchFamily="34" charset="-122"/>
-                    <a:cs typeface="Arial" panose="020B0604020202020204" pitchFamily="34" charset="0"/>
-                  </a:rPr>
-                  <a:t>Mai Protocol</a:t>
-                </a:r>
-                <a:endParaRPr lang="zh-CN" altLang="en-US" dirty="0">
-                  <a:solidFill>
-                    <a:schemeClr val="bg1"/>
-                  </a:solidFill>
-                  <a:latin typeface="Arial" panose="020B0604020202020204" pitchFamily="34" charset="0"/>
-                  <a:ea typeface="微软雅黑" panose="020B0503020204020204" pitchFamily="34" charset="-122"/>
-                  <a:cs typeface="Arial" panose="020B0604020202020204" pitchFamily="34" charset="0"/>
-                </a:endParaRPr>
-              </a:p>
-            </p:txBody>
-          </p:sp>
-          <p:sp>
-            <p:nvSpPr>
-              <p:cNvPr id="47" name="文本框 46">
-                <a:extLst>
-                  <a:ext uri="{FF2B5EF4-FFF2-40B4-BE49-F238E27FC236}">
-                    <a16:creationId xmlns:a16="http://schemas.microsoft.com/office/drawing/2014/main" id="{D010F63C-6D47-4388-9160-FD902A311B12}"/>
-                  </a:ext>
-                </a:extLst>
-              </p:cNvPr>
-              <p:cNvSpPr txBox="1"/>
-              <p:nvPr/>
-            </p:nvSpPr>
-            <p:spPr>
-              <a:xfrm>
-                <a:off x="1254301" y="2836195"/>
-                <a:ext cx="1556836" cy="646331"/>
-              </a:xfrm>
-              <a:prstGeom prst="rect">
-                <a:avLst/>
-              </a:prstGeom>
-              <a:grpFill/>
-              <a:ln>
-                <a:noFill/>
-              </a:ln>
-            </p:spPr>
-            <p:txBody>
-              <a:bodyPr wrap="none" rtlCol="0">
-                <a:spAutoFit/>
-              </a:bodyPr>
-              <a:lstStyle/>
-              <a:p>
-                <a:r>
-                  <a:rPr lang="en-US" altLang="zh-CN" dirty="0">
-                    <a:solidFill>
-                      <a:schemeClr val="bg1"/>
-                    </a:solidFill>
-                    <a:latin typeface="Arial" panose="020B0604020202020204" pitchFamily="34" charset="0"/>
-                    <a:cs typeface="Arial" panose="020B0604020202020204" pitchFamily="34" charset="0"/>
-                  </a:rPr>
-                  <a:t>Place Order</a:t>
-                </a:r>
-              </a:p>
-              <a:p>
-                <a:r>
-                  <a:rPr lang="en-US" altLang="zh-CN" dirty="0">
-                    <a:solidFill>
-                      <a:schemeClr val="bg1"/>
-                    </a:solidFill>
-                    <a:latin typeface="Arial" panose="020B0604020202020204" pitchFamily="34" charset="0"/>
-                    <a:cs typeface="Arial" panose="020B0604020202020204" pitchFamily="34" charset="0"/>
-                  </a:rPr>
-                  <a:t>Cancel Order</a:t>
-                </a:r>
-                <a:endParaRPr lang="zh-CN" altLang="en-US" dirty="0">
-                  <a:solidFill>
-                    <a:schemeClr val="bg1"/>
-                  </a:solidFill>
-                  <a:latin typeface="Arial" panose="020B0604020202020204" pitchFamily="34" charset="0"/>
-                  <a:cs typeface="Arial" panose="020B0604020202020204" pitchFamily="34" charset="0"/>
-                </a:endParaRPr>
-              </a:p>
-            </p:txBody>
-          </p:sp>
-          <p:sp>
-            <p:nvSpPr>
-              <p:cNvPr id="50" name="文本框 49">
-                <a:extLst>
-                  <a:ext uri="{FF2B5EF4-FFF2-40B4-BE49-F238E27FC236}">
-                    <a16:creationId xmlns:a16="http://schemas.microsoft.com/office/drawing/2014/main" id="{D46FEBB6-F914-47CE-86E7-146788355528}"/>
-                  </a:ext>
-                </a:extLst>
-              </p:cNvPr>
-              <p:cNvSpPr txBox="1"/>
-              <p:nvPr/>
-            </p:nvSpPr>
-            <p:spPr>
-              <a:xfrm>
-                <a:off x="2191151" y="3815148"/>
-                <a:ext cx="1582484" cy="369332"/>
-              </a:xfrm>
-              <a:prstGeom prst="rect">
-                <a:avLst/>
-              </a:prstGeom>
-              <a:grpFill/>
-              <a:ln>
-                <a:noFill/>
-              </a:ln>
-            </p:spPr>
-            <p:txBody>
-              <a:bodyPr wrap="none" rtlCol="0">
-                <a:spAutoFit/>
-              </a:bodyPr>
-              <a:lstStyle/>
-              <a:p>
-                <a:r>
-                  <a:rPr lang="en-US" altLang="zh-CN" dirty="0">
-                    <a:solidFill>
-                      <a:schemeClr val="bg1"/>
-                    </a:solidFill>
-                    <a:latin typeface="Arial" panose="020B0604020202020204" pitchFamily="34" charset="0"/>
-                    <a:cs typeface="Arial" panose="020B0604020202020204" pitchFamily="34" charset="0"/>
-                  </a:rPr>
-                  <a:t>Match Orders</a:t>
-                </a:r>
-              </a:p>
-            </p:txBody>
-          </p:sp>
-          <p:sp>
-            <p:nvSpPr>
-              <p:cNvPr id="51" name="文本框 50">
-                <a:extLst>
-                  <a:ext uri="{FF2B5EF4-FFF2-40B4-BE49-F238E27FC236}">
-                    <a16:creationId xmlns:a16="http://schemas.microsoft.com/office/drawing/2014/main" id="{3EAB26B7-9A69-4E97-89E3-76F57EE8DED8}"/>
-                  </a:ext>
-                </a:extLst>
-              </p:cNvPr>
-              <p:cNvSpPr txBox="1"/>
-              <p:nvPr/>
-            </p:nvSpPr>
-            <p:spPr>
-              <a:xfrm>
-                <a:off x="1663066" y="387276"/>
-                <a:ext cx="1167948" cy="369332"/>
-              </a:xfrm>
-              <a:prstGeom prst="rect">
-                <a:avLst/>
-              </a:prstGeom>
-              <a:grpFill/>
-              <a:ln>
-                <a:noFill/>
-              </a:ln>
-            </p:spPr>
-            <p:txBody>
-              <a:bodyPr wrap="none" rtlCol="0">
-                <a:spAutoFit/>
-              </a:bodyPr>
-              <a:lstStyle/>
-              <a:p>
-                <a:r>
-                  <a:rPr lang="en-US" altLang="zh-CN" dirty="0">
-                    <a:solidFill>
-                      <a:schemeClr val="bg1"/>
-                    </a:solidFill>
-                    <a:latin typeface="Arial" panose="020B0604020202020204" pitchFamily="34" charset="0"/>
-                    <a:ea typeface="Source Sans Pro" panose="020B0503030403020204" pitchFamily="34" charset="0"/>
-                    <a:cs typeface="Arial" panose="020B0604020202020204" pitchFamily="34" charset="0"/>
-                  </a:rPr>
-                  <a:t>Off-</a:t>
-                </a:r>
-                <a:r>
-                  <a:rPr lang="en-US" altLang="zh-CN" dirty="0">
-                    <a:solidFill>
-                      <a:schemeClr val="bg1"/>
-                    </a:solidFill>
-                    <a:latin typeface="Arial" panose="020B0604020202020204" pitchFamily="34" charset="0"/>
-                    <a:ea typeface="微软雅黑" panose="020B0503020204020204" pitchFamily="34" charset="-122"/>
-                    <a:cs typeface="Arial" panose="020B0604020202020204" pitchFamily="34" charset="0"/>
-                  </a:rPr>
-                  <a:t>Chain</a:t>
-                </a:r>
-                <a:endParaRPr lang="zh-CN" altLang="en-US" dirty="0">
-                  <a:solidFill>
-                    <a:schemeClr val="bg1"/>
-                  </a:solidFill>
-                  <a:latin typeface="Arial" panose="020B0604020202020204" pitchFamily="34" charset="0"/>
-                  <a:ea typeface="微软雅黑" panose="020B0503020204020204" pitchFamily="34" charset="-122"/>
-                  <a:cs typeface="Arial" panose="020B0604020202020204" pitchFamily="34" charset="0"/>
-                </a:endParaRPr>
-              </a:p>
-            </p:txBody>
-          </p:sp>
-          <p:sp>
-            <p:nvSpPr>
-              <p:cNvPr id="52" name="文本框 51">
-                <a:extLst>
-                  <a:ext uri="{FF2B5EF4-FFF2-40B4-BE49-F238E27FC236}">
-                    <a16:creationId xmlns:a16="http://schemas.microsoft.com/office/drawing/2014/main" id="{80BA3474-318D-4815-842D-D8C9D687D802}"/>
-                  </a:ext>
-                </a:extLst>
-              </p:cNvPr>
-              <p:cNvSpPr txBox="1"/>
-              <p:nvPr/>
-            </p:nvSpPr>
-            <p:spPr>
-              <a:xfrm>
-                <a:off x="5414130" y="1775839"/>
-                <a:ext cx="1056700" cy="923330"/>
-              </a:xfrm>
-              <a:prstGeom prst="rect">
-                <a:avLst/>
-              </a:prstGeom>
-              <a:grpFill/>
-              <a:ln>
-                <a:noFill/>
-              </a:ln>
-            </p:spPr>
-            <p:txBody>
-              <a:bodyPr wrap="none" rtlCol="0">
-                <a:spAutoFit/>
-              </a:bodyPr>
-              <a:lstStyle/>
-              <a:p>
-                <a:pPr algn="r"/>
-                <a:r>
-                  <a:rPr lang="en-US" altLang="zh-CN" dirty="0">
-                    <a:solidFill>
-                      <a:schemeClr val="bg1"/>
-                    </a:solidFill>
-                    <a:latin typeface="Arial" panose="020B0604020202020204" pitchFamily="34" charset="0"/>
-                    <a:cs typeface="Arial" panose="020B0604020202020204" pitchFamily="34" charset="0"/>
-                  </a:rPr>
-                  <a:t>Mint</a:t>
-                </a:r>
-              </a:p>
-              <a:p>
-                <a:pPr algn="r"/>
-                <a:r>
-                  <a:rPr lang="en-US" altLang="zh-CN" dirty="0">
-                    <a:solidFill>
-                      <a:schemeClr val="bg1"/>
-                    </a:solidFill>
-                    <a:latin typeface="Arial" panose="020B0604020202020204" pitchFamily="34" charset="0"/>
-                    <a:cs typeface="Arial" panose="020B0604020202020204" pitchFamily="34" charset="0"/>
-                  </a:rPr>
-                  <a:t>Redeem</a:t>
-                </a:r>
-              </a:p>
-              <a:p>
-                <a:pPr algn="r"/>
-                <a:r>
-                  <a:rPr lang="en-US" altLang="zh-CN" dirty="0">
-                    <a:solidFill>
-                      <a:schemeClr val="bg1"/>
-                    </a:solidFill>
-                    <a:latin typeface="Arial" panose="020B0604020202020204" pitchFamily="34" charset="0"/>
-                    <a:cs typeface="Arial" panose="020B0604020202020204" pitchFamily="34" charset="0"/>
-                  </a:rPr>
-                  <a:t>Approve</a:t>
-                </a:r>
-              </a:p>
-            </p:txBody>
-          </p:sp>
-          <p:sp>
-            <p:nvSpPr>
-              <p:cNvPr id="53" name="文本框 52">
-                <a:extLst>
-                  <a:ext uri="{FF2B5EF4-FFF2-40B4-BE49-F238E27FC236}">
-                    <a16:creationId xmlns:a16="http://schemas.microsoft.com/office/drawing/2014/main" id="{7273DDB7-7146-4CDB-BB40-44040AFD94E1}"/>
-                  </a:ext>
-                </a:extLst>
-              </p:cNvPr>
-              <p:cNvSpPr txBox="1"/>
-              <p:nvPr/>
-            </p:nvSpPr>
-            <p:spPr>
-              <a:xfrm>
-                <a:off x="9402230" y="1593218"/>
-                <a:ext cx="1056700" cy="923330"/>
-              </a:xfrm>
-              <a:prstGeom prst="rect">
-                <a:avLst/>
-              </a:prstGeom>
-              <a:grpFill/>
-              <a:ln>
-                <a:noFill/>
-              </a:ln>
-            </p:spPr>
-            <p:txBody>
-              <a:bodyPr wrap="none" rtlCol="0">
-                <a:spAutoFit/>
-              </a:bodyPr>
-              <a:lstStyle/>
-              <a:p>
-                <a:r>
-                  <a:rPr lang="en-US" altLang="zh-CN" dirty="0">
-                    <a:solidFill>
-                      <a:schemeClr val="bg1"/>
-                    </a:solidFill>
-                    <a:latin typeface="Arial" panose="020B0604020202020204" pitchFamily="34" charset="0"/>
-                    <a:cs typeface="Arial" panose="020B0604020202020204" pitchFamily="34" charset="0"/>
-                  </a:rPr>
-                  <a:t>Mint</a:t>
-                </a:r>
-              </a:p>
-              <a:p>
-                <a:r>
-                  <a:rPr lang="en-US" altLang="zh-CN" dirty="0">
-                    <a:solidFill>
-                      <a:schemeClr val="bg1"/>
-                    </a:solidFill>
-                    <a:latin typeface="Arial" panose="020B0604020202020204" pitchFamily="34" charset="0"/>
-                    <a:cs typeface="Arial" panose="020B0604020202020204" pitchFamily="34" charset="0"/>
-                  </a:rPr>
-                  <a:t>Redeem</a:t>
-                </a:r>
-              </a:p>
-              <a:p>
-                <a:r>
-                  <a:rPr lang="en-US" altLang="zh-CN" dirty="0">
-                    <a:solidFill>
-                      <a:schemeClr val="bg1"/>
-                    </a:solidFill>
-                    <a:latin typeface="Arial" panose="020B0604020202020204" pitchFamily="34" charset="0"/>
-                    <a:cs typeface="Arial" panose="020B0604020202020204" pitchFamily="34" charset="0"/>
-                  </a:rPr>
-                  <a:t>Approve</a:t>
-                </a:r>
-              </a:p>
-            </p:txBody>
-          </p:sp>
-          <p:cxnSp>
-            <p:nvCxnSpPr>
-              <p:cNvPr id="54" name="连接符: 肘形 53">
-                <a:extLst>
-                  <a:ext uri="{FF2B5EF4-FFF2-40B4-BE49-F238E27FC236}">
-                    <a16:creationId xmlns:a16="http://schemas.microsoft.com/office/drawing/2014/main" id="{A7B8E3D4-29BA-44A5-884E-922C0ECE14A5}"/>
-                  </a:ext>
-                </a:extLst>
-              </p:cNvPr>
-              <p:cNvCxnSpPr>
-                <a:cxnSpLocks/>
-                <a:stCxn id="41" idx="3"/>
-              </p:cNvCxnSpPr>
-              <p:nvPr/>
-            </p:nvCxnSpPr>
-            <p:spPr>
-              <a:xfrm>
-                <a:off x="8942456" y="2191041"/>
-                <a:ext cx="1690510" cy="651015"/>
-              </a:xfrm>
-              <a:prstGeom prst="bentConnector2">
-                <a:avLst/>
-              </a:prstGeom>
-              <a:grpFill/>
-              <a:ln>
+                <a:latin typeface="Arial" panose="020B0604020202020204" pitchFamily="34" charset="0"/>
+                <a:ea typeface="微软雅黑" panose="020B0503020204020204" pitchFamily="34" charset="-122"/>
+                <a:cs typeface="Arial" panose="020B0604020202020204" pitchFamily="34" charset="0"/>
+              </a:rPr>
+              <a:t>Chain</a:t>
+            </a:r>
+            <a:endParaRPr lang="zh-CN" altLang="en-US" dirty="0">
+              <a:solidFill>
+                <a:schemeClr val="bg1"/>
+              </a:solidFill>
+              <a:latin typeface="Arial" panose="020B0604020202020204" pitchFamily="34" charset="0"/>
+              <a:ea typeface="微软雅黑" panose="020B0503020204020204" pitchFamily="34" charset="-122"/>
+              <a:cs typeface="Arial" panose="020B0604020202020204" pitchFamily="34" charset="0"/>
+            </a:endParaRPr>
+          </a:p>
+        </p:txBody>
+      </p:sp>
+      <p:cxnSp>
+        <p:nvCxnSpPr>
+          <p:cNvPr id="43" name="直接连接符 42">
+            <a:extLst>
+              <a:ext uri="{FF2B5EF4-FFF2-40B4-BE49-F238E27FC236}">
+                <a16:creationId xmlns:a16="http://schemas.microsoft.com/office/drawing/2014/main" id="{B16D33AA-E01F-4AE5-859E-07AE5A33C725}"/>
+              </a:ext>
+            </a:extLst>
+          </p:cNvPr>
+          <p:cNvCxnSpPr>
+            <a:cxnSpLocks/>
+          </p:cNvCxnSpPr>
+          <p:nvPr/>
+        </p:nvCxnSpPr>
+        <p:spPr>
+          <a:xfrm>
+            <a:off x="2896773" y="559190"/>
+            <a:ext cx="0" cy="4918418"/>
+          </a:xfrm>
+          <a:prstGeom prst="line">
+            <a:avLst/>
+          </a:prstGeom>
+          <a:noFill/>
+          <a:ln w="19050">
+            <a:solidFill>
+              <a:schemeClr val="bg1">
+                <a:lumMod val="75000"/>
+              </a:schemeClr>
+            </a:solidFill>
+            <a:prstDash val="lgDash"/>
+          </a:ln>
+        </p:spPr>
+        <p:style>
+          <a:lnRef idx="1">
+            <a:schemeClr val="accent1"/>
+          </a:lnRef>
+          <a:fillRef idx="0">
+            <a:schemeClr val="accent1"/>
+          </a:fillRef>
+          <a:effectRef idx="0">
+            <a:schemeClr val="accent1"/>
+          </a:effectRef>
+          <a:fontRef idx="minor">
+            <a:schemeClr val="tx1"/>
+          </a:fontRef>
+        </p:style>
+      </p:cxnSp>
+      <p:sp>
+        <p:nvSpPr>
+          <p:cNvPr id="44" name="文本框 43">
+            <a:extLst>
+              <a:ext uri="{FF2B5EF4-FFF2-40B4-BE49-F238E27FC236}">
+                <a16:creationId xmlns:a16="http://schemas.microsoft.com/office/drawing/2014/main" id="{B379552E-DA26-4DE0-9CA8-C909FCF14F35}"/>
+              </a:ext>
+            </a:extLst>
+          </p:cNvPr>
+          <p:cNvSpPr txBox="1"/>
+          <p:nvPr/>
+        </p:nvSpPr>
+        <p:spPr>
+          <a:xfrm>
+            <a:off x="2320707" y="2057195"/>
+            <a:ext cx="1351652" cy="646331"/>
+          </a:xfrm>
+          <a:prstGeom prst="rect">
+            <a:avLst/>
+          </a:prstGeom>
+          <a:noFill/>
+          <a:ln>
+            <a:noFill/>
+          </a:ln>
+        </p:spPr>
+        <p:txBody>
+          <a:bodyPr wrap="none" rtlCol="0">
+            <a:spAutoFit/>
+          </a:bodyPr>
+          <a:lstStyle/>
+          <a:p>
+            <a:r>
+              <a:rPr lang="en-US" altLang="zh-CN" dirty="0">
                 <a:solidFill>
                   <a:schemeClr val="bg1"/>
                 </a:solidFill>
-                <a:tailEnd type="triangle"/>
-              </a:ln>
-            </p:spPr>
-            <p:style>
-              <a:lnRef idx="1">
-                <a:schemeClr val="dk1"/>
-              </a:lnRef>
-              <a:fillRef idx="0">
-                <a:schemeClr val="dk1"/>
-              </a:fillRef>
-              <a:effectRef idx="0">
-                <a:schemeClr val="dk1"/>
-              </a:effectRef>
-              <a:fontRef idx="minor">
-                <a:schemeClr val="tx1"/>
-              </a:fontRef>
-            </p:style>
-          </p:cxnSp>
-          <p:sp>
-            <p:nvSpPr>
-              <p:cNvPr id="55" name="圆柱体 54">
-                <a:extLst>
-                  <a:ext uri="{FF2B5EF4-FFF2-40B4-BE49-F238E27FC236}">
-                    <a16:creationId xmlns:a16="http://schemas.microsoft.com/office/drawing/2014/main" id="{F2D3B38F-AB9D-4C7F-9554-75F95B8607B3}"/>
-                  </a:ext>
-                </a:extLst>
-              </p:cNvPr>
-              <p:cNvSpPr/>
-              <p:nvPr/>
-            </p:nvSpPr>
-            <p:spPr>
-              <a:xfrm>
-                <a:off x="6987045" y="3368292"/>
-                <a:ext cx="1955410" cy="1297745"/>
-              </a:xfrm>
-              <a:prstGeom prst="can">
-                <a:avLst/>
-              </a:prstGeom>
-              <a:grpFill/>
-              <a:ln>
+                <a:latin typeface="Arial" panose="020B0604020202020204" pitchFamily="34" charset="0"/>
+                <a:cs typeface="Arial" panose="020B0604020202020204" pitchFamily="34" charset="0"/>
+              </a:rPr>
+              <a:t>Approve</a:t>
+            </a:r>
+          </a:p>
+          <a:p>
+            <a:r>
+              <a:rPr lang="en-US" altLang="zh-CN" dirty="0">
                 <a:solidFill>
                   <a:schemeClr val="bg1"/>
                 </a:solidFill>
-              </a:ln>
-            </p:spPr>
-            <p:style>
-              <a:lnRef idx="2">
-                <a:schemeClr val="dk1"/>
-              </a:lnRef>
-              <a:fillRef idx="1">
-                <a:schemeClr val="lt1"/>
-              </a:fillRef>
-              <a:effectRef idx="0">
-                <a:schemeClr val="dk1"/>
-              </a:effectRef>
-              <a:fontRef idx="minor">
-                <a:schemeClr val="dk1"/>
-              </a:fontRef>
-            </p:style>
-            <p:txBody>
-              <a:bodyPr rtlCol="0" anchor="ctr"/>
-              <a:lstStyle/>
-              <a:p>
-                <a:pPr algn="ctr"/>
-                <a:r>
-                  <a:rPr lang="en-US" altLang="zh-CN" dirty="0">
-                    <a:solidFill>
-                      <a:schemeClr val="bg1"/>
-                    </a:solidFill>
-                    <a:latin typeface="Arial" panose="020B0604020202020204" pitchFamily="34" charset="0"/>
-                    <a:cs typeface="Arial" panose="020B0604020202020204" pitchFamily="34" charset="0"/>
-                  </a:rPr>
-                  <a:t>Position Tokens</a:t>
-                </a:r>
-              </a:p>
-              <a:p>
-                <a:pPr algn="ctr"/>
-                <a:r>
-                  <a:rPr lang="en-US" altLang="zh-CN" dirty="0">
-                    <a:solidFill>
-                      <a:schemeClr val="bg1"/>
-                    </a:solidFill>
-                    <a:latin typeface="Arial" panose="020B0604020202020204" pitchFamily="34" charset="0"/>
-                    <a:cs typeface="Arial" panose="020B0604020202020204" pitchFamily="34" charset="0"/>
-                  </a:rPr>
-                  <a:t>Collateral Tokens</a:t>
-                </a:r>
-              </a:p>
-              <a:p>
-                <a:pPr algn="ctr"/>
-                <a:r>
-                  <a:rPr lang="en-US" altLang="zh-CN" dirty="0">
-                    <a:solidFill>
-                      <a:schemeClr val="bg1"/>
-                    </a:solidFill>
-                    <a:latin typeface="Arial" panose="020B0604020202020204" pitchFamily="34" charset="0"/>
-                    <a:cs typeface="Arial" panose="020B0604020202020204" pitchFamily="34" charset="0"/>
-                  </a:rPr>
-                  <a:t>MKT</a:t>
-                </a:r>
-                <a:endParaRPr lang="zh-CN" altLang="en-US" dirty="0">
-                  <a:solidFill>
-                    <a:schemeClr val="bg1"/>
-                  </a:solidFill>
-                  <a:latin typeface="Arial" panose="020B0604020202020204" pitchFamily="34" charset="0"/>
-                  <a:cs typeface="Arial" panose="020B0604020202020204" pitchFamily="34" charset="0"/>
-                </a:endParaRPr>
-              </a:p>
-            </p:txBody>
-          </p:sp>
-          <p:sp>
-            <p:nvSpPr>
-              <p:cNvPr id="57" name="左大括号 56">
-                <a:extLst>
-                  <a:ext uri="{FF2B5EF4-FFF2-40B4-BE49-F238E27FC236}">
-                    <a16:creationId xmlns:a16="http://schemas.microsoft.com/office/drawing/2014/main" id="{8E2E87D9-4E78-45F6-B539-AE44D4E24370}"/>
-                  </a:ext>
-                </a:extLst>
-              </p:cNvPr>
-              <p:cNvSpPr/>
-              <p:nvPr/>
-            </p:nvSpPr>
-            <p:spPr>
-              <a:xfrm rot="5400000">
-                <a:off x="7616354" y="1869524"/>
-                <a:ext cx="651016" cy="2417371"/>
-              </a:xfrm>
-              <a:prstGeom prst="leftBrace">
-                <a:avLst>
-                  <a:gd name="adj1" fmla="val 70999"/>
-                  <a:gd name="adj2" fmla="val 50000"/>
-                </a:avLst>
-              </a:prstGeom>
-              <a:grpFill/>
-              <a:ln>
+                <a:latin typeface="Arial" panose="020B0604020202020204" pitchFamily="34" charset="0"/>
+                <a:cs typeface="Arial" panose="020B0604020202020204" pitchFamily="34" charset="0"/>
+              </a:rPr>
+              <a:t>Disapprove</a:t>
+            </a:r>
+            <a:endParaRPr lang="zh-CN" altLang="en-US" dirty="0">
+              <a:solidFill>
+                <a:schemeClr val="bg1"/>
+              </a:solidFill>
+              <a:latin typeface="Arial" panose="020B0604020202020204" pitchFamily="34" charset="0"/>
+              <a:cs typeface="Arial" panose="020B0604020202020204" pitchFamily="34" charset="0"/>
+            </a:endParaRPr>
+          </a:p>
+        </p:txBody>
+      </p:sp>
+      <p:cxnSp>
+        <p:nvCxnSpPr>
+          <p:cNvPr id="45" name="直接箭头连接符 44">
+            <a:extLst>
+              <a:ext uri="{FF2B5EF4-FFF2-40B4-BE49-F238E27FC236}">
+                <a16:creationId xmlns:a16="http://schemas.microsoft.com/office/drawing/2014/main" id="{4D1B9BCC-679C-4EC9-9EB5-68AB77A33DD5}"/>
+              </a:ext>
+            </a:extLst>
+          </p:cNvPr>
+          <p:cNvCxnSpPr>
+            <a:cxnSpLocks/>
+            <a:stCxn id="35" idx="4"/>
+            <a:endCxn id="37" idx="0"/>
+          </p:cNvCxnSpPr>
+          <p:nvPr/>
+        </p:nvCxnSpPr>
+        <p:spPr>
+          <a:xfrm>
+            <a:off x="1202721" y="2819000"/>
+            <a:ext cx="0" cy="1095717"/>
+          </a:xfrm>
+          <a:prstGeom prst="straightConnector1">
+            <a:avLst/>
+          </a:prstGeom>
+          <a:noFill/>
+          <a:ln>
+            <a:solidFill>
+              <a:schemeClr val="bg1"/>
+            </a:solidFill>
+            <a:tailEnd type="triangle"/>
+          </a:ln>
+        </p:spPr>
+        <p:style>
+          <a:lnRef idx="1">
+            <a:schemeClr val="dk1"/>
+          </a:lnRef>
+          <a:fillRef idx="0">
+            <a:schemeClr val="dk1"/>
+          </a:fillRef>
+          <a:effectRef idx="0">
+            <a:schemeClr val="dk1"/>
+          </a:effectRef>
+          <a:fontRef idx="minor">
+            <a:schemeClr val="tx1"/>
+          </a:fontRef>
+        </p:style>
+      </p:cxnSp>
+      <p:sp>
+        <p:nvSpPr>
+          <p:cNvPr id="46" name="文本框 45">
+            <a:extLst>
+              <a:ext uri="{FF2B5EF4-FFF2-40B4-BE49-F238E27FC236}">
+                <a16:creationId xmlns:a16="http://schemas.microsoft.com/office/drawing/2014/main" id="{82D21A66-93F5-47A4-AE4F-A3EB7217281C}"/>
+              </a:ext>
+            </a:extLst>
+          </p:cNvPr>
+          <p:cNvSpPr txBox="1"/>
+          <p:nvPr/>
+        </p:nvSpPr>
+        <p:spPr>
+          <a:xfrm>
+            <a:off x="5588969" y="1360472"/>
+            <a:ext cx="1467068" cy="369332"/>
+          </a:xfrm>
+          <a:prstGeom prst="rect">
+            <a:avLst/>
+          </a:prstGeom>
+          <a:noFill/>
+          <a:ln>
+            <a:noFill/>
+          </a:ln>
+        </p:spPr>
+        <p:txBody>
+          <a:bodyPr wrap="none" rtlCol="0">
+            <a:spAutoFit/>
+          </a:bodyPr>
+          <a:lstStyle/>
+          <a:p>
+            <a:r>
+              <a:rPr lang="en-US" altLang="zh-CN" dirty="0">
                 <a:solidFill>
                   <a:schemeClr val="bg1"/>
                 </a:solidFill>
-              </a:ln>
-            </p:spPr>
-            <p:style>
-              <a:lnRef idx="1">
-                <a:schemeClr val="dk1"/>
-              </a:lnRef>
-              <a:fillRef idx="0">
-                <a:schemeClr val="dk1"/>
-              </a:fillRef>
-              <a:effectRef idx="0">
-                <a:schemeClr val="dk1"/>
-              </a:effectRef>
-              <a:fontRef idx="minor">
-                <a:schemeClr val="tx1"/>
-              </a:fontRef>
-            </p:style>
-            <p:txBody>
-              <a:bodyPr rtlCol="0" anchor="ctr"/>
-              <a:lstStyle/>
-              <a:p>
-                <a:pPr algn="ctr"/>
-                <a:endParaRPr lang="zh-CN" altLang="en-US">
-                  <a:solidFill>
-                    <a:schemeClr val="bg1"/>
-                  </a:solidFill>
-                  <a:latin typeface="Arial" panose="020B0604020202020204" pitchFamily="34" charset="0"/>
-                  <a:cs typeface="Arial" panose="020B0604020202020204" pitchFamily="34" charset="0"/>
-                </a:endParaRPr>
-              </a:p>
-            </p:txBody>
-          </p:sp>
-          <p:sp>
-            <p:nvSpPr>
-              <p:cNvPr id="58" name="矩形: 圆角 57">
-                <a:extLst>
-                  <a:ext uri="{FF2B5EF4-FFF2-40B4-BE49-F238E27FC236}">
-                    <a16:creationId xmlns:a16="http://schemas.microsoft.com/office/drawing/2014/main" id="{6FB68AAF-26E7-4D99-8074-0514F57F7122}"/>
-                  </a:ext>
-                </a:extLst>
-              </p:cNvPr>
-              <p:cNvSpPr/>
-              <p:nvPr/>
-            </p:nvSpPr>
-            <p:spPr>
-              <a:xfrm>
-                <a:off x="9631502" y="2817438"/>
-                <a:ext cx="2171291" cy="914400"/>
-              </a:xfrm>
-              <a:prstGeom prst="roundRect">
-                <a:avLst>
-                  <a:gd name="adj" fmla="val 33590"/>
-                </a:avLst>
-              </a:prstGeom>
-              <a:grpFill/>
-              <a:ln>
+                <a:latin typeface="Arial" panose="020B0604020202020204" pitchFamily="34" charset="0"/>
+                <a:ea typeface="微软雅黑" panose="020B0503020204020204" pitchFamily="34" charset="-122"/>
+                <a:cs typeface="Arial" panose="020B0604020202020204" pitchFamily="34" charset="0"/>
+              </a:rPr>
+              <a:t>Mai Protocol</a:t>
+            </a:r>
+            <a:endParaRPr lang="zh-CN" altLang="en-US" dirty="0">
+              <a:solidFill>
+                <a:schemeClr val="bg1"/>
+              </a:solidFill>
+              <a:latin typeface="Arial" panose="020B0604020202020204" pitchFamily="34" charset="0"/>
+              <a:ea typeface="微软雅黑" panose="020B0503020204020204" pitchFamily="34" charset="-122"/>
+              <a:cs typeface="Arial" panose="020B0604020202020204" pitchFamily="34" charset="0"/>
+            </a:endParaRPr>
+          </a:p>
+        </p:txBody>
+      </p:sp>
+      <p:sp>
+        <p:nvSpPr>
+          <p:cNvPr id="47" name="文本框 46">
+            <a:extLst>
+              <a:ext uri="{FF2B5EF4-FFF2-40B4-BE49-F238E27FC236}">
+                <a16:creationId xmlns:a16="http://schemas.microsoft.com/office/drawing/2014/main" id="{D010F63C-6D47-4388-9160-FD902A311B12}"/>
+              </a:ext>
+            </a:extLst>
+          </p:cNvPr>
+          <p:cNvSpPr txBox="1"/>
+          <p:nvPr/>
+        </p:nvSpPr>
+        <p:spPr>
+          <a:xfrm>
+            <a:off x="1202720" y="3043693"/>
+            <a:ext cx="1556836" cy="646331"/>
+          </a:xfrm>
+          <a:prstGeom prst="rect">
+            <a:avLst/>
+          </a:prstGeom>
+          <a:noFill/>
+          <a:ln>
+            <a:noFill/>
+          </a:ln>
+        </p:spPr>
+        <p:txBody>
+          <a:bodyPr wrap="none" rtlCol="0">
+            <a:spAutoFit/>
+          </a:bodyPr>
+          <a:lstStyle/>
+          <a:p>
+            <a:r>
+              <a:rPr lang="en-US" altLang="zh-CN" dirty="0">
                 <a:solidFill>
                   <a:schemeClr val="bg1"/>
                 </a:solidFill>
-              </a:ln>
-            </p:spPr>
-            <p:style>
-              <a:lnRef idx="2">
-                <a:schemeClr val="accent1">
-                  <a:shade val="50000"/>
-                </a:schemeClr>
-              </a:lnRef>
-              <a:fillRef idx="1">
-                <a:schemeClr val="accent1"/>
-              </a:fillRef>
-              <a:effectRef idx="0">
-                <a:schemeClr val="accent1"/>
-              </a:effectRef>
-              <a:fontRef idx="minor">
-                <a:schemeClr val="lt1"/>
-              </a:fontRef>
-            </p:style>
-            <p:txBody>
-              <a:bodyPr rot="0" spcFirstLastPara="0" vertOverflow="overflow" horzOverflow="overflow" vert="horz" wrap="square" lIns="91440" tIns="45720" rIns="91440" bIns="45720" numCol="1" spcCol="0" rtlCol="0" fromWordArt="0" anchor="ctr" anchorCtr="0" forceAA="0" compatLnSpc="1">
-                <a:prstTxWarp prst="textNoShape">
-                  <a:avLst/>
-                </a:prstTxWarp>
-                <a:noAutofit/>
-              </a:bodyPr>
-              <a:lstStyle/>
-              <a:p>
-                <a:pPr algn="ctr"/>
-                <a:r>
-                  <a:rPr lang="en-US" altLang="zh-CN" dirty="0">
-                    <a:solidFill>
-                      <a:schemeClr val="bg1"/>
-                    </a:solidFill>
-                    <a:latin typeface="Arial" panose="020B0604020202020204" pitchFamily="34" charset="0"/>
-                    <a:ea typeface="微软雅黑" panose="020B0503020204020204" pitchFamily="34" charset="-122"/>
-                    <a:cs typeface="Arial" panose="020B0604020202020204" pitchFamily="34" charset="0"/>
-                  </a:rPr>
-                  <a:t>Market Protocol</a:t>
-                </a:r>
-                <a:endParaRPr lang="zh-CN" altLang="en-US" dirty="0">
-                  <a:solidFill>
-                    <a:schemeClr val="bg1"/>
-                  </a:solidFill>
-                  <a:latin typeface="Arial" panose="020B0604020202020204" pitchFamily="34" charset="0"/>
-                  <a:ea typeface="微软雅黑" panose="020B0503020204020204" pitchFamily="34" charset="-122"/>
-                  <a:cs typeface="Arial" panose="020B0604020202020204" pitchFamily="34" charset="0"/>
-                </a:endParaRPr>
-              </a:p>
-            </p:txBody>
-          </p:sp>
-        </p:grpSp>
-        <p:cxnSp>
-          <p:nvCxnSpPr>
-            <p:cNvPr id="28" name="连接符: 肘形 27">
-              <a:extLst>
-                <a:ext uri="{FF2B5EF4-FFF2-40B4-BE49-F238E27FC236}">
-                  <a16:creationId xmlns:a16="http://schemas.microsoft.com/office/drawing/2014/main" id="{9B49CAF7-4831-46B7-A675-3E0FA7B2C972}"/>
-                </a:ext>
-              </a:extLst>
-            </p:cNvPr>
-            <p:cNvCxnSpPr>
-              <a:cxnSpLocks/>
-              <a:stCxn id="35" idx="6"/>
-              <a:endCxn id="40" idx="0"/>
-            </p:cNvCxnSpPr>
-            <p:nvPr/>
-          </p:nvCxnSpPr>
-          <p:spPr>
-            <a:xfrm>
-              <a:off x="1964654" y="2386419"/>
-              <a:ext cx="2930729" cy="687754"/>
-            </a:xfrm>
-            <a:prstGeom prst="bentConnector2">
-              <a:avLst/>
-            </a:prstGeom>
-            <a:ln>
+                <a:latin typeface="Arial" panose="020B0604020202020204" pitchFamily="34" charset="0"/>
+                <a:cs typeface="Arial" panose="020B0604020202020204" pitchFamily="34" charset="0"/>
+              </a:rPr>
+              <a:t>Place Order</a:t>
+            </a:r>
+          </a:p>
+          <a:p>
+            <a:r>
+              <a:rPr lang="en-US" altLang="zh-CN" dirty="0">
+                <a:solidFill>
+                  <a:schemeClr val="bg1"/>
+                </a:solidFill>
+                <a:latin typeface="Arial" panose="020B0604020202020204" pitchFamily="34" charset="0"/>
+                <a:cs typeface="Arial" panose="020B0604020202020204" pitchFamily="34" charset="0"/>
+              </a:rPr>
+              <a:t>Cancel Order</a:t>
+            </a:r>
+            <a:endParaRPr lang="zh-CN" altLang="en-US" dirty="0">
               <a:solidFill>
                 <a:schemeClr val="bg1"/>
               </a:solidFill>
-              <a:tailEnd type="triangle"/>
-            </a:ln>
-          </p:spPr>
-          <p:style>
-            <a:lnRef idx="1">
-              <a:schemeClr val="dk1"/>
-            </a:lnRef>
-            <a:fillRef idx="0">
-              <a:schemeClr val="dk1"/>
-            </a:fillRef>
-            <a:effectRef idx="0">
-              <a:schemeClr val="dk1"/>
-            </a:effectRef>
-            <a:fontRef idx="minor">
-              <a:schemeClr val="tx1"/>
-            </a:fontRef>
-          </p:style>
-        </p:cxnSp>
-        <p:cxnSp>
-          <p:nvCxnSpPr>
-            <p:cNvPr id="31" name="连接符: 肘形 30">
-              <a:extLst>
-                <a:ext uri="{FF2B5EF4-FFF2-40B4-BE49-F238E27FC236}">
-                  <a16:creationId xmlns:a16="http://schemas.microsoft.com/office/drawing/2014/main" id="{583543EE-4074-45CE-B4E6-E7353E3C693F}"/>
-                </a:ext>
-              </a:extLst>
-            </p:cNvPr>
-            <p:cNvCxnSpPr>
-              <a:cxnSpLocks/>
-              <a:stCxn id="37" idx="6"/>
-              <a:endCxn id="40" idx="2"/>
-            </p:cNvCxnSpPr>
-            <p:nvPr/>
-          </p:nvCxnSpPr>
-          <p:spPr>
-            <a:xfrm flipV="1">
-              <a:off x="1964654" y="3939336"/>
-              <a:ext cx="2930729" cy="407963"/>
-            </a:xfrm>
-            <a:prstGeom prst="bentConnector2">
-              <a:avLst/>
-            </a:prstGeom>
-            <a:ln>
+              <a:latin typeface="Arial" panose="020B0604020202020204" pitchFamily="34" charset="0"/>
+              <a:cs typeface="Arial" panose="020B0604020202020204" pitchFamily="34" charset="0"/>
+            </a:endParaRPr>
+          </a:p>
+        </p:txBody>
+      </p:sp>
+      <p:sp>
+        <p:nvSpPr>
+          <p:cNvPr id="50" name="文本框 49">
+            <a:extLst>
+              <a:ext uri="{FF2B5EF4-FFF2-40B4-BE49-F238E27FC236}">
+                <a16:creationId xmlns:a16="http://schemas.microsoft.com/office/drawing/2014/main" id="{D46FEBB6-F914-47CE-86E7-146788355528}"/>
+              </a:ext>
+            </a:extLst>
+          </p:cNvPr>
+          <p:cNvSpPr txBox="1"/>
+          <p:nvPr/>
+        </p:nvSpPr>
+        <p:spPr>
+          <a:xfrm>
+            <a:off x="2139570" y="4022646"/>
+            <a:ext cx="1582484" cy="369332"/>
+          </a:xfrm>
+          <a:prstGeom prst="rect">
+            <a:avLst/>
+          </a:prstGeom>
+          <a:noFill/>
+          <a:ln>
+            <a:noFill/>
+          </a:ln>
+        </p:spPr>
+        <p:txBody>
+          <a:bodyPr wrap="none" rtlCol="0">
+            <a:spAutoFit/>
+          </a:bodyPr>
+          <a:lstStyle/>
+          <a:p>
+            <a:r>
+              <a:rPr lang="en-US" altLang="zh-CN" dirty="0">
+                <a:solidFill>
+                  <a:schemeClr val="bg1"/>
+                </a:solidFill>
+                <a:latin typeface="Arial" panose="020B0604020202020204" pitchFamily="34" charset="0"/>
+                <a:cs typeface="Arial" panose="020B0604020202020204" pitchFamily="34" charset="0"/>
+              </a:rPr>
+              <a:t>Match Orders</a:t>
+            </a:r>
+          </a:p>
+        </p:txBody>
+      </p:sp>
+      <p:sp>
+        <p:nvSpPr>
+          <p:cNvPr id="51" name="文本框 50">
+            <a:extLst>
+              <a:ext uri="{FF2B5EF4-FFF2-40B4-BE49-F238E27FC236}">
+                <a16:creationId xmlns:a16="http://schemas.microsoft.com/office/drawing/2014/main" id="{3EAB26B7-9A69-4E97-89E3-76F57EE8DED8}"/>
+              </a:ext>
+            </a:extLst>
+          </p:cNvPr>
+          <p:cNvSpPr txBox="1"/>
+          <p:nvPr/>
+        </p:nvSpPr>
+        <p:spPr>
+          <a:xfrm>
+            <a:off x="1611485" y="594774"/>
+            <a:ext cx="1167948" cy="369332"/>
+          </a:xfrm>
+          <a:prstGeom prst="rect">
+            <a:avLst/>
+          </a:prstGeom>
+          <a:noFill/>
+          <a:ln>
+            <a:noFill/>
+          </a:ln>
+        </p:spPr>
+        <p:txBody>
+          <a:bodyPr wrap="none" rtlCol="0">
+            <a:spAutoFit/>
+          </a:bodyPr>
+          <a:lstStyle/>
+          <a:p>
+            <a:r>
+              <a:rPr lang="en-US" altLang="zh-CN" dirty="0">
+                <a:solidFill>
+                  <a:schemeClr val="bg1"/>
+                </a:solidFill>
+                <a:latin typeface="Arial" panose="020B0604020202020204" pitchFamily="34" charset="0"/>
+                <a:ea typeface="Source Sans Pro" panose="020B0503030403020204" pitchFamily="34" charset="0"/>
+                <a:cs typeface="Arial" panose="020B0604020202020204" pitchFamily="34" charset="0"/>
+              </a:rPr>
+              <a:t>Off-</a:t>
+            </a:r>
+            <a:r>
+              <a:rPr lang="en-US" altLang="zh-CN" dirty="0">
+                <a:solidFill>
+                  <a:schemeClr val="bg1"/>
+                </a:solidFill>
+                <a:latin typeface="Arial" panose="020B0604020202020204" pitchFamily="34" charset="0"/>
+                <a:ea typeface="微软雅黑" panose="020B0503020204020204" pitchFamily="34" charset="-122"/>
+                <a:cs typeface="Arial" panose="020B0604020202020204" pitchFamily="34" charset="0"/>
+              </a:rPr>
+              <a:t>Chain</a:t>
+            </a:r>
+            <a:endParaRPr lang="zh-CN" altLang="en-US" dirty="0">
               <a:solidFill>
                 <a:schemeClr val="bg1"/>
               </a:solidFill>
-              <a:tailEnd type="triangle"/>
-            </a:ln>
-          </p:spPr>
-          <p:style>
-            <a:lnRef idx="1">
-              <a:schemeClr val="dk1"/>
-            </a:lnRef>
-            <a:fillRef idx="0">
-              <a:schemeClr val="dk1"/>
-            </a:fillRef>
-            <a:effectRef idx="0">
-              <a:schemeClr val="dk1"/>
-            </a:effectRef>
-            <a:fontRef idx="minor">
-              <a:schemeClr val="tx1"/>
-            </a:fontRef>
-          </p:style>
-        </p:cxnSp>
-        <p:cxnSp>
-          <p:nvCxnSpPr>
-            <p:cNvPr id="32" name="连接符: 肘形 31">
-              <a:extLst>
-                <a:ext uri="{FF2B5EF4-FFF2-40B4-BE49-F238E27FC236}">
-                  <a16:creationId xmlns:a16="http://schemas.microsoft.com/office/drawing/2014/main" id="{760EC8E0-6E90-4442-8360-155A84CEF8A1}"/>
-                </a:ext>
-              </a:extLst>
-            </p:cNvPr>
-            <p:cNvCxnSpPr>
-              <a:cxnSpLocks/>
-              <a:stCxn id="40" idx="3"/>
-              <a:endCxn id="41" idx="1"/>
-            </p:cNvCxnSpPr>
-            <p:nvPr/>
-          </p:nvCxnSpPr>
-          <p:spPr>
-            <a:xfrm flipV="1">
-              <a:off x="5873088" y="2398539"/>
-              <a:ext cx="1062376" cy="1108216"/>
-            </a:xfrm>
-            <a:prstGeom prst="bentConnector3">
-              <a:avLst/>
-            </a:prstGeom>
-            <a:ln>
+              <a:latin typeface="Arial" panose="020B0604020202020204" pitchFamily="34" charset="0"/>
+              <a:ea typeface="微软雅黑" panose="020B0503020204020204" pitchFamily="34" charset="-122"/>
+              <a:cs typeface="Arial" panose="020B0604020202020204" pitchFamily="34" charset="0"/>
+            </a:endParaRPr>
+          </a:p>
+        </p:txBody>
+      </p:sp>
+      <p:sp>
+        <p:nvSpPr>
+          <p:cNvPr id="52" name="文本框 51">
+            <a:extLst>
+              <a:ext uri="{FF2B5EF4-FFF2-40B4-BE49-F238E27FC236}">
+                <a16:creationId xmlns:a16="http://schemas.microsoft.com/office/drawing/2014/main" id="{80BA3474-318D-4815-842D-D8C9D687D802}"/>
+              </a:ext>
+            </a:extLst>
+          </p:cNvPr>
+          <p:cNvSpPr txBox="1"/>
+          <p:nvPr/>
+        </p:nvSpPr>
+        <p:spPr>
+          <a:xfrm>
+            <a:off x="5362549" y="1983337"/>
+            <a:ext cx="1056700" cy="923330"/>
+          </a:xfrm>
+          <a:prstGeom prst="rect">
+            <a:avLst/>
+          </a:prstGeom>
+          <a:noFill/>
+          <a:ln>
+            <a:noFill/>
+          </a:ln>
+        </p:spPr>
+        <p:txBody>
+          <a:bodyPr wrap="none" rtlCol="0">
+            <a:spAutoFit/>
+          </a:bodyPr>
+          <a:lstStyle/>
+          <a:p>
+            <a:pPr algn="r"/>
+            <a:r>
+              <a:rPr lang="en-US" altLang="zh-CN" dirty="0">
+                <a:solidFill>
+                  <a:schemeClr val="bg1"/>
+                </a:solidFill>
+                <a:latin typeface="Arial" panose="020B0604020202020204" pitchFamily="34" charset="0"/>
+                <a:cs typeface="Arial" panose="020B0604020202020204" pitchFamily="34" charset="0"/>
+              </a:rPr>
+              <a:t>Mint</a:t>
+            </a:r>
+          </a:p>
+          <a:p>
+            <a:pPr algn="r"/>
+            <a:r>
+              <a:rPr lang="en-US" altLang="zh-CN" dirty="0">
+                <a:solidFill>
+                  <a:schemeClr val="bg1"/>
+                </a:solidFill>
+                <a:latin typeface="Arial" panose="020B0604020202020204" pitchFamily="34" charset="0"/>
+                <a:cs typeface="Arial" panose="020B0604020202020204" pitchFamily="34" charset="0"/>
+              </a:rPr>
+              <a:t>Redeem</a:t>
+            </a:r>
+          </a:p>
+          <a:p>
+            <a:pPr algn="r"/>
+            <a:r>
+              <a:rPr lang="en-US" altLang="zh-CN" dirty="0">
+                <a:solidFill>
+                  <a:schemeClr val="bg1"/>
+                </a:solidFill>
+                <a:latin typeface="Arial" panose="020B0604020202020204" pitchFamily="34" charset="0"/>
+                <a:cs typeface="Arial" panose="020B0604020202020204" pitchFamily="34" charset="0"/>
+              </a:rPr>
+              <a:t>Approve</a:t>
+            </a:r>
+          </a:p>
+        </p:txBody>
+      </p:sp>
+      <p:sp>
+        <p:nvSpPr>
+          <p:cNvPr id="53" name="文本框 52">
+            <a:extLst>
+              <a:ext uri="{FF2B5EF4-FFF2-40B4-BE49-F238E27FC236}">
+                <a16:creationId xmlns:a16="http://schemas.microsoft.com/office/drawing/2014/main" id="{7273DDB7-7146-4CDB-BB40-44040AFD94E1}"/>
+              </a:ext>
+            </a:extLst>
+          </p:cNvPr>
+          <p:cNvSpPr txBox="1"/>
+          <p:nvPr/>
+        </p:nvSpPr>
+        <p:spPr>
+          <a:xfrm>
+            <a:off x="9350649" y="1800716"/>
+            <a:ext cx="1056700" cy="923330"/>
+          </a:xfrm>
+          <a:prstGeom prst="rect">
+            <a:avLst/>
+          </a:prstGeom>
+          <a:noFill/>
+          <a:ln>
+            <a:noFill/>
+          </a:ln>
+        </p:spPr>
+        <p:txBody>
+          <a:bodyPr wrap="none" rtlCol="0">
+            <a:spAutoFit/>
+          </a:bodyPr>
+          <a:lstStyle/>
+          <a:p>
+            <a:r>
+              <a:rPr lang="en-US" altLang="zh-CN" dirty="0">
+                <a:solidFill>
+                  <a:schemeClr val="bg1"/>
+                </a:solidFill>
+                <a:latin typeface="Arial" panose="020B0604020202020204" pitchFamily="34" charset="0"/>
+                <a:cs typeface="Arial" panose="020B0604020202020204" pitchFamily="34" charset="0"/>
+              </a:rPr>
+              <a:t>Mint</a:t>
+            </a:r>
+          </a:p>
+          <a:p>
+            <a:r>
+              <a:rPr lang="en-US" altLang="zh-CN" dirty="0">
+                <a:solidFill>
+                  <a:schemeClr val="bg1"/>
+                </a:solidFill>
+                <a:latin typeface="Arial" panose="020B0604020202020204" pitchFamily="34" charset="0"/>
+                <a:cs typeface="Arial" panose="020B0604020202020204" pitchFamily="34" charset="0"/>
+              </a:rPr>
+              <a:t>Redeem</a:t>
+            </a:r>
+          </a:p>
+          <a:p>
+            <a:r>
+              <a:rPr lang="en-US" altLang="zh-CN" dirty="0">
+                <a:solidFill>
+                  <a:schemeClr val="bg1"/>
+                </a:solidFill>
+                <a:latin typeface="Arial" panose="020B0604020202020204" pitchFamily="34" charset="0"/>
+                <a:cs typeface="Arial" panose="020B0604020202020204" pitchFamily="34" charset="0"/>
+              </a:rPr>
+              <a:t>Approve</a:t>
+            </a:r>
+          </a:p>
+        </p:txBody>
+      </p:sp>
+      <p:cxnSp>
+        <p:nvCxnSpPr>
+          <p:cNvPr id="54" name="连接符: 肘形 53">
+            <a:extLst>
+              <a:ext uri="{FF2B5EF4-FFF2-40B4-BE49-F238E27FC236}">
+                <a16:creationId xmlns:a16="http://schemas.microsoft.com/office/drawing/2014/main" id="{A7B8E3D4-29BA-44A5-884E-922C0ECE14A5}"/>
+              </a:ext>
+            </a:extLst>
+          </p:cNvPr>
+          <p:cNvCxnSpPr>
+            <a:cxnSpLocks/>
+            <a:stCxn id="41" idx="3"/>
+          </p:cNvCxnSpPr>
+          <p:nvPr/>
+        </p:nvCxnSpPr>
+        <p:spPr>
+          <a:xfrm>
+            <a:off x="8890875" y="2398539"/>
+            <a:ext cx="1690510" cy="651015"/>
+          </a:xfrm>
+          <a:prstGeom prst="bentConnector2">
+            <a:avLst/>
+          </a:prstGeom>
+          <a:noFill/>
+          <a:ln>
+            <a:solidFill>
+              <a:schemeClr val="bg1"/>
+            </a:solidFill>
+            <a:tailEnd type="triangle"/>
+          </a:ln>
+        </p:spPr>
+        <p:style>
+          <a:lnRef idx="1">
+            <a:schemeClr val="dk1"/>
+          </a:lnRef>
+          <a:fillRef idx="0">
+            <a:schemeClr val="dk1"/>
+          </a:fillRef>
+          <a:effectRef idx="0">
+            <a:schemeClr val="dk1"/>
+          </a:effectRef>
+          <a:fontRef idx="minor">
+            <a:schemeClr val="tx1"/>
+          </a:fontRef>
+        </p:style>
+      </p:cxnSp>
+      <p:sp>
+        <p:nvSpPr>
+          <p:cNvPr id="55" name="圆柱体 54">
+            <a:extLst>
+              <a:ext uri="{FF2B5EF4-FFF2-40B4-BE49-F238E27FC236}">
+                <a16:creationId xmlns:a16="http://schemas.microsoft.com/office/drawing/2014/main" id="{F2D3B38F-AB9D-4C7F-9554-75F95B8607B3}"/>
+              </a:ext>
+            </a:extLst>
+          </p:cNvPr>
+          <p:cNvSpPr/>
+          <p:nvPr/>
+        </p:nvSpPr>
+        <p:spPr>
+          <a:xfrm>
+            <a:off x="6935464" y="3575790"/>
+            <a:ext cx="1955410" cy="1297745"/>
+          </a:xfrm>
+          <a:prstGeom prst="can">
+            <a:avLst/>
+          </a:prstGeom>
+          <a:noFill/>
+          <a:ln>
+            <a:solidFill>
+              <a:schemeClr val="bg1"/>
+            </a:solidFill>
+          </a:ln>
+        </p:spPr>
+        <p:style>
+          <a:lnRef idx="2">
+            <a:schemeClr val="dk1"/>
+          </a:lnRef>
+          <a:fillRef idx="1">
+            <a:schemeClr val="lt1"/>
+          </a:fillRef>
+          <a:effectRef idx="0">
+            <a:schemeClr val="dk1"/>
+          </a:effectRef>
+          <a:fontRef idx="minor">
+            <a:schemeClr val="dk1"/>
+          </a:fontRef>
+        </p:style>
+        <p:txBody>
+          <a:bodyPr rtlCol="0" anchor="ctr"/>
+          <a:lstStyle/>
+          <a:p>
+            <a:pPr algn="ctr"/>
+            <a:r>
+              <a:rPr lang="en-US" altLang="zh-CN" dirty="0">
+                <a:solidFill>
+                  <a:schemeClr val="bg1"/>
+                </a:solidFill>
+                <a:latin typeface="Arial" panose="020B0604020202020204" pitchFamily="34" charset="0"/>
+                <a:cs typeface="Arial" panose="020B0604020202020204" pitchFamily="34" charset="0"/>
+              </a:rPr>
+              <a:t>Position Tokens</a:t>
+            </a:r>
+          </a:p>
+          <a:p>
+            <a:pPr algn="ctr"/>
+            <a:r>
+              <a:rPr lang="en-US" altLang="zh-CN" dirty="0">
+                <a:solidFill>
+                  <a:schemeClr val="bg1"/>
+                </a:solidFill>
+                <a:latin typeface="Arial" panose="020B0604020202020204" pitchFamily="34" charset="0"/>
+                <a:cs typeface="Arial" panose="020B0604020202020204" pitchFamily="34" charset="0"/>
+              </a:rPr>
+              <a:t>Collateral Tokens</a:t>
+            </a:r>
+          </a:p>
+          <a:p>
+            <a:pPr algn="ctr"/>
+            <a:r>
+              <a:rPr lang="en-US" altLang="zh-CN" dirty="0">
+                <a:solidFill>
+                  <a:schemeClr val="bg1"/>
+                </a:solidFill>
+                <a:latin typeface="Arial" panose="020B0604020202020204" pitchFamily="34" charset="0"/>
+                <a:cs typeface="Arial" panose="020B0604020202020204" pitchFamily="34" charset="0"/>
+              </a:rPr>
+              <a:t>MKT</a:t>
+            </a:r>
+            <a:endParaRPr lang="zh-CN" altLang="en-US" dirty="0">
               <a:solidFill>
                 <a:schemeClr val="bg1"/>
               </a:solidFill>
-              <a:tailEnd type="triangle"/>
-            </a:ln>
-          </p:spPr>
-          <p:style>
-            <a:lnRef idx="1">
-              <a:schemeClr val="dk1"/>
-            </a:lnRef>
-            <a:fillRef idx="0">
-              <a:schemeClr val="dk1"/>
-            </a:fillRef>
-            <a:effectRef idx="0">
-              <a:schemeClr val="dk1"/>
-            </a:effectRef>
-            <a:fontRef idx="minor">
-              <a:schemeClr val="tx1"/>
-            </a:fontRef>
-          </p:style>
-        </p:cxnSp>
-      </p:grpSp>
+              <a:latin typeface="Arial" panose="020B0604020202020204" pitchFamily="34" charset="0"/>
+              <a:cs typeface="Arial" panose="020B0604020202020204" pitchFamily="34" charset="0"/>
+            </a:endParaRPr>
+          </a:p>
+        </p:txBody>
+      </p:sp>
+      <p:sp>
+        <p:nvSpPr>
+          <p:cNvPr id="57" name="左大括号 56">
+            <a:extLst>
+              <a:ext uri="{FF2B5EF4-FFF2-40B4-BE49-F238E27FC236}">
+                <a16:creationId xmlns:a16="http://schemas.microsoft.com/office/drawing/2014/main" id="{8E2E87D9-4E78-45F6-B539-AE44D4E24370}"/>
+              </a:ext>
+            </a:extLst>
+          </p:cNvPr>
+          <p:cNvSpPr/>
+          <p:nvPr/>
+        </p:nvSpPr>
+        <p:spPr>
+          <a:xfrm rot="5400000">
+            <a:off x="7564773" y="2077022"/>
+            <a:ext cx="651016" cy="2417371"/>
+          </a:xfrm>
+          <a:prstGeom prst="leftBrace">
+            <a:avLst>
+              <a:gd name="adj1" fmla="val 70999"/>
+              <a:gd name="adj2" fmla="val 50000"/>
+            </a:avLst>
+          </a:prstGeom>
+          <a:noFill/>
+          <a:ln>
+            <a:solidFill>
+              <a:schemeClr val="bg1"/>
+            </a:solidFill>
+          </a:ln>
+        </p:spPr>
+        <p:style>
+          <a:lnRef idx="1">
+            <a:schemeClr val="dk1"/>
+          </a:lnRef>
+          <a:fillRef idx="0">
+            <a:schemeClr val="dk1"/>
+          </a:fillRef>
+          <a:effectRef idx="0">
+            <a:schemeClr val="dk1"/>
+          </a:effectRef>
+          <a:fontRef idx="minor">
+            <a:schemeClr val="tx1"/>
+          </a:fontRef>
+        </p:style>
+        <p:txBody>
+          <a:bodyPr rtlCol="0" anchor="ctr"/>
+          <a:lstStyle/>
+          <a:p>
+            <a:pPr algn="ctr"/>
+            <a:endParaRPr lang="zh-CN" altLang="en-US">
+              <a:solidFill>
+                <a:schemeClr val="bg1"/>
+              </a:solidFill>
+              <a:latin typeface="Arial" panose="020B0604020202020204" pitchFamily="34" charset="0"/>
+              <a:cs typeface="Arial" panose="020B0604020202020204" pitchFamily="34" charset="0"/>
+            </a:endParaRPr>
+          </a:p>
+        </p:txBody>
+      </p:sp>
+      <p:sp>
+        <p:nvSpPr>
+          <p:cNvPr id="58" name="矩形: 圆角 57">
+            <a:extLst>
+              <a:ext uri="{FF2B5EF4-FFF2-40B4-BE49-F238E27FC236}">
+                <a16:creationId xmlns:a16="http://schemas.microsoft.com/office/drawing/2014/main" id="{6FB68AAF-26E7-4D99-8074-0514F57F7122}"/>
+              </a:ext>
+            </a:extLst>
+          </p:cNvPr>
+          <p:cNvSpPr/>
+          <p:nvPr/>
+        </p:nvSpPr>
+        <p:spPr>
+          <a:xfrm>
+            <a:off x="9579921" y="3024936"/>
+            <a:ext cx="2171291" cy="914400"/>
+          </a:xfrm>
+          <a:prstGeom prst="roundRect">
+            <a:avLst>
+              <a:gd name="adj" fmla="val 33590"/>
+            </a:avLst>
+          </a:prstGeom>
+          <a:noFill/>
+          <a:ln>
+            <a:solidFill>
+              <a:schemeClr val="bg1"/>
+            </a:solidFill>
+          </a:ln>
+        </p:spPr>
+        <p:style>
+          <a:lnRef idx="2">
+            <a:schemeClr val="accent1">
+              <a:shade val="50000"/>
+            </a:schemeClr>
+          </a:lnRef>
+          <a:fillRef idx="1">
+            <a:schemeClr val="accent1"/>
+          </a:fillRef>
+          <a:effectRef idx="0">
+            <a:schemeClr val="accent1"/>
+          </a:effectRef>
+          <a:fontRef idx="minor">
+            <a:schemeClr val="lt1"/>
+          </a:fontRef>
+        </p:style>
+        <p:txBody>
+          <a:bodyPr rot="0" spcFirstLastPara="0" vertOverflow="overflow" horzOverflow="overflow" vert="horz" wrap="square" lIns="91440" tIns="45720" rIns="91440" bIns="45720" numCol="1" spcCol="0" rtlCol="0" fromWordArt="0" anchor="ctr" anchorCtr="0" forceAA="0" compatLnSpc="1">
+            <a:prstTxWarp prst="textNoShape">
+              <a:avLst/>
+            </a:prstTxWarp>
+            <a:noAutofit/>
+          </a:bodyPr>
+          <a:lstStyle/>
+          <a:p>
+            <a:pPr algn="ctr"/>
+            <a:r>
+              <a:rPr lang="en-US" altLang="zh-CN" dirty="0">
+                <a:solidFill>
+                  <a:schemeClr val="bg1"/>
+                </a:solidFill>
+                <a:latin typeface="Arial" panose="020B0604020202020204" pitchFamily="34" charset="0"/>
+                <a:ea typeface="微软雅黑" panose="020B0503020204020204" pitchFamily="34" charset="-122"/>
+                <a:cs typeface="Arial" panose="020B0604020202020204" pitchFamily="34" charset="0"/>
+              </a:rPr>
+              <a:t>Market Protocol</a:t>
+            </a:r>
+            <a:endParaRPr lang="zh-CN" altLang="en-US" dirty="0">
+              <a:solidFill>
+                <a:schemeClr val="bg1"/>
+              </a:solidFill>
+              <a:latin typeface="Arial" panose="020B0604020202020204" pitchFamily="34" charset="0"/>
+              <a:ea typeface="微软雅黑" panose="020B0503020204020204" pitchFamily="34" charset="-122"/>
+              <a:cs typeface="Arial" panose="020B0604020202020204" pitchFamily="34" charset="0"/>
+            </a:endParaRPr>
+          </a:p>
+        </p:txBody>
+      </p:sp>
+      <p:cxnSp>
+        <p:nvCxnSpPr>
+          <p:cNvPr id="28" name="连接符: 肘形 27">
+            <a:extLst>
+              <a:ext uri="{FF2B5EF4-FFF2-40B4-BE49-F238E27FC236}">
+                <a16:creationId xmlns:a16="http://schemas.microsoft.com/office/drawing/2014/main" id="{9B49CAF7-4831-46B7-A675-3E0FA7B2C972}"/>
+              </a:ext>
+            </a:extLst>
+          </p:cNvPr>
+          <p:cNvCxnSpPr>
+            <a:cxnSpLocks/>
+            <a:stCxn id="35" idx="6"/>
+            <a:endCxn id="40" idx="0"/>
+          </p:cNvCxnSpPr>
+          <p:nvPr/>
+        </p:nvCxnSpPr>
+        <p:spPr>
+          <a:xfrm>
+            <a:off x="1964654" y="2386419"/>
+            <a:ext cx="2930729" cy="687754"/>
+          </a:xfrm>
+          <a:prstGeom prst="bentConnector2">
+            <a:avLst/>
+          </a:prstGeom>
+          <a:ln>
+            <a:solidFill>
+              <a:schemeClr val="bg1"/>
+            </a:solidFill>
+            <a:tailEnd type="triangle"/>
+          </a:ln>
+        </p:spPr>
+        <p:style>
+          <a:lnRef idx="1">
+            <a:schemeClr val="dk1"/>
+          </a:lnRef>
+          <a:fillRef idx="0">
+            <a:schemeClr val="dk1"/>
+          </a:fillRef>
+          <a:effectRef idx="0">
+            <a:schemeClr val="dk1"/>
+          </a:effectRef>
+          <a:fontRef idx="minor">
+            <a:schemeClr val="tx1"/>
+          </a:fontRef>
+        </p:style>
+      </p:cxnSp>
+      <p:cxnSp>
+        <p:nvCxnSpPr>
+          <p:cNvPr id="31" name="连接符: 肘形 30">
+            <a:extLst>
+              <a:ext uri="{FF2B5EF4-FFF2-40B4-BE49-F238E27FC236}">
+                <a16:creationId xmlns:a16="http://schemas.microsoft.com/office/drawing/2014/main" id="{583543EE-4074-45CE-B4E6-E7353E3C693F}"/>
+              </a:ext>
+            </a:extLst>
+          </p:cNvPr>
+          <p:cNvCxnSpPr>
+            <a:cxnSpLocks/>
+            <a:stCxn id="37" idx="6"/>
+            <a:endCxn id="40" idx="2"/>
+          </p:cNvCxnSpPr>
+          <p:nvPr/>
+        </p:nvCxnSpPr>
+        <p:spPr>
+          <a:xfrm flipV="1">
+            <a:off x="1964654" y="3939336"/>
+            <a:ext cx="2930729" cy="407963"/>
+          </a:xfrm>
+          <a:prstGeom prst="bentConnector2">
+            <a:avLst/>
+          </a:prstGeom>
+          <a:ln>
+            <a:solidFill>
+              <a:schemeClr val="bg1"/>
+            </a:solidFill>
+            <a:tailEnd type="triangle"/>
+          </a:ln>
+        </p:spPr>
+        <p:style>
+          <a:lnRef idx="1">
+            <a:schemeClr val="dk1"/>
+          </a:lnRef>
+          <a:fillRef idx="0">
+            <a:schemeClr val="dk1"/>
+          </a:fillRef>
+          <a:effectRef idx="0">
+            <a:schemeClr val="dk1"/>
+          </a:effectRef>
+          <a:fontRef idx="minor">
+            <a:schemeClr val="tx1"/>
+          </a:fontRef>
+        </p:style>
+      </p:cxnSp>
+      <p:cxnSp>
+        <p:nvCxnSpPr>
+          <p:cNvPr id="32" name="连接符: 肘形 31">
+            <a:extLst>
+              <a:ext uri="{FF2B5EF4-FFF2-40B4-BE49-F238E27FC236}">
+                <a16:creationId xmlns:a16="http://schemas.microsoft.com/office/drawing/2014/main" id="{760EC8E0-6E90-4442-8360-155A84CEF8A1}"/>
+              </a:ext>
+            </a:extLst>
+          </p:cNvPr>
+          <p:cNvCxnSpPr>
+            <a:cxnSpLocks/>
+            <a:stCxn id="40" idx="3"/>
+            <a:endCxn id="41" idx="1"/>
+          </p:cNvCxnSpPr>
+          <p:nvPr/>
+        </p:nvCxnSpPr>
+        <p:spPr>
+          <a:xfrm flipV="1">
+            <a:off x="5873088" y="2398539"/>
+            <a:ext cx="1062376" cy="1108216"/>
+          </a:xfrm>
+          <a:prstGeom prst="bentConnector3">
+            <a:avLst/>
+          </a:prstGeom>
+          <a:ln>
+            <a:solidFill>
+              <a:schemeClr val="bg1"/>
+            </a:solidFill>
+            <a:tailEnd type="triangle"/>
+          </a:ln>
+        </p:spPr>
+        <p:style>
+          <a:lnRef idx="1">
+            <a:schemeClr val="dk1"/>
+          </a:lnRef>
+          <a:fillRef idx="0">
+            <a:schemeClr val="dk1"/>
+          </a:fillRef>
+          <a:effectRef idx="0">
+            <a:schemeClr val="dk1"/>
+          </a:effectRef>
+          <a:fontRef idx="minor">
+            <a:schemeClr val="tx1"/>
+          </a:fontRef>
+        </p:style>
+      </p:cxnSp>
     </p:spTree>
     <p:extLst>
       <p:ext uri="{BB962C8B-B14F-4D97-AF65-F5344CB8AC3E}">
